--- a/materials/Project Presentation.pptx
+++ b/materials/Project Presentation.pptx
@@ -6,7 +6,7 @@
     <p:sldMasterId id="2147483656" r:id="rId2"/>
   </p:sldMasterIdLst>
   <p:notesMasterIdLst>
-    <p:notesMasterId r:id="rId23"/>
+    <p:notesMasterId r:id="rId26"/>
   </p:notesMasterIdLst>
   <p:sldIdLst>
     <p:sldId id="314" r:id="rId3"/>
@@ -23,12 +23,15 @@
     <p:sldId id="348" r:id="rId14"/>
     <p:sldId id="350" r:id="rId15"/>
     <p:sldId id="349" r:id="rId16"/>
-    <p:sldId id="352" r:id="rId17"/>
-    <p:sldId id="353" r:id="rId18"/>
-    <p:sldId id="351" r:id="rId19"/>
-    <p:sldId id="354" r:id="rId20"/>
-    <p:sldId id="293" r:id="rId21"/>
-    <p:sldId id="315" r:id="rId22"/>
+    <p:sldId id="353" r:id="rId17"/>
+    <p:sldId id="351" r:id="rId18"/>
+    <p:sldId id="355" r:id="rId19"/>
+    <p:sldId id="356" r:id="rId20"/>
+    <p:sldId id="352" r:id="rId21"/>
+    <p:sldId id="357" r:id="rId22"/>
+    <p:sldId id="293" r:id="rId23"/>
+    <p:sldId id="315" r:id="rId24"/>
+    <p:sldId id="354" r:id="rId25"/>
   </p:sldIdLst>
   <p:sldSz cx="9144000" cy="6858000" type="screen4x3"/>
   <p:notesSz cx="6858000" cy="9144000"/>
@@ -303,7 +306,7 @@
                   <a:bodyPr/>
                   <a:lstStyle/>
                   <a:p>
-                    <a:fld id="{73537788-8D3A-4A7E-8425-E7A0071F904C}" type="CELLRANGE">
+                    <a:fld id="{315C4D7B-F2E3-4522-A612-8B7DD42FDF5F}" type="CELLRANGE">
                       <a:rPr lang="en-US"/>
                       <a:pPr/>
                       <a:t>[CELLRANGE]</a:t>
@@ -335,7 +338,7 @@
                   <a:bodyPr/>
                   <a:lstStyle/>
                   <a:p>
-                    <a:fld id="{99E6E435-12A6-4BB7-8D4D-F4D9000C0487}" type="CELLRANGE">
+                    <a:fld id="{A948552F-ACBD-4683-A5B0-CE576E96340A}" type="CELLRANGE">
                       <a:rPr lang="en-US"/>
                       <a:pPr/>
                       <a:t>[CELLRANGE]</a:t>
@@ -367,7 +370,7 @@
                   <a:bodyPr/>
                   <a:lstStyle/>
                   <a:p>
-                    <a:fld id="{F2D91725-CCD7-480A-9775-4550D1D28EDE}" type="CELLRANGE">
+                    <a:fld id="{ACD2497A-C183-4F31-8D79-035E5B5A32C1}" type="CELLRANGE">
                       <a:rPr lang="en-US"/>
                       <a:pPr/>
                       <a:t>[CELLRANGE]</a:t>
@@ -399,7 +402,7 @@
                   <a:bodyPr/>
                   <a:lstStyle/>
                   <a:p>
-                    <a:fld id="{1437E8FD-3E6E-4A6D-B62F-9DAED7630250}" type="CELLRANGE">
+                    <a:fld id="{AD39642E-0CAD-4E87-B977-3FC90869E3EF}" type="CELLRANGE">
                       <a:rPr lang="en-US"/>
                       <a:pPr/>
                       <a:t>[CELLRANGE]</a:t>
@@ -431,7 +434,7 @@
                   <a:bodyPr/>
                   <a:lstStyle/>
                   <a:p>
-                    <a:fld id="{D07E643E-4B62-425B-A558-6924526DBC5A}" type="CELLRANGE">
+                    <a:fld id="{5843CBA2-A677-4718-BB8E-4BDE34D4F1A3}" type="CELLRANGE">
                       <a:rPr lang="en-US"/>
                       <a:pPr/>
                       <a:t>[CELLRANGE]</a:t>
@@ -463,7 +466,7 @@
                   <a:bodyPr/>
                   <a:lstStyle/>
                   <a:p>
-                    <a:fld id="{BE5BD23E-0FFA-4EBF-A5EB-685F34C3B5FA}" type="CELLRANGE">
+                    <a:fld id="{B453D2A3-0B6E-494F-BE86-5F6D040DCC34}" type="CELLRANGE">
                       <a:rPr lang="en-US"/>
                       <a:pPr/>
                       <a:t>[CELLRANGE]</a:t>
@@ -495,7 +498,7 @@
                   <a:bodyPr/>
                   <a:lstStyle/>
                   <a:p>
-                    <a:fld id="{FA521468-4571-4C2E-913E-AD3D1FCB75ED}" type="CELLRANGE">
+                    <a:fld id="{8B181BB7-FF3F-4D83-A288-5A62BA5362F7}" type="CELLRANGE">
                       <a:rPr lang="en-US"/>
                       <a:pPr/>
                       <a:t>[CELLRANGE]</a:t>
@@ -527,7 +530,7 @@
                   <a:bodyPr/>
                   <a:lstStyle/>
                   <a:p>
-                    <a:fld id="{2FD2B5AA-118A-4CA2-97BE-AD1B52743371}" type="CELLRANGE">
+                    <a:fld id="{ADF3E6AE-B03B-4120-BDC3-3F9BB3AC86F5}" type="CELLRANGE">
                       <a:rPr lang="en-US"/>
                       <a:pPr/>
                       <a:t>[CELLRANGE]</a:t>
@@ -719,11 +722,11 @@
           <c:showPercent val="0"/>
           <c:showBubbleSize val="0"/>
         </c:dLbls>
-        <c:axId val="2080917120"/>
-        <c:axId val="2080917664"/>
+        <c:axId val="2087717776"/>
+        <c:axId val="2087715600"/>
       </c:scatterChart>
       <c:valAx>
-        <c:axId val="2080917120"/>
+        <c:axId val="2087717776"/>
         <c:scaling>
           <c:orientation val="minMax"/>
         </c:scaling>
@@ -780,12 +783,12 @@
             <a:endParaRPr lang="en-US"/>
           </a:p>
         </c:txPr>
-        <c:crossAx val="2080917664"/>
+        <c:crossAx val="2087715600"/>
         <c:crosses val="autoZero"/>
         <c:crossBetween val="midCat"/>
       </c:valAx>
       <c:valAx>
-        <c:axId val="2080917664"/>
+        <c:axId val="2087715600"/>
         <c:scaling>
           <c:orientation val="minMax"/>
         </c:scaling>
@@ -842,7 +845,7 @@
             <a:endParaRPr lang="en-US"/>
           </a:p>
         </c:txPr>
-        <c:crossAx val="2080917120"/>
+        <c:crossAx val="2087717776"/>
         <c:crosses val="autoZero"/>
         <c:crossBetween val="midCat"/>
       </c:valAx>
@@ -1571,7 +1574,7 @@
         <p:nvSpPr>
           <p:cNvPr id="4100" name="Rectangle 4"/>
           <p:cNvSpPr>
-            <a:spLocks noRot="1" noChangeArrowheads="1" noTextEdit="1"/>
+            <a:spLocks noGrp="1" noRot="1" noChangeAspect="1" noChangeArrowheads="1" noTextEdit="1"/>
           </p:cNvSpPr>
           <p:nvPr>
             <p:ph type="sldImg" idx="2"/>
@@ -2107,7 +2110,7 @@
         <p:nvSpPr>
           <p:cNvPr id="6147" name="Rectangle 2"/>
           <p:cNvSpPr>
-            <a:spLocks noRot="1" noChangeArrowheads="1" noTextEdit="1"/>
+            <a:spLocks noGrp="1" noRot="1" noChangeAspect="1" noChangeArrowheads="1" noTextEdit="1"/>
           </p:cNvSpPr>
           <p:nvPr>
             <p:ph type="sldImg"/>
@@ -9166,7 +9169,6 @@
               <a:rPr lang="en-US" altLang="zh-CN" sz="1800" dirty="0" smtClean="0"/>
               <a:t>2020-12-05</a:t>
             </a:r>
-            <a:endParaRPr lang="en-US" altLang="zh-CN" sz="1800" dirty="0" smtClean="0"/>
           </a:p>
         </p:txBody>
       </p:sp>
@@ -9234,10 +9236,6 @@
               <a:rPr lang="en-US" altLang="zh-CN" sz="3200" dirty="0" smtClean="0"/>
               <a:t>Traditional approach</a:t>
             </a:r>
-            <a:r>
-              <a:rPr lang="en-US" altLang="zh-CN" sz="3200" dirty="0" smtClean="0"/>
-              <a:t/>
-            </a:r>
             <a:br>
               <a:rPr lang="en-US" altLang="zh-CN" sz="3200" dirty="0" smtClean="0"/>
             </a:br>
@@ -9258,7 +9256,7 @@
         <p:spPr>
           <a:xfrm>
             <a:off x="609600" y="1051566"/>
-            <a:ext cx="8077200" cy="4130033"/>
+            <a:ext cx="8077200" cy="5044434"/>
           </a:xfrm>
         </p:spPr>
         <p:txBody>
@@ -9302,6 +9300,92 @@
               <a:buFont typeface="Wingdings" pitchFamily="2" charset="2"/>
               <a:buNone/>
             </a:pPr>
+            <a:endParaRPr lang="en-US" altLang="zh-CN" dirty="0" smtClean="0"/>
+          </a:p>
+          <a:p>
+            <a:pPr marL="231775" indent="-231775" algn="just">
+              <a:lnSpc>
+                <a:spcPct val="115000"/>
+              </a:lnSpc>
+              <a:buFont typeface="Wingdings" pitchFamily="2" charset="2"/>
+              <a:buNone/>
+            </a:pPr>
+            <a:endParaRPr lang="en-US" altLang="zh-CN" dirty="0"/>
+          </a:p>
+          <a:p>
+            <a:pPr marL="231775" indent="-231775" algn="just">
+              <a:lnSpc>
+                <a:spcPct val="115000"/>
+              </a:lnSpc>
+              <a:buFont typeface="Wingdings" pitchFamily="2" charset="2"/>
+              <a:buNone/>
+            </a:pPr>
+            <a:endParaRPr lang="en-US" altLang="zh-CN" dirty="0" smtClean="0"/>
+          </a:p>
+          <a:p>
+            <a:pPr marL="231775" indent="-231775" algn="just">
+              <a:lnSpc>
+                <a:spcPct val="115000"/>
+              </a:lnSpc>
+              <a:buFont typeface="Wingdings" pitchFamily="2" charset="2"/>
+              <a:buNone/>
+            </a:pPr>
+            <a:endParaRPr lang="en-US" altLang="zh-CN" dirty="0" smtClean="0"/>
+          </a:p>
+          <a:p>
+            <a:pPr algn="just">
+              <a:lnSpc>
+                <a:spcPct val="115000"/>
+              </a:lnSpc>
+            </a:pPr>
+            <a:r>
+              <a:rPr lang="en-US" altLang="zh-CN" dirty="0" smtClean="0"/>
+              <a:t>Heuristics to avoid spurious warnings</a:t>
+            </a:r>
+          </a:p>
+          <a:p>
+            <a:pPr algn="just">
+              <a:lnSpc>
+                <a:spcPct val="115000"/>
+              </a:lnSpc>
+            </a:pPr>
+            <a:r>
+              <a:rPr lang="en-US" altLang="zh-CN" dirty="0" smtClean="0"/>
+              <a:t>Carefully tuned algorithms to ensure scalability</a:t>
+            </a:r>
+          </a:p>
+          <a:p>
+            <a:pPr algn="just">
+              <a:lnSpc>
+                <a:spcPct val="115000"/>
+              </a:lnSpc>
+            </a:pPr>
+            <a:r>
+              <a:rPr lang="en-US" altLang="zh-CN" dirty="0" smtClean="0"/>
+              <a:t>Hundreds of bug detectors</a:t>
+            </a:r>
+          </a:p>
+          <a:p>
+            <a:pPr lvl="1" algn="just">
+              <a:lnSpc>
+                <a:spcPct val="115000"/>
+              </a:lnSpc>
+            </a:pPr>
+            <a:r>
+              <a:rPr lang="en-US" altLang="zh-CN" dirty="0" smtClean="0"/>
+              <a:t>One analysis for each bug pattern</a:t>
+            </a:r>
+          </a:p>
+          <a:p>
+            <a:pPr lvl="1" algn="just">
+              <a:lnSpc>
+                <a:spcPct val="115000"/>
+              </a:lnSpc>
+            </a:pPr>
+            <a:r>
+              <a:rPr lang="en-US" altLang="zh-CN" dirty="0" smtClean="0"/>
+              <a:t>Manually creating and tuning bug detectors does not scale</a:t>
+            </a:r>
             <a:endParaRPr lang="zh-CN" altLang="en-US" dirty="0" smtClean="0"/>
           </a:p>
         </p:txBody>
@@ -9792,10 +9876,6 @@
               <a:rPr lang="en-US" altLang="zh-CN" sz="3200" dirty="0" smtClean="0"/>
               <a:t>Learn to classify patterns</a:t>
             </a:r>
-            <a:r>
-              <a:rPr lang="en-US" altLang="zh-CN" sz="3200" dirty="0" smtClean="0"/>
-              <a:t/>
-            </a:r>
             <a:br>
               <a:rPr lang="en-US" altLang="zh-CN" sz="3200" dirty="0" smtClean="0"/>
             </a:br>
@@ -9894,7 +9974,88 @@
               <a:buFont typeface="Wingdings" pitchFamily="2" charset="2"/>
               <a:buNone/>
             </a:pPr>
-            <a:endParaRPr lang="zh-CN" altLang="en-US" dirty="0" smtClean="0"/>
+            <a:endParaRPr lang="en-US" altLang="zh-CN" dirty="0" smtClean="0"/>
+          </a:p>
+          <a:p>
+            <a:pPr marL="231775" indent="-231775" algn="just">
+              <a:lnSpc>
+                <a:spcPct val="115000"/>
+              </a:lnSpc>
+              <a:buFont typeface="Wingdings" pitchFamily="2" charset="2"/>
+              <a:buNone/>
+            </a:pPr>
+            <a:endParaRPr lang="en-US" altLang="zh-CN" dirty="0"/>
+          </a:p>
+          <a:p>
+            <a:pPr marL="231775" indent="-231775" algn="just">
+              <a:lnSpc>
+                <a:spcPct val="115000"/>
+              </a:lnSpc>
+              <a:buFont typeface="Wingdings" pitchFamily="2" charset="2"/>
+              <a:buNone/>
+            </a:pPr>
+            <a:endParaRPr lang="en-US" altLang="zh-CN" dirty="0" smtClean="0"/>
+          </a:p>
+          <a:p>
+            <a:pPr marL="231775" indent="-231775" algn="just">
+              <a:lnSpc>
+                <a:spcPct val="115000"/>
+              </a:lnSpc>
+              <a:buFont typeface="Wingdings" pitchFamily="2" charset="2"/>
+              <a:buNone/>
+            </a:pPr>
+            <a:r>
+              <a:rPr lang="en-US" altLang="zh-CN" dirty="0" smtClean="0"/>
+              <a:t>How to represent code:</a:t>
+            </a:r>
+          </a:p>
+          <a:p>
+            <a:pPr marL="231775" indent="-231775" algn="just">
+              <a:lnSpc>
+                <a:spcPct val="115000"/>
+              </a:lnSpc>
+              <a:buFont typeface="Wingdings" pitchFamily="2" charset="2"/>
+              <a:buNone/>
+            </a:pPr>
+            <a:r>
+              <a:rPr lang="en-US" altLang="zh-CN" dirty="0" smtClean="0"/>
+              <a:t>Token based, AST-based, graph-based</a:t>
+            </a:r>
+          </a:p>
+          <a:p>
+            <a:pPr marL="231775" indent="-231775" algn="just">
+              <a:lnSpc>
+                <a:spcPct val="115000"/>
+              </a:lnSpc>
+              <a:buFont typeface="Wingdings" pitchFamily="2" charset="2"/>
+              <a:buNone/>
+            </a:pPr>
+            <a:r>
+              <a:rPr lang="en-US" altLang="zh-CN" dirty="0" smtClean="0"/>
+              <a:t>Current solution: </a:t>
+            </a:r>
+            <a:r>
+              <a:rPr lang="en-US" altLang="zh-CN" dirty="0" err="1" smtClean="0"/>
+              <a:t>Embeddings</a:t>
+            </a:r>
+            <a:r>
+              <a:rPr lang="en-US" altLang="zh-CN" dirty="0" smtClean="0"/>
+              <a:t> of natural language</a:t>
+            </a:r>
+          </a:p>
+          <a:p>
+            <a:pPr marL="231775" indent="-231775" algn="just">
+              <a:lnSpc>
+                <a:spcPct val="115000"/>
+              </a:lnSpc>
+              <a:buFont typeface="Wingdings" pitchFamily="2" charset="2"/>
+              <a:buNone/>
+            </a:pPr>
+            <a:r>
+              <a:rPr lang="en-US" altLang="zh-CN" dirty="0" smtClean="0"/>
+              <a:t>                            elements in code</a:t>
+            </a:r>
+            <a:endParaRPr lang="en-US" altLang="zh-CN" dirty="0"/>
           </a:p>
         </p:txBody>
       </p:sp>
@@ -10642,10 +10803,6 @@
               <a:rPr lang="en-US" altLang="zh-CN" sz="3200" dirty="0" smtClean="0"/>
               <a:t>Benefits of learning patterns classification</a:t>
             </a:r>
-            <a:r>
-              <a:rPr lang="en-US" altLang="zh-CN" sz="3200" dirty="0" smtClean="0"/>
-              <a:t/>
-            </a:r>
             <a:br>
               <a:rPr lang="en-US" altLang="zh-CN" sz="3200" dirty="0" smtClean="0"/>
             </a:br>
@@ -12195,10 +12352,6 @@
               <a:rPr lang="en-US" altLang="zh-CN" sz="3200" dirty="0" smtClean="0"/>
               <a:t>Representing code as vectors</a:t>
             </a:r>
-            <a:r>
-              <a:rPr lang="en-US" altLang="zh-CN" sz="3200" dirty="0" smtClean="0"/>
-              <a:t/>
-            </a:r>
             <a:br>
               <a:rPr lang="en-US" altLang="zh-CN" sz="3200" dirty="0" smtClean="0"/>
             </a:br>
@@ -12721,990 +12874,6 @@
           <a:p>
             <a:r>
               <a:rPr lang="en-US" altLang="zh-CN" sz="3200" dirty="0" smtClean="0"/>
-              <a:t>Solution: Word2Vec</a:t>
-            </a:r>
-            <a:r>
-              <a:rPr lang="en-US" altLang="zh-CN" sz="3200" dirty="0" smtClean="0"/>
-              <a:t/>
-            </a:r>
-            <a:br>
-              <a:rPr lang="en-US" altLang="zh-CN" sz="3200" dirty="0" smtClean="0"/>
-            </a:br>
-            <a:endParaRPr lang="zh-CN" altLang="en-US" sz="2000" dirty="0" smtClean="0"/>
-          </a:p>
-        </p:txBody>
-      </p:sp>
-      <p:sp>
-        <p:nvSpPr>
-          <p:cNvPr id="11267" name="Rectangle 3"/>
-          <p:cNvSpPr>
-            <a:spLocks noGrp="1" noChangeArrowheads="1"/>
-          </p:cNvSpPr>
-          <p:nvPr>
-            <p:ph type="body" sz="half" idx="1"/>
-          </p:nvPr>
-        </p:nvSpPr>
-        <p:spPr>
-          <a:xfrm>
-            <a:off x="609599" y="1447800"/>
-            <a:ext cx="8177213" cy="4572000"/>
-          </a:xfrm>
-        </p:spPr>
-        <p:txBody>
-          <a:bodyPr/>
-          <a:lstStyle/>
-          <a:p>
-            <a:pPr marL="0" indent="0" algn="just">
-              <a:lnSpc>
-                <a:spcPct val="115000"/>
-              </a:lnSpc>
-              <a:buNone/>
-            </a:pPr>
-            <a:r>
-              <a:rPr lang="en-US" altLang="zh-CN" sz="1600" dirty="0" smtClean="0"/>
-              <a:t>Word </a:t>
-            </a:r>
-            <a:r>
-              <a:rPr lang="en-US" altLang="zh-CN" sz="1600" dirty="0" err="1" smtClean="0"/>
-              <a:t>embeddings</a:t>
-            </a:r>
-            <a:endParaRPr lang="en-US" altLang="zh-CN" sz="1600" dirty="0" smtClean="0"/>
-          </a:p>
-          <a:p>
-            <a:pPr algn="just">
-              <a:lnSpc>
-                <a:spcPct val="115000"/>
-              </a:lnSpc>
-            </a:pPr>
-            <a:r>
-              <a:rPr lang="en-US" altLang="zh-CN" sz="1600" dirty="0" smtClean="0"/>
-              <a:t>Continuous vector representation of each word</a:t>
-            </a:r>
-          </a:p>
-          <a:p>
-            <a:pPr algn="just">
-              <a:lnSpc>
-                <a:spcPct val="115000"/>
-              </a:lnSpc>
-            </a:pPr>
-            <a:r>
-              <a:rPr lang="en-US" altLang="zh-CN" sz="1600" dirty="0" smtClean="0"/>
-              <a:t>Similar words have similar vectors</a:t>
-            </a:r>
-          </a:p>
-          <a:p>
-            <a:pPr marL="0" indent="0" algn="just">
-              <a:lnSpc>
-                <a:spcPct val="115000"/>
-              </a:lnSpc>
-              <a:buNone/>
-            </a:pPr>
-            <a:endParaRPr lang="en-US" altLang="zh-CN" sz="1600" dirty="0" smtClean="0"/>
-          </a:p>
-          <a:p>
-            <a:pPr marL="0" indent="0" algn="just">
-              <a:lnSpc>
-                <a:spcPct val="115000"/>
-              </a:lnSpc>
-              <a:buNone/>
-            </a:pPr>
-            <a:r>
-              <a:rPr lang="en-US" altLang="zh-CN" sz="1600" dirty="0" smtClean="0"/>
-              <a:t>Learn </a:t>
-            </a:r>
-            <a:r>
-              <a:rPr lang="en-US" altLang="zh-CN" sz="1600" dirty="0" err="1" smtClean="0"/>
-              <a:t>Embeddings</a:t>
-            </a:r>
-            <a:r>
-              <a:rPr lang="en-US" altLang="zh-CN" sz="1600" dirty="0" smtClean="0"/>
-              <a:t> from corpus of text</a:t>
-            </a:r>
-          </a:p>
-          <a:p>
-            <a:pPr algn="just">
-              <a:lnSpc>
-                <a:spcPct val="115000"/>
-              </a:lnSpc>
-            </a:pPr>
-            <a:r>
-              <a:rPr lang="en-US" altLang="zh-CN" sz="1600" dirty="0" smtClean="0"/>
-              <a:t>Context: Surrounding words in sentences</a:t>
-            </a:r>
-            <a:endParaRPr lang="en-US" altLang="zh-CN" sz="1600" dirty="0" smtClean="0"/>
-          </a:p>
-          <a:p>
-            <a:pPr marL="0" indent="0" algn="just">
-              <a:lnSpc>
-                <a:spcPct val="115000"/>
-              </a:lnSpc>
-              <a:buNone/>
-            </a:pPr>
-            <a:endParaRPr lang="en-US" altLang="zh-CN" sz="1600" dirty="0" smtClean="0"/>
-          </a:p>
-          <a:p>
-            <a:pPr marL="0" indent="0" algn="just">
-              <a:lnSpc>
-                <a:spcPct val="115000"/>
-              </a:lnSpc>
-              <a:buNone/>
-            </a:pPr>
-            <a:endParaRPr lang="en-US" altLang="zh-CN" sz="1600" dirty="0"/>
-          </a:p>
-          <a:p>
-            <a:pPr marL="0" indent="0" algn="just">
-              <a:lnSpc>
-                <a:spcPct val="115000"/>
-              </a:lnSpc>
-              <a:buNone/>
-            </a:pPr>
-            <a:endParaRPr lang="en-US" altLang="zh-CN" sz="1600" dirty="0" smtClean="0"/>
-          </a:p>
-          <a:p>
-            <a:pPr marL="231775" indent="-231775" algn="just">
-              <a:lnSpc>
-                <a:spcPct val="115000"/>
-              </a:lnSpc>
-              <a:buFont typeface="Wingdings" pitchFamily="2" charset="2"/>
-              <a:buNone/>
-            </a:pPr>
-            <a:endParaRPr lang="zh-CN" altLang="en-US" dirty="0" smtClean="0"/>
-          </a:p>
-        </p:txBody>
-      </p:sp>
-      <p:sp>
-        <p:nvSpPr>
-          <p:cNvPr id="11268" name="Date Placeholder 4"/>
-          <p:cNvSpPr>
-            <a:spLocks noGrp="1"/>
-          </p:cNvSpPr>
-          <p:nvPr>
-            <p:ph type="dt" sz="quarter" idx="10"/>
-          </p:nvPr>
-        </p:nvSpPr>
-        <p:spPr>
-          <a:noFill/>
-          <a:ln/>
-          <a:extLst>
-            <a:ext uri="{909E8E84-426E-40DD-AFC4-6F175D3DCCD1}">
-              <a14:hiddenFill xmlns:a14="http://schemas.microsoft.com/office/drawing/2010/main">
-                <a:solidFill>
-                  <a:srgbClr val="FFFFFF"/>
-                </a:solidFill>
-              </a14:hiddenFill>
-            </a:ext>
-            <a:ext uri="{91240B29-F687-4F45-9708-019B960494DF}">
-              <a14:hiddenLine xmlns:a14="http://schemas.microsoft.com/office/drawing/2010/main" w="9525">
-                <a:solidFill>
-                  <a:srgbClr val="000000"/>
-                </a:solidFill>
-                <a:miter lim="800000"/>
-                <a:headEnd/>
-                <a:tailEnd/>
-              </a14:hiddenLine>
-            </a:ext>
-          </a:extLst>
-        </p:spPr>
-        <p:txBody>
-          <a:bodyPr/>
-          <a:lstStyle>
-            <a:lvl1pPr>
-              <a:lnSpc>
-                <a:spcPct val="120000"/>
-              </a:lnSpc>
-              <a:spcBef>
-                <a:spcPct val="20000"/>
-              </a:spcBef>
-              <a:spcAft>
-                <a:spcPct val="20000"/>
-              </a:spcAft>
-              <a:buClr>
-                <a:srgbClr val="990000"/>
-              </a:buClr>
-              <a:buSzPct val="85000"/>
-              <a:buFont typeface="Wingdings" panose="05000000000000000000" pitchFamily="2" charset="2"/>
-              <a:buChar char="l"/>
-              <a:defRPr sz="1700">
-                <a:solidFill>
-                  <a:schemeClr val="tx1"/>
-                </a:solidFill>
-                <a:latin typeface="FrutigerNext LT Medium" pitchFamily="34" charset="0"/>
-                <a:ea typeface="宋体" panose="02010600030101010101" pitchFamily="2" charset="-122"/>
-              </a:defRPr>
-            </a:lvl1pPr>
-            <a:lvl2pPr marL="742950" indent="-285750">
-              <a:lnSpc>
-                <a:spcPct val="120000"/>
-              </a:lnSpc>
-              <a:spcBef>
-                <a:spcPct val="20000"/>
-              </a:spcBef>
-              <a:spcAft>
-                <a:spcPct val="20000"/>
-              </a:spcAft>
-              <a:buClr>
-                <a:srgbClr val="5F5F5F"/>
-              </a:buClr>
-              <a:buFont typeface="Wingdings 3" panose="05040102010807070707" pitchFamily="18" charset="2"/>
-              <a:buChar char="["/>
-              <a:defRPr sz="1700">
-                <a:solidFill>
-                  <a:schemeClr val="tx1"/>
-                </a:solidFill>
-                <a:latin typeface="FrutigerNext LT Medium" pitchFamily="34" charset="0"/>
-                <a:ea typeface="宋体" panose="02010600030101010101" pitchFamily="2" charset="-122"/>
-              </a:defRPr>
-            </a:lvl2pPr>
-            <a:lvl3pPr marL="1143000" indent="-228600">
-              <a:lnSpc>
-                <a:spcPct val="120000"/>
-              </a:lnSpc>
-              <a:spcBef>
-                <a:spcPct val="20000"/>
-              </a:spcBef>
-              <a:spcAft>
-                <a:spcPct val="20000"/>
-              </a:spcAft>
-              <a:buClr>
-                <a:schemeClr val="tx1"/>
-              </a:buClr>
-              <a:buFont typeface="Arial" panose="020B0604020202020204" pitchFamily="34" charset="0"/>
-              <a:buChar char="−"/>
-              <a:defRPr sz="1700">
-                <a:solidFill>
-                  <a:schemeClr val="tx1"/>
-                </a:solidFill>
-                <a:latin typeface="FrutigerNext LT Medium" pitchFamily="34" charset="0"/>
-                <a:ea typeface="宋体" panose="02010600030101010101" pitchFamily="2" charset="-122"/>
-              </a:defRPr>
-            </a:lvl3pPr>
-            <a:lvl4pPr marL="1600200" indent="-228600">
-              <a:lnSpc>
-                <a:spcPct val="120000"/>
-              </a:lnSpc>
-              <a:spcBef>
-                <a:spcPct val="20000"/>
-              </a:spcBef>
-              <a:spcAft>
-                <a:spcPct val="20000"/>
-              </a:spcAft>
-              <a:buClr>
-                <a:schemeClr val="tx1"/>
-              </a:buClr>
-              <a:buFont typeface="Arial" panose="020B0604020202020204" pitchFamily="34" charset="0"/>
-              <a:buChar char="▪"/>
-              <a:defRPr sz="1700">
-                <a:solidFill>
-                  <a:schemeClr val="tx1"/>
-                </a:solidFill>
-                <a:latin typeface="FrutigerNext LT Medium" pitchFamily="34" charset="0"/>
-                <a:ea typeface="宋体" panose="02010600030101010101" pitchFamily="2" charset="-122"/>
-              </a:defRPr>
-            </a:lvl4pPr>
-            <a:lvl5pPr marL="2057400" indent="-228600">
-              <a:spcBef>
-                <a:spcPct val="20000"/>
-              </a:spcBef>
-              <a:buChar char="»"/>
-              <a:defRPr sz="1700">
-                <a:solidFill>
-                  <a:schemeClr val="tx1"/>
-                </a:solidFill>
-                <a:latin typeface="Arial" panose="020B0604020202020204" pitchFamily="34" charset="0"/>
-                <a:ea typeface="宋体" panose="02010600030101010101" pitchFamily="2" charset="-122"/>
-              </a:defRPr>
-            </a:lvl5pPr>
-            <a:lvl6pPr marL="2514600" indent="-228600" eaLnBrk="0" fontAlgn="base" hangingPunct="0">
-              <a:spcBef>
-                <a:spcPct val="20000"/>
-              </a:spcBef>
-              <a:spcAft>
-                <a:spcPct val="0"/>
-              </a:spcAft>
-              <a:buChar char="»"/>
-              <a:defRPr sz="1700">
-                <a:solidFill>
-                  <a:schemeClr val="tx1"/>
-                </a:solidFill>
-                <a:latin typeface="Arial" panose="020B0604020202020204" pitchFamily="34" charset="0"/>
-                <a:ea typeface="宋体" panose="02010600030101010101" pitchFamily="2" charset="-122"/>
-              </a:defRPr>
-            </a:lvl6pPr>
-            <a:lvl7pPr marL="2971800" indent="-228600" eaLnBrk="0" fontAlgn="base" hangingPunct="0">
-              <a:spcBef>
-                <a:spcPct val="20000"/>
-              </a:spcBef>
-              <a:spcAft>
-                <a:spcPct val="0"/>
-              </a:spcAft>
-              <a:buChar char="»"/>
-              <a:defRPr sz="1700">
-                <a:solidFill>
-                  <a:schemeClr val="tx1"/>
-                </a:solidFill>
-                <a:latin typeface="Arial" panose="020B0604020202020204" pitchFamily="34" charset="0"/>
-                <a:ea typeface="宋体" panose="02010600030101010101" pitchFamily="2" charset="-122"/>
-              </a:defRPr>
-            </a:lvl7pPr>
-            <a:lvl8pPr marL="3429000" indent="-228600" eaLnBrk="0" fontAlgn="base" hangingPunct="0">
-              <a:spcBef>
-                <a:spcPct val="20000"/>
-              </a:spcBef>
-              <a:spcAft>
-                <a:spcPct val="0"/>
-              </a:spcAft>
-              <a:buChar char="»"/>
-              <a:defRPr sz="1700">
-                <a:solidFill>
-                  <a:schemeClr val="tx1"/>
-                </a:solidFill>
-                <a:latin typeface="Arial" panose="020B0604020202020204" pitchFamily="34" charset="0"/>
-                <a:ea typeface="宋体" panose="02010600030101010101" pitchFamily="2" charset="-122"/>
-              </a:defRPr>
-            </a:lvl8pPr>
-            <a:lvl9pPr marL="3886200" indent="-228600" eaLnBrk="0" fontAlgn="base" hangingPunct="0">
-              <a:spcBef>
-                <a:spcPct val="20000"/>
-              </a:spcBef>
-              <a:spcAft>
-                <a:spcPct val="0"/>
-              </a:spcAft>
-              <a:buChar char="»"/>
-              <a:defRPr sz="1700">
-                <a:solidFill>
-                  <a:schemeClr val="tx1"/>
-                </a:solidFill>
-                <a:latin typeface="Arial" panose="020B0604020202020204" pitchFamily="34" charset="0"/>
-                <a:ea typeface="宋体" panose="02010600030101010101" pitchFamily="2" charset="-122"/>
-              </a:defRPr>
-            </a:lvl9pPr>
-          </a:lstStyle>
-          <a:p>
-            <a:pPr>
-              <a:lnSpc>
-                <a:spcPct val="85000"/>
-              </a:lnSpc>
-              <a:spcBef>
-                <a:spcPct val="0"/>
-              </a:spcBef>
-              <a:spcAft>
-                <a:spcPct val="0"/>
-              </a:spcAft>
-              <a:buClrTx/>
-              <a:buSzTx/>
-              <a:buFontTx/>
-              <a:buNone/>
-            </a:pPr>
-            <a:endParaRPr lang="de-DE" altLang="en-US" sz="1000" smtClean="0">
-              <a:ea typeface="MS PGothic" panose="020B0600070205080204" pitchFamily="34" charset="-128"/>
-            </a:endParaRPr>
-          </a:p>
-          <a:p>
-            <a:pPr>
-              <a:lnSpc>
-                <a:spcPct val="85000"/>
-              </a:lnSpc>
-              <a:spcBef>
-                <a:spcPct val="0"/>
-              </a:spcBef>
-              <a:spcAft>
-                <a:spcPct val="0"/>
-              </a:spcAft>
-              <a:buClrTx/>
-              <a:buSzTx/>
-              <a:buFontTx/>
-              <a:buNone/>
-            </a:pPr>
-            <a:r>
-              <a:rPr lang="de-DE" altLang="en-US" sz="1000" smtClean="0">
-                <a:ea typeface="MS PGothic" panose="020B0600070205080204" pitchFamily="34" charset="-128"/>
-              </a:rPr>
-              <a:t>Page </a:t>
-            </a:r>
-            <a:fld id="{86532620-EE16-4692-A7FF-47162C7E0C8F}" type="slidenum">
-              <a:rPr lang="de-DE" altLang="en-US" sz="1000" smtClean="0">
-                <a:ea typeface="MS PGothic" panose="020B0600070205080204" pitchFamily="34" charset="-128"/>
-              </a:rPr>
-              <a:pPr>
-                <a:lnSpc>
-                  <a:spcPct val="85000"/>
-                </a:lnSpc>
-                <a:spcBef>
-                  <a:spcPct val="0"/>
-                </a:spcBef>
-                <a:spcAft>
-                  <a:spcPct val="0"/>
-                </a:spcAft>
-                <a:buClrTx/>
-                <a:buSzTx/>
-                <a:buFontTx/>
-                <a:buNone/>
-              </a:pPr>
-              <a:t>15</a:t>
-            </a:fld>
-            <a:r>
-              <a:rPr lang="ru-RU" altLang="en-US" sz="1000" smtClean="0">
-                <a:ea typeface="MS PGothic" panose="020B0600070205080204" pitchFamily="34" charset="-128"/>
-              </a:rPr>
-              <a:t>/1</a:t>
-            </a:r>
-            <a:r>
-              <a:rPr lang="en-US" altLang="en-US" sz="1000" smtClean="0">
-                <a:ea typeface="MS PGothic" panose="020B0600070205080204" pitchFamily="34" charset="-128"/>
-              </a:rPr>
-              <a:t>3</a:t>
-            </a:r>
-            <a:endParaRPr lang="en-GB" altLang="en-US" sz="1000" smtClean="0">
-              <a:ea typeface="MS PGothic" panose="020B0600070205080204" pitchFamily="34" charset="-128"/>
-            </a:endParaRPr>
-          </a:p>
-        </p:txBody>
-      </p:sp>
-      <p:sp>
-        <p:nvSpPr>
-          <p:cNvPr id="5" name="TextBox 4"/>
-          <p:cNvSpPr txBox="1"/>
-          <p:nvPr/>
-        </p:nvSpPr>
-        <p:spPr>
-          <a:xfrm>
-            <a:off x="609599" y="4419600"/>
-            <a:ext cx="1338828" cy="369332"/>
-          </a:xfrm>
-          <a:prstGeom prst="rect">
-            <a:avLst/>
-          </a:prstGeom>
-          <a:noFill/>
-        </p:spPr>
-        <p:txBody>
-          <a:bodyPr wrap="none" rtlCol="0">
-            <a:spAutoFit/>
-          </a:bodyPr>
-          <a:lstStyle/>
-          <a:p>
-            <a:r>
-              <a:rPr lang="en-US" dirty="0" smtClean="0"/>
-              <a:t>Input Layer</a:t>
-            </a:r>
-            <a:endParaRPr lang="en-US" dirty="0"/>
-          </a:p>
-        </p:txBody>
-      </p:sp>
-      <p:sp>
-        <p:nvSpPr>
-          <p:cNvPr id="6" name="TextBox 5"/>
-          <p:cNvSpPr txBox="1"/>
-          <p:nvPr/>
-        </p:nvSpPr>
-        <p:spPr>
-          <a:xfrm>
-            <a:off x="710052" y="5029200"/>
-            <a:ext cx="979755" cy="646331"/>
-          </a:xfrm>
-          <a:prstGeom prst="rect">
-            <a:avLst/>
-          </a:prstGeom>
-          <a:noFill/>
-        </p:spPr>
-        <p:txBody>
-          <a:bodyPr wrap="none" rtlCol="0">
-            <a:spAutoFit/>
-          </a:bodyPr>
-          <a:lstStyle/>
-          <a:p>
-            <a:r>
-              <a:rPr lang="en-US" dirty="0" smtClean="0"/>
-              <a:t>Context</a:t>
-            </a:r>
-          </a:p>
-          <a:p>
-            <a:r>
-              <a:rPr lang="en-US" dirty="0" smtClean="0"/>
-              <a:t>words</a:t>
-            </a:r>
-            <a:endParaRPr lang="en-US" dirty="0"/>
-          </a:p>
-        </p:txBody>
-      </p:sp>
-      <p:sp>
-        <p:nvSpPr>
-          <p:cNvPr id="2" name="Rectangle 1"/>
-          <p:cNvSpPr/>
-          <p:nvPr/>
-        </p:nvSpPr>
-        <p:spPr>
-          <a:xfrm>
-            <a:off x="2057400" y="4267200"/>
-            <a:ext cx="152400" cy="381000"/>
-          </a:xfrm>
-          <a:prstGeom prst="rect">
-            <a:avLst/>
-          </a:prstGeom>
-        </p:spPr>
-        <p:style>
-          <a:lnRef idx="2">
-            <a:schemeClr val="accent1">
-              <a:shade val="50000"/>
-            </a:schemeClr>
-          </a:lnRef>
-          <a:fillRef idx="1">
-            <a:schemeClr val="accent1"/>
-          </a:fillRef>
-          <a:effectRef idx="0">
-            <a:schemeClr val="accent1"/>
-          </a:effectRef>
-          <a:fontRef idx="minor">
-            <a:schemeClr val="lt1"/>
-          </a:fontRef>
-        </p:style>
-        <p:txBody>
-          <a:bodyPr rtlCol="0" anchor="ctr"/>
-          <a:lstStyle/>
-          <a:p>
-            <a:pPr algn="ctr"/>
-            <a:endParaRPr lang="en-US"/>
-          </a:p>
-        </p:txBody>
-      </p:sp>
-      <p:sp>
-        <p:nvSpPr>
-          <p:cNvPr id="8" name="Rectangle 7"/>
-          <p:cNvSpPr/>
-          <p:nvPr/>
-        </p:nvSpPr>
-        <p:spPr>
-          <a:xfrm>
-            <a:off x="2066725" y="4713132"/>
-            <a:ext cx="152400" cy="381000"/>
-          </a:xfrm>
-          <a:prstGeom prst="rect">
-            <a:avLst/>
-          </a:prstGeom>
-        </p:spPr>
-        <p:style>
-          <a:lnRef idx="2">
-            <a:schemeClr val="accent1">
-              <a:shade val="50000"/>
-            </a:schemeClr>
-          </a:lnRef>
-          <a:fillRef idx="1">
-            <a:schemeClr val="accent1"/>
-          </a:fillRef>
-          <a:effectRef idx="0">
-            <a:schemeClr val="accent1"/>
-          </a:effectRef>
-          <a:fontRef idx="minor">
-            <a:schemeClr val="lt1"/>
-          </a:fontRef>
-        </p:style>
-        <p:txBody>
-          <a:bodyPr rtlCol="0" anchor="ctr"/>
-          <a:lstStyle/>
-          <a:p>
-            <a:pPr algn="ctr"/>
-            <a:endParaRPr lang="en-US"/>
-          </a:p>
-        </p:txBody>
-      </p:sp>
-      <p:sp>
-        <p:nvSpPr>
-          <p:cNvPr id="9" name="Rectangle 8"/>
-          <p:cNvSpPr/>
-          <p:nvPr/>
-        </p:nvSpPr>
-        <p:spPr>
-          <a:xfrm>
-            <a:off x="2078804" y="5164442"/>
-            <a:ext cx="152400" cy="381000"/>
-          </a:xfrm>
-          <a:prstGeom prst="rect">
-            <a:avLst/>
-          </a:prstGeom>
-        </p:spPr>
-        <p:style>
-          <a:lnRef idx="2">
-            <a:schemeClr val="accent1">
-              <a:shade val="50000"/>
-            </a:schemeClr>
-          </a:lnRef>
-          <a:fillRef idx="1">
-            <a:schemeClr val="accent1"/>
-          </a:fillRef>
-          <a:effectRef idx="0">
-            <a:schemeClr val="accent1"/>
-          </a:effectRef>
-          <a:fontRef idx="minor">
-            <a:schemeClr val="lt1"/>
-          </a:fontRef>
-        </p:style>
-        <p:txBody>
-          <a:bodyPr rtlCol="0" anchor="ctr"/>
-          <a:lstStyle/>
-          <a:p>
-            <a:pPr algn="ctr"/>
-            <a:endParaRPr lang="en-US"/>
-          </a:p>
-        </p:txBody>
-      </p:sp>
-      <p:sp>
-        <p:nvSpPr>
-          <p:cNvPr id="10" name="Rectangle 9"/>
-          <p:cNvSpPr/>
-          <p:nvPr/>
-        </p:nvSpPr>
-        <p:spPr>
-          <a:xfrm>
-            <a:off x="2078804" y="5615752"/>
-            <a:ext cx="152400" cy="381000"/>
-          </a:xfrm>
-          <a:prstGeom prst="rect">
-            <a:avLst/>
-          </a:prstGeom>
-        </p:spPr>
-        <p:style>
-          <a:lnRef idx="2">
-            <a:schemeClr val="accent1">
-              <a:shade val="50000"/>
-            </a:schemeClr>
-          </a:lnRef>
-          <a:fillRef idx="1">
-            <a:schemeClr val="accent1"/>
-          </a:fillRef>
-          <a:effectRef idx="0">
-            <a:schemeClr val="accent1"/>
-          </a:effectRef>
-          <a:fontRef idx="minor">
-            <a:schemeClr val="lt1"/>
-          </a:fontRef>
-        </p:style>
-        <p:txBody>
-          <a:bodyPr rtlCol="0" anchor="ctr"/>
-          <a:lstStyle/>
-          <a:p>
-            <a:pPr algn="ctr"/>
-            <a:endParaRPr lang="en-US"/>
-          </a:p>
-        </p:txBody>
-      </p:sp>
-      <p:cxnSp>
-        <p:nvCxnSpPr>
-          <p:cNvPr id="11" name="Straight Arrow Connector 10"/>
-          <p:cNvCxnSpPr/>
-          <p:nvPr/>
-        </p:nvCxnSpPr>
-        <p:spPr>
-          <a:xfrm>
-            <a:off x="2438400" y="5105400"/>
-            <a:ext cx="618864" cy="0"/>
-          </a:xfrm>
-          <a:prstGeom prst="straightConnector1">
-            <a:avLst/>
-          </a:prstGeom>
-          <a:ln>
-            <a:tailEnd type="triangle"/>
-          </a:ln>
-        </p:spPr>
-        <p:style>
-          <a:lnRef idx="1">
-            <a:schemeClr val="dk1"/>
-          </a:lnRef>
-          <a:fillRef idx="0">
-            <a:schemeClr val="dk1"/>
-          </a:fillRef>
-          <a:effectRef idx="0">
-            <a:schemeClr val="dk1"/>
-          </a:effectRef>
-          <a:fontRef idx="minor">
-            <a:schemeClr val="tx1"/>
-          </a:fontRef>
-        </p:style>
-      </p:cxnSp>
-      <p:sp>
-        <p:nvSpPr>
-          <p:cNvPr id="12" name="Rectangle 11"/>
-          <p:cNvSpPr/>
-          <p:nvPr/>
-        </p:nvSpPr>
-        <p:spPr>
-          <a:xfrm>
-            <a:off x="3461699" y="4933266"/>
-            <a:ext cx="152400" cy="381000"/>
-          </a:xfrm>
-          <a:prstGeom prst="rect">
-            <a:avLst/>
-          </a:prstGeom>
-        </p:spPr>
-        <p:style>
-          <a:lnRef idx="2">
-            <a:schemeClr val="accent1">
-              <a:shade val="50000"/>
-            </a:schemeClr>
-          </a:lnRef>
-          <a:fillRef idx="1">
-            <a:schemeClr val="accent1"/>
-          </a:fillRef>
-          <a:effectRef idx="0">
-            <a:schemeClr val="accent1"/>
-          </a:effectRef>
-          <a:fontRef idx="minor">
-            <a:schemeClr val="lt1"/>
-          </a:fontRef>
-        </p:style>
-        <p:txBody>
-          <a:bodyPr rtlCol="0" anchor="ctr"/>
-          <a:lstStyle/>
-          <a:p>
-            <a:pPr algn="ctr"/>
-            <a:endParaRPr lang="en-US"/>
-          </a:p>
-        </p:txBody>
-      </p:sp>
-      <p:sp>
-        <p:nvSpPr>
-          <p:cNvPr id="13" name="TextBox 12"/>
-          <p:cNvSpPr txBox="1"/>
-          <p:nvPr/>
-        </p:nvSpPr>
-        <p:spPr>
-          <a:xfrm>
-            <a:off x="2673782" y="4542558"/>
-            <a:ext cx="1556836" cy="369332"/>
-          </a:xfrm>
-          <a:prstGeom prst="rect">
-            <a:avLst/>
-          </a:prstGeom>
-          <a:noFill/>
-        </p:spPr>
-        <p:txBody>
-          <a:bodyPr wrap="none" rtlCol="0">
-            <a:spAutoFit/>
-          </a:bodyPr>
-          <a:lstStyle/>
-          <a:p>
-            <a:r>
-              <a:rPr lang="en-US" dirty="0" smtClean="0"/>
-              <a:t>Hidden Layer</a:t>
-            </a:r>
-            <a:endParaRPr lang="en-US" dirty="0"/>
-          </a:p>
-        </p:txBody>
-      </p:sp>
-      <p:cxnSp>
-        <p:nvCxnSpPr>
-          <p:cNvPr id="14" name="Straight Arrow Connector 13"/>
-          <p:cNvCxnSpPr/>
-          <p:nvPr/>
-        </p:nvCxnSpPr>
-        <p:spPr>
-          <a:xfrm>
-            <a:off x="4079341" y="5123766"/>
-            <a:ext cx="618864" cy="0"/>
-          </a:xfrm>
-          <a:prstGeom prst="straightConnector1">
-            <a:avLst/>
-          </a:prstGeom>
-          <a:ln>
-            <a:tailEnd type="triangle"/>
-          </a:ln>
-        </p:spPr>
-        <p:style>
-          <a:lnRef idx="1">
-            <a:schemeClr val="dk1"/>
-          </a:lnRef>
-          <a:fillRef idx="0">
-            <a:schemeClr val="dk1"/>
-          </a:fillRef>
-          <a:effectRef idx="0">
-            <a:schemeClr val="dk1"/>
-          </a:effectRef>
-          <a:fontRef idx="minor">
-            <a:schemeClr val="tx1"/>
-          </a:fontRef>
-        </p:style>
-      </p:cxnSp>
-      <p:sp>
-        <p:nvSpPr>
-          <p:cNvPr id="15" name="Rectangle 14"/>
-          <p:cNvSpPr/>
-          <p:nvPr/>
-        </p:nvSpPr>
-        <p:spPr>
-          <a:xfrm>
-            <a:off x="5268329" y="4945165"/>
-            <a:ext cx="152400" cy="381000"/>
-          </a:xfrm>
-          <a:prstGeom prst="rect">
-            <a:avLst/>
-          </a:prstGeom>
-        </p:spPr>
-        <p:style>
-          <a:lnRef idx="2">
-            <a:schemeClr val="accent1">
-              <a:shade val="50000"/>
-            </a:schemeClr>
-          </a:lnRef>
-          <a:fillRef idx="1">
-            <a:schemeClr val="accent1"/>
-          </a:fillRef>
-          <a:effectRef idx="0">
-            <a:schemeClr val="accent1"/>
-          </a:effectRef>
-          <a:fontRef idx="minor">
-            <a:schemeClr val="lt1"/>
-          </a:fontRef>
-        </p:style>
-        <p:txBody>
-          <a:bodyPr rtlCol="0" anchor="ctr"/>
-          <a:lstStyle/>
-          <a:p>
-            <a:pPr algn="ctr"/>
-            <a:endParaRPr lang="en-US"/>
-          </a:p>
-        </p:txBody>
-      </p:sp>
-      <p:sp>
-        <p:nvSpPr>
-          <p:cNvPr id="16" name="TextBox 15"/>
-          <p:cNvSpPr txBox="1"/>
-          <p:nvPr/>
-        </p:nvSpPr>
-        <p:spPr>
-          <a:xfrm>
-            <a:off x="4477087" y="4419600"/>
-            <a:ext cx="1582484" cy="646331"/>
-          </a:xfrm>
-          <a:prstGeom prst="rect">
-            <a:avLst/>
-          </a:prstGeom>
-          <a:noFill/>
-        </p:spPr>
-        <p:txBody>
-          <a:bodyPr wrap="none" rtlCol="0">
-            <a:spAutoFit/>
-          </a:bodyPr>
-          <a:lstStyle/>
-          <a:p>
-            <a:r>
-              <a:rPr lang="en-US" dirty="0" smtClean="0"/>
-              <a:t>Output Layer:</a:t>
-            </a:r>
-          </a:p>
-          <a:p>
-            <a:r>
-              <a:rPr lang="en-US" dirty="0" smtClean="0"/>
-              <a:t>Word</a:t>
-            </a:r>
-            <a:endParaRPr lang="en-US" dirty="0"/>
-          </a:p>
-        </p:txBody>
-      </p:sp>
-      <p:sp>
-        <p:nvSpPr>
-          <p:cNvPr id="17" name="TextBox 16"/>
-          <p:cNvSpPr txBox="1"/>
-          <p:nvPr/>
-        </p:nvSpPr>
-        <p:spPr>
-          <a:xfrm>
-            <a:off x="6206566" y="5620146"/>
-            <a:ext cx="2544286" cy="461665"/>
-          </a:xfrm>
-          <a:prstGeom prst="rect">
-            <a:avLst/>
-          </a:prstGeom>
-          <a:noFill/>
-        </p:spPr>
-        <p:txBody>
-          <a:bodyPr wrap="none" rtlCol="0">
-            <a:spAutoFit/>
-          </a:bodyPr>
-          <a:lstStyle/>
-          <a:p>
-            <a:r>
-              <a:rPr lang="en-US" sz="1200" dirty="0" smtClean="0"/>
-              <a:t>Embedding size: 200:</a:t>
-            </a:r>
-          </a:p>
-          <a:p>
-            <a:r>
-              <a:rPr lang="en-US" sz="1200" dirty="0" err="1" smtClean="0"/>
-              <a:t>Gensim</a:t>
-            </a:r>
-            <a:r>
-              <a:rPr lang="en-US" sz="1200" dirty="0" smtClean="0"/>
-              <a:t> Word2Vec implementation</a:t>
-            </a:r>
-            <a:endParaRPr lang="en-US" sz="1200" dirty="0"/>
-          </a:p>
-        </p:txBody>
-      </p:sp>
-    </p:spTree>
-    <p:extLst>
-      <p:ext uri="{BB962C8B-B14F-4D97-AF65-F5344CB8AC3E}">
-        <p14:creationId xmlns:p14="http://schemas.microsoft.com/office/powerpoint/2010/main" val="2492529894"/>
-      </p:ext>
-    </p:extLst>
-  </p:cSld>
-  <p:clrMapOvr>
-    <a:overrideClrMapping bg1="lt1" tx1="dk1" bg2="lt2" tx2="dk2" accent1="accent1" accent2="accent2" accent3="accent3" accent4="accent4" accent5="accent5" accent6="accent6" hlink="hlink" folHlink="folHlink"/>
-  </p:clrMapOvr>
-  <p:timing>
-    <p:tnLst>
-      <p:par>
-        <p:cTn id="1" dur="indefinite" restart="never" nodeType="tmRoot"/>
-      </p:par>
-    </p:tnLst>
-  </p:timing>
-</p:sld>
-</file>
-
-<file path=ppt/slides/slide16.xml><?xml version="1.0" encoding="utf-8"?>
-<p:sld xmlns:a="http://schemas.openxmlformats.org/drawingml/2006/main" xmlns:r="http://schemas.openxmlformats.org/officeDocument/2006/relationships" xmlns:p="http://schemas.openxmlformats.org/presentationml/2006/main">
-  <p:cSld>
-    <p:bg>
-      <p:bgPr>
-        <a:solidFill>
-          <a:schemeClr val="bg1"/>
-        </a:solidFill>
-        <a:effectLst/>
-      </p:bgPr>
-    </p:bg>
-    <p:spTree>
-      <p:nvGrpSpPr>
-        <p:cNvPr id="1" name=""/>
-        <p:cNvGrpSpPr/>
-        <p:nvPr/>
-      </p:nvGrpSpPr>
-      <p:grpSpPr>
-        <a:xfrm>
-          <a:off x="0" y="0"/>
-          <a:ext cx="0" cy="0"/>
-          <a:chOff x="0" y="0"/>
-          <a:chExt cx="0" cy="0"/>
-        </a:xfrm>
-      </p:grpSpPr>
-      <p:sp>
-        <p:nvSpPr>
-          <p:cNvPr id="11266" name="Rectangle 2"/>
-          <p:cNvSpPr>
-            <a:spLocks noGrp="1" noChangeArrowheads="1"/>
-          </p:cNvSpPr>
-          <p:nvPr>
-            <p:ph type="title"/>
-          </p:nvPr>
-        </p:nvSpPr>
-        <p:spPr>
-          <a:xfrm>
-            <a:off x="609600" y="401638"/>
-            <a:ext cx="8177213" cy="721210"/>
-          </a:xfrm>
-        </p:spPr>
-        <p:txBody>
-          <a:bodyPr/>
-          <a:lstStyle/>
-          <a:p>
-            <a:r>
-              <a:rPr lang="en-US" altLang="zh-CN" sz="3200" dirty="0" smtClean="0"/>
               <a:t>Word2Vec for source code</a:t>
             </a:r>
             <a:endParaRPr lang="zh-CN" altLang="en-US" sz="2000" dirty="0" smtClean="0"/>
@@ -13790,7 +12959,6 @@
               <a:rPr lang="en-US" altLang="zh-CN" sz="1600" dirty="0" smtClean="0"/>
               <a:t> – ( - , - y - )</a:t>
             </a:r>
-            <a:endParaRPr lang="en-US" altLang="zh-CN" sz="1600" dirty="0" smtClean="0"/>
           </a:p>
           <a:p>
             <a:pPr marL="0" indent="0" algn="just">
@@ -13802,13 +12970,17 @@
             <a:endParaRPr lang="en-US" altLang="zh-CN" sz="1600" dirty="0" smtClean="0"/>
           </a:p>
           <a:p>
-            <a:pPr marL="0" indent="0" algn="just">
+            <a:pPr marL="0" indent="0" algn="r">
               <a:lnSpc>
                 <a:spcPct val="115000"/>
               </a:lnSpc>
               <a:buNone/>
             </a:pPr>
-            <a:endParaRPr lang="en-US" altLang="zh-CN" sz="1600" dirty="0"/>
+            <a:r>
+              <a:rPr lang="en-US" altLang="zh-CN" sz="1400" dirty="0" smtClean="0"/>
+              <a:t>Efficient Estimation of Word Representations in Vector Space</a:t>
+            </a:r>
+            <a:endParaRPr lang="en-US" altLang="zh-CN" sz="1400" dirty="0"/>
           </a:p>
           <a:p>
             <a:pPr marL="0" indent="0" algn="just">
@@ -14099,7 +13271,7 @@
                 <a:buFontTx/>
                 <a:buNone/>
               </a:pPr>
-              <a:t>16</a:t>
+              <a:t>15</a:t>
             </a:fld>
             <a:r>
               <a:rPr lang="ru-RU" altLang="en-US" sz="1000" smtClean="0">
@@ -14283,7 +13455,7 @@
 </p:sld>
 </file>
 
-<file path=ppt/slides/slide17.xml><?xml version="1.0" encoding="utf-8"?>
+<file path=ppt/slides/slide16.xml><?xml version="1.0" encoding="utf-8"?>
 <p:sld xmlns:a="http://schemas.openxmlformats.org/drawingml/2006/main" xmlns:r="http://schemas.openxmlformats.org/officeDocument/2006/relationships" xmlns:p="http://schemas.openxmlformats.org/presentationml/2006/main">
   <p:cSld>
     <p:bg>
@@ -14608,7 +13780,7 @@
                 <a:buFontTx/>
                 <a:buNone/>
               </a:pPr>
-              <a:t>17</a:t>
+              <a:t>16</a:t>
             </a:fld>
             <a:r>
               <a:rPr lang="ru-RU" altLang="en-US" sz="1000" smtClean="0">
@@ -14656,6 +13828,1217 @@
     <p:extLst>
       <p:ext uri="{BB962C8B-B14F-4D97-AF65-F5344CB8AC3E}">
         <p14:creationId xmlns:p14="http://schemas.microsoft.com/office/powerpoint/2010/main" val="4247593721"/>
+      </p:ext>
+    </p:extLst>
+  </p:cSld>
+  <p:clrMapOvr>
+    <a:overrideClrMapping bg1="lt1" tx1="dk1" bg2="lt2" tx2="dk2" accent1="accent1" accent2="accent2" accent3="accent3" accent4="accent4" accent5="accent5" accent6="accent6" hlink="hlink" folHlink="folHlink"/>
+  </p:clrMapOvr>
+  <p:timing>
+    <p:tnLst>
+      <p:par>
+        <p:cTn id="1" dur="indefinite" restart="never" nodeType="tmRoot"/>
+      </p:par>
+    </p:tnLst>
+  </p:timing>
+</p:sld>
+</file>
+
+<file path=ppt/slides/slide17.xml><?xml version="1.0" encoding="utf-8"?>
+<p:sld xmlns:a="http://schemas.openxmlformats.org/drawingml/2006/main" xmlns:r="http://schemas.openxmlformats.org/officeDocument/2006/relationships" xmlns:p="http://schemas.openxmlformats.org/presentationml/2006/main">
+  <p:cSld>
+    <p:bg>
+      <p:bgPr>
+        <a:solidFill>
+          <a:schemeClr val="bg1"/>
+        </a:solidFill>
+        <a:effectLst/>
+      </p:bgPr>
+    </p:bg>
+    <p:spTree>
+      <p:nvGrpSpPr>
+        <p:cNvPr id="1" name=""/>
+        <p:cNvGrpSpPr/>
+        <p:nvPr/>
+      </p:nvGrpSpPr>
+      <p:grpSpPr>
+        <a:xfrm>
+          <a:off x="0" y="0"/>
+          <a:ext cx="0" cy="0"/>
+          <a:chOff x="0" y="0"/>
+          <a:chExt cx="0" cy="0"/>
+        </a:xfrm>
+      </p:grpSpPr>
+      <p:sp>
+        <p:nvSpPr>
+          <p:cNvPr id="11266" name="Rectangle 2"/>
+          <p:cNvSpPr>
+            <a:spLocks noGrp="1" noChangeArrowheads="1"/>
+          </p:cNvSpPr>
+          <p:nvPr>
+            <p:ph type="title"/>
+          </p:nvPr>
+        </p:nvSpPr>
+        <p:spPr>
+          <a:xfrm>
+            <a:off x="457200" y="204970"/>
+            <a:ext cx="8177213" cy="721210"/>
+          </a:xfrm>
+        </p:spPr>
+        <p:txBody>
+          <a:bodyPr/>
+          <a:lstStyle/>
+          <a:p>
+            <a:r>
+              <a:rPr lang="en-US" altLang="zh-CN" sz="3200" dirty="0" smtClean="0"/>
+              <a:t>Code snippets as vectors</a:t>
+            </a:r>
+            <a:endParaRPr lang="zh-CN" altLang="en-US" sz="2000" dirty="0" smtClean="0"/>
+          </a:p>
+        </p:txBody>
+      </p:sp>
+      <p:sp>
+        <p:nvSpPr>
+          <p:cNvPr id="11267" name="Rectangle 3"/>
+          <p:cNvSpPr>
+            <a:spLocks noGrp="1" noChangeArrowheads="1"/>
+          </p:cNvSpPr>
+          <p:nvPr>
+            <p:ph type="body" sz="half" idx="1"/>
+          </p:nvPr>
+        </p:nvSpPr>
+        <p:spPr>
+          <a:xfrm>
+            <a:off x="609599" y="1447800"/>
+            <a:ext cx="8177213" cy="4572000"/>
+          </a:xfrm>
+        </p:spPr>
+        <p:txBody>
+          <a:bodyPr/>
+          <a:lstStyle/>
+          <a:p>
+            <a:pPr marL="0" indent="0" algn="just">
+              <a:lnSpc>
+                <a:spcPct val="115000"/>
+              </a:lnSpc>
+              <a:buNone/>
+            </a:pPr>
+            <a:r>
+              <a:rPr lang="en-US" altLang="zh-CN" sz="1600" dirty="0" smtClean="0"/>
+              <a:t>Concatenate </a:t>
+            </a:r>
+            <a:r>
+              <a:rPr lang="en-US" altLang="zh-CN" sz="1600" dirty="0" err="1" smtClean="0"/>
+              <a:t>embeddings</a:t>
+            </a:r>
+            <a:r>
+              <a:rPr lang="en-US" altLang="zh-CN" sz="1600" dirty="0" smtClean="0"/>
+              <a:t> </a:t>
+            </a:r>
+            <a:r>
+              <a:rPr lang="en-US" altLang="zh-CN" sz="1600" dirty="0" smtClean="0"/>
+              <a:t>of names in code snippet:</a:t>
+            </a:r>
+          </a:p>
+          <a:p>
+            <a:pPr algn="just">
+              <a:lnSpc>
+                <a:spcPct val="115000"/>
+              </a:lnSpc>
+            </a:pPr>
+            <a:r>
+              <a:rPr lang="en-US" altLang="zh-CN" sz="1600" dirty="0" smtClean="0"/>
+              <a:t>Swapped arguments</a:t>
+            </a:r>
+            <a:endParaRPr lang="en-US" altLang="zh-CN" sz="1600" dirty="0" smtClean="0"/>
+          </a:p>
+          <a:p>
+            <a:pPr marL="0" indent="0" algn="just">
+              <a:lnSpc>
+                <a:spcPct val="115000"/>
+              </a:lnSpc>
+              <a:buNone/>
+            </a:pPr>
+            <a:endParaRPr lang="en-US" altLang="zh-CN" sz="1600" dirty="0" smtClean="0"/>
+          </a:p>
+          <a:p>
+            <a:pPr marL="0" indent="0" algn="just">
+              <a:lnSpc>
+                <a:spcPct val="115000"/>
+              </a:lnSpc>
+              <a:buNone/>
+            </a:pPr>
+            <a:endParaRPr lang="en-US" altLang="zh-CN" sz="1600" dirty="0"/>
+          </a:p>
+          <a:p>
+            <a:pPr marL="0" indent="0" algn="just">
+              <a:lnSpc>
+                <a:spcPct val="115000"/>
+              </a:lnSpc>
+              <a:buNone/>
+            </a:pPr>
+            <a:endParaRPr lang="en-US" altLang="zh-CN" sz="1600" dirty="0" smtClean="0"/>
+          </a:p>
+          <a:p>
+            <a:pPr marL="231775" indent="-231775" algn="just">
+              <a:lnSpc>
+                <a:spcPct val="115000"/>
+              </a:lnSpc>
+              <a:buFont typeface="Wingdings" pitchFamily="2" charset="2"/>
+              <a:buNone/>
+            </a:pPr>
+            <a:endParaRPr lang="zh-CN" altLang="en-US" dirty="0" smtClean="0"/>
+          </a:p>
+        </p:txBody>
+      </p:sp>
+      <p:sp>
+        <p:nvSpPr>
+          <p:cNvPr id="11268" name="Date Placeholder 4"/>
+          <p:cNvSpPr>
+            <a:spLocks noGrp="1"/>
+          </p:cNvSpPr>
+          <p:nvPr>
+            <p:ph type="dt" sz="quarter" idx="10"/>
+          </p:nvPr>
+        </p:nvSpPr>
+        <p:spPr>
+          <a:noFill/>
+          <a:ln/>
+          <a:extLst>
+            <a:ext uri="{909E8E84-426E-40DD-AFC4-6F175D3DCCD1}">
+              <a14:hiddenFill xmlns:a14="http://schemas.microsoft.com/office/drawing/2010/main">
+                <a:solidFill>
+                  <a:srgbClr val="FFFFFF"/>
+                </a:solidFill>
+              </a14:hiddenFill>
+            </a:ext>
+            <a:ext uri="{91240B29-F687-4F45-9708-019B960494DF}">
+              <a14:hiddenLine xmlns:a14="http://schemas.microsoft.com/office/drawing/2010/main" w="9525">
+                <a:solidFill>
+                  <a:srgbClr val="000000"/>
+                </a:solidFill>
+                <a:miter lim="800000"/>
+                <a:headEnd/>
+                <a:tailEnd/>
+              </a14:hiddenLine>
+            </a:ext>
+          </a:extLst>
+        </p:spPr>
+        <p:txBody>
+          <a:bodyPr/>
+          <a:lstStyle>
+            <a:lvl1pPr>
+              <a:lnSpc>
+                <a:spcPct val="120000"/>
+              </a:lnSpc>
+              <a:spcBef>
+                <a:spcPct val="20000"/>
+              </a:spcBef>
+              <a:spcAft>
+                <a:spcPct val="20000"/>
+              </a:spcAft>
+              <a:buClr>
+                <a:srgbClr val="990000"/>
+              </a:buClr>
+              <a:buSzPct val="85000"/>
+              <a:buFont typeface="Wingdings" panose="05000000000000000000" pitchFamily="2" charset="2"/>
+              <a:buChar char="l"/>
+              <a:defRPr sz="1700">
+                <a:solidFill>
+                  <a:schemeClr val="tx1"/>
+                </a:solidFill>
+                <a:latin typeface="FrutigerNext LT Medium" pitchFamily="34" charset="0"/>
+                <a:ea typeface="宋体" panose="02010600030101010101" pitchFamily="2" charset="-122"/>
+              </a:defRPr>
+            </a:lvl1pPr>
+            <a:lvl2pPr marL="742950" indent="-285750">
+              <a:lnSpc>
+                <a:spcPct val="120000"/>
+              </a:lnSpc>
+              <a:spcBef>
+                <a:spcPct val="20000"/>
+              </a:spcBef>
+              <a:spcAft>
+                <a:spcPct val="20000"/>
+              </a:spcAft>
+              <a:buClr>
+                <a:srgbClr val="5F5F5F"/>
+              </a:buClr>
+              <a:buFont typeface="Wingdings 3" panose="05040102010807070707" pitchFamily="18" charset="2"/>
+              <a:buChar char="["/>
+              <a:defRPr sz="1700">
+                <a:solidFill>
+                  <a:schemeClr val="tx1"/>
+                </a:solidFill>
+                <a:latin typeface="FrutigerNext LT Medium" pitchFamily="34" charset="0"/>
+                <a:ea typeface="宋体" panose="02010600030101010101" pitchFamily="2" charset="-122"/>
+              </a:defRPr>
+            </a:lvl2pPr>
+            <a:lvl3pPr marL="1143000" indent="-228600">
+              <a:lnSpc>
+                <a:spcPct val="120000"/>
+              </a:lnSpc>
+              <a:spcBef>
+                <a:spcPct val="20000"/>
+              </a:spcBef>
+              <a:spcAft>
+                <a:spcPct val="20000"/>
+              </a:spcAft>
+              <a:buClr>
+                <a:schemeClr val="tx1"/>
+              </a:buClr>
+              <a:buFont typeface="Arial" panose="020B0604020202020204" pitchFamily="34" charset="0"/>
+              <a:buChar char="−"/>
+              <a:defRPr sz="1700">
+                <a:solidFill>
+                  <a:schemeClr val="tx1"/>
+                </a:solidFill>
+                <a:latin typeface="FrutigerNext LT Medium" pitchFamily="34" charset="0"/>
+                <a:ea typeface="宋体" panose="02010600030101010101" pitchFamily="2" charset="-122"/>
+              </a:defRPr>
+            </a:lvl3pPr>
+            <a:lvl4pPr marL="1600200" indent="-228600">
+              <a:lnSpc>
+                <a:spcPct val="120000"/>
+              </a:lnSpc>
+              <a:spcBef>
+                <a:spcPct val="20000"/>
+              </a:spcBef>
+              <a:spcAft>
+                <a:spcPct val="20000"/>
+              </a:spcAft>
+              <a:buClr>
+                <a:schemeClr val="tx1"/>
+              </a:buClr>
+              <a:buFont typeface="Arial" panose="020B0604020202020204" pitchFamily="34" charset="0"/>
+              <a:buChar char="▪"/>
+              <a:defRPr sz="1700">
+                <a:solidFill>
+                  <a:schemeClr val="tx1"/>
+                </a:solidFill>
+                <a:latin typeface="FrutigerNext LT Medium" pitchFamily="34" charset="0"/>
+                <a:ea typeface="宋体" panose="02010600030101010101" pitchFamily="2" charset="-122"/>
+              </a:defRPr>
+            </a:lvl4pPr>
+            <a:lvl5pPr marL="2057400" indent="-228600">
+              <a:spcBef>
+                <a:spcPct val="20000"/>
+              </a:spcBef>
+              <a:buChar char="»"/>
+              <a:defRPr sz="1700">
+                <a:solidFill>
+                  <a:schemeClr val="tx1"/>
+                </a:solidFill>
+                <a:latin typeface="Arial" panose="020B0604020202020204" pitchFamily="34" charset="0"/>
+                <a:ea typeface="宋体" panose="02010600030101010101" pitchFamily="2" charset="-122"/>
+              </a:defRPr>
+            </a:lvl5pPr>
+            <a:lvl6pPr marL="2514600" indent="-228600" eaLnBrk="0" fontAlgn="base" hangingPunct="0">
+              <a:spcBef>
+                <a:spcPct val="20000"/>
+              </a:spcBef>
+              <a:spcAft>
+                <a:spcPct val="0"/>
+              </a:spcAft>
+              <a:buChar char="»"/>
+              <a:defRPr sz="1700">
+                <a:solidFill>
+                  <a:schemeClr val="tx1"/>
+                </a:solidFill>
+                <a:latin typeface="Arial" panose="020B0604020202020204" pitchFamily="34" charset="0"/>
+                <a:ea typeface="宋体" panose="02010600030101010101" pitchFamily="2" charset="-122"/>
+              </a:defRPr>
+            </a:lvl6pPr>
+            <a:lvl7pPr marL="2971800" indent="-228600" eaLnBrk="0" fontAlgn="base" hangingPunct="0">
+              <a:spcBef>
+                <a:spcPct val="20000"/>
+              </a:spcBef>
+              <a:spcAft>
+                <a:spcPct val="0"/>
+              </a:spcAft>
+              <a:buChar char="»"/>
+              <a:defRPr sz="1700">
+                <a:solidFill>
+                  <a:schemeClr val="tx1"/>
+                </a:solidFill>
+                <a:latin typeface="Arial" panose="020B0604020202020204" pitchFamily="34" charset="0"/>
+                <a:ea typeface="宋体" panose="02010600030101010101" pitchFamily="2" charset="-122"/>
+              </a:defRPr>
+            </a:lvl7pPr>
+            <a:lvl8pPr marL="3429000" indent="-228600" eaLnBrk="0" fontAlgn="base" hangingPunct="0">
+              <a:spcBef>
+                <a:spcPct val="20000"/>
+              </a:spcBef>
+              <a:spcAft>
+                <a:spcPct val="0"/>
+              </a:spcAft>
+              <a:buChar char="»"/>
+              <a:defRPr sz="1700">
+                <a:solidFill>
+                  <a:schemeClr val="tx1"/>
+                </a:solidFill>
+                <a:latin typeface="Arial" panose="020B0604020202020204" pitchFamily="34" charset="0"/>
+                <a:ea typeface="宋体" panose="02010600030101010101" pitchFamily="2" charset="-122"/>
+              </a:defRPr>
+            </a:lvl8pPr>
+            <a:lvl9pPr marL="3886200" indent="-228600" eaLnBrk="0" fontAlgn="base" hangingPunct="0">
+              <a:spcBef>
+                <a:spcPct val="20000"/>
+              </a:spcBef>
+              <a:spcAft>
+                <a:spcPct val="0"/>
+              </a:spcAft>
+              <a:buChar char="»"/>
+              <a:defRPr sz="1700">
+                <a:solidFill>
+                  <a:schemeClr val="tx1"/>
+                </a:solidFill>
+                <a:latin typeface="Arial" panose="020B0604020202020204" pitchFamily="34" charset="0"/>
+                <a:ea typeface="宋体" panose="02010600030101010101" pitchFamily="2" charset="-122"/>
+              </a:defRPr>
+            </a:lvl9pPr>
+          </a:lstStyle>
+          <a:p>
+            <a:pPr>
+              <a:lnSpc>
+                <a:spcPct val="85000"/>
+              </a:lnSpc>
+              <a:spcBef>
+                <a:spcPct val="0"/>
+              </a:spcBef>
+              <a:spcAft>
+                <a:spcPct val="0"/>
+              </a:spcAft>
+              <a:buClrTx/>
+              <a:buSzTx/>
+              <a:buFontTx/>
+              <a:buNone/>
+            </a:pPr>
+            <a:endParaRPr lang="de-DE" altLang="en-US" sz="1000" smtClean="0">
+              <a:ea typeface="MS PGothic" panose="020B0600070205080204" pitchFamily="34" charset="-128"/>
+            </a:endParaRPr>
+          </a:p>
+          <a:p>
+            <a:pPr>
+              <a:lnSpc>
+                <a:spcPct val="85000"/>
+              </a:lnSpc>
+              <a:spcBef>
+                <a:spcPct val="0"/>
+              </a:spcBef>
+              <a:spcAft>
+                <a:spcPct val="0"/>
+              </a:spcAft>
+              <a:buClrTx/>
+              <a:buSzTx/>
+              <a:buFontTx/>
+              <a:buNone/>
+            </a:pPr>
+            <a:r>
+              <a:rPr lang="de-DE" altLang="en-US" sz="1000" smtClean="0">
+                <a:ea typeface="MS PGothic" panose="020B0600070205080204" pitchFamily="34" charset="-128"/>
+              </a:rPr>
+              <a:t>Page </a:t>
+            </a:r>
+            <a:fld id="{86532620-EE16-4692-A7FF-47162C7E0C8F}" type="slidenum">
+              <a:rPr lang="de-DE" altLang="en-US" sz="1000" smtClean="0">
+                <a:ea typeface="MS PGothic" panose="020B0600070205080204" pitchFamily="34" charset="-128"/>
+              </a:rPr>
+              <a:pPr>
+                <a:lnSpc>
+                  <a:spcPct val="85000"/>
+                </a:lnSpc>
+                <a:spcBef>
+                  <a:spcPct val="0"/>
+                </a:spcBef>
+                <a:spcAft>
+                  <a:spcPct val="0"/>
+                </a:spcAft>
+                <a:buClrTx/>
+                <a:buSzTx/>
+                <a:buFontTx/>
+                <a:buNone/>
+              </a:pPr>
+              <a:t>17</a:t>
+            </a:fld>
+            <a:r>
+              <a:rPr lang="ru-RU" altLang="en-US" sz="1000" smtClean="0">
+                <a:ea typeface="MS PGothic" panose="020B0600070205080204" pitchFamily="34" charset="-128"/>
+              </a:rPr>
+              <a:t>/1</a:t>
+            </a:r>
+            <a:r>
+              <a:rPr lang="en-US" altLang="en-US" sz="1000" smtClean="0">
+                <a:ea typeface="MS PGothic" panose="020B0600070205080204" pitchFamily="34" charset="-128"/>
+              </a:rPr>
+              <a:t>3</a:t>
+            </a:r>
+            <a:endParaRPr lang="en-GB" altLang="en-US" sz="1000" smtClean="0">
+              <a:ea typeface="MS PGothic" panose="020B0600070205080204" pitchFamily="34" charset="-128"/>
+            </a:endParaRPr>
+          </a:p>
+        </p:txBody>
+      </p:sp>
+      <p:sp>
+        <p:nvSpPr>
+          <p:cNvPr id="5" name="TextBox 4"/>
+          <p:cNvSpPr txBox="1"/>
+          <p:nvPr/>
+        </p:nvSpPr>
+        <p:spPr>
+          <a:xfrm>
+            <a:off x="2436454" y="2590623"/>
+            <a:ext cx="3403496" cy="369332"/>
+          </a:xfrm>
+          <a:prstGeom prst="rect">
+            <a:avLst/>
+          </a:prstGeom>
+          <a:noFill/>
+        </p:spPr>
+        <p:txBody>
+          <a:bodyPr wrap="none" rtlCol="0">
+            <a:spAutoFit/>
+          </a:bodyPr>
+          <a:lstStyle/>
+          <a:p>
+            <a:r>
+              <a:rPr lang="en-US" dirty="0" err="1" smtClean="0"/>
+              <a:t>someObj.someFun</a:t>
+            </a:r>
+            <a:r>
+              <a:rPr lang="en-US" dirty="0"/>
+              <a:t> </a:t>
+            </a:r>
+            <a:r>
+              <a:rPr lang="en-US" dirty="0" smtClean="0"/>
+              <a:t>(arg1, arg2)</a:t>
+            </a:r>
+            <a:endParaRPr lang="en-US" dirty="0"/>
+          </a:p>
+        </p:txBody>
+      </p:sp>
+      <p:sp>
+        <p:nvSpPr>
+          <p:cNvPr id="2" name="Rectangle 1"/>
+          <p:cNvSpPr/>
+          <p:nvPr/>
+        </p:nvSpPr>
+        <p:spPr>
+          <a:xfrm>
+            <a:off x="1822495" y="3826236"/>
+            <a:ext cx="444886" cy="200970"/>
+          </a:xfrm>
+          <a:prstGeom prst="rect">
+            <a:avLst/>
+          </a:prstGeom>
+          <a:solidFill>
+            <a:srgbClr val="00B050"/>
+          </a:solidFill>
+        </p:spPr>
+        <p:style>
+          <a:lnRef idx="2">
+            <a:schemeClr val="accent1">
+              <a:shade val="50000"/>
+            </a:schemeClr>
+          </a:lnRef>
+          <a:fillRef idx="1">
+            <a:schemeClr val="accent1"/>
+          </a:fillRef>
+          <a:effectRef idx="0">
+            <a:schemeClr val="accent1"/>
+          </a:effectRef>
+          <a:fontRef idx="minor">
+            <a:schemeClr val="lt1"/>
+          </a:fontRef>
+        </p:style>
+        <p:txBody>
+          <a:bodyPr rtlCol="0" anchor="ctr"/>
+          <a:lstStyle/>
+          <a:p>
+            <a:pPr algn="ctr"/>
+            <a:endParaRPr lang="en-US"/>
+          </a:p>
+        </p:txBody>
+      </p:sp>
+      <p:cxnSp>
+        <p:nvCxnSpPr>
+          <p:cNvPr id="11" name="Straight Arrow Connector 10"/>
+          <p:cNvCxnSpPr/>
+          <p:nvPr/>
+        </p:nvCxnSpPr>
+        <p:spPr>
+          <a:xfrm flipH="1">
+            <a:off x="2142925" y="2915305"/>
+            <a:ext cx="893496" cy="779882"/>
+          </a:xfrm>
+          <a:prstGeom prst="straightConnector1">
+            <a:avLst/>
+          </a:prstGeom>
+          <a:ln>
+            <a:tailEnd type="triangle"/>
+          </a:ln>
+        </p:spPr>
+        <p:style>
+          <a:lnRef idx="1">
+            <a:schemeClr val="dk1"/>
+          </a:lnRef>
+          <a:fillRef idx="0">
+            <a:schemeClr val="dk1"/>
+          </a:fillRef>
+          <a:effectRef idx="0">
+            <a:schemeClr val="dk1"/>
+          </a:effectRef>
+          <a:fontRef idx="minor">
+            <a:schemeClr val="tx1"/>
+          </a:fontRef>
+        </p:style>
+      </p:cxnSp>
+      <p:sp>
+        <p:nvSpPr>
+          <p:cNvPr id="13" name="TextBox 12"/>
+          <p:cNvSpPr txBox="1"/>
+          <p:nvPr/>
+        </p:nvSpPr>
+        <p:spPr>
+          <a:xfrm>
+            <a:off x="950737" y="4212009"/>
+            <a:ext cx="3416320" cy="369332"/>
+          </a:xfrm>
+          <a:prstGeom prst="rect">
+            <a:avLst/>
+          </a:prstGeom>
+          <a:noFill/>
+        </p:spPr>
+        <p:txBody>
+          <a:bodyPr wrap="none" rtlCol="0">
+            <a:spAutoFit/>
+          </a:bodyPr>
+          <a:lstStyle/>
+          <a:p>
+            <a:r>
+              <a:rPr lang="en-US" dirty="0" err="1" smtClean="0"/>
+              <a:t>Embeddings</a:t>
+            </a:r>
+            <a:r>
+              <a:rPr lang="en-US" dirty="0" smtClean="0"/>
+              <a:t> of identifier names</a:t>
+            </a:r>
+            <a:endParaRPr lang="en-US" dirty="0"/>
+          </a:p>
+        </p:txBody>
+      </p:sp>
+      <p:sp>
+        <p:nvSpPr>
+          <p:cNvPr id="17" name="TextBox 16"/>
+          <p:cNvSpPr txBox="1"/>
+          <p:nvPr/>
+        </p:nvSpPr>
+        <p:spPr>
+          <a:xfrm>
+            <a:off x="6206566" y="5620146"/>
+            <a:ext cx="2544286" cy="461665"/>
+          </a:xfrm>
+          <a:prstGeom prst="rect">
+            <a:avLst/>
+          </a:prstGeom>
+          <a:noFill/>
+        </p:spPr>
+        <p:txBody>
+          <a:bodyPr wrap="none" rtlCol="0">
+            <a:spAutoFit/>
+          </a:bodyPr>
+          <a:lstStyle/>
+          <a:p>
+            <a:r>
+              <a:rPr lang="en-US" sz="1200" dirty="0" smtClean="0"/>
+              <a:t>Embedding size: 200:</a:t>
+            </a:r>
+          </a:p>
+          <a:p>
+            <a:r>
+              <a:rPr lang="en-US" sz="1200" dirty="0" err="1" smtClean="0"/>
+              <a:t>Gensim</a:t>
+            </a:r>
+            <a:r>
+              <a:rPr lang="en-US" sz="1200" dirty="0" smtClean="0"/>
+              <a:t> Word2Vec implementation</a:t>
+            </a:r>
+            <a:endParaRPr lang="en-US" sz="1200" dirty="0"/>
+          </a:p>
+        </p:txBody>
+      </p:sp>
+      <p:sp>
+        <p:nvSpPr>
+          <p:cNvPr id="18" name="Rectangle 17"/>
+          <p:cNvSpPr/>
+          <p:nvPr/>
+        </p:nvSpPr>
+        <p:spPr>
+          <a:xfrm>
+            <a:off x="2436454" y="3828702"/>
+            <a:ext cx="444886" cy="200970"/>
+          </a:xfrm>
+          <a:prstGeom prst="rect">
+            <a:avLst/>
+          </a:prstGeom>
+          <a:solidFill>
+            <a:srgbClr val="00B050"/>
+          </a:solidFill>
+        </p:spPr>
+        <p:style>
+          <a:lnRef idx="2">
+            <a:schemeClr val="accent1">
+              <a:shade val="50000"/>
+            </a:schemeClr>
+          </a:lnRef>
+          <a:fillRef idx="1">
+            <a:schemeClr val="accent1"/>
+          </a:fillRef>
+          <a:effectRef idx="0">
+            <a:schemeClr val="accent1"/>
+          </a:effectRef>
+          <a:fontRef idx="minor">
+            <a:schemeClr val="lt1"/>
+          </a:fontRef>
+        </p:style>
+        <p:txBody>
+          <a:bodyPr rtlCol="0" anchor="ctr"/>
+          <a:lstStyle/>
+          <a:p>
+            <a:pPr algn="ctr"/>
+            <a:endParaRPr lang="en-US"/>
+          </a:p>
+        </p:txBody>
+      </p:sp>
+      <p:sp>
+        <p:nvSpPr>
+          <p:cNvPr id="19" name="Rectangle 18"/>
+          <p:cNvSpPr/>
+          <p:nvPr/>
+        </p:nvSpPr>
+        <p:spPr>
+          <a:xfrm>
+            <a:off x="3017713" y="3837630"/>
+            <a:ext cx="444886" cy="200970"/>
+          </a:xfrm>
+          <a:prstGeom prst="rect">
+            <a:avLst/>
+          </a:prstGeom>
+          <a:solidFill>
+            <a:srgbClr val="00B050"/>
+          </a:solidFill>
+        </p:spPr>
+        <p:style>
+          <a:lnRef idx="2">
+            <a:schemeClr val="accent1">
+              <a:shade val="50000"/>
+            </a:schemeClr>
+          </a:lnRef>
+          <a:fillRef idx="1">
+            <a:schemeClr val="accent1"/>
+          </a:fillRef>
+          <a:effectRef idx="0">
+            <a:schemeClr val="accent1"/>
+          </a:effectRef>
+          <a:fontRef idx="minor">
+            <a:schemeClr val="lt1"/>
+          </a:fontRef>
+        </p:style>
+        <p:txBody>
+          <a:bodyPr rtlCol="0" anchor="ctr"/>
+          <a:lstStyle/>
+          <a:p>
+            <a:pPr algn="ctr"/>
+            <a:endParaRPr lang="en-US"/>
+          </a:p>
+        </p:txBody>
+      </p:sp>
+      <p:sp>
+        <p:nvSpPr>
+          <p:cNvPr id="20" name="Rectangle 19"/>
+          <p:cNvSpPr/>
+          <p:nvPr/>
+        </p:nvSpPr>
+        <p:spPr>
+          <a:xfrm>
+            <a:off x="3641285" y="3828702"/>
+            <a:ext cx="444886" cy="200970"/>
+          </a:xfrm>
+          <a:prstGeom prst="rect">
+            <a:avLst/>
+          </a:prstGeom>
+        </p:spPr>
+        <p:style>
+          <a:lnRef idx="2">
+            <a:schemeClr val="accent1">
+              <a:shade val="50000"/>
+            </a:schemeClr>
+          </a:lnRef>
+          <a:fillRef idx="1">
+            <a:schemeClr val="accent1"/>
+          </a:fillRef>
+          <a:effectRef idx="0">
+            <a:schemeClr val="accent1"/>
+          </a:effectRef>
+          <a:fontRef idx="minor">
+            <a:schemeClr val="lt1"/>
+          </a:fontRef>
+        </p:style>
+        <p:txBody>
+          <a:bodyPr rtlCol="0" anchor="ctr"/>
+          <a:lstStyle/>
+          <a:p>
+            <a:pPr algn="ctr"/>
+            <a:endParaRPr lang="en-US"/>
+          </a:p>
+        </p:txBody>
+      </p:sp>
+      <p:sp>
+        <p:nvSpPr>
+          <p:cNvPr id="21" name="Rectangle 20"/>
+          <p:cNvSpPr/>
+          <p:nvPr/>
+        </p:nvSpPr>
+        <p:spPr>
+          <a:xfrm>
+            <a:off x="4260249" y="3837630"/>
+            <a:ext cx="444886" cy="200970"/>
+          </a:xfrm>
+          <a:prstGeom prst="rect">
+            <a:avLst/>
+          </a:prstGeom>
+        </p:spPr>
+        <p:style>
+          <a:lnRef idx="2">
+            <a:schemeClr val="accent1">
+              <a:shade val="50000"/>
+            </a:schemeClr>
+          </a:lnRef>
+          <a:fillRef idx="1">
+            <a:schemeClr val="accent1"/>
+          </a:fillRef>
+          <a:effectRef idx="0">
+            <a:schemeClr val="accent1"/>
+          </a:effectRef>
+          <a:fontRef idx="minor">
+            <a:schemeClr val="lt1"/>
+          </a:fontRef>
+        </p:style>
+        <p:txBody>
+          <a:bodyPr rtlCol="0" anchor="ctr"/>
+          <a:lstStyle/>
+          <a:p>
+            <a:pPr algn="ctr"/>
+            <a:endParaRPr lang="en-US"/>
+          </a:p>
+        </p:txBody>
+      </p:sp>
+      <p:sp>
+        <p:nvSpPr>
+          <p:cNvPr id="22" name="Rectangle 21"/>
+          <p:cNvSpPr/>
+          <p:nvPr/>
+        </p:nvSpPr>
+        <p:spPr>
+          <a:xfrm>
+            <a:off x="4894878" y="3826236"/>
+            <a:ext cx="444886" cy="200970"/>
+          </a:xfrm>
+          <a:prstGeom prst="rect">
+            <a:avLst/>
+          </a:prstGeom>
+          <a:solidFill>
+            <a:srgbClr val="00B050"/>
+          </a:solidFill>
+        </p:spPr>
+        <p:style>
+          <a:lnRef idx="2">
+            <a:schemeClr val="accent1">
+              <a:shade val="50000"/>
+            </a:schemeClr>
+          </a:lnRef>
+          <a:fillRef idx="1">
+            <a:schemeClr val="accent1"/>
+          </a:fillRef>
+          <a:effectRef idx="0">
+            <a:schemeClr val="accent1"/>
+          </a:effectRef>
+          <a:fontRef idx="minor">
+            <a:schemeClr val="lt1"/>
+          </a:fontRef>
+        </p:style>
+        <p:txBody>
+          <a:bodyPr rtlCol="0" anchor="ctr"/>
+          <a:lstStyle/>
+          <a:p>
+            <a:pPr algn="ctr"/>
+            <a:endParaRPr lang="en-US"/>
+          </a:p>
+        </p:txBody>
+      </p:sp>
+      <p:sp>
+        <p:nvSpPr>
+          <p:cNvPr id="23" name="Rectangle 22"/>
+          <p:cNvSpPr/>
+          <p:nvPr/>
+        </p:nvSpPr>
+        <p:spPr>
+          <a:xfrm>
+            <a:off x="5529507" y="3826236"/>
+            <a:ext cx="444886" cy="200970"/>
+          </a:xfrm>
+          <a:prstGeom prst="rect">
+            <a:avLst/>
+          </a:prstGeom>
+        </p:spPr>
+        <p:style>
+          <a:lnRef idx="2">
+            <a:schemeClr val="accent1">
+              <a:shade val="50000"/>
+            </a:schemeClr>
+          </a:lnRef>
+          <a:fillRef idx="1">
+            <a:schemeClr val="accent1"/>
+          </a:fillRef>
+          <a:effectRef idx="0">
+            <a:schemeClr val="accent1"/>
+          </a:effectRef>
+          <a:fontRef idx="minor">
+            <a:schemeClr val="lt1"/>
+          </a:fontRef>
+        </p:style>
+        <p:txBody>
+          <a:bodyPr rtlCol="0" anchor="ctr"/>
+          <a:lstStyle/>
+          <a:p>
+            <a:pPr algn="ctr"/>
+            <a:endParaRPr lang="en-US"/>
+          </a:p>
+        </p:txBody>
+      </p:sp>
+      <p:sp>
+        <p:nvSpPr>
+          <p:cNvPr id="24" name="Rectangle 23"/>
+          <p:cNvSpPr/>
+          <p:nvPr/>
+        </p:nvSpPr>
+        <p:spPr>
+          <a:xfrm>
+            <a:off x="6108314" y="3828702"/>
+            <a:ext cx="444886" cy="200970"/>
+          </a:xfrm>
+          <a:prstGeom prst="rect">
+            <a:avLst/>
+          </a:prstGeom>
+        </p:spPr>
+        <p:style>
+          <a:lnRef idx="2">
+            <a:schemeClr val="accent1">
+              <a:shade val="50000"/>
+            </a:schemeClr>
+          </a:lnRef>
+          <a:fillRef idx="1">
+            <a:schemeClr val="accent1"/>
+          </a:fillRef>
+          <a:effectRef idx="0">
+            <a:schemeClr val="accent1"/>
+          </a:effectRef>
+          <a:fontRef idx="minor">
+            <a:schemeClr val="lt1"/>
+          </a:fontRef>
+        </p:style>
+        <p:txBody>
+          <a:bodyPr rtlCol="0" anchor="ctr"/>
+          <a:lstStyle/>
+          <a:p>
+            <a:pPr algn="ctr"/>
+            <a:endParaRPr lang="en-US"/>
+          </a:p>
+        </p:txBody>
+      </p:sp>
+      <p:cxnSp>
+        <p:nvCxnSpPr>
+          <p:cNvPr id="27" name="Straight Arrow Connector 26"/>
+          <p:cNvCxnSpPr/>
+          <p:nvPr/>
+        </p:nvCxnSpPr>
+        <p:spPr>
+          <a:xfrm flipH="1">
+            <a:off x="2743200" y="2925363"/>
+            <a:ext cx="1272237" cy="841328"/>
+          </a:xfrm>
+          <a:prstGeom prst="straightConnector1">
+            <a:avLst/>
+          </a:prstGeom>
+          <a:ln>
+            <a:tailEnd type="triangle"/>
+          </a:ln>
+        </p:spPr>
+        <p:style>
+          <a:lnRef idx="1">
+            <a:schemeClr val="dk1"/>
+          </a:lnRef>
+          <a:fillRef idx="0">
+            <a:schemeClr val="dk1"/>
+          </a:fillRef>
+          <a:effectRef idx="0">
+            <a:schemeClr val="dk1"/>
+          </a:effectRef>
+          <a:fontRef idx="minor">
+            <a:schemeClr val="tx1"/>
+          </a:fontRef>
+        </p:style>
+      </p:cxnSp>
+      <p:cxnSp>
+        <p:nvCxnSpPr>
+          <p:cNvPr id="30" name="Straight Arrow Connector 29"/>
+          <p:cNvCxnSpPr/>
+          <p:nvPr/>
+        </p:nvCxnSpPr>
+        <p:spPr>
+          <a:xfrm flipH="1">
+            <a:off x="3452200" y="2941597"/>
+            <a:ext cx="1366604" cy="865729"/>
+          </a:xfrm>
+          <a:prstGeom prst="straightConnector1">
+            <a:avLst/>
+          </a:prstGeom>
+          <a:ln>
+            <a:tailEnd type="triangle"/>
+          </a:ln>
+        </p:spPr>
+        <p:style>
+          <a:lnRef idx="1">
+            <a:schemeClr val="dk1"/>
+          </a:lnRef>
+          <a:fillRef idx="0">
+            <a:schemeClr val="dk1"/>
+          </a:fillRef>
+          <a:effectRef idx="0">
+            <a:schemeClr val="dk1"/>
+          </a:effectRef>
+          <a:fontRef idx="minor">
+            <a:schemeClr val="tx1"/>
+          </a:fontRef>
+        </p:style>
+      </p:cxnSp>
+      <p:cxnSp>
+        <p:nvCxnSpPr>
+          <p:cNvPr id="31" name="Straight Arrow Connector 30"/>
+          <p:cNvCxnSpPr/>
+          <p:nvPr/>
+        </p:nvCxnSpPr>
+        <p:spPr>
+          <a:xfrm flipH="1">
+            <a:off x="4079341" y="2941597"/>
+            <a:ext cx="682274" cy="753590"/>
+          </a:xfrm>
+          <a:prstGeom prst="straightConnector1">
+            <a:avLst/>
+          </a:prstGeom>
+          <a:ln>
+            <a:solidFill>
+              <a:srgbClr val="FFFF00"/>
+            </a:solidFill>
+            <a:tailEnd type="triangle"/>
+          </a:ln>
+        </p:spPr>
+        <p:style>
+          <a:lnRef idx="3">
+            <a:schemeClr val="accent2"/>
+          </a:lnRef>
+          <a:fillRef idx="0">
+            <a:schemeClr val="accent2"/>
+          </a:fillRef>
+          <a:effectRef idx="2">
+            <a:schemeClr val="accent2"/>
+          </a:effectRef>
+          <a:fontRef idx="minor">
+            <a:schemeClr val="tx1"/>
+          </a:fontRef>
+        </p:style>
+      </p:cxnSp>
+      <p:cxnSp>
+        <p:nvCxnSpPr>
+          <p:cNvPr id="38" name="Straight Arrow Connector 37"/>
+          <p:cNvCxnSpPr/>
+          <p:nvPr/>
+        </p:nvCxnSpPr>
+        <p:spPr>
+          <a:xfrm flipH="1">
+            <a:off x="4438044" y="2952998"/>
+            <a:ext cx="349358" cy="786058"/>
+          </a:xfrm>
+          <a:prstGeom prst="straightConnector1">
+            <a:avLst/>
+          </a:prstGeom>
+          <a:ln>
+            <a:solidFill>
+              <a:srgbClr val="FFFF00"/>
+            </a:solidFill>
+            <a:tailEnd type="triangle"/>
+          </a:ln>
+        </p:spPr>
+        <p:style>
+          <a:lnRef idx="3">
+            <a:schemeClr val="accent2"/>
+          </a:lnRef>
+          <a:fillRef idx="0">
+            <a:schemeClr val="accent2"/>
+          </a:fillRef>
+          <a:effectRef idx="2">
+            <a:schemeClr val="accent2"/>
+          </a:effectRef>
+          <a:fontRef idx="minor">
+            <a:schemeClr val="tx1"/>
+          </a:fontRef>
+        </p:style>
+      </p:cxnSp>
+      <p:cxnSp>
+        <p:nvCxnSpPr>
+          <p:cNvPr id="40" name="Straight Arrow Connector 39"/>
+          <p:cNvCxnSpPr/>
+          <p:nvPr/>
+        </p:nvCxnSpPr>
+        <p:spPr>
+          <a:xfrm>
+            <a:off x="5514443" y="2923867"/>
+            <a:ext cx="179423" cy="809933"/>
+          </a:xfrm>
+          <a:prstGeom prst="straightConnector1">
+            <a:avLst/>
+          </a:prstGeom>
+          <a:ln>
+            <a:solidFill>
+              <a:srgbClr val="FFFF00"/>
+            </a:solidFill>
+            <a:tailEnd type="triangle"/>
+          </a:ln>
+        </p:spPr>
+        <p:style>
+          <a:lnRef idx="3">
+            <a:schemeClr val="accent2"/>
+          </a:lnRef>
+          <a:fillRef idx="0">
+            <a:schemeClr val="accent2"/>
+          </a:fillRef>
+          <a:effectRef idx="2">
+            <a:schemeClr val="accent2"/>
+          </a:effectRef>
+          <a:fontRef idx="minor">
+            <a:schemeClr val="tx1"/>
+          </a:fontRef>
+        </p:style>
+      </p:cxnSp>
+      <p:cxnSp>
+        <p:nvCxnSpPr>
+          <p:cNvPr id="41" name="Straight Arrow Connector 40"/>
+          <p:cNvCxnSpPr/>
+          <p:nvPr/>
+        </p:nvCxnSpPr>
+        <p:spPr>
+          <a:xfrm>
+            <a:off x="5638800" y="2923867"/>
+            <a:ext cx="610107" cy="786058"/>
+          </a:xfrm>
+          <a:prstGeom prst="straightConnector1">
+            <a:avLst/>
+          </a:prstGeom>
+          <a:ln>
+            <a:solidFill>
+              <a:srgbClr val="FFFF00"/>
+            </a:solidFill>
+            <a:tailEnd type="triangle"/>
+          </a:ln>
+        </p:spPr>
+        <p:style>
+          <a:lnRef idx="3">
+            <a:schemeClr val="accent2"/>
+          </a:lnRef>
+          <a:fillRef idx="0">
+            <a:schemeClr val="accent2"/>
+          </a:fillRef>
+          <a:effectRef idx="2">
+            <a:schemeClr val="accent2"/>
+          </a:effectRef>
+          <a:fontRef idx="minor">
+            <a:schemeClr val="tx1"/>
+          </a:fontRef>
+        </p:style>
+      </p:cxnSp>
+      <p:cxnSp>
+        <p:nvCxnSpPr>
+          <p:cNvPr id="45" name="Straight Arrow Connector 44"/>
+          <p:cNvCxnSpPr/>
+          <p:nvPr/>
+        </p:nvCxnSpPr>
+        <p:spPr>
+          <a:xfrm flipH="1">
+            <a:off x="5083606" y="2894707"/>
+            <a:ext cx="212419" cy="785892"/>
+          </a:xfrm>
+          <a:prstGeom prst="straightConnector1">
+            <a:avLst/>
+          </a:prstGeom>
+          <a:ln>
+            <a:tailEnd type="triangle"/>
+          </a:ln>
+        </p:spPr>
+        <p:style>
+          <a:lnRef idx="1">
+            <a:schemeClr val="dk1"/>
+          </a:lnRef>
+          <a:fillRef idx="0">
+            <a:schemeClr val="dk1"/>
+          </a:fillRef>
+          <a:effectRef idx="0">
+            <a:schemeClr val="dk1"/>
+          </a:effectRef>
+          <a:fontRef idx="minor">
+            <a:schemeClr val="tx1"/>
+          </a:fontRef>
+        </p:style>
+      </p:cxnSp>
+      <p:sp>
+        <p:nvSpPr>
+          <p:cNvPr id="47" name="TextBox 46"/>
+          <p:cNvSpPr txBox="1"/>
+          <p:nvPr/>
+        </p:nvSpPr>
+        <p:spPr>
+          <a:xfrm>
+            <a:off x="4622597" y="4225070"/>
+            <a:ext cx="3595921" cy="646331"/>
+          </a:xfrm>
+          <a:prstGeom prst="rect">
+            <a:avLst/>
+          </a:prstGeom>
+          <a:noFill/>
+        </p:spPr>
+        <p:txBody>
+          <a:bodyPr wrap="none" rtlCol="0">
+            <a:spAutoFit/>
+          </a:bodyPr>
+          <a:lstStyle/>
+          <a:p>
+            <a:r>
+              <a:rPr lang="en-US" dirty="0" smtClean="0"/>
+              <a:t>For each argument:</a:t>
+            </a:r>
+          </a:p>
+          <a:p>
+            <a:r>
+              <a:rPr lang="en-US" dirty="0" smtClean="0"/>
+              <a:t>Type and formal parameter name</a:t>
+            </a:r>
+            <a:endParaRPr lang="en-US" dirty="0"/>
+          </a:p>
+        </p:txBody>
+      </p:sp>
+    </p:spTree>
+    <p:extLst>
+      <p:ext uri="{BB962C8B-B14F-4D97-AF65-F5344CB8AC3E}">
+        <p14:creationId xmlns:p14="http://schemas.microsoft.com/office/powerpoint/2010/main" val="1184490754"/>
       </p:ext>
     </p:extLst>
   </p:cSld>
@@ -14709,7 +15092,7 @@
         </p:nvSpPr>
         <p:spPr>
           <a:xfrm>
-            <a:off x="609600" y="401638"/>
+            <a:off x="457200" y="204970"/>
             <a:ext cx="8177213" cy="721210"/>
           </a:xfrm>
         </p:spPr>
@@ -14719,15 +15102,8 @@
           <a:p>
             <a:r>
               <a:rPr lang="en-US" altLang="zh-CN" sz="3200" dirty="0" smtClean="0"/>
-              <a:t>Project Overview</a:t>
-            </a:r>
-            <a:r>
-              <a:rPr lang="en-US" altLang="zh-CN" sz="3200" dirty="0" smtClean="0"/>
-              <a:t/>
-            </a:r>
-            <a:br>
-              <a:rPr lang="en-US" altLang="zh-CN" sz="3200" dirty="0" smtClean="0"/>
-            </a:br>
+              <a:t>Code snippets as vectors</a:t>
+            </a:r>
             <a:endParaRPr lang="zh-CN" altLang="en-US" sz="2000" dirty="0" smtClean="0"/>
           </a:p>
         </p:txBody>
@@ -14760,7 +15136,19 @@
             </a:pPr>
             <a:r>
               <a:rPr lang="en-US" altLang="zh-CN" sz="1600" dirty="0" smtClean="0"/>
-              <a:t>Simplifies the problem:</a:t>
+              <a:t>Concatenate </a:t>
+            </a:r>
+            <a:r>
+              <a:rPr lang="en-US" altLang="zh-CN" sz="1600" dirty="0" err="1" smtClean="0"/>
+              <a:t>embeddings</a:t>
+            </a:r>
+            <a:r>
+              <a:rPr lang="en-US" altLang="zh-CN" sz="1600" dirty="0" smtClean="0"/>
+              <a:t> </a:t>
+            </a:r>
+            <a:r>
+              <a:rPr lang="en-US" altLang="zh-CN" sz="1600" dirty="0" smtClean="0"/>
+              <a:t>of names in code snippet:</a:t>
             </a:r>
           </a:p>
           <a:p>
@@ -14771,53 +15159,9 @@
             </a:pPr>
             <a:r>
               <a:rPr lang="en-US" altLang="zh-CN" sz="1600" dirty="0" smtClean="0"/>
-              <a:t>Before: Writing a program analysis</a:t>
-            </a:r>
-          </a:p>
-          <a:p>
-            <a:pPr algn="just">
-              <a:lnSpc>
-                <a:spcPct val="115000"/>
-              </a:lnSpc>
-            </a:pPr>
-            <a:r>
-              <a:rPr lang="en-US" altLang="zh-CN" sz="1600" dirty="0" smtClean="0"/>
-              <a:t>Now: Providing examples of buggy and correct code</a:t>
-            </a:r>
-          </a:p>
-          <a:p>
-            <a:pPr marL="0" indent="0" algn="just">
-              <a:lnSpc>
-                <a:spcPct val="115000"/>
-              </a:lnSpc>
-              <a:buNone/>
-            </a:pPr>
-            <a:r>
-              <a:rPr lang="en-US" altLang="zh-CN" sz="1600" dirty="0" smtClean="0"/>
-              <a:t>Catches otherwise missed bugs:</a:t>
-            </a:r>
-          </a:p>
-          <a:p>
-            <a:pPr algn="just">
-              <a:lnSpc>
-                <a:spcPct val="115000"/>
-              </a:lnSpc>
-            </a:pPr>
-            <a:r>
-              <a:rPr lang="en-US" altLang="zh-CN" sz="1600" dirty="0" smtClean="0"/>
-              <a:t>Learns conventions from corpora of existing code</a:t>
-            </a:r>
-          </a:p>
-          <a:p>
-            <a:pPr algn="just">
-              <a:lnSpc>
-                <a:spcPct val="115000"/>
-              </a:lnSpc>
-            </a:pPr>
-            <a:r>
-              <a:rPr lang="en-US" altLang="zh-CN" sz="1600" dirty="0" smtClean="0"/>
-              <a:t>ML can handle natural language in code, which expresses domain specific knowledge</a:t>
-            </a:r>
+              <a:t>Wrong binary operator/operation</a:t>
+            </a:r>
+            <a:endParaRPr lang="en-US" altLang="zh-CN" sz="1600" dirty="0" smtClean="0"/>
           </a:p>
           <a:p>
             <a:pPr marL="0" indent="0" algn="just">
@@ -15146,10 +15490,688 @@
           </a:p>
         </p:txBody>
       </p:sp>
+      <p:sp>
+        <p:nvSpPr>
+          <p:cNvPr id="5" name="TextBox 4"/>
+          <p:cNvSpPr txBox="1"/>
+          <p:nvPr/>
+        </p:nvSpPr>
+        <p:spPr>
+          <a:xfrm>
+            <a:off x="2838433" y="2554590"/>
+            <a:ext cx="2800767" cy="369332"/>
+          </a:xfrm>
+          <a:prstGeom prst="rect">
+            <a:avLst/>
+          </a:prstGeom>
+          <a:noFill/>
+        </p:spPr>
+        <p:txBody>
+          <a:bodyPr wrap="none" rtlCol="0">
+            <a:spAutoFit/>
+          </a:bodyPr>
+          <a:lstStyle/>
+          <a:p>
+            <a:r>
+              <a:rPr lang="en-US" dirty="0" err="1" smtClean="0"/>
+              <a:t>i</a:t>
+            </a:r>
+            <a:r>
+              <a:rPr lang="en-US" dirty="0" smtClean="0"/>
+              <a:t>           &lt;=               length</a:t>
+            </a:r>
+            <a:endParaRPr lang="en-US" dirty="0"/>
+          </a:p>
+        </p:txBody>
+      </p:sp>
+      <p:sp>
+        <p:nvSpPr>
+          <p:cNvPr id="2" name="Rectangle 1"/>
+          <p:cNvSpPr/>
+          <p:nvPr/>
+        </p:nvSpPr>
+        <p:spPr>
+          <a:xfrm>
+            <a:off x="1822495" y="3826236"/>
+            <a:ext cx="444886" cy="200970"/>
+          </a:xfrm>
+          <a:prstGeom prst="rect">
+            <a:avLst/>
+          </a:prstGeom>
+          <a:solidFill>
+            <a:srgbClr val="00B050"/>
+          </a:solidFill>
+        </p:spPr>
+        <p:style>
+          <a:lnRef idx="2">
+            <a:schemeClr val="accent1">
+              <a:shade val="50000"/>
+            </a:schemeClr>
+          </a:lnRef>
+          <a:fillRef idx="1">
+            <a:schemeClr val="accent1"/>
+          </a:fillRef>
+          <a:effectRef idx="0">
+            <a:schemeClr val="accent1"/>
+          </a:effectRef>
+          <a:fontRef idx="minor">
+            <a:schemeClr val="lt1"/>
+          </a:fontRef>
+        </p:style>
+        <p:txBody>
+          <a:bodyPr rtlCol="0" anchor="ctr"/>
+          <a:lstStyle/>
+          <a:p>
+            <a:pPr algn="ctr"/>
+            <a:endParaRPr lang="en-US"/>
+          </a:p>
+        </p:txBody>
+      </p:sp>
+      <p:cxnSp>
+        <p:nvCxnSpPr>
+          <p:cNvPr id="11" name="Straight Arrow Connector 10"/>
+          <p:cNvCxnSpPr/>
+          <p:nvPr/>
+        </p:nvCxnSpPr>
+        <p:spPr>
+          <a:xfrm flipH="1">
+            <a:off x="2142925" y="2915305"/>
+            <a:ext cx="893496" cy="779882"/>
+          </a:xfrm>
+          <a:prstGeom prst="straightConnector1">
+            <a:avLst/>
+          </a:prstGeom>
+          <a:ln>
+            <a:tailEnd type="triangle"/>
+          </a:ln>
+        </p:spPr>
+        <p:style>
+          <a:lnRef idx="1">
+            <a:schemeClr val="dk1"/>
+          </a:lnRef>
+          <a:fillRef idx="0">
+            <a:schemeClr val="dk1"/>
+          </a:fillRef>
+          <a:effectRef idx="0">
+            <a:schemeClr val="dk1"/>
+          </a:effectRef>
+          <a:fontRef idx="minor">
+            <a:schemeClr val="tx1"/>
+          </a:fontRef>
+        </p:style>
+      </p:cxnSp>
+      <p:sp>
+        <p:nvSpPr>
+          <p:cNvPr id="13" name="TextBox 12"/>
+          <p:cNvSpPr txBox="1"/>
+          <p:nvPr/>
+        </p:nvSpPr>
+        <p:spPr>
+          <a:xfrm>
+            <a:off x="950737" y="4212009"/>
+            <a:ext cx="2069797" cy="646331"/>
+          </a:xfrm>
+          <a:prstGeom prst="rect">
+            <a:avLst/>
+          </a:prstGeom>
+          <a:noFill/>
+        </p:spPr>
+        <p:txBody>
+          <a:bodyPr wrap="none" rtlCol="0">
+            <a:spAutoFit/>
+          </a:bodyPr>
+          <a:lstStyle/>
+          <a:p>
+            <a:r>
+              <a:rPr lang="en-US" dirty="0" smtClean="0"/>
+              <a:t>For each operand:</a:t>
+            </a:r>
+          </a:p>
+          <a:p>
+            <a:r>
+              <a:rPr lang="en-US" dirty="0" smtClean="0"/>
+              <a:t>name and type</a:t>
+            </a:r>
+            <a:endParaRPr lang="en-US" dirty="0"/>
+          </a:p>
+        </p:txBody>
+      </p:sp>
+      <p:sp>
+        <p:nvSpPr>
+          <p:cNvPr id="17" name="TextBox 16"/>
+          <p:cNvSpPr txBox="1"/>
+          <p:nvPr/>
+        </p:nvSpPr>
+        <p:spPr>
+          <a:xfrm>
+            <a:off x="6206566" y="5620146"/>
+            <a:ext cx="2544286" cy="461665"/>
+          </a:xfrm>
+          <a:prstGeom prst="rect">
+            <a:avLst/>
+          </a:prstGeom>
+          <a:noFill/>
+        </p:spPr>
+        <p:txBody>
+          <a:bodyPr wrap="none" rtlCol="0">
+            <a:spAutoFit/>
+          </a:bodyPr>
+          <a:lstStyle/>
+          <a:p>
+            <a:r>
+              <a:rPr lang="en-US" sz="1200" dirty="0" smtClean="0"/>
+              <a:t>Embedding size: 200:</a:t>
+            </a:r>
+          </a:p>
+          <a:p>
+            <a:r>
+              <a:rPr lang="en-US" sz="1200" dirty="0" err="1" smtClean="0"/>
+              <a:t>Gensim</a:t>
+            </a:r>
+            <a:r>
+              <a:rPr lang="en-US" sz="1200" dirty="0" smtClean="0"/>
+              <a:t> Word2Vec implementation</a:t>
+            </a:r>
+            <a:endParaRPr lang="en-US" sz="1200" dirty="0"/>
+          </a:p>
+        </p:txBody>
+      </p:sp>
+      <p:sp>
+        <p:nvSpPr>
+          <p:cNvPr id="18" name="Rectangle 17"/>
+          <p:cNvSpPr/>
+          <p:nvPr/>
+        </p:nvSpPr>
+        <p:spPr>
+          <a:xfrm>
+            <a:off x="2436454" y="3828702"/>
+            <a:ext cx="444886" cy="200970"/>
+          </a:xfrm>
+          <a:prstGeom prst="rect">
+            <a:avLst/>
+          </a:prstGeom>
+          <a:solidFill>
+            <a:srgbClr val="00B050"/>
+          </a:solidFill>
+        </p:spPr>
+        <p:style>
+          <a:lnRef idx="2">
+            <a:schemeClr val="accent1">
+              <a:shade val="50000"/>
+            </a:schemeClr>
+          </a:lnRef>
+          <a:fillRef idx="1">
+            <a:schemeClr val="accent1"/>
+          </a:fillRef>
+          <a:effectRef idx="0">
+            <a:schemeClr val="accent1"/>
+          </a:effectRef>
+          <a:fontRef idx="minor">
+            <a:schemeClr val="lt1"/>
+          </a:fontRef>
+        </p:style>
+        <p:txBody>
+          <a:bodyPr rtlCol="0" anchor="ctr"/>
+          <a:lstStyle/>
+          <a:p>
+            <a:pPr algn="ctr"/>
+            <a:endParaRPr lang="en-US"/>
+          </a:p>
+        </p:txBody>
+      </p:sp>
+      <p:sp>
+        <p:nvSpPr>
+          <p:cNvPr id="19" name="Rectangle 18"/>
+          <p:cNvSpPr/>
+          <p:nvPr/>
+        </p:nvSpPr>
+        <p:spPr>
+          <a:xfrm>
+            <a:off x="3017713" y="3837630"/>
+            <a:ext cx="444886" cy="200970"/>
+          </a:xfrm>
+          <a:prstGeom prst="rect">
+            <a:avLst/>
+          </a:prstGeom>
+          <a:solidFill>
+            <a:srgbClr val="00B050"/>
+          </a:solidFill>
+        </p:spPr>
+        <p:style>
+          <a:lnRef idx="2">
+            <a:schemeClr val="accent1">
+              <a:shade val="50000"/>
+            </a:schemeClr>
+          </a:lnRef>
+          <a:fillRef idx="1">
+            <a:schemeClr val="accent1"/>
+          </a:fillRef>
+          <a:effectRef idx="0">
+            <a:schemeClr val="accent1"/>
+          </a:effectRef>
+          <a:fontRef idx="minor">
+            <a:schemeClr val="lt1"/>
+          </a:fontRef>
+        </p:style>
+        <p:txBody>
+          <a:bodyPr rtlCol="0" anchor="ctr"/>
+          <a:lstStyle/>
+          <a:p>
+            <a:pPr algn="ctr"/>
+            <a:endParaRPr lang="en-US"/>
+          </a:p>
+        </p:txBody>
+      </p:sp>
+      <p:sp>
+        <p:nvSpPr>
+          <p:cNvPr id="20" name="Rectangle 19"/>
+          <p:cNvSpPr/>
+          <p:nvPr/>
+        </p:nvSpPr>
+        <p:spPr>
+          <a:xfrm>
+            <a:off x="3641285" y="3828702"/>
+            <a:ext cx="444886" cy="200970"/>
+          </a:xfrm>
+          <a:prstGeom prst="rect">
+            <a:avLst/>
+          </a:prstGeom>
+          <a:solidFill>
+            <a:srgbClr val="00B050"/>
+          </a:solidFill>
+        </p:spPr>
+        <p:style>
+          <a:lnRef idx="2">
+            <a:schemeClr val="accent1">
+              <a:shade val="50000"/>
+            </a:schemeClr>
+          </a:lnRef>
+          <a:fillRef idx="1">
+            <a:schemeClr val="accent1"/>
+          </a:fillRef>
+          <a:effectRef idx="0">
+            <a:schemeClr val="accent1"/>
+          </a:effectRef>
+          <a:fontRef idx="minor">
+            <a:schemeClr val="lt1"/>
+          </a:fontRef>
+        </p:style>
+        <p:txBody>
+          <a:bodyPr rtlCol="0" anchor="ctr"/>
+          <a:lstStyle/>
+          <a:p>
+            <a:pPr algn="ctr"/>
+            <a:endParaRPr lang="en-US"/>
+          </a:p>
+        </p:txBody>
+      </p:sp>
+      <p:sp>
+        <p:nvSpPr>
+          <p:cNvPr id="21" name="Rectangle 20"/>
+          <p:cNvSpPr/>
+          <p:nvPr/>
+        </p:nvSpPr>
+        <p:spPr>
+          <a:xfrm>
+            <a:off x="4260249" y="3837630"/>
+            <a:ext cx="444886" cy="200970"/>
+          </a:xfrm>
+          <a:prstGeom prst="rect">
+            <a:avLst/>
+          </a:prstGeom>
+          <a:solidFill>
+            <a:srgbClr val="00B050"/>
+          </a:solidFill>
+        </p:spPr>
+        <p:style>
+          <a:lnRef idx="2">
+            <a:schemeClr val="accent1">
+              <a:shade val="50000"/>
+            </a:schemeClr>
+          </a:lnRef>
+          <a:fillRef idx="1">
+            <a:schemeClr val="accent1"/>
+          </a:fillRef>
+          <a:effectRef idx="0">
+            <a:schemeClr val="accent1"/>
+          </a:effectRef>
+          <a:fontRef idx="minor">
+            <a:schemeClr val="lt1"/>
+          </a:fontRef>
+        </p:style>
+        <p:txBody>
+          <a:bodyPr rtlCol="0" anchor="ctr"/>
+          <a:lstStyle/>
+          <a:p>
+            <a:pPr algn="ctr"/>
+            <a:endParaRPr lang="en-US"/>
+          </a:p>
+        </p:txBody>
+      </p:sp>
+      <p:sp>
+        <p:nvSpPr>
+          <p:cNvPr id="22" name="Rectangle 21"/>
+          <p:cNvSpPr/>
+          <p:nvPr/>
+        </p:nvSpPr>
+        <p:spPr>
+          <a:xfrm>
+            <a:off x="4894878" y="3826236"/>
+            <a:ext cx="444886" cy="200970"/>
+          </a:xfrm>
+          <a:prstGeom prst="rect">
+            <a:avLst/>
+          </a:prstGeom>
+          <a:solidFill>
+            <a:srgbClr val="00B050"/>
+          </a:solidFill>
+        </p:spPr>
+        <p:style>
+          <a:lnRef idx="2">
+            <a:schemeClr val="accent1">
+              <a:shade val="50000"/>
+            </a:schemeClr>
+          </a:lnRef>
+          <a:fillRef idx="1">
+            <a:schemeClr val="accent1"/>
+          </a:fillRef>
+          <a:effectRef idx="0">
+            <a:schemeClr val="accent1"/>
+          </a:effectRef>
+          <a:fontRef idx="minor">
+            <a:schemeClr val="lt1"/>
+          </a:fontRef>
+        </p:style>
+        <p:txBody>
+          <a:bodyPr rtlCol="0" anchor="ctr"/>
+          <a:lstStyle/>
+          <a:p>
+            <a:pPr algn="ctr"/>
+            <a:endParaRPr lang="en-US"/>
+          </a:p>
+        </p:txBody>
+      </p:sp>
+      <p:sp>
+        <p:nvSpPr>
+          <p:cNvPr id="23" name="Rectangle 22"/>
+          <p:cNvSpPr/>
+          <p:nvPr/>
+        </p:nvSpPr>
+        <p:spPr>
+          <a:xfrm>
+            <a:off x="5529507" y="3826236"/>
+            <a:ext cx="444886" cy="200970"/>
+          </a:xfrm>
+          <a:prstGeom prst="rect">
+            <a:avLst/>
+          </a:prstGeom>
+          <a:solidFill>
+            <a:srgbClr val="00B050"/>
+          </a:solidFill>
+        </p:spPr>
+        <p:style>
+          <a:lnRef idx="2">
+            <a:schemeClr val="accent1">
+              <a:shade val="50000"/>
+            </a:schemeClr>
+          </a:lnRef>
+          <a:fillRef idx="1">
+            <a:schemeClr val="accent1"/>
+          </a:fillRef>
+          <a:effectRef idx="0">
+            <a:schemeClr val="accent1"/>
+          </a:effectRef>
+          <a:fontRef idx="minor">
+            <a:schemeClr val="lt1"/>
+          </a:fontRef>
+        </p:style>
+        <p:txBody>
+          <a:bodyPr rtlCol="0" anchor="ctr"/>
+          <a:lstStyle/>
+          <a:p>
+            <a:pPr algn="ctr"/>
+            <a:endParaRPr lang="en-US"/>
+          </a:p>
+        </p:txBody>
+      </p:sp>
+      <p:cxnSp>
+        <p:nvCxnSpPr>
+          <p:cNvPr id="27" name="Straight Arrow Connector 26"/>
+          <p:cNvCxnSpPr/>
+          <p:nvPr/>
+        </p:nvCxnSpPr>
+        <p:spPr>
+          <a:xfrm flipH="1">
+            <a:off x="2743201" y="2960112"/>
+            <a:ext cx="233337" cy="806579"/>
+          </a:xfrm>
+          <a:prstGeom prst="straightConnector1">
+            <a:avLst/>
+          </a:prstGeom>
+          <a:ln>
+            <a:tailEnd type="triangle"/>
+          </a:ln>
+        </p:spPr>
+        <p:style>
+          <a:lnRef idx="1">
+            <a:schemeClr val="dk1"/>
+          </a:lnRef>
+          <a:fillRef idx="0">
+            <a:schemeClr val="dk1"/>
+          </a:fillRef>
+          <a:effectRef idx="0">
+            <a:schemeClr val="dk1"/>
+          </a:effectRef>
+          <a:fontRef idx="minor">
+            <a:schemeClr val="tx1"/>
+          </a:fontRef>
+        </p:style>
+      </p:cxnSp>
+      <p:cxnSp>
+        <p:nvCxnSpPr>
+          <p:cNvPr id="30" name="Straight Arrow Connector 29"/>
+          <p:cNvCxnSpPr/>
+          <p:nvPr/>
+        </p:nvCxnSpPr>
+        <p:spPr>
+          <a:xfrm flipH="1">
+            <a:off x="3298529" y="2915305"/>
+            <a:ext cx="464933" cy="851386"/>
+          </a:xfrm>
+          <a:prstGeom prst="straightConnector1">
+            <a:avLst/>
+          </a:prstGeom>
+          <a:ln>
+            <a:tailEnd type="triangle"/>
+          </a:ln>
+        </p:spPr>
+        <p:style>
+          <a:lnRef idx="1">
+            <a:schemeClr val="dk1"/>
+          </a:lnRef>
+          <a:fillRef idx="0">
+            <a:schemeClr val="dk1"/>
+          </a:fillRef>
+          <a:effectRef idx="0">
+            <a:schemeClr val="dk1"/>
+          </a:effectRef>
+          <a:fontRef idx="minor">
+            <a:schemeClr val="tx1"/>
+          </a:fontRef>
+        </p:style>
+      </p:cxnSp>
+      <p:cxnSp>
+        <p:nvCxnSpPr>
+          <p:cNvPr id="45" name="Straight Arrow Connector 44"/>
+          <p:cNvCxnSpPr/>
+          <p:nvPr/>
+        </p:nvCxnSpPr>
+        <p:spPr>
+          <a:xfrm flipH="1">
+            <a:off x="4025570" y="2923922"/>
+            <a:ext cx="947397" cy="786003"/>
+          </a:xfrm>
+          <a:prstGeom prst="straightConnector1">
+            <a:avLst/>
+          </a:prstGeom>
+          <a:ln>
+            <a:tailEnd type="triangle"/>
+          </a:ln>
+        </p:spPr>
+        <p:style>
+          <a:lnRef idx="1">
+            <a:schemeClr val="dk1"/>
+          </a:lnRef>
+          <a:fillRef idx="0">
+            <a:schemeClr val="dk1"/>
+          </a:fillRef>
+          <a:effectRef idx="0">
+            <a:schemeClr val="dk1"/>
+          </a:effectRef>
+          <a:fontRef idx="minor">
+            <a:schemeClr val="tx1"/>
+          </a:fontRef>
+        </p:style>
+      </p:cxnSp>
+      <p:sp>
+        <p:nvSpPr>
+          <p:cNvPr id="47" name="TextBox 46"/>
+          <p:cNvSpPr txBox="1"/>
+          <p:nvPr/>
+        </p:nvSpPr>
+        <p:spPr>
+          <a:xfrm>
+            <a:off x="4534752" y="4694640"/>
+            <a:ext cx="2698175" cy="646331"/>
+          </a:xfrm>
+          <a:prstGeom prst="rect">
+            <a:avLst/>
+          </a:prstGeom>
+          <a:noFill/>
+        </p:spPr>
+        <p:txBody>
+          <a:bodyPr wrap="none" rtlCol="0">
+            <a:spAutoFit/>
+          </a:bodyPr>
+          <a:lstStyle/>
+          <a:p>
+            <a:r>
+              <a:rPr lang="en-US" dirty="0" smtClean="0"/>
+              <a:t>Parent and grand-parent</a:t>
+            </a:r>
+          </a:p>
+          <a:p>
+            <a:r>
+              <a:rPr lang="en-US" dirty="0" smtClean="0"/>
+              <a:t>AST node type</a:t>
+            </a:r>
+            <a:endParaRPr lang="en-US" dirty="0"/>
+          </a:p>
+        </p:txBody>
+      </p:sp>
+      <p:cxnSp>
+        <p:nvCxnSpPr>
+          <p:cNvPr id="29" name="Straight Arrow Connector 28"/>
+          <p:cNvCxnSpPr/>
+          <p:nvPr/>
+        </p:nvCxnSpPr>
+        <p:spPr>
+          <a:xfrm flipH="1" flipV="1">
+            <a:off x="5170023" y="4114800"/>
+            <a:ext cx="263693" cy="608317"/>
+          </a:xfrm>
+          <a:prstGeom prst="straightConnector1">
+            <a:avLst/>
+          </a:prstGeom>
+          <a:ln>
+            <a:tailEnd type="triangle"/>
+          </a:ln>
+        </p:spPr>
+        <p:style>
+          <a:lnRef idx="1">
+            <a:schemeClr val="dk1"/>
+          </a:lnRef>
+          <a:fillRef idx="0">
+            <a:schemeClr val="dk1"/>
+          </a:fillRef>
+          <a:effectRef idx="0">
+            <a:schemeClr val="dk1"/>
+          </a:effectRef>
+          <a:fontRef idx="minor">
+            <a:schemeClr val="tx1"/>
+          </a:fontRef>
+        </p:style>
+      </p:cxnSp>
+      <p:cxnSp>
+        <p:nvCxnSpPr>
+          <p:cNvPr id="33" name="Straight Arrow Connector 32"/>
+          <p:cNvCxnSpPr/>
+          <p:nvPr/>
+        </p:nvCxnSpPr>
+        <p:spPr>
+          <a:xfrm flipH="1">
+            <a:off x="4465276" y="2940877"/>
+            <a:ext cx="947396" cy="786003"/>
+          </a:xfrm>
+          <a:prstGeom prst="straightConnector1">
+            <a:avLst/>
+          </a:prstGeom>
+          <a:ln>
+            <a:tailEnd type="triangle"/>
+          </a:ln>
+        </p:spPr>
+        <p:style>
+          <a:lnRef idx="1">
+            <a:schemeClr val="dk1"/>
+          </a:lnRef>
+          <a:fillRef idx="0">
+            <a:schemeClr val="dk1"/>
+          </a:fillRef>
+          <a:effectRef idx="0">
+            <a:schemeClr val="dk1"/>
+          </a:effectRef>
+          <a:fontRef idx="minor">
+            <a:schemeClr val="tx1"/>
+          </a:fontRef>
+        </p:style>
+      </p:cxnSp>
+      <p:cxnSp>
+        <p:nvCxnSpPr>
+          <p:cNvPr id="34" name="Straight Arrow Connector 33"/>
+          <p:cNvCxnSpPr/>
+          <p:nvPr/>
+        </p:nvCxnSpPr>
+        <p:spPr>
+          <a:xfrm flipH="1" flipV="1">
+            <a:off x="5791200" y="4173020"/>
+            <a:ext cx="372936" cy="627581"/>
+          </a:xfrm>
+          <a:prstGeom prst="straightConnector1">
+            <a:avLst/>
+          </a:prstGeom>
+          <a:ln>
+            <a:tailEnd type="triangle"/>
+          </a:ln>
+        </p:spPr>
+        <p:style>
+          <a:lnRef idx="1">
+            <a:schemeClr val="dk1"/>
+          </a:lnRef>
+          <a:fillRef idx="0">
+            <a:schemeClr val="dk1"/>
+          </a:fillRef>
+          <a:effectRef idx="0">
+            <a:schemeClr val="dk1"/>
+          </a:effectRef>
+          <a:fontRef idx="minor">
+            <a:schemeClr val="tx1"/>
+          </a:fontRef>
+        </p:style>
+      </p:cxnSp>
     </p:spTree>
     <p:extLst>
       <p:ext uri="{BB962C8B-B14F-4D97-AF65-F5344CB8AC3E}">
-        <p14:creationId xmlns:p14="http://schemas.microsoft.com/office/powerpoint/2010/main" val="1384200121"/>
+        <p14:creationId xmlns:p14="http://schemas.microsoft.com/office/powerpoint/2010/main" val="1056679289"/>
       </p:ext>
     </p:extLst>
   </p:cSld>
@@ -15169,6 +16191,14 @@
 <file path=ppt/slides/slide19.xml><?xml version="1.0" encoding="utf-8"?>
 <p:sld xmlns:a="http://schemas.openxmlformats.org/drawingml/2006/main" xmlns:r="http://schemas.openxmlformats.org/officeDocument/2006/relationships" xmlns:p="http://schemas.openxmlformats.org/presentationml/2006/main">
   <p:cSld>
+    <p:bg>
+      <p:bgPr>
+        <a:solidFill>
+          <a:schemeClr val="bg1"/>
+        </a:solidFill>
+        <a:effectLst/>
+      </p:bgPr>
+    </p:bg>
     <p:spTree>
       <p:nvGrpSpPr>
         <p:cNvPr id="1" name=""/>
@@ -15185,7 +16215,175 @@
       </p:grpSpPr>
       <p:sp>
         <p:nvSpPr>
-          <p:cNvPr id="17410" name="Date Placeholder 3"/>
+          <p:cNvPr id="11266" name="Rectangle 2"/>
+          <p:cNvSpPr>
+            <a:spLocks noGrp="1" noChangeArrowheads="1"/>
+          </p:cNvSpPr>
+          <p:nvPr>
+            <p:ph type="title"/>
+          </p:nvPr>
+        </p:nvSpPr>
+        <p:spPr>
+          <a:xfrm>
+            <a:off x="609600" y="401638"/>
+            <a:ext cx="8177213" cy="721210"/>
+          </a:xfrm>
+        </p:spPr>
+        <p:txBody>
+          <a:bodyPr/>
+          <a:lstStyle/>
+          <a:p>
+            <a:r>
+              <a:rPr lang="en-US" altLang="zh-CN" sz="3200" dirty="0" smtClean="0"/>
+              <a:t>Solution: Word2Vec</a:t>
+            </a:r>
+            <a:br>
+              <a:rPr lang="en-US" altLang="zh-CN" sz="3200" dirty="0" smtClean="0"/>
+            </a:br>
+            <a:endParaRPr lang="zh-CN" altLang="en-US" sz="2000" dirty="0" smtClean="0"/>
+          </a:p>
+        </p:txBody>
+      </p:sp>
+      <p:sp>
+        <p:nvSpPr>
+          <p:cNvPr id="11267" name="Rectangle 3"/>
+          <p:cNvSpPr>
+            <a:spLocks noGrp="1" noChangeArrowheads="1"/>
+          </p:cNvSpPr>
+          <p:nvPr>
+            <p:ph type="body" sz="half" idx="1"/>
+          </p:nvPr>
+        </p:nvSpPr>
+        <p:spPr>
+          <a:xfrm>
+            <a:off x="609599" y="1447800"/>
+            <a:ext cx="8177213" cy="4572000"/>
+          </a:xfrm>
+        </p:spPr>
+        <p:txBody>
+          <a:bodyPr/>
+          <a:lstStyle/>
+          <a:p>
+            <a:pPr marL="0" indent="0" algn="just">
+              <a:lnSpc>
+                <a:spcPct val="115000"/>
+              </a:lnSpc>
+              <a:buNone/>
+            </a:pPr>
+            <a:r>
+              <a:rPr lang="en-US" altLang="zh-CN" sz="1600" dirty="0" smtClean="0"/>
+              <a:t>Word </a:t>
+            </a:r>
+            <a:r>
+              <a:rPr lang="en-US" altLang="zh-CN" sz="1600" dirty="0" err="1" smtClean="0"/>
+              <a:t>embeddings</a:t>
+            </a:r>
+            <a:endParaRPr lang="en-US" altLang="zh-CN" sz="1600" dirty="0" smtClean="0"/>
+          </a:p>
+          <a:p>
+            <a:pPr algn="just">
+              <a:lnSpc>
+                <a:spcPct val="115000"/>
+              </a:lnSpc>
+            </a:pPr>
+            <a:r>
+              <a:rPr lang="en-US" altLang="zh-CN" sz="1600" dirty="0" smtClean="0"/>
+              <a:t>Continuous vector representation of each word</a:t>
+            </a:r>
+          </a:p>
+          <a:p>
+            <a:pPr algn="just">
+              <a:lnSpc>
+                <a:spcPct val="115000"/>
+              </a:lnSpc>
+            </a:pPr>
+            <a:r>
+              <a:rPr lang="en-US" altLang="zh-CN" sz="1600" dirty="0" smtClean="0"/>
+              <a:t>Similar words have similar vectors</a:t>
+            </a:r>
+          </a:p>
+          <a:p>
+            <a:pPr marL="0" indent="0" algn="just">
+              <a:lnSpc>
+                <a:spcPct val="115000"/>
+              </a:lnSpc>
+              <a:buNone/>
+            </a:pPr>
+            <a:endParaRPr lang="en-US" altLang="zh-CN" sz="1600" dirty="0" smtClean="0"/>
+          </a:p>
+          <a:p>
+            <a:pPr marL="0" indent="0" algn="just">
+              <a:lnSpc>
+                <a:spcPct val="115000"/>
+              </a:lnSpc>
+              <a:buNone/>
+            </a:pPr>
+            <a:r>
+              <a:rPr lang="en-US" altLang="zh-CN" sz="1600" dirty="0" smtClean="0"/>
+              <a:t>Learn </a:t>
+            </a:r>
+            <a:r>
+              <a:rPr lang="en-US" altLang="zh-CN" sz="1600" dirty="0" err="1" smtClean="0"/>
+              <a:t>Embeddings</a:t>
+            </a:r>
+            <a:r>
+              <a:rPr lang="en-US" altLang="zh-CN" sz="1600" dirty="0" smtClean="0"/>
+              <a:t> from corpus of text</a:t>
+            </a:r>
+          </a:p>
+          <a:p>
+            <a:pPr algn="just">
+              <a:lnSpc>
+                <a:spcPct val="115000"/>
+              </a:lnSpc>
+            </a:pPr>
+            <a:r>
+              <a:rPr lang="en-US" altLang="zh-CN" sz="1600" dirty="0" smtClean="0"/>
+              <a:t>Context: Surrounding words in sentences</a:t>
+            </a:r>
+          </a:p>
+          <a:p>
+            <a:pPr marL="0" indent="0" algn="just">
+              <a:lnSpc>
+                <a:spcPct val="115000"/>
+              </a:lnSpc>
+              <a:buNone/>
+            </a:pPr>
+            <a:endParaRPr lang="en-US" altLang="zh-CN" sz="1600" dirty="0" smtClean="0"/>
+          </a:p>
+          <a:p>
+            <a:pPr marL="0" indent="0" algn="just">
+              <a:lnSpc>
+                <a:spcPct val="115000"/>
+              </a:lnSpc>
+              <a:buNone/>
+            </a:pPr>
+            <a:endParaRPr lang="en-US" altLang="zh-CN" sz="1600" dirty="0"/>
+          </a:p>
+          <a:p>
+            <a:pPr marL="0" indent="0" algn="just">
+              <a:lnSpc>
+                <a:spcPct val="115000"/>
+              </a:lnSpc>
+              <a:buNone/>
+            </a:pPr>
+            <a:endParaRPr lang="en-US" altLang="zh-CN" sz="1600" dirty="0" smtClean="0"/>
+          </a:p>
+          <a:p>
+            <a:pPr marL="231775" indent="-231775" algn="just">
+              <a:lnSpc>
+                <a:spcPct val="115000"/>
+              </a:lnSpc>
+              <a:buFont typeface="Wingdings" pitchFamily="2" charset="2"/>
+              <a:buNone/>
+            </a:pPr>
+            <a:endParaRPr lang="zh-CN" altLang="en-US" dirty="0" smtClean="0"/>
+          </a:p>
+        </p:txBody>
+      </p:sp>
+      <p:sp>
+        <p:nvSpPr>
+          <p:cNvPr id="11268" name="Date Placeholder 4"/>
           <p:cNvSpPr>
             <a:spLocks noGrp="1"/>
           </p:cNvSpPr>
@@ -15219,7 +16417,7 @@
         <p:txBody>
           <a:bodyPr/>
           <a:lstStyle>
-            <a:lvl1pPr defTabSz="784225">
+            <a:lvl1pPr>
               <a:lnSpc>
                 <a:spcPct val="120000"/>
               </a:lnSpc>
@@ -15243,7 +16441,7 @@
                 <a:ea typeface="宋体" panose="02010600030101010101" pitchFamily="2" charset="-122"/>
               </a:defRPr>
             </a:lvl1pPr>
-            <a:lvl2pPr marL="742950" indent="-285750" defTabSz="784225">
+            <a:lvl2pPr marL="742950" indent="-285750">
               <a:lnSpc>
                 <a:spcPct val="120000"/>
               </a:lnSpc>
@@ -15266,7 +16464,7 @@
                 <a:ea typeface="宋体" panose="02010600030101010101" pitchFamily="2" charset="-122"/>
               </a:defRPr>
             </a:lvl2pPr>
-            <a:lvl3pPr marL="1143000" indent="-228600" defTabSz="784225">
+            <a:lvl3pPr marL="1143000" indent="-228600">
               <a:lnSpc>
                 <a:spcPct val="120000"/>
               </a:lnSpc>
@@ -15289,7 +16487,7 @@
                 <a:ea typeface="宋体" panose="02010600030101010101" pitchFamily="2" charset="-122"/>
               </a:defRPr>
             </a:lvl3pPr>
-            <a:lvl4pPr marL="1600200" indent="-228600" defTabSz="784225">
+            <a:lvl4pPr marL="1600200" indent="-228600">
               <a:lnSpc>
                 <a:spcPct val="120000"/>
               </a:lnSpc>
@@ -15312,7 +16510,7 @@
                 <a:ea typeface="宋体" panose="02010600030101010101" pitchFamily="2" charset="-122"/>
               </a:defRPr>
             </a:lvl4pPr>
-            <a:lvl5pPr marL="2057400" indent="-228600" defTabSz="784225">
+            <a:lvl5pPr marL="2057400" indent="-228600">
               <a:spcBef>
                 <a:spcPct val="20000"/>
               </a:spcBef>
@@ -15325,7 +16523,7 @@
                 <a:ea typeface="宋体" panose="02010600030101010101" pitchFamily="2" charset="-122"/>
               </a:defRPr>
             </a:lvl5pPr>
-            <a:lvl6pPr marL="2514600" indent="-228600" defTabSz="784225" eaLnBrk="0" fontAlgn="base" hangingPunct="0">
+            <a:lvl6pPr marL="2514600" indent="-228600" eaLnBrk="0" fontAlgn="base" hangingPunct="0">
               <a:spcBef>
                 <a:spcPct val="20000"/>
               </a:spcBef>
@@ -15341,7 +16539,7 @@
                 <a:ea typeface="宋体" panose="02010600030101010101" pitchFamily="2" charset="-122"/>
               </a:defRPr>
             </a:lvl6pPr>
-            <a:lvl7pPr marL="2971800" indent="-228600" defTabSz="784225" eaLnBrk="0" fontAlgn="base" hangingPunct="0">
+            <a:lvl7pPr marL="2971800" indent="-228600" eaLnBrk="0" fontAlgn="base" hangingPunct="0">
               <a:spcBef>
                 <a:spcPct val="20000"/>
               </a:spcBef>
@@ -15357,7 +16555,7 @@
                 <a:ea typeface="宋体" panose="02010600030101010101" pitchFamily="2" charset="-122"/>
               </a:defRPr>
             </a:lvl7pPr>
-            <a:lvl8pPr marL="3429000" indent="-228600" defTabSz="784225" eaLnBrk="0" fontAlgn="base" hangingPunct="0">
+            <a:lvl8pPr marL="3429000" indent="-228600" eaLnBrk="0" fontAlgn="base" hangingPunct="0">
               <a:spcBef>
                 <a:spcPct val="20000"/>
               </a:spcBef>
@@ -15373,7 +16571,7 @@
                 <a:ea typeface="宋体" panose="02010600030101010101" pitchFamily="2" charset="-122"/>
               </a:defRPr>
             </a:lvl8pPr>
-            <a:lvl9pPr marL="3886200" indent="-228600" defTabSz="784225" eaLnBrk="0" fontAlgn="base" hangingPunct="0">
+            <a:lvl9pPr marL="3886200" indent="-228600" eaLnBrk="0" fontAlgn="base" hangingPunct="0">
               <a:spcBef>
                 <a:spcPct val="20000"/>
               </a:spcBef>
@@ -15432,7 +16630,7 @@
               </a:rPr>
               <a:t>Page </a:t>
             </a:r>
-            <a:fld id="{8DC6A97E-2057-4D78-A7C7-ACEC89E1A461}" type="slidenum">
+            <a:fld id="{86532620-EE16-4692-A7FF-47162C7E0C8F}" type="slidenum">
               <a:rPr lang="de-DE" altLang="en-US" sz="1000" smtClean="0">
                 <a:ea typeface="MS PGothic" panose="020B0600070205080204" pitchFamily="34" charset="-128"/>
               </a:rPr>
@@ -15473,156 +16671,542 @@
       </p:sp>
       <p:sp>
         <p:nvSpPr>
-          <p:cNvPr id="17411" name="Rectangle 2"/>
-          <p:cNvSpPr>
-            <a:spLocks noGrp="1" noChangeArrowheads="1"/>
-          </p:cNvSpPr>
-          <p:nvPr>
-            <p:ph type="title"/>
-          </p:nvPr>
+          <p:cNvPr id="5" name="TextBox 4"/>
+          <p:cNvSpPr txBox="1"/>
+          <p:nvPr/>
         </p:nvSpPr>
         <p:spPr>
           <a:xfrm>
-            <a:off x="28575" y="12700"/>
-            <a:ext cx="9115425" cy="720725"/>
+            <a:off x="609599" y="4419600"/>
+            <a:ext cx="1338828" cy="369332"/>
           </a:xfrm>
+          <a:prstGeom prst="rect">
+            <a:avLst/>
+          </a:prstGeom>
+          <a:noFill/>
         </p:spPr>
         <p:txBody>
-          <a:bodyPr/>
+          <a:bodyPr wrap="none" rtlCol="0">
+            <a:spAutoFit/>
+          </a:bodyPr>
           <a:lstStyle/>
           <a:p>
-            <a:pPr algn="ctr" eaLnBrk="1" hangingPunct="1">
-              <a:defRPr/>
-            </a:pPr>
-            <a:r>
-              <a:rPr lang="en-US" altLang="zh-CN" sz="3200" dirty="0" smtClean="0"/>
-              <a:t>Achievements</a:t>
-            </a:r>
-            <a:endParaRPr lang="en-US" altLang="zh-CN" sz="2000" dirty="0" smtClean="0">
-              <a:solidFill>
-                <a:schemeClr val="tx1">
-                  <a:lumMod val="75000"/>
-                  <a:lumOff val="25000"/>
-                </a:schemeClr>
-              </a:solidFill>
-            </a:endParaRPr>
+            <a:r>
+              <a:rPr lang="en-US" dirty="0" smtClean="0"/>
+              <a:t>Input Layer</a:t>
+            </a:r>
+            <a:endParaRPr lang="en-US" dirty="0"/>
           </a:p>
         </p:txBody>
       </p:sp>
       <p:sp>
         <p:nvSpPr>
-          <p:cNvPr id="17412" name="Rectangle 3"/>
-          <p:cNvSpPr>
-            <a:spLocks noGrp="1" noChangeArrowheads="1"/>
-          </p:cNvSpPr>
-          <p:nvPr>
-            <p:ph type="body" idx="1"/>
-          </p:nvPr>
+          <p:cNvPr id="6" name="TextBox 5"/>
+          <p:cNvSpPr txBox="1"/>
+          <p:nvPr/>
         </p:nvSpPr>
         <p:spPr>
           <a:xfrm>
-            <a:off x="685800" y="1266825"/>
-            <a:ext cx="8001000" cy="2314575"/>
+            <a:off x="710052" y="5029200"/>
+            <a:ext cx="979755" cy="646331"/>
           </a:xfrm>
+          <a:prstGeom prst="rect">
+            <a:avLst/>
+          </a:prstGeom>
+          <a:noFill/>
         </p:spPr>
         <p:txBody>
-          <a:bodyPr/>
+          <a:bodyPr wrap="none" rtlCol="0">
+            <a:spAutoFit/>
+          </a:bodyPr>
           <a:lstStyle/>
           <a:p>
-            <a:pPr marL="522288" lvl="1" indent="0" eaLnBrk="1" hangingPunct="1">
-              <a:buFont typeface="Wingdings" panose="05000000000000000000" pitchFamily="2" charset="2"/>
-              <a:buChar char="Ø"/>
-              <a:tabLst>
-                <a:tab pos="444500" algn="l"/>
-              </a:tabLst>
-            </a:pPr>
-            <a:r>
-              <a:rPr lang="en-US" altLang="en-US" sz="1600" smtClean="0"/>
-              <a:t>Researched Huawei cloud infrastructure advantages &amp; disadvantages</a:t>
-            </a:r>
-          </a:p>
-          <a:p>
-            <a:pPr marL="522288" lvl="1" indent="0" eaLnBrk="1" hangingPunct="1">
-              <a:buFont typeface="Wingdings" panose="05000000000000000000" pitchFamily="2" charset="2"/>
-              <a:buChar char="Ø"/>
-              <a:tabLst>
-                <a:tab pos="444500" algn="l"/>
-              </a:tabLst>
-            </a:pPr>
-            <a:r>
-              <a:rPr lang="en-US" altLang="en-US" sz="1600" smtClean="0"/>
-              <a:t>Used state of the art multiprocessing to calculate git repos statistics</a:t>
-            </a:r>
-          </a:p>
-          <a:p>
-            <a:pPr marL="522288" lvl="1" indent="0" eaLnBrk="1" hangingPunct="1">
-              <a:buFont typeface="Wingdings" panose="05000000000000000000" pitchFamily="2" charset="2"/>
-              <a:buChar char="Ø"/>
-              <a:tabLst>
-                <a:tab pos="444500" algn="l"/>
-              </a:tabLst>
-            </a:pPr>
-            <a:r>
-              <a:rPr lang="en-US" altLang="zh-CN" sz="1600" smtClean="0"/>
-              <a:t>Used Git API: up to 5000 requests per day</a:t>
-            </a:r>
-          </a:p>
-          <a:p>
-            <a:pPr marL="522288" lvl="1" indent="0" eaLnBrk="1" hangingPunct="1">
-              <a:buFont typeface="Wingdings" panose="05000000000000000000" pitchFamily="2" charset="2"/>
-              <a:buChar char="Ø"/>
-              <a:tabLst>
-                <a:tab pos="444500" algn="l"/>
-              </a:tabLst>
-            </a:pPr>
-            <a:r>
-              <a:rPr lang="en-US" altLang="zh-CN" sz="1600" smtClean="0"/>
-              <a:t>Found unique correlation between repo volatility and overall code quality</a:t>
-            </a:r>
-          </a:p>
-          <a:p>
-            <a:pPr marL="522288" lvl="1" indent="0" eaLnBrk="1" hangingPunct="1">
-              <a:buFont typeface="Wingdings" panose="05000000000000000000" pitchFamily="2" charset="2"/>
-              <a:buChar char="Ø"/>
-              <a:tabLst>
-                <a:tab pos="444500" algn="l"/>
-              </a:tabLst>
-            </a:pPr>
-            <a:r>
-              <a:rPr lang="en-US" altLang="zh-CN" sz="1600" smtClean="0"/>
-              <a:t>Researched various git output formats to reuse in feature projects</a:t>
-            </a:r>
-          </a:p>
-          <a:p>
-            <a:pPr marL="522288" lvl="1" indent="0" eaLnBrk="1" hangingPunct="1">
-              <a:buFont typeface="Wingdings" panose="05000000000000000000" pitchFamily="2" charset="2"/>
-              <a:buChar char="Ø"/>
-              <a:tabLst>
-                <a:tab pos="444500" algn="l"/>
-              </a:tabLst>
-            </a:pPr>
-            <a:r>
-              <a:rPr lang="en-US" altLang="zh-CN" sz="1600" smtClean="0"/>
-              <a:t>Distributable python package created, ready to run on Ubuntu/Windows as executable shell command (</a:t>
-            </a:r>
-            <a:r>
-              <a:rPr lang="en-US" altLang="zh-CN" sz="1600" smtClean="0">
-                <a:hlinkClick r:id="rId2"/>
-              </a:rPr>
-              <a:t>https://test.pypi.org/project/volatility-zuoqin/0.0.4/</a:t>
-            </a:r>
-            <a:r>
-              <a:rPr lang="en-US" altLang="en-US" sz="1400" smtClean="0"/>
-              <a:t>)</a:t>
-            </a:r>
-            <a:endParaRPr lang="en-US" altLang="zh-CN" sz="1300" smtClean="0"/>
+            <a:r>
+              <a:rPr lang="en-US" dirty="0" smtClean="0"/>
+              <a:t>Context</a:t>
+            </a:r>
+          </a:p>
+          <a:p>
+            <a:r>
+              <a:rPr lang="en-US" dirty="0" smtClean="0"/>
+              <a:t>words</a:t>
+            </a:r>
+            <a:endParaRPr lang="en-US" dirty="0"/>
+          </a:p>
+        </p:txBody>
+      </p:sp>
+      <p:sp>
+        <p:nvSpPr>
+          <p:cNvPr id="2" name="Rectangle 1"/>
+          <p:cNvSpPr/>
+          <p:nvPr/>
+        </p:nvSpPr>
+        <p:spPr>
+          <a:xfrm>
+            <a:off x="2057400" y="4267200"/>
+            <a:ext cx="152400" cy="381000"/>
+          </a:xfrm>
+          <a:prstGeom prst="rect">
+            <a:avLst/>
+          </a:prstGeom>
+        </p:spPr>
+        <p:style>
+          <a:lnRef idx="2">
+            <a:schemeClr val="accent1">
+              <a:shade val="50000"/>
+            </a:schemeClr>
+          </a:lnRef>
+          <a:fillRef idx="1">
+            <a:schemeClr val="accent1"/>
+          </a:fillRef>
+          <a:effectRef idx="0">
+            <a:schemeClr val="accent1"/>
+          </a:effectRef>
+          <a:fontRef idx="minor">
+            <a:schemeClr val="lt1"/>
+          </a:fontRef>
+        </p:style>
+        <p:txBody>
+          <a:bodyPr rtlCol="0" anchor="ctr"/>
+          <a:lstStyle/>
+          <a:p>
+            <a:pPr algn="ctr"/>
+            <a:endParaRPr lang="en-US"/>
+          </a:p>
+        </p:txBody>
+      </p:sp>
+      <p:sp>
+        <p:nvSpPr>
+          <p:cNvPr id="8" name="Rectangle 7"/>
+          <p:cNvSpPr/>
+          <p:nvPr/>
+        </p:nvSpPr>
+        <p:spPr>
+          <a:xfrm>
+            <a:off x="2066725" y="4713132"/>
+            <a:ext cx="152400" cy="381000"/>
+          </a:xfrm>
+          <a:prstGeom prst="rect">
+            <a:avLst/>
+          </a:prstGeom>
+        </p:spPr>
+        <p:style>
+          <a:lnRef idx="2">
+            <a:schemeClr val="accent1">
+              <a:shade val="50000"/>
+            </a:schemeClr>
+          </a:lnRef>
+          <a:fillRef idx="1">
+            <a:schemeClr val="accent1"/>
+          </a:fillRef>
+          <a:effectRef idx="0">
+            <a:schemeClr val="accent1"/>
+          </a:effectRef>
+          <a:fontRef idx="minor">
+            <a:schemeClr val="lt1"/>
+          </a:fontRef>
+        </p:style>
+        <p:txBody>
+          <a:bodyPr rtlCol="0" anchor="ctr"/>
+          <a:lstStyle/>
+          <a:p>
+            <a:pPr algn="ctr"/>
+            <a:endParaRPr lang="en-US"/>
+          </a:p>
+        </p:txBody>
+      </p:sp>
+      <p:sp>
+        <p:nvSpPr>
+          <p:cNvPr id="9" name="Rectangle 8"/>
+          <p:cNvSpPr/>
+          <p:nvPr/>
+        </p:nvSpPr>
+        <p:spPr>
+          <a:xfrm>
+            <a:off x="2078804" y="5164442"/>
+            <a:ext cx="152400" cy="381000"/>
+          </a:xfrm>
+          <a:prstGeom prst="rect">
+            <a:avLst/>
+          </a:prstGeom>
+        </p:spPr>
+        <p:style>
+          <a:lnRef idx="2">
+            <a:schemeClr val="accent1">
+              <a:shade val="50000"/>
+            </a:schemeClr>
+          </a:lnRef>
+          <a:fillRef idx="1">
+            <a:schemeClr val="accent1"/>
+          </a:fillRef>
+          <a:effectRef idx="0">
+            <a:schemeClr val="accent1"/>
+          </a:effectRef>
+          <a:fontRef idx="minor">
+            <a:schemeClr val="lt1"/>
+          </a:fontRef>
+        </p:style>
+        <p:txBody>
+          <a:bodyPr rtlCol="0" anchor="ctr"/>
+          <a:lstStyle/>
+          <a:p>
+            <a:pPr algn="ctr"/>
+            <a:endParaRPr lang="en-US"/>
+          </a:p>
+        </p:txBody>
+      </p:sp>
+      <p:sp>
+        <p:nvSpPr>
+          <p:cNvPr id="10" name="Rectangle 9"/>
+          <p:cNvSpPr/>
+          <p:nvPr/>
+        </p:nvSpPr>
+        <p:spPr>
+          <a:xfrm>
+            <a:off x="2078804" y="5615752"/>
+            <a:ext cx="152400" cy="381000"/>
+          </a:xfrm>
+          <a:prstGeom prst="rect">
+            <a:avLst/>
+          </a:prstGeom>
+        </p:spPr>
+        <p:style>
+          <a:lnRef idx="2">
+            <a:schemeClr val="accent1">
+              <a:shade val="50000"/>
+            </a:schemeClr>
+          </a:lnRef>
+          <a:fillRef idx="1">
+            <a:schemeClr val="accent1"/>
+          </a:fillRef>
+          <a:effectRef idx="0">
+            <a:schemeClr val="accent1"/>
+          </a:effectRef>
+          <a:fontRef idx="minor">
+            <a:schemeClr val="lt1"/>
+          </a:fontRef>
+        </p:style>
+        <p:txBody>
+          <a:bodyPr rtlCol="0" anchor="ctr"/>
+          <a:lstStyle/>
+          <a:p>
+            <a:pPr algn="ctr"/>
+            <a:endParaRPr lang="en-US"/>
+          </a:p>
+        </p:txBody>
+      </p:sp>
+      <p:cxnSp>
+        <p:nvCxnSpPr>
+          <p:cNvPr id="11" name="Straight Arrow Connector 10"/>
+          <p:cNvCxnSpPr/>
+          <p:nvPr/>
+        </p:nvCxnSpPr>
+        <p:spPr>
+          <a:xfrm>
+            <a:off x="2438400" y="5105400"/>
+            <a:ext cx="618864" cy="0"/>
+          </a:xfrm>
+          <a:prstGeom prst="straightConnector1">
+            <a:avLst/>
+          </a:prstGeom>
+          <a:ln>
+            <a:tailEnd type="triangle"/>
+          </a:ln>
+        </p:spPr>
+        <p:style>
+          <a:lnRef idx="1">
+            <a:schemeClr val="dk1"/>
+          </a:lnRef>
+          <a:fillRef idx="0">
+            <a:schemeClr val="dk1"/>
+          </a:fillRef>
+          <a:effectRef idx="0">
+            <a:schemeClr val="dk1"/>
+          </a:effectRef>
+          <a:fontRef idx="minor">
+            <a:schemeClr val="tx1"/>
+          </a:fontRef>
+        </p:style>
+      </p:cxnSp>
+      <p:sp>
+        <p:nvSpPr>
+          <p:cNvPr id="12" name="Rectangle 11"/>
+          <p:cNvSpPr/>
+          <p:nvPr/>
+        </p:nvSpPr>
+        <p:spPr>
+          <a:xfrm>
+            <a:off x="3461699" y="4933266"/>
+            <a:ext cx="152400" cy="381000"/>
+          </a:xfrm>
+          <a:prstGeom prst="rect">
+            <a:avLst/>
+          </a:prstGeom>
+        </p:spPr>
+        <p:style>
+          <a:lnRef idx="2">
+            <a:schemeClr val="accent1">
+              <a:shade val="50000"/>
+            </a:schemeClr>
+          </a:lnRef>
+          <a:fillRef idx="1">
+            <a:schemeClr val="accent1"/>
+          </a:fillRef>
+          <a:effectRef idx="0">
+            <a:schemeClr val="accent1"/>
+          </a:effectRef>
+          <a:fontRef idx="minor">
+            <a:schemeClr val="lt1"/>
+          </a:fontRef>
+        </p:style>
+        <p:txBody>
+          <a:bodyPr rtlCol="0" anchor="ctr"/>
+          <a:lstStyle/>
+          <a:p>
+            <a:pPr algn="ctr"/>
+            <a:endParaRPr lang="en-US"/>
+          </a:p>
+        </p:txBody>
+      </p:sp>
+      <p:sp>
+        <p:nvSpPr>
+          <p:cNvPr id="13" name="TextBox 12"/>
+          <p:cNvSpPr txBox="1"/>
+          <p:nvPr/>
+        </p:nvSpPr>
+        <p:spPr>
+          <a:xfrm>
+            <a:off x="2673782" y="4542558"/>
+            <a:ext cx="1556836" cy="369332"/>
+          </a:xfrm>
+          <a:prstGeom prst="rect">
+            <a:avLst/>
+          </a:prstGeom>
+          <a:noFill/>
+        </p:spPr>
+        <p:txBody>
+          <a:bodyPr wrap="none" rtlCol="0">
+            <a:spAutoFit/>
+          </a:bodyPr>
+          <a:lstStyle/>
+          <a:p>
+            <a:r>
+              <a:rPr lang="en-US" dirty="0" smtClean="0"/>
+              <a:t>Hidden Layer</a:t>
+            </a:r>
+            <a:endParaRPr lang="en-US" dirty="0"/>
+          </a:p>
+        </p:txBody>
+      </p:sp>
+      <p:cxnSp>
+        <p:nvCxnSpPr>
+          <p:cNvPr id="14" name="Straight Arrow Connector 13"/>
+          <p:cNvCxnSpPr/>
+          <p:nvPr/>
+        </p:nvCxnSpPr>
+        <p:spPr>
+          <a:xfrm>
+            <a:off x="4079341" y="5123766"/>
+            <a:ext cx="618864" cy="0"/>
+          </a:xfrm>
+          <a:prstGeom prst="straightConnector1">
+            <a:avLst/>
+          </a:prstGeom>
+          <a:ln>
+            <a:tailEnd type="triangle"/>
+          </a:ln>
+        </p:spPr>
+        <p:style>
+          <a:lnRef idx="1">
+            <a:schemeClr val="dk1"/>
+          </a:lnRef>
+          <a:fillRef idx="0">
+            <a:schemeClr val="dk1"/>
+          </a:fillRef>
+          <a:effectRef idx="0">
+            <a:schemeClr val="dk1"/>
+          </a:effectRef>
+          <a:fontRef idx="minor">
+            <a:schemeClr val="tx1"/>
+          </a:fontRef>
+        </p:style>
+      </p:cxnSp>
+      <p:sp>
+        <p:nvSpPr>
+          <p:cNvPr id="15" name="Rectangle 14"/>
+          <p:cNvSpPr/>
+          <p:nvPr/>
+        </p:nvSpPr>
+        <p:spPr>
+          <a:xfrm>
+            <a:off x="5268329" y="4945165"/>
+            <a:ext cx="152400" cy="381000"/>
+          </a:xfrm>
+          <a:prstGeom prst="rect">
+            <a:avLst/>
+          </a:prstGeom>
+        </p:spPr>
+        <p:style>
+          <a:lnRef idx="2">
+            <a:schemeClr val="accent1">
+              <a:shade val="50000"/>
+            </a:schemeClr>
+          </a:lnRef>
+          <a:fillRef idx="1">
+            <a:schemeClr val="accent1"/>
+          </a:fillRef>
+          <a:effectRef idx="0">
+            <a:schemeClr val="accent1"/>
+          </a:effectRef>
+          <a:fontRef idx="minor">
+            <a:schemeClr val="lt1"/>
+          </a:fontRef>
+        </p:style>
+        <p:txBody>
+          <a:bodyPr rtlCol="0" anchor="ctr"/>
+          <a:lstStyle/>
+          <a:p>
+            <a:pPr algn="ctr"/>
+            <a:endParaRPr lang="en-US"/>
+          </a:p>
+        </p:txBody>
+      </p:sp>
+      <p:sp>
+        <p:nvSpPr>
+          <p:cNvPr id="16" name="TextBox 15"/>
+          <p:cNvSpPr txBox="1"/>
+          <p:nvPr/>
+        </p:nvSpPr>
+        <p:spPr>
+          <a:xfrm>
+            <a:off x="4477087" y="4419600"/>
+            <a:ext cx="1582484" cy="646331"/>
+          </a:xfrm>
+          <a:prstGeom prst="rect">
+            <a:avLst/>
+          </a:prstGeom>
+          <a:noFill/>
+        </p:spPr>
+        <p:txBody>
+          <a:bodyPr wrap="none" rtlCol="0">
+            <a:spAutoFit/>
+          </a:bodyPr>
+          <a:lstStyle/>
+          <a:p>
+            <a:r>
+              <a:rPr lang="en-US" dirty="0" smtClean="0"/>
+              <a:t>Output Layer:</a:t>
+            </a:r>
+          </a:p>
+          <a:p>
+            <a:r>
+              <a:rPr lang="en-US" dirty="0" smtClean="0"/>
+              <a:t>Word</a:t>
+            </a:r>
+            <a:endParaRPr lang="en-US" dirty="0"/>
+          </a:p>
+        </p:txBody>
+      </p:sp>
+      <p:sp>
+        <p:nvSpPr>
+          <p:cNvPr id="17" name="TextBox 16"/>
+          <p:cNvSpPr txBox="1"/>
+          <p:nvPr/>
+        </p:nvSpPr>
+        <p:spPr>
+          <a:xfrm>
+            <a:off x="6206566" y="5620146"/>
+            <a:ext cx="2544286" cy="461665"/>
+          </a:xfrm>
+          <a:prstGeom prst="rect">
+            <a:avLst/>
+          </a:prstGeom>
+          <a:noFill/>
+        </p:spPr>
+        <p:txBody>
+          <a:bodyPr wrap="none" rtlCol="0">
+            <a:spAutoFit/>
+          </a:bodyPr>
+          <a:lstStyle/>
+          <a:p>
+            <a:r>
+              <a:rPr lang="en-US" sz="1200" dirty="0" smtClean="0"/>
+              <a:t>Embedding size: 200:</a:t>
+            </a:r>
+          </a:p>
+          <a:p>
+            <a:r>
+              <a:rPr lang="en-US" sz="1200" dirty="0" err="1" smtClean="0"/>
+              <a:t>Gensim</a:t>
+            </a:r>
+            <a:r>
+              <a:rPr lang="en-US" sz="1200" dirty="0" smtClean="0"/>
+              <a:t> Word2Vec implementation</a:t>
+            </a:r>
+            <a:endParaRPr lang="en-US" sz="1200" dirty="0"/>
+          </a:p>
+        </p:txBody>
+      </p:sp>
+      <p:sp>
+        <p:nvSpPr>
+          <p:cNvPr id="18" name="TextBox 17"/>
+          <p:cNvSpPr txBox="1"/>
+          <p:nvPr/>
+        </p:nvSpPr>
+        <p:spPr>
+          <a:xfrm>
+            <a:off x="2620201" y="5481254"/>
+            <a:ext cx="3256020" cy="646331"/>
+          </a:xfrm>
+          <a:prstGeom prst="rect">
+            <a:avLst/>
+          </a:prstGeom>
+          <a:noFill/>
+        </p:spPr>
+        <p:txBody>
+          <a:bodyPr wrap="none" rtlCol="0">
+            <a:spAutoFit/>
+          </a:bodyPr>
+          <a:lstStyle/>
+          <a:p>
+            <a:r>
+              <a:rPr lang="en-US" sz="1200" dirty="0" smtClean="0"/>
+              <a:t>Size: 200, dropout 0.2</a:t>
+            </a:r>
+            <a:endParaRPr lang="en-US" sz="1200" dirty="0" smtClean="0"/>
+          </a:p>
+          <a:p>
+            <a:r>
+              <a:rPr lang="en-US" sz="1200" dirty="0" err="1" smtClean="0"/>
+              <a:t>RMSProp</a:t>
+            </a:r>
+            <a:r>
+              <a:rPr lang="en-US" sz="1200" dirty="0" smtClean="0"/>
+              <a:t> optimizer with binary cross entropy</a:t>
+            </a:r>
+          </a:p>
+          <a:p>
+            <a:r>
+              <a:rPr lang="en-US" sz="1200" dirty="0"/>
+              <a:t>a</a:t>
+            </a:r>
+            <a:r>
+              <a:rPr lang="en-US" sz="1200" dirty="0" smtClean="0"/>
+              <a:t>s a loss function</a:t>
+            </a:r>
+            <a:endParaRPr lang="en-US" sz="1200" dirty="0"/>
           </a:p>
         </p:txBody>
       </p:sp>
     </p:spTree>
+    <p:extLst>
+      <p:ext uri="{BB962C8B-B14F-4D97-AF65-F5344CB8AC3E}">
+        <p14:creationId xmlns:p14="http://schemas.microsoft.com/office/powerpoint/2010/main" val="2492529894"/>
+      </p:ext>
+    </p:extLst>
   </p:cSld>
   <p:clrMapOvr>
-    <a:masterClrMapping/>
+    <a:overrideClrMapping bg1="lt1" tx1="dk1" bg2="lt2" tx2="dk2" accent1="accent1" accent2="accent2" accent3="accent3" accent4="accent4" accent5="accent5" accent6="accent6" hlink="hlink" folHlink="folHlink"/>
   </p:clrMapOvr>
   <p:timing>
     <p:tnLst>
@@ -16816,7 +18400,7 @@
         <p:spPr bwMode="auto">
           <a:xfrm>
             <a:off x="2438400" y="2286000"/>
-            <a:ext cx="6248400" cy="2678113"/>
+            <a:ext cx="6248400" cy="2209820"/>
           </a:xfrm>
           <a:prstGeom prst="rect">
             <a:avLst/>
@@ -16902,7 +18486,7 @@
               <a:defRPr/>
             </a:pPr>
             <a:r>
-              <a:rPr kumimoji="1" lang="en-US" altLang="zh-CN" sz="1600" b="1" dirty="0">
+              <a:rPr kumimoji="1" lang="en-US" altLang="zh-CN" sz="1600" b="1" dirty="0" smtClean="0">
                 <a:solidFill>
                   <a:srgbClr val="005C8A"/>
                 </a:solidFill>
@@ -16913,8 +18497,19 @@
                 </a:effectLst>
                 <a:cs typeface="Arial" pitchFamily="34" charset="0"/>
               </a:rPr>
-              <a:t>Volatility correlation</a:t>
-            </a:r>
+              <a:t>Static analyzers</a:t>
+            </a:r>
+            <a:endParaRPr kumimoji="1" lang="en-US" altLang="zh-CN" sz="1600" b="1" dirty="0">
+              <a:solidFill>
+                <a:srgbClr val="005C8A"/>
+              </a:solidFill>
+              <a:effectLst>
+                <a:outerShdw blurRad="38100" dist="38100" dir="2700000" algn="tl">
+                  <a:srgbClr val="C0C0C0"/>
+                </a:outerShdw>
+              </a:effectLst>
+              <a:cs typeface="Arial" pitchFamily="34" charset="0"/>
+            </a:endParaRPr>
           </a:p>
           <a:p>
             <a:pPr marL="342900" indent="-342900" eaLnBrk="1" hangingPunct="1">
@@ -16929,7 +18524,7 @@
               <a:defRPr/>
             </a:pPr>
             <a:r>
-              <a:rPr kumimoji="1" lang="en-US" altLang="zh-CN" sz="1600" b="1" dirty="0">
+              <a:rPr kumimoji="1" lang="en-US" altLang="zh-CN" sz="1600" b="1" dirty="0" smtClean="0">
                 <a:solidFill>
                   <a:srgbClr val="005C8A"/>
                 </a:solidFill>
@@ -16940,35 +18535,19 @@
                 </a:effectLst>
                 <a:cs typeface="Arial" pitchFamily="34" charset="0"/>
               </a:rPr>
-              <a:t>Volatility vs Programming languages</a:t>
-            </a:r>
-          </a:p>
-          <a:p>
-            <a:pPr marL="342900" indent="-342900" eaLnBrk="1" hangingPunct="1">
-              <a:spcBef>
-                <a:spcPct val="40000"/>
-              </a:spcBef>
-              <a:spcAft>
-                <a:spcPct val="50000"/>
-              </a:spcAft>
-              <a:buFontTx/>
-              <a:buAutoNum type="arabicPeriod"/>
-              <a:defRPr/>
-            </a:pPr>
-            <a:r>
-              <a:rPr kumimoji="1" lang="en-US" altLang="zh-CN" sz="1600" b="1" dirty="0">
-                <a:solidFill>
-                  <a:srgbClr val="005C8A"/>
-                </a:solidFill>
-                <a:effectLst>
-                  <a:outerShdw blurRad="38100" dist="38100" dir="2700000" algn="tl">
-                    <a:srgbClr val="C0C0C0"/>
-                  </a:outerShdw>
-                </a:effectLst>
-                <a:cs typeface="Arial" pitchFamily="34" charset="0"/>
-              </a:rPr>
-              <a:t>Volatility histogram</a:t>
-            </a:r>
+              <a:t>Machine learning approach</a:t>
+            </a:r>
+            <a:endParaRPr kumimoji="1" lang="en-US" altLang="zh-CN" sz="1600" b="1" dirty="0">
+              <a:solidFill>
+                <a:srgbClr val="005C8A"/>
+              </a:solidFill>
+              <a:effectLst>
+                <a:outerShdw blurRad="38100" dist="38100" dir="2700000" algn="tl">
+                  <a:srgbClr val="C0C0C0"/>
+                </a:outerShdw>
+              </a:effectLst>
+              <a:cs typeface="Arial" pitchFamily="34" charset="0"/>
+            </a:endParaRPr>
           </a:p>
           <a:p>
             <a:pPr marL="342900" indent="-342900" eaLnBrk="1" hangingPunct="1">
@@ -17071,6 +18650,1012 @@
 <file path=ppt/slides/slide20.xml><?xml version="1.0" encoding="utf-8"?>
 <p:sld xmlns:a="http://schemas.openxmlformats.org/drawingml/2006/main" xmlns:r="http://schemas.openxmlformats.org/officeDocument/2006/relationships" xmlns:p="http://schemas.openxmlformats.org/presentationml/2006/main">
   <p:cSld>
+    <p:bg>
+      <p:bgPr>
+        <a:solidFill>
+          <a:schemeClr val="bg1"/>
+        </a:solidFill>
+        <a:effectLst/>
+      </p:bgPr>
+    </p:bg>
+    <p:spTree>
+      <p:nvGrpSpPr>
+        <p:cNvPr id="1" name=""/>
+        <p:cNvGrpSpPr/>
+        <p:nvPr/>
+      </p:nvGrpSpPr>
+      <p:grpSpPr>
+        <a:xfrm>
+          <a:off x="0" y="0"/>
+          <a:ext cx="0" cy="0"/>
+          <a:chOff x="0" y="0"/>
+          <a:chExt cx="0" cy="0"/>
+        </a:xfrm>
+      </p:grpSpPr>
+      <p:sp>
+        <p:nvSpPr>
+          <p:cNvPr id="11266" name="Rectangle 2"/>
+          <p:cNvSpPr>
+            <a:spLocks noGrp="1" noChangeArrowheads="1"/>
+          </p:cNvSpPr>
+          <p:nvPr>
+            <p:ph type="title"/>
+          </p:nvPr>
+        </p:nvSpPr>
+        <p:spPr>
+          <a:xfrm>
+            <a:off x="609600" y="401638"/>
+            <a:ext cx="8177213" cy="721210"/>
+          </a:xfrm>
+        </p:spPr>
+        <p:txBody>
+          <a:bodyPr/>
+          <a:lstStyle/>
+          <a:p>
+            <a:r>
+              <a:rPr lang="en-US" altLang="zh-CN" sz="3200" dirty="0" smtClean="0"/>
+              <a:t>Importance of </a:t>
+            </a:r>
+            <a:r>
+              <a:rPr lang="en-US" altLang="zh-CN" sz="3200" dirty="0" err="1" smtClean="0"/>
+              <a:t>embeddings</a:t>
+            </a:r>
+            <a:endParaRPr lang="zh-CN" altLang="en-US" sz="2000" dirty="0" smtClean="0"/>
+          </a:p>
+        </p:txBody>
+      </p:sp>
+      <p:sp>
+        <p:nvSpPr>
+          <p:cNvPr id="11267" name="Rectangle 3"/>
+          <p:cNvSpPr>
+            <a:spLocks noGrp="1" noChangeArrowheads="1"/>
+          </p:cNvSpPr>
+          <p:nvPr>
+            <p:ph type="body" sz="half" idx="1"/>
+          </p:nvPr>
+        </p:nvSpPr>
+        <p:spPr>
+          <a:xfrm>
+            <a:off x="609599" y="1447800"/>
+            <a:ext cx="8177213" cy="4572000"/>
+          </a:xfrm>
+        </p:spPr>
+        <p:txBody>
+          <a:bodyPr/>
+          <a:lstStyle/>
+          <a:p>
+            <a:pPr marL="0" indent="0" algn="just">
+              <a:lnSpc>
+                <a:spcPct val="115000"/>
+              </a:lnSpc>
+              <a:buNone/>
+            </a:pPr>
+            <a:r>
+              <a:rPr lang="en-US" altLang="zh-CN" sz="1600" dirty="0" smtClean="0"/>
+              <a:t>How many True positives do we miss with random </a:t>
+            </a:r>
+            <a:r>
+              <a:rPr lang="en-US" altLang="zh-CN" sz="1600" dirty="0" err="1" smtClean="0"/>
+              <a:t>embeddings</a:t>
+            </a:r>
+            <a:r>
+              <a:rPr lang="en-US" altLang="zh-CN" sz="1600" dirty="0" smtClean="0"/>
+              <a:t>?</a:t>
+            </a:r>
+            <a:endParaRPr lang="en-US" altLang="zh-CN" sz="1600" dirty="0" smtClean="0"/>
+          </a:p>
+          <a:p>
+            <a:pPr algn="just">
+              <a:lnSpc>
+                <a:spcPct val="115000"/>
+              </a:lnSpc>
+            </a:pPr>
+            <a:r>
+              <a:rPr lang="en-US" altLang="zh-CN" sz="1600" dirty="0" smtClean="0"/>
+              <a:t>Example: </a:t>
+            </a:r>
+          </a:p>
+          <a:p>
+            <a:pPr marL="0" indent="0" algn="just">
+              <a:lnSpc>
+                <a:spcPct val="115000"/>
+              </a:lnSpc>
+              <a:buNone/>
+            </a:pPr>
+            <a:endParaRPr lang="en-US" altLang="zh-CN" sz="1600" dirty="0" smtClean="0"/>
+          </a:p>
+          <a:p>
+            <a:pPr marL="0" indent="0" algn="just">
+              <a:lnSpc>
+                <a:spcPct val="115000"/>
+              </a:lnSpc>
+              <a:buNone/>
+            </a:pPr>
+            <a:r>
+              <a:rPr lang="en-US" altLang="zh-CN" sz="1600" dirty="0" smtClean="0"/>
+              <a:t>                      transform  = is(</a:t>
+            </a:r>
+            <a:r>
+              <a:rPr lang="en-US" altLang="zh-CN" sz="1600" dirty="0" err="1" smtClean="0"/>
+              <a:t>obj</a:t>
+            </a:r>
+            <a:r>
+              <a:rPr lang="en-US" altLang="zh-CN" sz="1600" dirty="0" smtClean="0"/>
+              <a:t>, value) | is(</a:t>
+            </a:r>
+            <a:r>
+              <a:rPr lang="en-US" altLang="zh-CN" sz="1600" dirty="0" err="1" smtClean="0"/>
+              <a:t>func</a:t>
+            </a:r>
+            <a:r>
+              <a:rPr lang="en-US" altLang="zh-CN" sz="1600" dirty="0" smtClean="0"/>
+              <a:t>, value)</a:t>
+            </a:r>
+          </a:p>
+          <a:p>
+            <a:pPr marL="0" indent="0" algn="just">
+              <a:lnSpc>
+                <a:spcPct val="115000"/>
+              </a:lnSpc>
+              <a:buNone/>
+            </a:pPr>
+            <a:endParaRPr lang="en-US" altLang="zh-CN" sz="1600" dirty="0"/>
+          </a:p>
+          <a:p>
+            <a:pPr marL="0" indent="0" algn="just">
+              <a:lnSpc>
+                <a:spcPct val="115000"/>
+              </a:lnSpc>
+              <a:buNone/>
+            </a:pPr>
+            <a:r>
+              <a:rPr lang="en-US" altLang="zh-CN" sz="1600" dirty="0" smtClean="0"/>
+              <a:t>Bitwise OR for logical OR of </a:t>
+            </a:r>
+            <a:r>
+              <a:rPr lang="en-US" altLang="zh-CN" sz="1600" dirty="0" err="1" smtClean="0"/>
+              <a:t>booleans</a:t>
+            </a:r>
+            <a:r>
+              <a:rPr lang="en-US" altLang="zh-CN" sz="1600" dirty="0" smtClean="0"/>
+              <a:t>: inefficient and error-prone</a:t>
+            </a:r>
+            <a:endParaRPr lang="en-US" altLang="zh-CN" sz="1600" dirty="0" smtClean="0"/>
+          </a:p>
+          <a:p>
+            <a:pPr marL="0" indent="0" algn="just">
+              <a:lnSpc>
+                <a:spcPct val="115000"/>
+              </a:lnSpc>
+              <a:buNone/>
+            </a:pPr>
+            <a:endParaRPr lang="en-US" altLang="zh-CN" sz="1600" dirty="0"/>
+          </a:p>
+          <a:p>
+            <a:pPr marL="0" indent="0" algn="just">
+              <a:lnSpc>
+                <a:spcPct val="115000"/>
+              </a:lnSpc>
+              <a:buNone/>
+            </a:pPr>
+            <a:endParaRPr lang="en-US" altLang="zh-CN" sz="1600" dirty="0" smtClean="0"/>
+          </a:p>
+          <a:p>
+            <a:pPr marL="231775" indent="-231775" algn="just">
+              <a:lnSpc>
+                <a:spcPct val="115000"/>
+              </a:lnSpc>
+              <a:buFont typeface="Wingdings" pitchFamily="2" charset="2"/>
+              <a:buNone/>
+            </a:pPr>
+            <a:endParaRPr lang="zh-CN" altLang="en-US" dirty="0" smtClean="0"/>
+          </a:p>
+        </p:txBody>
+      </p:sp>
+      <p:sp>
+        <p:nvSpPr>
+          <p:cNvPr id="11268" name="Date Placeholder 4"/>
+          <p:cNvSpPr>
+            <a:spLocks noGrp="1"/>
+          </p:cNvSpPr>
+          <p:nvPr>
+            <p:ph type="dt" sz="quarter" idx="10"/>
+          </p:nvPr>
+        </p:nvSpPr>
+        <p:spPr>
+          <a:noFill/>
+          <a:ln/>
+          <a:extLst>
+            <a:ext uri="{909E8E84-426E-40DD-AFC4-6F175D3DCCD1}">
+              <a14:hiddenFill xmlns:a14="http://schemas.microsoft.com/office/drawing/2010/main">
+                <a:solidFill>
+                  <a:srgbClr val="FFFFFF"/>
+                </a:solidFill>
+              </a14:hiddenFill>
+            </a:ext>
+            <a:ext uri="{91240B29-F687-4F45-9708-019B960494DF}">
+              <a14:hiddenLine xmlns:a14="http://schemas.microsoft.com/office/drawing/2010/main" w="9525">
+                <a:solidFill>
+                  <a:srgbClr val="000000"/>
+                </a:solidFill>
+                <a:miter lim="800000"/>
+                <a:headEnd/>
+                <a:tailEnd/>
+              </a14:hiddenLine>
+            </a:ext>
+          </a:extLst>
+        </p:spPr>
+        <p:txBody>
+          <a:bodyPr/>
+          <a:lstStyle>
+            <a:lvl1pPr>
+              <a:lnSpc>
+                <a:spcPct val="120000"/>
+              </a:lnSpc>
+              <a:spcBef>
+                <a:spcPct val="20000"/>
+              </a:spcBef>
+              <a:spcAft>
+                <a:spcPct val="20000"/>
+              </a:spcAft>
+              <a:buClr>
+                <a:srgbClr val="990000"/>
+              </a:buClr>
+              <a:buSzPct val="85000"/>
+              <a:buFont typeface="Wingdings" panose="05000000000000000000" pitchFamily="2" charset="2"/>
+              <a:buChar char="l"/>
+              <a:defRPr sz="1700">
+                <a:solidFill>
+                  <a:schemeClr val="tx1"/>
+                </a:solidFill>
+                <a:latin typeface="FrutigerNext LT Medium" pitchFamily="34" charset="0"/>
+                <a:ea typeface="宋体" panose="02010600030101010101" pitchFamily="2" charset="-122"/>
+              </a:defRPr>
+            </a:lvl1pPr>
+            <a:lvl2pPr marL="742950" indent="-285750">
+              <a:lnSpc>
+                <a:spcPct val="120000"/>
+              </a:lnSpc>
+              <a:spcBef>
+                <a:spcPct val="20000"/>
+              </a:spcBef>
+              <a:spcAft>
+                <a:spcPct val="20000"/>
+              </a:spcAft>
+              <a:buClr>
+                <a:srgbClr val="5F5F5F"/>
+              </a:buClr>
+              <a:buFont typeface="Wingdings 3" panose="05040102010807070707" pitchFamily="18" charset="2"/>
+              <a:buChar char="["/>
+              <a:defRPr sz="1700">
+                <a:solidFill>
+                  <a:schemeClr val="tx1"/>
+                </a:solidFill>
+                <a:latin typeface="FrutigerNext LT Medium" pitchFamily="34" charset="0"/>
+                <a:ea typeface="宋体" panose="02010600030101010101" pitchFamily="2" charset="-122"/>
+              </a:defRPr>
+            </a:lvl2pPr>
+            <a:lvl3pPr marL="1143000" indent="-228600">
+              <a:lnSpc>
+                <a:spcPct val="120000"/>
+              </a:lnSpc>
+              <a:spcBef>
+                <a:spcPct val="20000"/>
+              </a:spcBef>
+              <a:spcAft>
+                <a:spcPct val="20000"/>
+              </a:spcAft>
+              <a:buClr>
+                <a:schemeClr val="tx1"/>
+              </a:buClr>
+              <a:buFont typeface="Arial" panose="020B0604020202020204" pitchFamily="34" charset="0"/>
+              <a:buChar char="−"/>
+              <a:defRPr sz="1700">
+                <a:solidFill>
+                  <a:schemeClr val="tx1"/>
+                </a:solidFill>
+                <a:latin typeface="FrutigerNext LT Medium" pitchFamily="34" charset="0"/>
+                <a:ea typeface="宋体" panose="02010600030101010101" pitchFamily="2" charset="-122"/>
+              </a:defRPr>
+            </a:lvl3pPr>
+            <a:lvl4pPr marL="1600200" indent="-228600">
+              <a:lnSpc>
+                <a:spcPct val="120000"/>
+              </a:lnSpc>
+              <a:spcBef>
+                <a:spcPct val="20000"/>
+              </a:spcBef>
+              <a:spcAft>
+                <a:spcPct val="20000"/>
+              </a:spcAft>
+              <a:buClr>
+                <a:schemeClr val="tx1"/>
+              </a:buClr>
+              <a:buFont typeface="Arial" panose="020B0604020202020204" pitchFamily="34" charset="0"/>
+              <a:buChar char="▪"/>
+              <a:defRPr sz="1700">
+                <a:solidFill>
+                  <a:schemeClr val="tx1"/>
+                </a:solidFill>
+                <a:latin typeface="FrutigerNext LT Medium" pitchFamily="34" charset="0"/>
+                <a:ea typeface="宋体" panose="02010600030101010101" pitchFamily="2" charset="-122"/>
+              </a:defRPr>
+            </a:lvl4pPr>
+            <a:lvl5pPr marL="2057400" indent="-228600">
+              <a:spcBef>
+                <a:spcPct val="20000"/>
+              </a:spcBef>
+              <a:buChar char="»"/>
+              <a:defRPr sz="1700">
+                <a:solidFill>
+                  <a:schemeClr val="tx1"/>
+                </a:solidFill>
+                <a:latin typeface="Arial" panose="020B0604020202020204" pitchFamily="34" charset="0"/>
+                <a:ea typeface="宋体" panose="02010600030101010101" pitchFamily="2" charset="-122"/>
+              </a:defRPr>
+            </a:lvl5pPr>
+            <a:lvl6pPr marL="2514600" indent="-228600" eaLnBrk="0" fontAlgn="base" hangingPunct="0">
+              <a:spcBef>
+                <a:spcPct val="20000"/>
+              </a:spcBef>
+              <a:spcAft>
+                <a:spcPct val="0"/>
+              </a:spcAft>
+              <a:buChar char="»"/>
+              <a:defRPr sz="1700">
+                <a:solidFill>
+                  <a:schemeClr val="tx1"/>
+                </a:solidFill>
+                <a:latin typeface="Arial" panose="020B0604020202020204" pitchFamily="34" charset="0"/>
+                <a:ea typeface="宋体" panose="02010600030101010101" pitchFamily="2" charset="-122"/>
+              </a:defRPr>
+            </a:lvl6pPr>
+            <a:lvl7pPr marL="2971800" indent="-228600" eaLnBrk="0" fontAlgn="base" hangingPunct="0">
+              <a:spcBef>
+                <a:spcPct val="20000"/>
+              </a:spcBef>
+              <a:spcAft>
+                <a:spcPct val="0"/>
+              </a:spcAft>
+              <a:buChar char="»"/>
+              <a:defRPr sz="1700">
+                <a:solidFill>
+                  <a:schemeClr val="tx1"/>
+                </a:solidFill>
+                <a:latin typeface="Arial" panose="020B0604020202020204" pitchFamily="34" charset="0"/>
+                <a:ea typeface="宋体" panose="02010600030101010101" pitchFamily="2" charset="-122"/>
+              </a:defRPr>
+            </a:lvl7pPr>
+            <a:lvl8pPr marL="3429000" indent="-228600" eaLnBrk="0" fontAlgn="base" hangingPunct="0">
+              <a:spcBef>
+                <a:spcPct val="20000"/>
+              </a:spcBef>
+              <a:spcAft>
+                <a:spcPct val="0"/>
+              </a:spcAft>
+              <a:buChar char="»"/>
+              <a:defRPr sz="1700">
+                <a:solidFill>
+                  <a:schemeClr val="tx1"/>
+                </a:solidFill>
+                <a:latin typeface="Arial" panose="020B0604020202020204" pitchFamily="34" charset="0"/>
+                <a:ea typeface="宋体" panose="02010600030101010101" pitchFamily="2" charset="-122"/>
+              </a:defRPr>
+            </a:lvl8pPr>
+            <a:lvl9pPr marL="3886200" indent="-228600" eaLnBrk="0" fontAlgn="base" hangingPunct="0">
+              <a:spcBef>
+                <a:spcPct val="20000"/>
+              </a:spcBef>
+              <a:spcAft>
+                <a:spcPct val="0"/>
+              </a:spcAft>
+              <a:buChar char="»"/>
+              <a:defRPr sz="1700">
+                <a:solidFill>
+                  <a:schemeClr val="tx1"/>
+                </a:solidFill>
+                <a:latin typeface="Arial" panose="020B0604020202020204" pitchFamily="34" charset="0"/>
+                <a:ea typeface="宋体" panose="02010600030101010101" pitchFamily="2" charset="-122"/>
+              </a:defRPr>
+            </a:lvl9pPr>
+          </a:lstStyle>
+          <a:p>
+            <a:pPr>
+              <a:lnSpc>
+                <a:spcPct val="85000"/>
+              </a:lnSpc>
+              <a:spcBef>
+                <a:spcPct val="0"/>
+              </a:spcBef>
+              <a:spcAft>
+                <a:spcPct val="0"/>
+              </a:spcAft>
+              <a:buClrTx/>
+              <a:buSzTx/>
+              <a:buFontTx/>
+              <a:buNone/>
+            </a:pPr>
+            <a:endParaRPr lang="de-DE" altLang="en-US" sz="1000" smtClean="0">
+              <a:ea typeface="MS PGothic" panose="020B0600070205080204" pitchFamily="34" charset="-128"/>
+            </a:endParaRPr>
+          </a:p>
+          <a:p>
+            <a:pPr>
+              <a:lnSpc>
+                <a:spcPct val="85000"/>
+              </a:lnSpc>
+              <a:spcBef>
+                <a:spcPct val="0"/>
+              </a:spcBef>
+              <a:spcAft>
+                <a:spcPct val="0"/>
+              </a:spcAft>
+              <a:buClrTx/>
+              <a:buSzTx/>
+              <a:buFontTx/>
+              <a:buNone/>
+            </a:pPr>
+            <a:r>
+              <a:rPr lang="de-DE" altLang="en-US" sz="1000" smtClean="0">
+                <a:ea typeface="MS PGothic" panose="020B0600070205080204" pitchFamily="34" charset="-128"/>
+              </a:rPr>
+              <a:t>Page </a:t>
+            </a:r>
+            <a:fld id="{86532620-EE16-4692-A7FF-47162C7E0C8F}" type="slidenum">
+              <a:rPr lang="de-DE" altLang="en-US" sz="1000" smtClean="0">
+                <a:ea typeface="MS PGothic" panose="020B0600070205080204" pitchFamily="34" charset="-128"/>
+              </a:rPr>
+              <a:pPr>
+                <a:lnSpc>
+                  <a:spcPct val="85000"/>
+                </a:lnSpc>
+                <a:spcBef>
+                  <a:spcPct val="0"/>
+                </a:spcBef>
+                <a:spcAft>
+                  <a:spcPct val="0"/>
+                </a:spcAft>
+                <a:buClrTx/>
+                <a:buSzTx/>
+                <a:buFontTx/>
+                <a:buNone/>
+              </a:pPr>
+              <a:t>20</a:t>
+            </a:fld>
+            <a:r>
+              <a:rPr lang="ru-RU" altLang="en-US" sz="1000" smtClean="0">
+                <a:ea typeface="MS PGothic" panose="020B0600070205080204" pitchFamily="34" charset="-128"/>
+              </a:rPr>
+              <a:t>/1</a:t>
+            </a:r>
+            <a:r>
+              <a:rPr lang="en-US" altLang="en-US" sz="1000" smtClean="0">
+                <a:ea typeface="MS PGothic" panose="020B0600070205080204" pitchFamily="34" charset="-128"/>
+              </a:rPr>
+              <a:t>3</a:t>
+            </a:r>
+            <a:endParaRPr lang="en-GB" altLang="en-US" sz="1000" smtClean="0">
+              <a:ea typeface="MS PGothic" panose="020B0600070205080204" pitchFamily="34" charset="-128"/>
+            </a:endParaRPr>
+          </a:p>
+        </p:txBody>
+      </p:sp>
+    </p:spTree>
+    <p:extLst>
+      <p:ext uri="{BB962C8B-B14F-4D97-AF65-F5344CB8AC3E}">
+        <p14:creationId xmlns:p14="http://schemas.microsoft.com/office/powerpoint/2010/main" val="2292668089"/>
+      </p:ext>
+    </p:extLst>
+  </p:cSld>
+  <p:clrMapOvr>
+    <a:overrideClrMapping bg1="lt1" tx1="dk1" bg2="lt2" tx2="dk2" accent1="accent1" accent2="accent2" accent3="accent3" accent4="accent4" accent5="accent5" accent6="accent6" hlink="hlink" folHlink="folHlink"/>
+  </p:clrMapOvr>
+  <p:timing>
+    <p:tnLst>
+      <p:par>
+        <p:cTn id="1" dur="indefinite" restart="never" nodeType="tmRoot"/>
+      </p:par>
+    </p:tnLst>
+  </p:timing>
+</p:sld>
+</file>
+
+<file path=ppt/slides/slide21.xml><?xml version="1.0" encoding="utf-8"?>
+<p:sld xmlns:a="http://schemas.openxmlformats.org/drawingml/2006/main" xmlns:r="http://schemas.openxmlformats.org/officeDocument/2006/relationships" xmlns:p="http://schemas.openxmlformats.org/presentationml/2006/main">
+  <p:cSld>
+    <p:spTree>
+      <p:nvGrpSpPr>
+        <p:cNvPr id="1" name=""/>
+        <p:cNvGrpSpPr/>
+        <p:nvPr/>
+      </p:nvGrpSpPr>
+      <p:grpSpPr>
+        <a:xfrm>
+          <a:off x="0" y="0"/>
+          <a:ext cx="0" cy="0"/>
+          <a:chOff x="0" y="0"/>
+          <a:chExt cx="0" cy="0"/>
+        </a:xfrm>
+      </p:grpSpPr>
+      <p:sp>
+        <p:nvSpPr>
+          <p:cNvPr id="17410" name="Date Placeholder 3"/>
+          <p:cNvSpPr>
+            <a:spLocks noGrp="1"/>
+          </p:cNvSpPr>
+          <p:nvPr>
+            <p:ph type="dt" sz="quarter" idx="10"/>
+          </p:nvPr>
+        </p:nvSpPr>
+        <p:spPr>
+          <a:noFill/>
+          <a:ln/>
+          <a:extLst>
+            <a:ext uri="{909E8E84-426E-40DD-AFC4-6F175D3DCCD1}">
+              <a14:hiddenFill xmlns:a14="http://schemas.microsoft.com/office/drawing/2010/main">
+                <a:solidFill>
+                  <a:srgbClr val="FFFFFF"/>
+                </a:solidFill>
+              </a14:hiddenFill>
+            </a:ext>
+            <a:ext uri="{91240B29-F687-4F45-9708-019B960494DF}">
+              <a14:hiddenLine xmlns:a14="http://schemas.microsoft.com/office/drawing/2010/main" w="9525">
+                <a:solidFill>
+                  <a:srgbClr val="000000"/>
+                </a:solidFill>
+                <a:miter lim="800000"/>
+                <a:headEnd/>
+                <a:tailEnd/>
+              </a14:hiddenLine>
+            </a:ext>
+          </a:extLst>
+        </p:spPr>
+        <p:txBody>
+          <a:bodyPr/>
+          <a:lstStyle>
+            <a:lvl1pPr defTabSz="784225">
+              <a:lnSpc>
+                <a:spcPct val="120000"/>
+              </a:lnSpc>
+              <a:spcBef>
+                <a:spcPct val="20000"/>
+              </a:spcBef>
+              <a:spcAft>
+                <a:spcPct val="20000"/>
+              </a:spcAft>
+              <a:buClr>
+                <a:srgbClr val="990000"/>
+              </a:buClr>
+              <a:buSzPct val="85000"/>
+              <a:buFont typeface="Wingdings" panose="05000000000000000000" pitchFamily="2" charset="2"/>
+              <a:buChar char="l"/>
+              <a:defRPr sz="1700">
+                <a:solidFill>
+                  <a:schemeClr val="tx1"/>
+                </a:solidFill>
+                <a:latin typeface="FrutigerNext LT Medium" pitchFamily="34" charset="0"/>
+                <a:ea typeface="宋体" panose="02010600030101010101" pitchFamily="2" charset="-122"/>
+              </a:defRPr>
+            </a:lvl1pPr>
+            <a:lvl2pPr marL="742950" indent="-285750" defTabSz="784225">
+              <a:lnSpc>
+                <a:spcPct val="120000"/>
+              </a:lnSpc>
+              <a:spcBef>
+                <a:spcPct val="20000"/>
+              </a:spcBef>
+              <a:spcAft>
+                <a:spcPct val="20000"/>
+              </a:spcAft>
+              <a:buClr>
+                <a:srgbClr val="5F5F5F"/>
+              </a:buClr>
+              <a:buFont typeface="Wingdings 3" panose="05040102010807070707" pitchFamily="18" charset="2"/>
+              <a:buChar char="["/>
+              <a:defRPr sz="1700">
+                <a:solidFill>
+                  <a:schemeClr val="tx1"/>
+                </a:solidFill>
+                <a:latin typeface="FrutigerNext LT Medium" pitchFamily="34" charset="0"/>
+                <a:ea typeface="宋体" panose="02010600030101010101" pitchFamily="2" charset="-122"/>
+              </a:defRPr>
+            </a:lvl2pPr>
+            <a:lvl3pPr marL="1143000" indent="-228600" defTabSz="784225">
+              <a:lnSpc>
+                <a:spcPct val="120000"/>
+              </a:lnSpc>
+              <a:spcBef>
+                <a:spcPct val="20000"/>
+              </a:spcBef>
+              <a:spcAft>
+                <a:spcPct val="20000"/>
+              </a:spcAft>
+              <a:buClr>
+                <a:schemeClr val="tx1"/>
+              </a:buClr>
+              <a:buFont typeface="Arial" panose="020B0604020202020204" pitchFamily="34" charset="0"/>
+              <a:buChar char="−"/>
+              <a:defRPr sz="1700">
+                <a:solidFill>
+                  <a:schemeClr val="tx1"/>
+                </a:solidFill>
+                <a:latin typeface="FrutigerNext LT Medium" pitchFamily="34" charset="0"/>
+                <a:ea typeface="宋体" panose="02010600030101010101" pitchFamily="2" charset="-122"/>
+              </a:defRPr>
+            </a:lvl3pPr>
+            <a:lvl4pPr marL="1600200" indent="-228600" defTabSz="784225">
+              <a:lnSpc>
+                <a:spcPct val="120000"/>
+              </a:lnSpc>
+              <a:spcBef>
+                <a:spcPct val="20000"/>
+              </a:spcBef>
+              <a:spcAft>
+                <a:spcPct val="20000"/>
+              </a:spcAft>
+              <a:buClr>
+                <a:schemeClr val="tx1"/>
+              </a:buClr>
+              <a:buFont typeface="Arial" panose="020B0604020202020204" pitchFamily="34" charset="0"/>
+              <a:buChar char="▪"/>
+              <a:defRPr sz="1700">
+                <a:solidFill>
+                  <a:schemeClr val="tx1"/>
+                </a:solidFill>
+                <a:latin typeface="FrutigerNext LT Medium" pitchFamily="34" charset="0"/>
+                <a:ea typeface="宋体" panose="02010600030101010101" pitchFamily="2" charset="-122"/>
+              </a:defRPr>
+            </a:lvl4pPr>
+            <a:lvl5pPr marL="2057400" indent="-228600" defTabSz="784225">
+              <a:spcBef>
+                <a:spcPct val="20000"/>
+              </a:spcBef>
+              <a:buChar char="»"/>
+              <a:defRPr sz="1700">
+                <a:solidFill>
+                  <a:schemeClr val="tx1"/>
+                </a:solidFill>
+                <a:latin typeface="Arial" panose="020B0604020202020204" pitchFamily="34" charset="0"/>
+                <a:ea typeface="宋体" panose="02010600030101010101" pitchFamily="2" charset="-122"/>
+              </a:defRPr>
+            </a:lvl5pPr>
+            <a:lvl6pPr marL="2514600" indent="-228600" defTabSz="784225" eaLnBrk="0" fontAlgn="base" hangingPunct="0">
+              <a:spcBef>
+                <a:spcPct val="20000"/>
+              </a:spcBef>
+              <a:spcAft>
+                <a:spcPct val="0"/>
+              </a:spcAft>
+              <a:buChar char="»"/>
+              <a:defRPr sz="1700">
+                <a:solidFill>
+                  <a:schemeClr val="tx1"/>
+                </a:solidFill>
+                <a:latin typeface="Arial" panose="020B0604020202020204" pitchFamily="34" charset="0"/>
+                <a:ea typeface="宋体" panose="02010600030101010101" pitchFamily="2" charset="-122"/>
+              </a:defRPr>
+            </a:lvl6pPr>
+            <a:lvl7pPr marL="2971800" indent="-228600" defTabSz="784225" eaLnBrk="0" fontAlgn="base" hangingPunct="0">
+              <a:spcBef>
+                <a:spcPct val="20000"/>
+              </a:spcBef>
+              <a:spcAft>
+                <a:spcPct val="0"/>
+              </a:spcAft>
+              <a:buChar char="»"/>
+              <a:defRPr sz="1700">
+                <a:solidFill>
+                  <a:schemeClr val="tx1"/>
+                </a:solidFill>
+                <a:latin typeface="Arial" panose="020B0604020202020204" pitchFamily="34" charset="0"/>
+                <a:ea typeface="宋体" panose="02010600030101010101" pitchFamily="2" charset="-122"/>
+              </a:defRPr>
+            </a:lvl7pPr>
+            <a:lvl8pPr marL="3429000" indent="-228600" defTabSz="784225" eaLnBrk="0" fontAlgn="base" hangingPunct="0">
+              <a:spcBef>
+                <a:spcPct val="20000"/>
+              </a:spcBef>
+              <a:spcAft>
+                <a:spcPct val="0"/>
+              </a:spcAft>
+              <a:buChar char="»"/>
+              <a:defRPr sz="1700">
+                <a:solidFill>
+                  <a:schemeClr val="tx1"/>
+                </a:solidFill>
+                <a:latin typeface="Arial" panose="020B0604020202020204" pitchFamily="34" charset="0"/>
+                <a:ea typeface="宋体" panose="02010600030101010101" pitchFamily="2" charset="-122"/>
+              </a:defRPr>
+            </a:lvl8pPr>
+            <a:lvl9pPr marL="3886200" indent="-228600" defTabSz="784225" eaLnBrk="0" fontAlgn="base" hangingPunct="0">
+              <a:spcBef>
+                <a:spcPct val="20000"/>
+              </a:spcBef>
+              <a:spcAft>
+                <a:spcPct val="0"/>
+              </a:spcAft>
+              <a:buChar char="»"/>
+              <a:defRPr sz="1700">
+                <a:solidFill>
+                  <a:schemeClr val="tx1"/>
+                </a:solidFill>
+                <a:latin typeface="Arial" panose="020B0604020202020204" pitchFamily="34" charset="0"/>
+                <a:ea typeface="宋体" panose="02010600030101010101" pitchFamily="2" charset="-122"/>
+              </a:defRPr>
+            </a:lvl9pPr>
+          </a:lstStyle>
+          <a:p>
+            <a:pPr>
+              <a:lnSpc>
+                <a:spcPct val="85000"/>
+              </a:lnSpc>
+              <a:spcBef>
+                <a:spcPct val="0"/>
+              </a:spcBef>
+              <a:spcAft>
+                <a:spcPct val="0"/>
+              </a:spcAft>
+              <a:buClrTx/>
+              <a:buSzTx/>
+              <a:buFontTx/>
+              <a:buNone/>
+            </a:pPr>
+            <a:endParaRPr lang="de-DE" altLang="en-US" sz="1000" smtClean="0">
+              <a:ea typeface="MS PGothic" panose="020B0600070205080204" pitchFamily="34" charset="-128"/>
+            </a:endParaRPr>
+          </a:p>
+          <a:p>
+            <a:pPr>
+              <a:lnSpc>
+                <a:spcPct val="85000"/>
+              </a:lnSpc>
+              <a:spcBef>
+                <a:spcPct val="0"/>
+              </a:spcBef>
+              <a:spcAft>
+                <a:spcPct val="0"/>
+              </a:spcAft>
+              <a:buClrTx/>
+              <a:buSzTx/>
+              <a:buFontTx/>
+              <a:buNone/>
+            </a:pPr>
+            <a:r>
+              <a:rPr lang="de-DE" altLang="en-US" sz="1000" smtClean="0">
+                <a:ea typeface="MS PGothic" panose="020B0600070205080204" pitchFamily="34" charset="-128"/>
+              </a:rPr>
+              <a:t>Page </a:t>
+            </a:r>
+            <a:fld id="{8DC6A97E-2057-4D78-A7C7-ACEC89E1A461}" type="slidenum">
+              <a:rPr lang="de-DE" altLang="en-US" sz="1000" smtClean="0">
+                <a:ea typeface="MS PGothic" panose="020B0600070205080204" pitchFamily="34" charset="-128"/>
+              </a:rPr>
+              <a:pPr>
+                <a:lnSpc>
+                  <a:spcPct val="85000"/>
+                </a:lnSpc>
+                <a:spcBef>
+                  <a:spcPct val="0"/>
+                </a:spcBef>
+                <a:spcAft>
+                  <a:spcPct val="0"/>
+                </a:spcAft>
+                <a:buClrTx/>
+                <a:buSzTx/>
+                <a:buFontTx/>
+                <a:buNone/>
+              </a:pPr>
+              <a:t>21</a:t>
+            </a:fld>
+            <a:r>
+              <a:rPr lang="ru-RU" altLang="en-US" sz="1000" smtClean="0">
+                <a:ea typeface="MS PGothic" panose="020B0600070205080204" pitchFamily="34" charset="-128"/>
+              </a:rPr>
+              <a:t>/1</a:t>
+            </a:r>
+            <a:r>
+              <a:rPr lang="en-US" altLang="en-US" sz="1000" smtClean="0">
+                <a:ea typeface="MS PGothic" panose="020B0600070205080204" pitchFamily="34" charset="-128"/>
+              </a:rPr>
+              <a:t>3</a:t>
+            </a:r>
+            <a:endParaRPr lang="en-GB" altLang="en-US" sz="1000" smtClean="0">
+              <a:ea typeface="MS PGothic" panose="020B0600070205080204" pitchFamily="34" charset="-128"/>
+            </a:endParaRPr>
+          </a:p>
+        </p:txBody>
+      </p:sp>
+      <p:sp>
+        <p:nvSpPr>
+          <p:cNvPr id="17411" name="Rectangle 2"/>
+          <p:cNvSpPr>
+            <a:spLocks noGrp="1" noChangeArrowheads="1"/>
+          </p:cNvSpPr>
+          <p:nvPr>
+            <p:ph type="title"/>
+          </p:nvPr>
+        </p:nvSpPr>
+        <p:spPr>
+          <a:xfrm>
+            <a:off x="28575" y="12700"/>
+            <a:ext cx="9115425" cy="720725"/>
+          </a:xfrm>
+        </p:spPr>
+        <p:txBody>
+          <a:bodyPr/>
+          <a:lstStyle/>
+          <a:p>
+            <a:pPr algn="ctr" eaLnBrk="1" hangingPunct="1">
+              <a:defRPr/>
+            </a:pPr>
+            <a:r>
+              <a:rPr lang="en-US" altLang="zh-CN" sz="3200" dirty="0" smtClean="0"/>
+              <a:t>Achievements</a:t>
+            </a:r>
+            <a:endParaRPr lang="en-US" altLang="zh-CN" sz="2000" dirty="0" smtClean="0">
+              <a:solidFill>
+                <a:schemeClr val="tx1">
+                  <a:lumMod val="75000"/>
+                  <a:lumOff val="25000"/>
+                </a:schemeClr>
+              </a:solidFill>
+            </a:endParaRPr>
+          </a:p>
+        </p:txBody>
+      </p:sp>
+      <p:sp>
+        <p:nvSpPr>
+          <p:cNvPr id="17412" name="Rectangle 3"/>
+          <p:cNvSpPr>
+            <a:spLocks noGrp="1" noChangeArrowheads="1"/>
+          </p:cNvSpPr>
+          <p:nvPr>
+            <p:ph type="body" idx="1"/>
+          </p:nvPr>
+        </p:nvSpPr>
+        <p:spPr>
+          <a:xfrm>
+            <a:off x="685800" y="1266825"/>
+            <a:ext cx="8001000" cy="2314575"/>
+          </a:xfrm>
+        </p:spPr>
+        <p:txBody>
+          <a:bodyPr/>
+          <a:lstStyle/>
+          <a:p>
+            <a:pPr marL="522288" lvl="1" indent="0" eaLnBrk="1" hangingPunct="1">
+              <a:buFont typeface="Wingdings" panose="05000000000000000000" pitchFamily="2" charset="2"/>
+              <a:buChar char="Ø"/>
+              <a:tabLst>
+                <a:tab pos="444500" algn="l"/>
+              </a:tabLst>
+            </a:pPr>
+            <a:r>
+              <a:rPr lang="en-US" altLang="en-US" sz="1600" dirty="0" smtClean="0"/>
+              <a:t>   68% True positives, which is high, even compared to manually created patterns classifiers</a:t>
+            </a:r>
+            <a:endParaRPr lang="en-US" altLang="en-US" sz="1600" dirty="0" smtClean="0"/>
+          </a:p>
+          <a:p>
+            <a:pPr marL="522288" lvl="1" indent="0" eaLnBrk="1" hangingPunct="1">
+              <a:buFont typeface="Wingdings" panose="05000000000000000000" pitchFamily="2" charset="2"/>
+              <a:buChar char="Ø"/>
+              <a:tabLst>
+                <a:tab pos="444500" algn="l"/>
+              </a:tabLst>
+            </a:pPr>
+            <a:r>
+              <a:rPr lang="en-US" altLang="en-US" sz="1600" dirty="0" smtClean="0"/>
+              <a:t>Used state of the art multiprocessing to calculate </a:t>
+            </a:r>
+            <a:r>
+              <a:rPr lang="en-US" altLang="en-US" sz="1600" dirty="0" err="1" smtClean="0"/>
+              <a:t>git</a:t>
+            </a:r>
+            <a:r>
+              <a:rPr lang="en-US" altLang="en-US" sz="1600" dirty="0" smtClean="0"/>
+              <a:t> repos statistics</a:t>
+            </a:r>
+          </a:p>
+          <a:p>
+            <a:pPr marL="522288" lvl="1" indent="0" eaLnBrk="1" hangingPunct="1">
+              <a:buFont typeface="Wingdings" panose="05000000000000000000" pitchFamily="2" charset="2"/>
+              <a:buChar char="Ø"/>
+              <a:tabLst>
+                <a:tab pos="444500" algn="l"/>
+              </a:tabLst>
+            </a:pPr>
+            <a:r>
+              <a:rPr lang="en-US" altLang="zh-CN" sz="1600" dirty="0" smtClean="0"/>
+              <a:t>Used </a:t>
+            </a:r>
+            <a:r>
+              <a:rPr lang="en-US" altLang="zh-CN" sz="1600" dirty="0" err="1" smtClean="0"/>
+              <a:t>Git</a:t>
+            </a:r>
+            <a:r>
+              <a:rPr lang="en-US" altLang="zh-CN" sz="1600" dirty="0" smtClean="0"/>
+              <a:t> API: up to 5000 requests per day</a:t>
+            </a:r>
+          </a:p>
+          <a:p>
+            <a:pPr marL="522288" lvl="1" indent="0" eaLnBrk="1" hangingPunct="1">
+              <a:buFont typeface="Wingdings" panose="05000000000000000000" pitchFamily="2" charset="2"/>
+              <a:buChar char="Ø"/>
+              <a:tabLst>
+                <a:tab pos="444500" algn="l"/>
+              </a:tabLst>
+            </a:pPr>
+            <a:r>
+              <a:rPr lang="en-US" altLang="zh-CN" sz="1600" dirty="0" smtClean="0"/>
+              <a:t>Found unique correlation between repo volatility and overall code quality</a:t>
+            </a:r>
+          </a:p>
+          <a:p>
+            <a:pPr marL="522288" lvl="1" indent="0" eaLnBrk="1" hangingPunct="1">
+              <a:buFont typeface="Wingdings" panose="05000000000000000000" pitchFamily="2" charset="2"/>
+              <a:buChar char="Ø"/>
+              <a:tabLst>
+                <a:tab pos="444500" algn="l"/>
+              </a:tabLst>
+            </a:pPr>
+            <a:r>
+              <a:rPr lang="en-US" altLang="zh-CN" sz="1600" dirty="0" smtClean="0"/>
+              <a:t>Researched various </a:t>
+            </a:r>
+            <a:r>
+              <a:rPr lang="en-US" altLang="zh-CN" sz="1600" dirty="0" err="1" smtClean="0"/>
+              <a:t>git</a:t>
+            </a:r>
+            <a:r>
+              <a:rPr lang="en-US" altLang="zh-CN" sz="1600" dirty="0" smtClean="0"/>
+              <a:t> output formats to reuse in feature projects</a:t>
+            </a:r>
+          </a:p>
+          <a:p>
+            <a:pPr marL="522288" lvl="1" indent="0" eaLnBrk="1" hangingPunct="1">
+              <a:buFont typeface="Wingdings" panose="05000000000000000000" pitchFamily="2" charset="2"/>
+              <a:buChar char="Ø"/>
+              <a:tabLst>
+                <a:tab pos="444500" algn="l"/>
+              </a:tabLst>
+            </a:pPr>
+            <a:r>
+              <a:rPr lang="en-US" altLang="zh-CN" sz="1600" dirty="0" smtClean="0"/>
+              <a:t>Distributable python package created, ready to run on Ubuntu/Windows as executable shell command (</a:t>
+            </a:r>
+            <a:r>
+              <a:rPr lang="en-US" altLang="zh-CN" sz="1600" dirty="0" smtClean="0">
+                <a:hlinkClick r:id="rId2"/>
+              </a:rPr>
+              <a:t>https://test.pypi.org/project/volatility-zuoqin/0.0.4/</a:t>
+            </a:r>
+            <a:r>
+              <a:rPr lang="en-US" altLang="en-US" sz="1400" dirty="0" smtClean="0"/>
+              <a:t>)</a:t>
+            </a:r>
+            <a:endParaRPr lang="en-US" altLang="zh-CN" sz="1300" dirty="0" smtClean="0"/>
+          </a:p>
+        </p:txBody>
+      </p:sp>
+    </p:spTree>
+  </p:cSld>
+  <p:clrMapOvr>
+    <a:masterClrMapping/>
+  </p:clrMapOvr>
+  <p:timing>
+    <p:tnLst>
+      <p:par>
+        <p:cTn id="1" dur="indefinite" restart="never" nodeType="tmRoot"/>
+      </p:par>
+    </p:tnLst>
+  </p:timing>
+</p:sld>
+</file>
+
+<file path=ppt/slides/slide22.xml><?xml version="1.0" encoding="utf-8"?>
+<p:sld xmlns:a="http://schemas.openxmlformats.org/drawingml/2006/main" xmlns:r="http://schemas.openxmlformats.org/officeDocument/2006/relationships" xmlns:p="http://schemas.openxmlformats.org/presentationml/2006/main">
+  <p:cSld>
     <p:spTree>
       <p:nvGrpSpPr>
         <p:cNvPr id="1" name=""/>
@@ -17089,6 +19674,493 @@
   </p:cSld>
   <p:clrMapOvr>
     <a:masterClrMapping/>
+  </p:clrMapOvr>
+  <p:timing>
+    <p:tnLst>
+      <p:par>
+        <p:cTn id="1" dur="indefinite" restart="never" nodeType="tmRoot"/>
+      </p:par>
+    </p:tnLst>
+  </p:timing>
+</p:sld>
+</file>
+
+<file path=ppt/slides/slide23.xml><?xml version="1.0" encoding="utf-8"?>
+<p:sld xmlns:a="http://schemas.openxmlformats.org/drawingml/2006/main" xmlns:r="http://schemas.openxmlformats.org/officeDocument/2006/relationships" xmlns:p="http://schemas.openxmlformats.org/presentationml/2006/main">
+  <p:cSld>
+    <p:bg>
+      <p:bgPr>
+        <a:solidFill>
+          <a:schemeClr val="bg1"/>
+        </a:solidFill>
+        <a:effectLst/>
+      </p:bgPr>
+    </p:bg>
+    <p:spTree>
+      <p:nvGrpSpPr>
+        <p:cNvPr id="1" name=""/>
+        <p:cNvGrpSpPr/>
+        <p:nvPr/>
+      </p:nvGrpSpPr>
+      <p:grpSpPr>
+        <a:xfrm>
+          <a:off x="0" y="0"/>
+          <a:ext cx="0" cy="0"/>
+          <a:chOff x="0" y="0"/>
+          <a:chExt cx="0" cy="0"/>
+        </a:xfrm>
+      </p:grpSpPr>
+      <p:sp>
+        <p:nvSpPr>
+          <p:cNvPr id="11266" name="Rectangle 2"/>
+          <p:cNvSpPr>
+            <a:spLocks noGrp="1" noChangeArrowheads="1"/>
+          </p:cNvSpPr>
+          <p:nvPr>
+            <p:ph type="title"/>
+          </p:nvPr>
+        </p:nvSpPr>
+        <p:spPr>
+          <a:xfrm>
+            <a:off x="609600" y="401638"/>
+            <a:ext cx="8177213" cy="721210"/>
+          </a:xfrm>
+        </p:spPr>
+        <p:txBody>
+          <a:bodyPr/>
+          <a:lstStyle/>
+          <a:p>
+            <a:r>
+              <a:rPr lang="en-US" altLang="zh-CN" sz="3200" dirty="0" smtClean="0"/>
+              <a:t>New slide</a:t>
+            </a:r>
+            <a:endParaRPr lang="zh-CN" altLang="en-US" sz="2000" dirty="0" smtClean="0"/>
+          </a:p>
+        </p:txBody>
+      </p:sp>
+      <p:sp>
+        <p:nvSpPr>
+          <p:cNvPr id="11267" name="Rectangle 3"/>
+          <p:cNvSpPr>
+            <a:spLocks noGrp="1" noChangeArrowheads="1"/>
+          </p:cNvSpPr>
+          <p:nvPr>
+            <p:ph type="body" sz="half" idx="1"/>
+          </p:nvPr>
+        </p:nvSpPr>
+        <p:spPr>
+          <a:xfrm>
+            <a:off x="609599" y="1447800"/>
+            <a:ext cx="8177213" cy="4572000"/>
+          </a:xfrm>
+        </p:spPr>
+        <p:txBody>
+          <a:bodyPr/>
+          <a:lstStyle/>
+          <a:p>
+            <a:pPr marL="0" indent="0" algn="just">
+              <a:lnSpc>
+                <a:spcPct val="115000"/>
+              </a:lnSpc>
+              <a:buNone/>
+            </a:pPr>
+            <a:r>
+              <a:rPr lang="en-US" altLang="zh-CN" sz="1600" dirty="0" smtClean="0"/>
+              <a:t>Simplifies the problem:</a:t>
+            </a:r>
+          </a:p>
+          <a:p>
+            <a:pPr algn="just">
+              <a:lnSpc>
+                <a:spcPct val="115000"/>
+              </a:lnSpc>
+            </a:pPr>
+            <a:r>
+              <a:rPr lang="en-US" altLang="zh-CN" sz="1600" dirty="0" smtClean="0"/>
+              <a:t>Before: Writing a program analysis</a:t>
+            </a:r>
+          </a:p>
+          <a:p>
+            <a:pPr algn="just">
+              <a:lnSpc>
+                <a:spcPct val="115000"/>
+              </a:lnSpc>
+            </a:pPr>
+            <a:r>
+              <a:rPr lang="en-US" altLang="zh-CN" sz="1600" dirty="0" smtClean="0"/>
+              <a:t>Now: Providing examples of buggy and correct code</a:t>
+            </a:r>
+          </a:p>
+          <a:p>
+            <a:pPr marL="0" indent="0" algn="just">
+              <a:lnSpc>
+                <a:spcPct val="115000"/>
+              </a:lnSpc>
+              <a:buNone/>
+            </a:pPr>
+            <a:r>
+              <a:rPr lang="en-US" altLang="zh-CN" sz="1600" dirty="0" smtClean="0"/>
+              <a:t>Catches otherwise missed bugs:</a:t>
+            </a:r>
+          </a:p>
+          <a:p>
+            <a:pPr algn="just">
+              <a:lnSpc>
+                <a:spcPct val="115000"/>
+              </a:lnSpc>
+            </a:pPr>
+            <a:r>
+              <a:rPr lang="en-US" altLang="zh-CN" sz="1600" dirty="0" smtClean="0"/>
+              <a:t>Learns conventions from corpora of existing code</a:t>
+            </a:r>
+          </a:p>
+          <a:p>
+            <a:pPr algn="just">
+              <a:lnSpc>
+                <a:spcPct val="115000"/>
+              </a:lnSpc>
+            </a:pPr>
+            <a:r>
+              <a:rPr lang="en-US" altLang="zh-CN" sz="1600" dirty="0" smtClean="0"/>
+              <a:t>ML can handle natural language in code, which expresses domain specific knowledge</a:t>
+            </a:r>
+          </a:p>
+          <a:p>
+            <a:pPr marL="0" indent="0" algn="just">
+              <a:lnSpc>
+                <a:spcPct val="115000"/>
+              </a:lnSpc>
+              <a:buNone/>
+            </a:pPr>
+            <a:endParaRPr lang="en-US" altLang="zh-CN" sz="1600" dirty="0" smtClean="0"/>
+          </a:p>
+          <a:p>
+            <a:pPr marL="0" indent="0" algn="just">
+              <a:lnSpc>
+                <a:spcPct val="115000"/>
+              </a:lnSpc>
+              <a:buNone/>
+            </a:pPr>
+            <a:endParaRPr lang="en-US" altLang="zh-CN" sz="1600" dirty="0"/>
+          </a:p>
+          <a:p>
+            <a:pPr marL="0" indent="0" algn="just">
+              <a:lnSpc>
+                <a:spcPct val="115000"/>
+              </a:lnSpc>
+              <a:buNone/>
+            </a:pPr>
+            <a:endParaRPr lang="en-US" altLang="zh-CN" sz="1600" dirty="0" smtClean="0"/>
+          </a:p>
+          <a:p>
+            <a:pPr marL="231775" indent="-231775" algn="just">
+              <a:lnSpc>
+                <a:spcPct val="115000"/>
+              </a:lnSpc>
+              <a:buFont typeface="Wingdings" pitchFamily="2" charset="2"/>
+              <a:buNone/>
+            </a:pPr>
+            <a:endParaRPr lang="zh-CN" altLang="en-US" dirty="0" smtClean="0"/>
+          </a:p>
+        </p:txBody>
+      </p:sp>
+      <p:sp>
+        <p:nvSpPr>
+          <p:cNvPr id="11268" name="Date Placeholder 4"/>
+          <p:cNvSpPr>
+            <a:spLocks noGrp="1"/>
+          </p:cNvSpPr>
+          <p:nvPr>
+            <p:ph type="dt" sz="quarter" idx="10"/>
+          </p:nvPr>
+        </p:nvSpPr>
+        <p:spPr>
+          <a:noFill/>
+          <a:ln/>
+          <a:extLst>
+            <a:ext uri="{909E8E84-426E-40DD-AFC4-6F175D3DCCD1}">
+              <a14:hiddenFill xmlns:a14="http://schemas.microsoft.com/office/drawing/2010/main">
+                <a:solidFill>
+                  <a:srgbClr val="FFFFFF"/>
+                </a:solidFill>
+              </a14:hiddenFill>
+            </a:ext>
+            <a:ext uri="{91240B29-F687-4F45-9708-019B960494DF}">
+              <a14:hiddenLine xmlns:a14="http://schemas.microsoft.com/office/drawing/2010/main" w="9525">
+                <a:solidFill>
+                  <a:srgbClr val="000000"/>
+                </a:solidFill>
+                <a:miter lim="800000"/>
+                <a:headEnd/>
+                <a:tailEnd/>
+              </a14:hiddenLine>
+            </a:ext>
+          </a:extLst>
+        </p:spPr>
+        <p:txBody>
+          <a:bodyPr/>
+          <a:lstStyle>
+            <a:lvl1pPr>
+              <a:lnSpc>
+                <a:spcPct val="120000"/>
+              </a:lnSpc>
+              <a:spcBef>
+                <a:spcPct val="20000"/>
+              </a:spcBef>
+              <a:spcAft>
+                <a:spcPct val="20000"/>
+              </a:spcAft>
+              <a:buClr>
+                <a:srgbClr val="990000"/>
+              </a:buClr>
+              <a:buSzPct val="85000"/>
+              <a:buFont typeface="Wingdings" panose="05000000000000000000" pitchFamily="2" charset="2"/>
+              <a:buChar char="l"/>
+              <a:defRPr sz="1700">
+                <a:solidFill>
+                  <a:schemeClr val="tx1"/>
+                </a:solidFill>
+                <a:latin typeface="FrutigerNext LT Medium" pitchFamily="34" charset="0"/>
+                <a:ea typeface="宋体" panose="02010600030101010101" pitchFamily="2" charset="-122"/>
+              </a:defRPr>
+            </a:lvl1pPr>
+            <a:lvl2pPr marL="742950" indent="-285750">
+              <a:lnSpc>
+                <a:spcPct val="120000"/>
+              </a:lnSpc>
+              <a:spcBef>
+                <a:spcPct val="20000"/>
+              </a:spcBef>
+              <a:spcAft>
+                <a:spcPct val="20000"/>
+              </a:spcAft>
+              <a:buClr>
+                <a:srgbClr val="5F5F5F"/>
+              </a:buClr>
+              <a:buFont typeface="Wingdings 3" panose="05040102010807070707" pitchFamily="18" charset="2"/>
+              <a:buChar char="["/>
+              <a:defRPr sz="1700">
+                <a:solidFill>
+                  <a:schemeClr val="tx1"/>
+                </a:solidFill>
+                <a:latin typeface="FrutigerNext LT Medium" pitchFamily="34" charset="0"/>
+                <a:ea typeface="宋体" panose="02010600030101010101" pitchFamily="2" charset="-122"/>
+              </a:defRPr>
+            </a:lvl2pPr>
+            <a:lvl3pPr marL="1143000" indent="-228600">
+              <a:lnSpc>
+                <a:spcPct val="120000"/>
+              </a:lnSpc>
+              <a:spcBef>
+                <a:spcPct val="20000"/>
+              </a:spcBef>
+              <a:spcAft>
+                <a:spcPct val="20000"/>
+              </a:spcAft>
+              <a:buClr>
+                <a:schemeClr val="tx1"/>
+              </a:buClr>
+              <a:buFont typeface="Arial" panose="020B0604020202020204" pitchFamily="34" charset="0"/>
+              <a:buChar char="−"/>
+              <a:defRPr sz="1700">
+                <a:solidFill>
+                  <a:schemeClr val="tx1"/>
+                </a:solidFill>
+                <a:latin typeface="FrutigerNext LT Medium" pitchFamily="34" charset="0"/>
+                <a:ea typeface="宋体" panose="02010600030101010101" pitchFamily="2" charset="-122"/>
+              </a:defRPr>
+            </a:lvl3pPr>
+            <a:lvl4pPr marL="1600200" indent="-228600">
+              <a:lnSpc>
+                <a:spcPct val="120000"/>
+              </a:lnSpc>
+              <a:spcBef>
+                <a:spcPct val="20000"/>
+              </a:spcBef>
+              <a:spcAft>
+                <a:spcPct val="20000"/>
+              </a:spcAft>
+              <a:buClr>
+                <a:schemeClr val="tx1"/>
+              </a:buClr>
+              <a:buFont typeface="Arial" panose="020B0604020202020204" pitchFamily="34" charset="0"/>
+              <a:buChar char="▪"/>
+              <a:defRPr sz="1700">
+                <a:solidFill>
+                  <a:schemeClr val="tx1"/>
+                </a:solidFill>
+                <a:latin typeface="FrutigerNext LT Medium" pitchFamily="34" charset="0"/>
+                <a:ea typeface="宋体" panose="02010600030101010101" pitchFamily="2" charset="-122"/>
+              </a:defRPr>
+            </a:lvl4pPr>
+            <a:lvl5pPr marL="2057400" indent="-228600">
+              <a:spcBef>
+                <a:spcPct val="20000"/>
+              </a:spcBef>
+              <a:buChar char="»"/>
+              <a:defRPr sz="1700">
+                <a:solidFill>
+                  <a:schemeClr val="tx1"/>
+                </a:solidFill>
+                <a:latin typeface="Arial" panose="020B0604020202020204" pitchFamily="34" charset="0"/>
+                <a:ea typeface="宋体" panose="02010600030101010101" pitchFamily="2" charset="-122"/>
+              </a:defRPr>
+            </a:lvl5pPr>
+            <a:lvl6pPr marL="2514600" indent="-228600" eaLnBrk="0" fontAlgn="base" hangingPunct="0">
+              <a:spcBef>
+                <a:spcPct val="20000"/>
+              </a:spcBef>
+              <a:spcAft>
+                <a:spcPct val="0"/>
+              </a:spcAft>
+              <a:buChar char="»"/>
+              <a:defRPr sz="1700">
+                <a:solidFill>
+                  <a:schemeClr val="tx1"/>
+                </a:solidFill>
+                <a:latin typeface="Arial" panose="020B0604020202020204" pitchFamily="34" charset="0"/>
+                <a:ea typeface="宋体" panose="02010600030101010101" pitchFamily="2" charset="-122"/>
+              </a:defRPr>
+            </a:lvl6pPr>
+            <a:lvl7pPr marL="2971800" indent="-228600" eaLnBrk="0" fontAlgn="base" hangingPunct="0">
+              <a:spcBef>
+                <a:spcPct val="20000"/>
+              </a:spcBef>
+              <a:spcAft>
+                <a:spcPct val="0"/>
+              </a:spcAft>
+              <a:buChar char="»"/>
+              <a:defRPr sz="1700">
+                <a:solidFill>
+                  <a:schemeClr val="tx1"/>
+                </a:solidFill>
+                <a:latin typeface="Arial" panose="020B0604020202020204" pitchFamily="34" charset="0"/>
+                <a:ea typeface="宋体" panose="02010600030101010101" pitchFamily="2" charset="-122"/>
+              </a:defRPr>
+            </a:lvl7pPr>
+            <a:lvl8pPr marL="3429000" indent="-228600" eaLnBrk="0" fontAlgn="base" hangingPunct="0">
+              <a:spcBef>
+                <a:spcPct val="20000"/>
+              </a:spcBef>
+              <a:spcAft>
+                <a:spcPct val="0"/>
+              </a:spcAft>
+              <a:buChar char="»"/>
+              <a:defRPr sz="1700">
+                <a:solidFill>
+                  <a:schemeClr val="tx1"/>
+                </a:solidFill>
+                <a:latin typeface="Arial" panose="020B0604020202020204" pitchFamily="34" charset="0"/>
+                <a:ea typeface="宋体" panose="02010600030101010101" pitchFamily="2" charset="-122"/>
+              </a:defRPr>
+            </a:lvl8pPr>
+            <a:lvl9pPr marL="3886200" indent="-228600" eaLnBrk="0" fontAlgn="base" hangingPunct="0">
+              <a:spcBef>
+                <a:spcPct val="20000"/>
+              </a:spcBef>
+              <a:spcAft>
+                <a:spcPct val="0"/>
+              </a:spcAft>
+              <a:buChar char="»"/>
+              <a:defRPr sz="1700">
+                <a:solidFill>
+                  <a:schemeClr val="tx1"/>
+                </a:solidFill>
+                <a:latin typeface="Arial" panose="020B0604020202020204" pitchFamily="34" charset="0"/>
+                <a:ea typeface="宋体" panose="02010600030101010101" pitchFamily="2" charset="-122"/>
+              </a:defRPr>
+            </a:lvl9pPr>
+          </a:lstStyle>
+          <a:p>
+            <a:pPr>
+              <a:lnSpc>
+                <a:spcPct val="85000"/>
+              </a:lnSpc>
+              <a:spcBef>
+                <a:spcPct val="0"/>
+              </a:spcBef>
+              <a:spcAft>
+                <a:spcPct val="0"/>
+              </a:spcAft>
+              <a:buClrTx/>
+              <a:buSzTx/>
+              <a:buFontTx/>
+              <a:buNone/>
+            </a:pPr>
+            <a:endParaRPr lang="de-DE" altLang="en-US" sz="1000" smtClean="0">
+              <a:ea typeface="MS PGothic" panose="020B0600070205080204" pitchFamily="34" charset="-128"/>
+            </a:endParaRPr>
+          </a:p>
+          <a:p>
+            <a:pPr>
+              <a:lnSpc>
+                <a:spcPct val="85000"/>
+              </a:lnSpc>
+              <a:spcBef>
+                <a:spcPct val="0"/>
+              </a:spcBef>
+              <a:spcAft>
+                <a:spcPct val="0"/>
+              </a:spcAft>
+              <a:buClrTx/>
+              <a:buSzTx/>
+              <a:buFontTx/>
+              <a:buNone/>
+            </a:pPr>
+            <a:r>
+              <a:rPr lang="de-DE" altLang="en-US" sz="1000" smtClean="0">
+                <a:ea typeface="MS PGothic" panose="020B0600070205080204" pitchFamily="34" charset="-128"/>
+              </a:rPr>
+              <a:t>Page </a:t>
+            </a:r>
+            <a:fld id="{86532620-EE16-4692-A7FF-47162C7E0C8F}" type="slidenum">
+              <a:rPr lang="de-DE" altLang="en-US" sz="1000" smtClean="0">
+                <a:ea typeface="MS PGothic" panose="020B0600070205080204" pitchFamily="34" charset="-128"/>
+              </a:rPr>
+              <a:pPr>
+                <a:lnSpc>
+                  <a:spcPct val="85000"/>
+                </a:lnSpc>
+                <a:spcBef>
+                  <a:spcPct val="0"/>
+                </a:spcBef>
+                <a:spcAft>
+                  <a:spcPct val="0"/>
+                </a:spcAft>
+                <a:buClrTx/>
+                <a:buSzTx/>
+                <a:buFontTx/>
+                <a:buNone/>
+              </a:pPr>
+              <a:t>23</a:t>
+            </a:fld>
+            <a:r>
+              <a:rPr lang="ru-RU" altLang="en-US" sz="1000" smtClean="0">
+                <a:ea typeface="MS PGothic" panose="020B0600070205080204" pitchFamily="34" charset="-128"/>
+              </a:rPr>
+              <a:t>/1</a:t>
+            </a:r>
+            <a:r>
+              <a:rPr lang="en-US" altLang="en-US" sz="1000" smtClean="0">
+                <a:ea typeface="MS PGothic" panose="020B0600070205080204" pitchFamily="34" charset="-128"/>
+              </a:rPr>
+              <a:t>3</a:t>
+            </a:r>
+            <a:endParaRPr lang="en-GB" altLang="en-US" sz="1000" smtClean="0">
+              <a:ea typeface="MS PGothic" panose="020B0600070205080204" pitchFamily="34" charset="-128"/>
+            </a:endParaRPr>
+          </a:p>
+        </p:txBody>
+      </p:sp>
+    </p:spTree>
+    <p:extLst>
+      <p:ext uri="{BB962C8B-B14F-4D97-AF65-F5344CB8AC3E}">
+        <p14:creationId xmlns:p14="http://schemas.microsoft.com/office/powerpoint/2010/main" val="1384200121"/>
+      </p:ext>
+    </p:extLst>
+  </p:cSld>
+  <p:clrMapOvr>
+    <a:overrideClrMapping bg1="lt1" tx1="dk1" bg2="lt2" tx2="dk2" accent1="accent1" accent2="accent2" accent3="accent3" accent4="accent4" accent5="accent5" accent6="accent6" hlink="hlink" folHlink="folHlink"/>
   </p:clrMapOvr>
   <p:timing>
     <p:tnLst>
@@ -18723,10 +21795,6 @@
               <a:rPr lang="en-US" altLang="zh-CN" sz="3200" dirty="0" smtClean="0"/>
               <a:t>Added value created</a:t>
             </a:r>
-            <a:r>
-              <a:rPr lang="en-US" altLang="zh-CN" sz="3200" dirty="0" smtClean="0"/>
-              <a:t/>
-            </a:r>
             <a:br>
               <a:rPr lang="en-US" altLang="zh-CN" sz="3200" dirty="0" smtClean="0"/>
             </a:br>
@@ -18796,7 +21864,6 @@
               <a:rPr lang="en-US" altLang="zh-CN" sz="1600" dirty="0" smtClean="0"/>
               <a:t>Catches otherwise missed patterns</a:t>
             </a:r>
-            <a:endParaRPr lang="en-US" altLang="zh-CN" sz="1600" dirty="0" smtClean="0"/>
           </a:p>
           <a:p>
             <a:r>
@@ -19953,10 +23020,6 @@
               <a:rPr lang="en-US" altLang="zh-CN" sz="3200" dirty="0" smtClean="0"/>
               <a:t>How many (bug) patterns do they find?</a:t>
             </a:r>
-            <a:r>
-              <a:rPr lang="en-US" altLang="zh-CN" sz="3200" dirty="0" smtClean="0"/>
-              <a:t/>
-            </a:r>
             <a:br>
               <a:rPr lang="en-US" altLang="zh-CN" sz="3200" dirty="0" smtClean="0"/>
             </a:br>
@@ -20024,10 +23087,13 @@
               </a:lnSpc>
             </a:pPr>
             <a:r>
+              <a:rPr lang="en-US" altLang="zh-CN" sz="1600" smtClean="0"/>
+              <a:t> 594 </a:t>
+            </a:r>
+            <a:r>
               <a:rPr lang="en-US" altLang="zh-CN" sz="1600" dirty="0" smtClean="0"/>
-              <a:t>594 bugs from 15 Java Projects</a:t>
-            </a:r>
-            <a:endParaRPr lang="en-US" altLang="zh-CN" sz="1600" dirty="0" smtClean="0"/>
+              <a:t>bugs from 15 Java Projects</a:t>
+            </a:r>
           </a:p>
           <a:p>
             <a:r>
@@ -20704,7 +23770,6 @@
               <a:rPr lang="en-US" altLang="en-US" dirty="0" smtClean="0"/>
               <a:t>ugs are missed</a:t>
             </a:r>
-            <a:endParaRPr lang="en-US" altLang="en-US" dirty="0" smtClean="0"/>
           </a:p>
         </p:txBody>
       </p:sp>
@@ -21080,7 +24145,6 @@
               <a:rPr lang="en-US" dirty="0"/>
               <a:t>6</a:t>
             </a:r>
-            <a:endParaRPr lang="en-US" dirty="0"/>
           </a:p>
         </p:txBody>
       </p:sp>
@@ -21139,7 +24203,6 @@
               <a:rPr lang="en-US" dirty="0"/>
               <a:t>0</a:t>
             </a:r>
-            <a:endParaRPr lang="en-US" dirty="0"/>
           </a:p>
         </p:txBody>
       </p:sp>
@@ -21237,10 +24300,6 @@
               <a:rPr lang="en-US" altLang="zh-CN" sz="3200" dirty="0" smtClean="0"/>
               <a:t>Why are most bugs missed?</a:t>
             </a:r>
-            <a:r>
-              <a:rPr lang="en-US" altLang="zh-CN" sz="3200" dirty="0" smtClean="0"/>
-              <a:t/>
-            </a:r>
             <a:br>
               <a:rPr lang="en-US" altLang="zh-CN" sz="3200" dirty="0" smtClean="0"/>
             </a:br>
@@ -21298,7 +24357,6 @@
               <a:rPr lang="en-US" altLang="zh-CN" sz="1600" dirty="0" smtClean="0"/>
               <a:t>Unrelated to any of the supported bug patterns</a:t>
             </a:r>
-            <a:endParaRPr lang="en-US" altLang="zh-CN" sz="1600" dirty="0" smtClean="0"/>
           </a:p>
           <a:p>
             <a:r>
@@ -23608,6 +26666,135 @@
 </a:themeOverride>
 </file>
 
+<file path=ppt/theme/themeOverride14.xml><?xml version="1.0" encoding="utf-8"?>
+<a:themeOverride xmlns:a="http://schemas.openxmlformats.org/drawingml/2006/main">
+  <a:clrScheme name="Slide Template—English（20060512）  1">
+    <a:dk1>
+      <a:srgbClr val="000000"/>
+    </a:dk1>
+    <a:lt1>
+      <a:srgbClr val="FFFFFF"/>
+    </a:lt1>
+    <a:dk2>
+      <a:srgbClr val="000000"/>
+    </a:dk2>
+    <a:lt2>
+      <a:srgbClr val="808080"/>
+    </a:lt2>
+    <a:accent1>
+      <a:srgbClr val="BBE0E3"/>
+    </a:accent1>
+    <a:accent2>
+      <a:srgbClr val="333399"/>
+    </a:accent2>
+    <a:accent3>
+      <a:srgbClr val="FFFFFF"/>
+    </a:accent3>
+    <a:accent4>
+      <a:srgbClr val="000000"/>
+    </a:accent4>
+    <a:accent5>
+      <a:srgbClr val="DAEDEF"/>
+    </a:accent5>
+    <a:accent6>
+      <a:srgbClr val="2D2D8A"/>
+    </a:accent6>
+    <a:hlink>
+      <a:srgbClr val="009999"/>
+    </a:hlink>
+    <a:folHlink>
+      <a:srgbClr val="99CC00"/>
+    </a:folHlink>
+  </a:clrScheme>
+</a:themeOverride>
+</file>
+
+<file path=ppt/theme/themeOverride15.xml><?xml version="1.0" encoding="utf-8"?>
+<a:themeOverride xmlns:a="http://schemas.openxmlformats.org/drawingml/2006/main">
+  <a:clrScheme name="Slide Template—English（20060512）  1">
+    <a:dk1>
+      <a:srgbClr val="000000"/>
+    </a:dk1>
+    <a:lt1>
+      <a:srgbClr val="FFFFFF"/>
+    </a:lt1>
+    <a:dk2>
+      <a:srgbClr val="000000"/>
+    </a:dk2>
+    <a:lt2>
+      <a:srgbClr val="808080"/>
+    </a:lt2>
+    <a:accent1>
+      <a:srgbClr val="BBE0E3"/>
+    </a:accent1>
+    <a:accent2>
+      <a:srgbClr val="333399"/>
+    </a:accent2>
+    <a:accent3>
+      <a:srgbClr val="FFFFFF"/>
+    </a:accent3>
+    <a:accent4>
+      <a:srgbClr val="000000"/>
+    </a:accent4>
+    <a:accent5>
+      <a:srgbClr val="DAEDEF"/>
+    </a:accent5>
+    <a:accent6>
+      <a:srgbClr val="2D2D8A"/>
+    </a:accent6>
+    <a:hlink>
+      <a:srgbClr val="009999"/>
+    </a:hlink>
+    <a:folHlink>
+      <a:srgbClr val="99CC00"/>
+    </a:folHlink>
+  </a:clrScheme>
+</a:themeOverride>
+</file>
+
+<file path=ppt/theme/themeOverride16.xml><?xml version="1.0" encoding="utf-8"?>
+<a:themeOverride xmlns:a="http://schemas.openxmlformats.org/drawingml/2006/main">
+  <a:clrScheme name="Slide Template—English（20060512）  1">
+    <a:dk1>
+      <a:srgbClr val="000000"/>
+    </a:dk1>
+    <a:lt1>
+      <a:srgbClr val="FFFFFF"/>
+    </a:lt1>
+    <a:dk2>
+      <a:srgbClr val="000000"/>
+    </a:dk2>
+    <a:lt2>
+      <a:srgbClr val="808080"/>
+    </a:lt2>
+    <a:accent1>
+      <a:srgbClr val="BBE0E3"/>
+    </a:accent1>
+    <a:accent2>
+      <a:srgbClr val="333399"/>
+    </a:accent2>
+    <a:accent3>
+      <a:srgbClr val="FFFFFF"/>
+    </a:accent3>
+    <a:accent4>
+      <a:srgbClr val="000000"/>
+    </a:accent4>
+    <a:accent5>
+      <a:srgbClr val="DAEDEF"/>
+    </a:accent5>
+    <a:accent6>
+      <a:srgbClr val="2D2D8A"/>
+    </a:accent6>
+    <a:hlink>
+      <a:srgbClr val="009999"/>
+    </a:hlink>
+    <a:folHlink>
+      <a:srgbClr val="99CC00"/>
+    </a:folHlink>
+  </a:clrScheme>
+</a:themeOverride>
+</file>
+
 <file path=ppt/theme/themeOverride2.xml><?xml version="1.0" encoding="utf-8"?>
 <a:themeOverride xmlns:a="http://schemas.openxmlformats.org/drawingml/2006/main">
   <a:clrScheme name="Slide Template—English（20060512）  1">

--- a/materials/Project Presentation.pptx
+++ b/materials/Project Presentation.pptx
@@ -6,7 +6,7 @@
     <p:sldMasterId id="2147483656" r:id="rId2"/>
   </p:sldMasterIdLst>
   <p:notesMasterIdLst>
-    <p:notesMasterId r:id="rId26"/>
+    <p:notesMasterId r:id="rId29"/>
   </p:notesMasterIdLst>
   <p:sldIdLst>
     <p:sldId id="314" r:id="rId3"/>
@@ -22,16 +22,19 @@
     <p:sldId id="347" r:id="rId13"/>
     <p:sldId id="348" r:id="rId14"/>
     <p:sldId id="350" r:id="rId15"/>
-    <p:sldId id="349" r:id="rId16"/>
-    <p:sldId id="353" r:id="rId17"/>
-    <p:sldId id="351" r:id="rId18"/>
-    <p:sldId id="355" r:id="rId19"/>
-    <p:sldId id="356" r:id="rId20"/>
-    <p:sldId id="352" r:id="rId21"/>
-    <p:sldId id="357" r:id="rId22"/>
-    <p:sldId id="293" r:id="rId23"/>
-    <p:sldId id="315" r:id="rId24"/>
-    <p:sldId id="354" r:id="rId25"/>
+    <p:sldId id="359" r:id="rId16"/>
+    <p:sldId id="349" r:id="rId17"/>
+    <p:sldId id="360" r:id="rId18"/>
+    <p:sldId id="358" r:id="rId19"/>
+    <p:sldId id="353" r:id="rId20"/>
+    <p:sldId id="351" r:id="rId21"/>
+    <p:sldId id="355" r:id="rId22"/>
+    <p:sldId id="356" r:id="rId23"/>
+    <p:sldId id="352" r:id="rId24"/>
+    <p:sldId id="357" r:id="rId25"/>
+    <p:sldId id="293" r:id="rId26"/>
+    <p:sldId id="315" r:id="rId27"/>
+    <p:sldId id="354" r:id="rId28"/>
   </p:sldIdLst>
   <p:sldSz cx="9144000" cy="6858000" type="screen4x3"/>
   <p:notesSz cx="6858000" cy="9144000"/>
@@ -225,7 +228,6 @@
           </a:p>
         </c:rich>
       </c:tx>
-      <c:layout/>
       <c:overlay val="0"/>
       <c:spPr>
         <a:noFill/>
@@ -300,13 +302,12 @@
           <c:dLbls>
             <c:dLbl>
               <c:idx val="0"/>
-              <c:layout/>
               <c:tx>
                 <c:rich>
                   <a:bodyPr/>
                   <a:lstStyle/>
                   <a:p>
-                    <a:fld id="{315C4D7B-F2E3-4522-A612-8B7DD42FDF5F}" type="CELLRANGE">
+                    <a:fld id="{7B6AEA6C-616F-4DCD-9AA4-866036D603CA}" type="CELLRANGE">
                       <a:rPr lang="en-US"/>
                       <a:pPr/>
                       <a:t>[CELLRANGE]</a:t>
@@ -323,7 +324,6 @@
               <c:showBubbleSize val="0"/>
               <c:extLst>
                 <c:ext xmlns:c15="http://schemas.microsoft.com/office/drawing/2012/chart" uri="{CE6537A1-D6FC-4f65-9D91-7224C49458BB}">
-                  <c15:layout/>
                   <c15:dlblFieldTable/>
                   <c15:xForSave val="1"/>
                   <c15:showDataLabelsRange val="1"/>
@@ -332,13 +332,12 @@
             </c:dLbl>
             <c:dLbl>
               <c:idx val="1"/>
-              <c:layout/>
               <c:tx>
                 <c:rich>
                   <a:bodyPr/>
                   <a:lstStyle/>
                   <a:p>
-                    <a:fld id="{A948552F-ACBD-4683-A5B0-CE576E96340A}" type="CELLRANGE">
+                    <a:fld id="{7FBE09C9-4C94-4577-BF5B-7E79AF22422D}" type="CELLRANGE">
                       <a:rPr lang="en-US"/>
                       <a:pPr/>
                       <a:t>[CELLRANGE]</a:t>
@@ -355,7 +354,6 @@
               <c:showBubbleSize val="0"/>
               <c:extLst>
                 <c:ext xmlns:c15="http://schemas.microsoft.com/office/drawing/2012/chart" uri="{CE6537A1-D6FC-4f65-9D91-7224C49458BB}">
-                  <c15:layout/>
                   <c15:dlblFieldTable/>
                   <c15:xForSave val="1"/>
                   <c15:showDataLabelsRange val="1"/>
@@ -364,13 +362,12 @@
             </c:dLbl>
             <c:dLbl>
               <c:idx val="2"/>
-              <c:layout/>
               <c:tx>
                 <c:rich>
                   <a:bodyPr/>
                   <a:lstStyle/>
                   <a:p>
-                    <a:fld id="{ACD2497A-C183-4F31-8D79-035E5B5A32C1}" type="CELLRANGE">
+                    <a:fld id="{7994C23A-E811-472C-A330-B6698AFB322B}" type="CELLRANGE">
                       <a:rPr lang="en-US"/>
                       <a:pPr/>
                       <a:t>[CELLRANGE]</a:t>
@@ -387,7 +384,6 @@
               <c:showBubbleSize val="0"/>
               <c:extLst>
                 <c:ext xmlns:c15="http://schemas.microsoft.com/office/drawing/2012/chart" uri="{CE6537A1-D6FC-4f65-9D91-7224C49458BB}">
-                  <c15:layout/>
                   <c15:dlblFieldTable/>
                   <c15:xForSave val="1"/>
                   <c15:showDataLabelsRange val="1"/>
@@ -396,13 +392,12 @@
             </c:dLbl>
             <c:dLbl>
               <c:idx val="3"/>
-              <c:layout/>
               <c:tx>
                 <c:rich>
                   <a:bodyPr/>
                   <a:lstStyle/>
                   <a:p>
-                    <a:fld id="{AD39642E-0CAD-4E87-B977-3FC90869E3EF}" type="CELLRANGE">
+                    <a:fld id="{E26DA3CC-E80E-447A-9061-CA82F61BDD27}" type="CELLRANGE">
                       <a:rPr lang="en-US"/>
                       <a:pPr/>
                       <a:t>[CELLRANGE]</a:t>
@@ -419,7 +414,6 @@
               <c:showBubbleSize val="0"/>
               <c:extLst>
                 <c:ext xmlns:c15="http://schemas.microsoft.com/office/drawing/2012/chart" uri="{CE6537A1-D6FC-4f65-9D91-7224C49458BB}">
-                  <c15:layout/>
                   <c15:dlblFieldTable/>
                   <c15:xForSave val="1"/>
                   <c15:showDataLabelsRange val="1"/>
@@ -428,13 +422,12 @@
             </c:dLbl>
             <c:dLbl>
               <c:idx val="4"/>
-              <c:layout/>
               <c:tx>
                 <c:rich>
                   <a:bodyPr/>
                   <a:lstStyle/>
                   <a:p>
-                    <a:fld id="{5843CBA2-A677-4718-BB8E-4BDE34D4F1A3}" type="CELLRANGE">
+                    <a:fld id="{69A7C1CB-0845-437C-9CCA-99F501B89783}" type="CELLRANGE">
                       <a:rPr lang="en-US"/>
                       <a:pPr/>
                       <a:t>[CELLRANGE]</a:t>
@@ -451,7 +444,6 @@
               <c:showBubbleSize val="0"/>
               <c:extLst>
                 <c:ext xmlns:c15="http://schemas.microsoft.com/office/drawing/2012/chart" uri="{CE6537A1-D6FC-4f65-9D91-7224C49458BB}">
-                  <c15:layout/>
                   <c15:dlblFieldTable/>
                   <c15:xForSave val="1"/>
                   <c15:showDataLabelsRange val="1"/>
@@ -460,13 +452,12 @@
             </c:dLbl>
             <c:dLbl>
               <c:idx val="5"/>
-              <c:layout/>
               <c:tx>
                 <c:rich>
                   <a:bodyPr/>
                   <a:lstStyle/>
                   <a:p>
-                    <a:fld id="{B453D2A3-0B6E-494F-BE86-5F6D040DCC34}" type="CELLRANGE">
+                    <a:fld id="{BA058F17-4904-489A-B660-3C84632DAEDB}" type="CELLRANGE">
                       <a:rPr lang="en-US"/>
                       <a:pPr/>
                       <a:t>[CELLRANGE]</a:t>
@@ -483,7 +474,6 @@
               <c:showBubbleSize val="0"/>
               <c:extLst>
                 <c:ext xmlns:c15="http://schemas.microsoft.com/office/drawing/2012/chart" uri="{CE6537A1-D6FC-4f65-9D91-7224C49458BB}">
-                  <c15:layout/>
                   <c15:dlblFieldTable/>
                   <c15:xForSave val="1"/>
                   <c15:showDataLabelsRange val="1"/>
@@ -492,13 +482,12 @@
             </c:dLbl>
             <c:dLbl>
               <c:idx val="6"/>
-              <c:layout/>
               <c:tx>
                 <c:rich>
                   <a:bodyPr/>
                   <a:lstStyle/>
                   <a:p>
-                    <a:fld id="{8B181BB7-FF3F-4D83-A288-5A62BA5362F7}" type="CELLRANGE">
+                    <a:fld id="{02A94BE4-109A-4F3A-9319-66EC6D57B2F8}" type="CELLRANGE">
                       <a:rPr lang="en-US"/>
                       <a:pPr/>
                       <a:t>[CELLRANGE]</a:t>
@@ -515,7 +504,6 @@
               <c:showBubbleSize val="0"/>
               <c:extLst>
                 <c:ext xmlns:c15="http://schemas.microsoft.com/office/drawing/2012/chart" uri="{CE6537A1-D6FC-4f65-9D91-7224C49458BB}">
-                  <c15:layout/>
                   <c15:dlblFieldTable/>
                   <c15:xForSave val="1"/>
                   <c15:showDataLabelsRange val="1"/>
@@ -524,13 +512,12 @@
             </c:dLbl>
             <c:dLbl>
               <c:idx val="7"/>
-              <c:layout/>
               <c:tx>
                 <c:rich>
                   <a:bodyPr/>
                   <a:lstStyle/>
                   <a:p>
-                    <a:fld id="{ADF3E6AE-B03B-4120-BDC3-3F9BB3AC86F5}" type="CELLRANGE">
+                    <a:fld id="{68D83AEF-D267-4456-95A6-C63F6B673F0F}" type="CELLRANGE">
                       <a:rPr lang="en-US"/>
                       <a:pPr/>
                       <a:t>[CELLRANGE]</a:t>
@@ -547,7 +534,6 @@
               <c:showBubbleSize val="0"/>
               <c:extLst>
                 <c:ext xmlns:c15="http://schemas.microsoft.com/office/drawing/2012/chart" uri="{CE6537A1-D6FC-4f65-9D91-7224C49458BB}">
-                  <c15:layout/>
                   <c15:dlblFieldTable/>
                   <c15:xForSave val="1"/>
                   <c15:showDataLabelsRange val="1"/>
@@ -592,7 +578,6 @@
             <c:showLeaderLines val="0"/>
             <c:extLst>
               <c:ext xmlns:c15="http://schemas.microsoft.com/office/drawing/2012/chart" uri="{CE6537A1-D6FC-4f65-9D91-7224C49458BB}">
-                <c15:layout/>
                 <c15:showDataLabelsRange val="1"/>
                 <c15:showLeaderLines val="1"/>
                 <c15:leaderLines>
@@ -722,11 +707,11 @@
           <c:showPercent val="0"/>
           <c:showBubbleSize val="0"/>
         </c:dLbls>
-        <c:axId val="2087717776"/>
-        <c:axId val="2087715600"/>
+        <c:axId val="2086434544"/>
+        <c:axId val="2086436176"/>
       </c:scatterChart>
       <c:valAx>
-        <c:axId val="2087717776"/>
+        <c:axId val="2086434544"/>
         <c:scaling>
           <c:orientation val="minMax"/>
         </c:scaling>
@@ -783,12 +768,12 @@
             <a:endParaRPr lang="en-US"/>
           </a:p>
         </c:txPr>
-        <c:crossAx val="2087715600"/>
+        <c:crossAx val="2086436176"/>
         <c:crosses val="autoZero"/>
         <c:crossBetween val="midCat"/>
       </c:valAx>
       <c:valAx>
-        <c:axId val="2087715600"/>
+        <c:axId val="2086436176"/>
         <c:scaling>
           <c:orientation val="minMax"/>
         </c:scaling>
@@ -845,7 +830,7 @@
             <a:endParaRPr lang="en-US"/>
           </a:p>
         </c:txPr>
-        <c:crossAx val="2087717776"/>
+        <c:crossAx val="2086434544"/>
         <c:crosses val="autoZero"/>
         <c:crossBetween val="midCat"/>
       </c:valAx>
@@ -12340,22 +12325,23 @@
         </p:nvSpPr>
         <p:spPr>
           <a:xfrm>
-            <a:off x="609600" y="401638"/>
-            <a:ext cx="8177213" cy="721210"/>
+            <a:off x="0" y="0"/>
+            <a:ext cx="9144000" cy="721210"/>
           </a:xfrm>
         </p:spPr>
         <p:txBody>
           <a:bodyPr/>
           <a:lstStyle/>
           <a:p>
-            <a:r>
-              <a:rPr lang="en-US" altLang="zh-CN" sz="3200" dirty="0" smtClean="0"/>
-              <a:t>Representing code as vectors</a:t>
-            </a:r>
-            <a:br>
-              <a:rPr lang="en-US" altLang="zh-CN" sz="3200" dirty="0" smtClean="0"/>
-            </a:br>
-            <a:endParaRPr lang="zh-CN" altLang="en-US" sz="2000" dirty="0" smtClean="0"/>
+            <a:pPr algn="ctr"/>
+            <a:r>
+              <a:rPr lang="en-US" sz="3200" dirty="0" err="1"/>
+              <a:t>Embeddings</a:t>
+            </a:r>
+            <a:r>
+              <a:rPr lang="en-US" sz="3200" dirty="0"/>
+              <a:t> for Identifiers</a:t>
+            </a:r>
           </a:p>
         </p:txBody>
       </p:sp>
@@ -12371,14 +12357,74 @@
         </p:nvSpPr>
         <p:spPr>
           <a:xfrm>
-            <a:off x="609599" y="1447800"/>
-            <a:ext cx="8177213" cy="4572000"/>
+            <a:off x="609600" y="609600"/>
+            <a:ext cx="8177213" cy="5638800"/>
           </a:xfrm>
         </p:spPr>
         <p:txBody>
           <a:bodyPr/>
           <a:lstStyle/>
           <a:p>
+            <a:pPr algn="just">
+              <a:lnSpc>
+                <a:spcPct val="115000"/>
+              </a:lnSpc>
+            </a:pPr>
+            <a:r>
+              <a:rPr lang="en-US" altLang="zh-CN" sz="1600" dirty="0"/>
+              <a:t>Extract identifiers and </a:t>
+            </a:r>
+            <a:r>
+              <a:rPr lang="en-US" altLang="zh-CN" sz="1600" dirty="0" smtClean="0"/>
+              <a:t>tokens: Produce </a:t>
+            </a:r>
+            <a:r>
+              <a:rPr lang="en-US" altLang="zh-CN" sz="1600" dirty="0"/>
+              <a:t>token </a:t>
+            </a:r>
+            <a:r>
+              <a:rPr lang="en-US" altLang="zh-CN" sz="1600" dirty="0" smtClean="0"/>
+              <a:t>files (</a:t>
+            </a:r>
+            <a:r>
+              <a:rPr lang="en-US" altLang="zh-CN" sz="1000" dirty="0" smtClean="0"/>
+              <a:t>node </a:t>
+            </a:r>
+            <a:r>
+              <a:rPr lang="en-US" altLang="zh-CN" sz="1000" dirty="0" err="1"/>
+              <a:t>javascript</a:t>
+            </a:r>
+            <a:r>
+              <a:rPr lang="en-US" altLang="zh-CN" sz="1000" dirty="0"/>
+              <a:t>/extractFromJS.js tokens --parallel 4 </a:t>
+            </a:r>
+            <a:r>
+              <a:rPr lang="en-US" altLang="zh-CN" sz="1000" dirty="0" smtClean="0"/>
+              <a:t>data/</a:t>
+            </a:r>
+            <a:r>
+              <a:rPr lang="en-US" altLang="zh-CN" sz="1000" dirty="0" err="1" smtClean="0"/>
+              <a:t>js</a:t>
+            </a:r>
+            <a:r>
+              <a:rPr lang="en-US" altLang="zh-CN" sz="1000" dirty="0" smtClean="0"/>
+              <a:t>/training.txt data/</a:t>
+            </a:r>
+            <a:r>
+              <a:rPr lang="en-US" altLang="zh-CN" sz="1000" dirty="0" err="1" smtClean="0"/>
+              <a:t>js</a:t>
+            </a:r>
+            <a:r>
+              <a:rPr lang="en-US" altLang="zh-CN" sz="1000" dirty="0" smtClean="0"/>
+              <a:t>/files</a:t>
+            </a:r>
+            <a:r>
+              <a:rPr lang="en-US" altLang="zh-CN" sz="1600" dirty="0" smtClean="0"/>
+              <a:t>):</a:t>
+            </a:r>
+            <a:endParaRPr lang="en-US" altLang="zh-CN" sz="1600" dirty="0" smtClean="0"/>
+          </a:p>
+          <a:p>
             <a:pPr marL="0" indent="0" algn="just">
               <a:lnSpc>
                 <a:spcPct val="115000"/>
@@ -12386,9 +12432,175 @@
               <a:buNone/>
             </a:pPr>
             <a:r>
+              <a:rPr lang="en-US" altLang="zh-CN" sz="1000" dirty="0" smtClean="0"/>
+              <a:t>[</a:t>
+            </a:r>
+            <a:endParaRPr lang="en-US" altLang="zh-CN" sz="1000" dirty="0"/>
+          </a:p>
+          <a:p>
+            <a:pPr marL="0" indent="0" algn="just">
+              <a:lnSpc>
+                <a:spcPct val="115000"/>
+              </a:lnSpc>
+              <a:buNone/>
+            </a:pPr>
+            <a:r>
+              <a:rPr lang="en-US" altLang="zh-CN" sz="1000" dirty="0"/>
+              <a:t>    "</a:t>
+            </a:r>
+            <a:r>
+              <a:rPr lang="en-US" altLang="zh-CN" sz="1000" dirty="0" err="1"/>
+              <a:t>LIT:use</a:t>
+            </a:r>
+            <a:r>
+              <a:rPr lang="en-US" altLang="zh-CN" sz="1000" dirty="0"/>
+              <a:t> strict",</a:t>
+            </a:r>
+          </a:p>
+          <a:p>
+            <a:pPr marL="0" indent="0" algn="just">
+              <a:lnSpc>
+                <a:spcPct val="115000"/>
+              </a:lnSpc>
+              <a:buNone/>
+            </a:pPr>
+            <a:r>
+              <a:rPr lang="en-US" altLang="zh-CN" sz="1000" dirty="0"/>
+              <a:t>    "STD:;",</a:t>
+            </a:r>
+          </a:p>
+          <a:p>
+            <a:pPr marL="0" indent="0" algn="just">
+              <a:lnSpc>
+                <a:spcPct val="115000"/>
+              </a:lnSpc>
+              <a:buNone/>
+            </a:pPr>
+            <a:r>
+              <a:rPr lang="en-US" altLang="zh-CN" sz="1000" dirty="0"/>
+              <a:t>    "</a:t>
+            </a:r>
+            <a:r>
+              <a:rPr lang="en-US" altLang="zh-CN" sz="1000" dirty="0" err="1"/>
+              <a:t>STD:var</a:t>
+            </a:r>
+            <a:r>
+              <a:rPr lang="en-US" altLang="zh-CN" sz="1000" dirty="0"/>
+              <a:t>",</a:t>
+            </a:r>
+          </a:p>
+          <a:p>
+            <a:pPr marL="0" indent="0" algn="just">
+              <a:lnSpc>
+                <a:spcPct val="115000"/>
+              </a:lnSpc>
+              <a:buNone/>
+            </a:pPr>
+            <a:r>
+              <a:rPr lang="en-US" altLang="zh-CN" sz="1000" dirty="0"/>
+              <a:t>    "</a:t>
+            </a:r>
+            <a:r>
+              <a:rPr lang="en-US" altLang="zh-CN" sz="1000" dirty="0" err="1"/>
+              <a:t>ID:createAPIRequest</a:t>
+            </a:r>
+            <a:r>
+              <a:rPr lang="en-US" altLang="zh-CN" sz="1000" dirty="0"/>
+              <a:t>",</a:t>
+            </a:r>
+          </a:p>
+          <a:p>
+            <a:pPr marL="0" indent="0" algn="just">
+              <a:lnSpc>
+                <a:spcPct val="115000"/>
+              </a:lnSpc>
+              <a:buNone/>
+            </a:pPr>
+            <a:r>
+              <a:rPr lang="en-US" altLang="zh-CN" sz="1000" dirty="0"/>
+              <a:t>    "STD:=",</a:t>
+            </a:r>
+          </a:p>
+          <a:p>
+            <a:pPr marL="0" indent="0" algn="just">
+              <a:lnSpc>
+                <a:spcPct val="115000"/>
+              </a:lnSpc>
+              <a:buNone/>
+            </a:pPr>
+            <a:r>
+              <a:rPr lang="en-US" altLang="zh-CN" sz="1000" dirty="0"/>
+              <a:t>    "</a:t>
+            </a:r>
+            <a:r>
+              <a:rPr lang="en-US" altLang="zh-CN" sz="1000" dirty="0" err="1"/>
+              <a:t>ID:require</a:t>
+            </a:r>
+            <a:r>
+              <a:rPr lang="en-US" altLang="zh-CN" sz="1000" dirty="0"/>
+              <a:t>",</a:t>
+            </a:r>
+          </a:p>
+          <a:p>
+            <a:pPr marL="0" indent="0" algn="just">
+              <a:lnSpc>
+                <a:spcPct val="115000"/>
+              </a:lnSpc>
+              <a:buNone/>
+            </a:pPr>
+            <a:r>
+              <a:rPr lang="en-US" altLang="zh-CN" sz="1000" dirty="0"/>
+              <a:t>    "STD</a:t>
+            </a:r>
+            <a:r>
+              <a:rPr lang="en-US" altLang="zh-CN" sz="1000" dirty="0" smtClean="0"/>
+              <a:t>:(",</a:t>
+            </a:r>
+          </a:p>
+          <a:p>
+            <a:pPr marL="0" indent="0" algn="just">
+              <a:lnSpc>
+                <a:spcPct val="115000"/>
+              </a:lnSpc>
+              <a:buNone/>
+            </a:pPr>
+            <a:r>
+              <a:rPr lang="en-US" altLang="zh-CN" sz="1000" dirty="0" smtClean="0"/>
+              <a:t>…..]</a:t>
+            </a:r>
+            <a:endParaRPr lang="en-US" altLang="zh-CN" sz="1000" dirty="0"/>
+          </a:p>
+          <a:p>
+            <a:pPr algn="just">
+              <a:lnSpc>
+                <a:spcPct val="115000"/>
+              </a:lnSpc>
+            </a:pPr>
+            <a:r>
               <a:rPr lang="en-US" altLang="zh-CN" sz="1600" dirty="0" smtClean="0"/>
-              <a:t>Goal: Exploit natural language information in identifiers names</a:t>
-            </a:r>
+              <a:t>Produce </a:t>
+            </a:r>
+            <a:r>
+              <a:rPr lang="en-US" altLang="zh-CN" sz="1600" dirty="0" err="1" smtClean="0"/>
+              <a:t>token_to_numbers</a:t>
+            </a:r>
+            <a:r>
+              <a:rPr lang="en-US" altLang="zh-CN" sz="1600" dirty="0"/>
+              <a:t> (</a:t>
+            </a:r>
+            <a:r>
+              <a:rPr lang="en-US" altLang="zh-CN" sz="1000" dirty="0"/>
+              <a:t>python3 python/TokensToTopTokens.py tokens_*.</a:t>
+            </a:r>
+            <a:r>
+              <a:rPr lang="en-US" altLang="zh-CN" sz="1000" dirty="0" err="1"/>
+              <a:t>json</a:t>
+            </a:r>
+            <a:r>
+              <a:rPr lang="en-US" altLang="zh-CN" sz="1600" dirty="0"/>
+              <a:t>):</a:t>
+            </a:r>
+            <a:endParaRPr lang="en-US" altLang="zh-CN" sz="1600" dirty="0" smtClean="0"/>
           </a:p>
           <a:p>
             <a:pPr marL="0" indent="0" algn="just">
@@ -12397,88 +12609,159 @@
               </a:lnSpc>
               <a:buNone/>
             </a:pPr>
+            <a:r>
+              <a:rPr lang="en-US" altLang="zh-CN" sz="1000" dirty="0"/>
+              <a:t>{</a:t>
+            </a:r>
+          </a:p>
+          <a:p>
+            <a:pPr marL="0" indent="0" algn="just">
+              <a:lnSpc>
+                <a:spcPct val="115000"/>
+              </a:lnSpc>
+              <a:buNone/>
+            </a:pPr>
+            <a:r>
+              <a:rPr lang="en-US" altLang="zh-CN" sz="1000" dirty="0"/>
+              <a:t>    "ID:$": 21,</a:t>
+            </a:r>
+          </a:p>
+          <a:p>
+            <a:pPr marL="0" indent="0" algn="just">
+              <a:lnSpc>
+                <a:spcPct val="115000"/>
+              </a:lnSpc>
+              <a:buNone/>
+            </a:pPr>
+            <a:r>
+              <a:rPr lang="en-US" altLang="zh-CN" sz="1000" dirty="0"/>
+              <a:t>    "ID:$</a:t>
+            </a:r>
+            <a:r>
+              <a:rPr lang="en-US" altLang="zh-CN" sz="1000" dirty="0" err="1"/>
+              <a:t>liveSelector</a:t>
+            </a:r>
+            <a:r>
+              <a:rPr lang="en-US" altLang="zh-CN" sz="1000" dirty="0"/>
+              <a:t>": 764,</a:t>
+            </a:r>
+          </a:p>
+          <a:p>
+            <a:pPr marL="0" indent="0" algn="just">
+              <a:lnSpc>
+                <a:spcPct val="115000"/>
+              </a:lnSpc>
+              <a:buNone/>
+            </a:pPr>
+            <a:r>
+              <a:rPr lang="en-US" altLang="zh-CN" sz="1000" dirty="0"/>
+              <a:t>    "ID:$location": 564,</a:t>
+            </a:r>
+          </a:p>
+          <a:p>
+            <a:pPr marL="0" indent="0" algn="just">
+              <a:lnSpc>
+                <a:spcPct val="115000"/>
+              </a:lnSpc>
+              <a:buNone/>
+            </a:pPr>
+            <a:r>
+              <a:rPr lang="en-US" altLang="zh-CN" sz="1000" dirty="0"/>
+              <a:t>    "ID:$</a:t>
+            </a:r>
+            <a:r>
+              <a:rPr lang="en-US" altLang="zh-CN" sz="1000" dirty="0" err="1"/>
+              <a:t>rootScope</a:t>
+            </a:r>
+            <a:r>
+              <a:rPr lang="en-US" altLang="zh-CN" sz="1000" dirty="0"/>
+              <a:t>": 1039,</a:t>
+            </a:r>
+          </a:p>
+          <a:p>
+            <a:pPr marL="0" indent="0" algn="just">
+              <a:lnSpc>
+                <a:spcPct val="115000"/>
+              </a:lnSpc>
+              <a:buNone/>
+            </a:pPr>
+            <a:r>
+              <a:rPr lang="en-US" altLang="zh-CN" sz="1000" dirty="0"/>
+              <a:t>    "ID:$this": 29,</a:t>
+            </a:r>
+          </a:p>
+          <a:p>
+            <a:pPr marL="0" indent="0" algn="just">
+              <a:lnSpc>
+                <a:spcPct val="115000"/>
+              </a:lnSpc>
+              <a:buNone/>
+            </a:pPr>
+            <a:r>
+              <a:rPr lang="en-US" altLang="zh-CN" sz="1000" dirty="0"/>
+              <a:t>    "ID:$watch": 1657,</a:t>
+            </a:r>
+          </a:p>
+          <a:p>
+            <a:pPr marL="0" indent="0" algn="just">
+              <a:lnSpc>
+                <a:spcPct val="115000"/>
+              </a:lnSpc>
+              <a:buNone/>
+            </a:pPr>
+            <a:r>
+              <a:rPr lang="en-US" altLang="zh-CN" sz="1000" dirty="0"/>
+              <a:t>    "ID:ABORT": 660,</a:t>
+            </a:r>
+          </a:p>
+          <a:p>
+            <a:pPr marL="0" indent="0" algn="just">
+              <a:lnSpc>
+                <a:spcPct val="115000"/>
+              </a:lnSpc>
+              <a:buNone/>
+            </a:pPr>
+            <a:r>
+              <a:rPr lang="en-US" altLang="zh-CN" sz="1000" dirty="0"/>
+              <a:t>    "</a:t>
+            </a:r>
+            <a:r>
+              <a:rPr lang="en-US" altLang="zh-CN" sz="1000" dirty="0" err="1"/>
+              <a:t>ID:Array</a:t>
+            </a:r>
+            <a:r>
+              <a:rPr lang="en-US" altLang="zh-CN" sz="1000" dirty="0"/>
+              <a:t>": 663,</a:t>
+            </a:r>
+          </a:p>
+          <a:p>
+            <a:pPr marL="0" indent="0" algn="just">
+              <a:lnSpc>
+                <a:spcPct val="115000"/>
+              </a:lnSpc>
+              <a:buNone/>
+            </a:pPr>
+            <a:r>
+              <a:rPr lang="en-US" altLang="zh-CN" sz="1000" dirty="0"/>
+              <a:t>    "</a:t>
+            </a:r>
+            <a:r>
+              <a:rPr lang="en-US" altLang="zh-CN" sz="1000" dirty="0" err="1"/>
+              <a:t>ID:Auto</a:t>
+            </a:r>
+            <a:r>
+              <a:rPr lang="en-US" altLang="zh-CN" sz="1000" dirty="0"/>
+              <a:t>": 345,</a:t>
+            </a:r>
+          </a:p>
+          <a:p>
+            <a:pPr marL="0" indent="0" algn="just">
+              <a:lnSpc>
+                <a:spcPct val="115000"/>
+              </a:lnSpc>
+              <a:buNone/>
+            </a:pPr>
             <a:endParaRPr lang="en-US" altLang="zh-CN" sz="1600" dirty="0"/>
-          </a:p>
-          <a:p>
-            <a:pPr marL="0" indent="0" algn="just">
-              <a:lnSpc>
-                <a:spcPct val="115000"/>
-              </a:lnSpc>
-              <a:buNone/>
-            </a:pPr>
-            <a:r>
-              <a:rPr lang="en-US" altLang="zh-CN" sz="1600" dirty="0" smtClean="0"/>
-              <a:t>How to reason about identifier names?</a:t>
-            </a:r>
-          </a:p>
-          <a:p>
-            <a:pPr algn="just">
-              <a:lnSpc>
-                <a:spcPct val="115000"/>
-              </a:lnSpc>
-            </a:pPr>
-            <a:r>
-              <a:rPr lang="en-US" altLang="zh-CN" sz="1600" dirty="0" smtClean="0"/>
-              <a:t>Prior work: Lexical similarity</a:t>
-            </a:r>
-          </a:p>
-          <a:p>
-            <a:pPr lvl="1" algn="just">
-              <a:lnSpc>
-                <a:spcPct val="115000"/>
-              </a:lnSpc>
-            </a:pPr>
-            <a:r>
-              <a:rPr lang="en-US" altLang="zh-CN" sz="1600" dirty="0" smtClean="0"/>
-              <a:t>x similar to </a:t>
-            </a:r>
-            <a:r>
-              <a:rPr lang="en-US" altLang="zh-CN" sz="1600" dirty="0" err="1" smtClean="0"/>
-              <a:t>x.dim</a:t>
-            </a:r>
-            <a:endParaRPr lang="en-US" altLang="zh-CN" sz="1600" dirty="0" smtClean="0"/>
-          </a:p>
-          <a:p>
-            <a:pPr algn="just">
-              <a:lnSpc>
-                <a:spcPct val="115000"/>
-              </a:lnSpc>
-            </a:pPr>
-            <a:r>
-              <a:rPr lang="en-US" altLang="zh-CN" sz="1600" dirty="0" smtClean="0"/>
-              <a:t>Want: Semantic similarity</a:t>
-            </a:r>
-          </a:p>
-          <a:p>
-            <a:pPr lvl="1" algn="just">
-              <a:lnSpc>
-                <a:spcPct val="115000"/>
-              </a:lnSpc>
-            </a:pPr>
-            <a:r>
-              <a:rPr lang="en-US" altLang="zh-CN" sz="1600" dirty="0"/>
-              <a:t>x</a:t>
-            </a:r>
-            <a:r>
-              <a:rPr lang="en-US" altLang="zh-CN" sz="1600" dirty="0" smtClean="0"/>
-              <a:t> similar to width</a:t>
-            </a:r>
-          </a:p>
-          <a:p>
-            <a:pPr lvl="1" algn="just">
-              <a:lnSpc>
-                <a:spcPct val="115000"/>
-              </a:lnSpc>
-            </a:pPr>
-            <a:r>
-              <a:rPr lang="en-US" altLang="zh-CN" sz="1600" dirty="0" smtClean="0"/>
-              <a:t>list similar to </a:t>
-            </a:r>
-            <a:r>
-              <a:rPr lang="en-US" altLang="zh-CN" sz="1600" dirty="0" err="1" smtClean="0"/>
-              <a:t>seq</a:t>
-            </a:r>
-            <a:endParaRPr lang="en-US" altLang="zh-CN" sz="1600" dirty="0" smtClean="0"/>
           </a:p>
           <a:p>
             <a:pPr marL="0" indent="0" algn="just">
@@ -12810,7 +13093,7 @@
     </p:spTree>
     <p:extLst>
       <p:ext uri="{BB962C8B-B14F-4D97-AF65-F5344CB8AC3E}">
-        <p14:creationId xmlns:p14="http://schemas.microsoft.com/office/powerpoint/2010/main" val="1338556646"/>
+        <p14:creationId xmlns:p14="http://schemas.microsoft.com/office/powerpoint/2010/main" val="3004612681"/>
       </p:ext>
     </p:extLst>
   </p:cSld>
@@ -12864,6 +13147,1973 @@
         </p:nvSpPr>
         <p:spPr>
           <a:xfrm>
+            <a:off x="0" y="0"/>
+            <a:ext cx="9144000" cy="721210"/>
+          </a:xfrm>
+        </p:spPr>
+        <p:txBody>
+          <a:bodyPr/>
+          <a:lstStyle/>
+          <a:p>
+            <a:pPr algn="ctr"/>
+            <a:r>
+              <a:rPr lang="en-US" sz="3200" dirty="0" err="1"/>
+              <a:t>Embeddings</a:t>
+            </a:r>
+            <a:r>
+              <a:rPr lang="en-US" sz="3200" dirty="0"/>
+              <a:t> for </a:t>
+            </a:r>
+            <a:r>
+              <a:rPr lang="en-US" sz="3200" dirty="0" smtClean="0"/>
+              <a:t>Identifiers</a:t>
+            </a:r>
+            <a:endParaRPr lang="zh-CN" altLang="en-US" sz="2000" dirty="0" smtClean="0"/>
+          </a:p>
+        </p:txBody>
+      </p:sp>
+      <p:sp>
+        <p:nvSpPr>
+          <p:cNvPr id="11267" name="Rectangle 3"/>
+          <p:cNvSpPr>
+            <a:spLocks noGrp="1" noChangeArrowheads="1"/>
+          </p:cNvSpPr>
+          <p:nvPr>
+            <p:ph type="body" sz="half" idx="1"/>
+          </p:nvPr>
+        </p:nvSpPr>
+        <p:spPr>
+          <a:xfrm>
+            <a:off x="609600" y="838200"/>
+            <a:ext cx="8177213" cy="5257800"/>
+          </a:xfrm>
+        </p:spPr>
+        <p:txBody>
+          <a:bodyPr/>
+          <a:lstStyle/>
+          <a:p>
+            <a:pPr algn="just">
+              <a:lnSpc>
+                <a:spcPct val="115000"/>
+              </a:lnSpc>
+            </a:pPr>
+            <a:r>
+              <a:rPr lang="en-US" altLang="zh-CN" sz="1600" dirty="0"/>
+              <a:t>Learn </a:t>
+            </a:r>
+            <a:r>
+              <a:rPr lang="en-US" altLang="zh-CN" sz="1600" dirty="0" err="1"/>
+              <a:t>embeddings</a:t>
+            </a:r>
+            <a:r>
+              <a:rPr lang="en-US" altLang="zh-CN" sz="1600" dirty="0"/>
+              <a:t> for identifiers and literals (</a:t>
+            </a:r>
+            <a:r>
+              <a:rPr lang="en-US" altLang="zh-CN" sz="1000" dirty="0"/>
+              <a:t>python3 python/EmbeddingLearnerWord2Vec.py </a:t>
+            </a:r>
+            <a:r>
+              <a:rPr lang="en-US" altLang="zh-CN" sz="1000" dirty="0" err="1"/>
+              <a:t>token_to_number</a:t>
+            </a:r>
+            <a:r>
+              <a:rPr lang="en-US" altLang="zh-CN" sz="1000" dirty="0"/>
+              <a:t>_*.</a:t>
+            </a:r>
+            <a:r>
+              <a:rPr lang="en-US" altLang="zh-CN" sz="1000" dirty="0" err="1"/>
+              <a:t>json</a:t>
+            </a:r>
+            <a:r>
+              <a:rPr lang="en-US" altLang="zh-CN" sz="1000" dirty="0"/>
+              <a:t> </a:t>
+            </a:r>
+            <a:r>
+              <a:rPr lang="en-US" altLang="zh-CN" sz="1000" dirty="0" err="1"/>
+              <a:t>encoded_tokens</a:t>
+            </a:r>
+            <a:r>
+              <a:rPr lang="en-US" altLang="zh-CN" sz="1000" dirty="0"/>
+              <a:t>_*.</a:t>
+            </a:r>
+            <a:r>
+              <a:rPr lang="en-US" altLang="zh-CN" sz="1000" dirty="0" err="1"/>
+              <a:t>json</a:t>
+            </a:r>
+            <a:r>
+              <a:rPr lang="en-US" altLang="zh-CN" sz="1600" dirty="0"/>
+              <a:t>):</a:t>
+            </a:r>
+            <a:endParaRPr lang="en-US" altLang="zh-CN" sz="1600" dirty="0" smtClean="0"/>
+          </a:p>
+          <a:p>
+            <a:pPr marL="0" indent="0" algn="just">
+              <a:lnSpc>
+                <a:spcPct val="115000"/>
+              </a:lnSpc>
+              <a:buNone/>
+            </a:pPr>
+            <a:r>
+              <a:rPr lang="en-US" altLang="zh-CN" sz="1000" dirty="0"/>
+              <a:t>{</a:t>
+            </a:r>
+          </a:p>
+          <a:p>
+            <a:pPr marL="0" indent="0" algn="just">
+              <a:lnSpc>
+                <a:spcPct val="115000"/>
+              </a:lnSpc>
+              <a:buNone/>
+            </a:pPr>
+            <a:r>
+              <a:rPr lang="en-US" altLang="zh-CN" sz="1000" dirty="0"/>
+              <a:t>    "ID:$": [</a:t>
+            </a:r>
+          </a:p>
+          <a:p>
+            <a:pPr marL="0" indent="0" algn="just">
+              <a:lnSpc>
+                <a:spcPct val="115000"/>
+              </a:lnSpc>
+              <a:buNone/>
+            </a:pPr>
+            <a:r>
+              <a:rPr lang="en-US" altLang="zh-CN" sz="1000" dirty="0"/>
+              <a:t>        1.7403037548065186,</a:t>
+            </a:r>
+          </a:p>
+          <a:p>
+            <a:pPr marL="0" indent="0" algn="just">
+              <a:lnSpc>
+                <a:spcPct val="115000"/>
+              </a:lnSpc>
+              <a:buNone/>
+            </a:pPr>
+            <a:r>
+              <a:rPr lang="en-US" altLang="zh-CN" sz="1000" dirty="0"/>
+              <a:t>        -0.5863831043243408,</a:t>
+            </a:r>
+          </a:p>
+          <a:p>
+            <a:pPr marL="0" indent="0" algn="just">
+              <a:lnSpc>
+                <a:spcPct val="115000"/>
+              </a:lnSpc>
+              <a:buNone/>
+            </a:pPr>
+            <a:r>
+              <a:rPr lang="en-US" altLang="zh-CN" sz="1000" dirty="0"/>
+              <a:t>        -1.563154935836792,</a:t>
+            </a:r>
+          </a:p>
+          <a:p>
+            <a:pPr marL="0" indent="0" algn="just">
+              <a:lnSpc>
+                <a:spcPct val="115000"/>
+              </a:lnSpc>
+              <a:buNone/>
+            </a:pPr>
+            <a:r>
+              <a:rPr lang="en-US" altLang="zh-CN" sz="1000" dirty="0"/>
+              <a:t>        -0.5567323565483093,</a:t>
+            </a:r>
+          </a:p>
+          <a:p>
+            <a:pPr marL="0" indent="0" algn="just">
+              <a:lnSpc>
+                <a:spcPct val="115000"/>
+              </a:lnSpc>
+              <a:buNone/>
+            </a:pPr>
+            <a:r>
+              <a:rPr lang="en-US" altLang="zh-CN" sz="1000" dirty="0"/>
+              <a:t>        2.1151344776153564</a:t>
+            </a:r>
+            <a:r>
+              <a:rPr lang="en-US" altLang="zh-CN" sz="1000" dirty="0" smtClean="0"/>
+              <a:t>,…..</a:t>
+            </a:r>
+          </a:p>
+          <a:p>
+            <a:pPr marL="0" indent="0" algn="just">
+              <a:lnSpc>
+                <a:spcPct val="115000"/>
+              </a:lnSpc>
+              <a:buNone/>
+            </a:pPr>
+            <a:r>
+              <a:rPr lang="en-US" altLang="zh-CN" sz="1000" dirty="0"/>
+              <a:t> "ID:$$compose": [</a:t>
+            </a:r>
+          </a:p>
+          <a:p>
+            <a:pPr marL="0" indent="0" algn="just">
+              <a:lnSpc>
+                <a:spcPct val="115000"/>
+              </a:lnSpc>
+              <a:buNone/>
+            </a:pPr>
+            <a:r>
+              <a:rPr lang="en-US" altLang="zh-CN" sz="1000" dirty="0"/>
+              <a:t>        -0.10042782872915268,</a:t>
+            </a:r>
+          </a:p>
+          <a:p>
+            <a:pPr marL="0" indent="0" algn="just">
+              <a:lnSpc>
+                <a:spcPct val="115000"/>
+              </a:lnSpc>
+              <a:buNone/>
+            </a:pPr>
+            <a:r>
+              <a:rPr lang="en-US" altLang="zh-CN" sz="1000" dirty="0"/>
+              <a:t>        0.08956451714038849,</a:t>
+            </a:r>
+          </a:p>
+          <a:p>
+            <a:pPr marL="0" indent="0" algn="just">
+              <a:lnSpc>
+                <a:spcPct val="115000"/>
+              </a:lnSpc>
+              <a:buNone/>
+            </a:pPr>
+            <a:r>
+              <a:rPr lang="en-US" altLang="zh-CN" sz="1000" dirty="0"/>
+              <a:t>        -0.42006996273994446,</a:t>
+            </a:r>
+          </a:p>
+          <a:p>
+            <a:pPr marL="0" indent="0" algn="just">
+              <a:lnSpc>
+                <a:spcPct val="115000"/>
+              </a:lnSpc>
+              <a:buNone/>
+            </a:pPr>
+            <a:r>
+              <a:rPr lang="en-US" altLang="zh-CN" sz="1000" dirty="0"/>
+              <a:t>        0.3777671456336975,</a:t>
+            </a:r>
+          </a:p>
+          <a:p>
+            <a:pPr marL="0" indent="0" algn="just">
+              <a:lnSpc>
+                <a:spcPct val="115000"/>
+              </a:lnSpc>
+              <a:buNone/>
+            </a:pPr>
+            <a:r>
+              <a:rPr lang="en-US" altLang="zh-CN" sz="1000" dirty="0"/>
+              <a:t>        -0.7322062253952026,</a:t>
+            </a:r>
+          </a:p>
+          <a:p>
+            <a:pPr marL="0" indent="0" algn="just">
+              <a:lnSpc>
+                <a:spcPct val="115000"/>
+              </a:lnSpc>
+              <a:buNone/>
+            </a:pPr>
+            <a:r>
+              <a:rPr lang="en-US" altLang="zh-CN" sz="1000" dirty="0"/>
+              <a:t>        2.675356149673462</a:t>
+            </a:r>
+            <a:r>
+              <a:rPr lang="en-US" altLang="zh-CN" sz="1000" dirty="0" smtClean="0"/>
+              <a:t>,……</a:t>
+            </a:r>
+          </a:p>
+          <a:p>
+            <a:pPr marL="0" indent="0" algn="just">
+              <a:lnSpc>
+                <a:spcPct val="115000"/>
+              </a:lnSpc>
+              <a:buNone/>
+            </a:pPr>
+            <a:r>
+              <a:rPr lang="en-US" altLang="zh-CN" sz="1000" dirty="0" smtClean="0"/>
+              <a:t>…..</a:t>
+            </a:r>
+          </a:p>
+          <a:p>
+            <a:pPr marL="0" indent="0" algn="just">
+              <a:lnSpc>
+                <a:spcPct val="115000"/>
+              </a:lnSpc>
+              <a:buNone/>
+            </a:pPr>
+            <a:r>
+              <a:rPr lang="en-US" altLang="zh-CN" sz="1000" dirty="0" smtClean="0"/>
+              <a:t>}</a:t>
+            </a:r>
+            <a:endParaRPr lang="en-US" altLang="zh-CN" sz="1600" dirty="0"/>
+          </a:p>
+          <a:p>
+            <a:pPr marL="0" indent="0" algn="just">
+              <a:lnSpc>
+                <a:spcPct val="115000"/>
+              </a:lnSpc>
+              <a:buNone/>
+            </a:pPr>
+            <a:endParaRPr lang="en-US" altLang="zh-CN" sz="1600" dirty="0" smtClean="0"/>
+          </a:p>
+          <a:p>
+            <a:pPr marL="0" indent="0" algn="just">
+              <a:lnSpc>
+                <a:spcPct val="115000"/>
+              </a:lnSpc>
+              <a:buNone/>
+            </a:pPr>
+            <a:endParaRPr lang="en-US" altLang="zh-CN" sz="1600" dirty="0"/>
+          </a:p>
+          <a:p>
+            <a:pPr marL="0" indent="0" algn="just">
+              <a:lnSpc>
+                <a:spcPct val="115000"/>
+              </a:lnSpc>
+              <a:buNone/>
+            </a:pPr>
+            <a:endParaRPr lang="en-US" altLang="zh-CN" sz="1600" dirty="0" smtClean="0"/>
+          </a:p>
+          <a:p>
+            <a:pPr marL="231775" indent="-231775" algn="just">
+              <a:lnSpc>
+                <a:spcPct val="115000"/>
+              </a:lnSpc>
+              <a:buFont typeface="Wingdings" pitchFamily="2" charset="2"/>
+              <a:buNone/>
+            </a:pPr>
+            <a:endParaRPr lang="zh-CN" altLang="en-US" dirty="0" smtClean="0"/>
+          </a:p>
+        </p:txBody>
+      </p:sp>
+      <p:sp>
+        <p:nvSpPr>
+          <p:cNvPr id="11268" name="Date Placeholder 4"/>
+          <p:cNvSpPr>
+            <a:spLocks noGrp="1"/>
+          </p:cNvSpPr>
+          <p:nvPr>
+            <p:ph type="dt" sz="quarter" idx="10"/>
+          </p:nvPr>
+        </p:nvSpPr>
+        <p:spPr>
+          <a:noFill/>
+          <a:ln/>
+          <a:extLst>
+            <a:ext uri="{909E8E84-426E-40DD-AFC4-6F175D3DCCD1}">
+              <a14:hiddenFill xmlns:a14="http://schemas.microsoft.com/office/drawing/2010/main">
+                <a:solidFill>
+                  <a:srgbClr val="FFFFFF"/>
+                </a:solidFill>
+              </a14:hiddenFill>
+            </a:ext>
+            <a:ext uri="{91240B29-F687-4F45-9708-019B960494DF}">
+              <a14:hiddenLine xmlns:a14="http://schemas.microsoft.com/office/drawing/2010/main" w="9525">
+                <a:solidFill>
+                  <a:srgbClr val="000000"/>
+                </a:solidFill>
+                <a:miter lim="800000"/>
+                <a:headEnd/>
+                <a:tailEnd/>
+              </a14:hiddenLine>
+            </a:ext>
+          </a:extLst>
+        </p:spPr>
+        <p:txBody>
+          <a:bodyPr/>
+          <a:lstStyle>
+            <a:lvl1pPr>
+              <a:lnSpc>
+                <a:spcPct val="120000"/>
+              </a:lnSpc>
+              <a:spcBef>
+                <a:spcPct val="20000"/>
+              </a:spcBef>
+              <a:spcAft>
+                <a:spcPct val="20000"/>
+              </a:spcAft>
+              <a:buClr>
+                <a:srgbClr val="990000"/>
+              </a:buClr>
+              <a:buSzPct val="85000"/>
+              <a:buFont typeface="Wingdings" panose="05000000000000000000" pitchFamily="2" charset="2"/>
+              <a:buChar char="l"/>
+              <a:defRPr sz="1700">
+                <a:solidFill>
+                  <a:schemeClr val="tx1"/>
+                </a:solidFill>
+                <a:latin typeface="FrutigerNext LT Medium" pitchFamily="34" charset="0"/>
+                <a:ea typeface="宋体" panose="02010600030101010101" pitchFamily="2" charset="-122"/>
+              </a:defRPr>
+            </a:lvl1pPr>
+            <a:lvl2pPr marL="742950" indent="-285750">
+              <a:lnSpc>
+                <a:spcPct val="120000"/>
+              </a:lnSpc>
+              <a:spcBef>
+                <a:spcPct val="20000"/>
+              </a:spcBef>
+              <a:spcAft>
+                <a:spcPct val="20000"/>
+              </a:spcAft>
+              <a:buClr>
+                <a:srgbClr val="5F5F5F"/>
+              </a:buClr>
+              <a:buFont typeface="Wingdings 3" panose="05040102010807070707" pitchFamily="18" charset="2"/>
+              <a:buChar char="["/>
+              <a:defRPr sz="1700">
+                <a:solidFill>
+                  <a:schemeClr val="tx1"/>
+                </a:solidFill>
+                <a:latin typeface="FrutigerNext LT Medium" pitchFamily="34" charset="0"/>
+                <a:ea typeface="宋体" panose="02010600030101010101" pitchFamily="2" charset="-122"/>
+              </a:defRPr>
+            </a:lvl2pPr>
+            <a:lvl3pPr marL="1143000" indent="-228600">
+              <a:lnSpc>
+                <a:spcPct val="120000"/>
+              </a:lnSpc>
+              <a:spcBef>
+                <a:spcPct val="20000"/>
+              </a:spcBef>
+              <a:spcAft>
+                <a:spcPct val="20000"/>
+              </a:spcAft>
+              <a:buClr>
+                <a:schemeClr val="tx1"/>
+              </a:buClr>
+              <a:buFont typeface="Arial" panose="020B0604020202020204" pitchFamily="34" charset="0"/>
+              <a:buChar char="−"/>
+              <a:defRPr sz="1700">
+                <a:solidFill>
+                  <a:schemeClr val="tx1"/>
+                </a:solidFill>
+                <a:latin typeface="FrutigerNext LT Medium" pitchFamily="34" charset="0"/>
+                <a:ea typeface="宋体" panose="02010600030101010101" pitchFamily="2" charset="-122"/>
+              </a:defRPr>
+            </a:lvl3pPr>
+            <a:lvl4pPr marL="1600200" indent="-228600">
+              <a:lnSpc>
+                <a:spcPct val="120000"/>
+              </a:lnSpc>
+              <a:spcBef>
+                <a:spcPct val="20000"/>
+              </a:spcBef>
+              <a:spcAft>
+                <a:spcPct val="20000"/>
+              </a:spcAft>
+              <a:buClr>
+                <a:schemeClr val="tx1"/>
+              </a:buClr>
+              <a:buFont typeface="Arial" panose="020B0604020202020204" pitchFamily="34" charset="0"/>
+              <a:buChar char="▪"/>
+              <a:defRPr sz="1700">
+                <a:solidFill>
+                  <a:schemeClr val="tx1"/>
+                </a:solidFill>
+                <a:latin typeface="FrutigerNext LT Medium" pitchFamily="34" charset="0"/>
+                <a:ea typeface="宋体" panose="02010600030101010101" pitchFamily="2" charset="-122"/>
+              </a:defRPr>
+            </a:lvl4pPr>
+            <a:lvl5pPr marL="2057400" indent="-228600">
+              <a:spcBef>
+                <a:spcPct val="20000"/>
+              </a:spcBef>
+              <a:buChar char="»"/>
+              <a:defRPr sz="1700">
+                <a:solidFill>
+                  <a:schemeClr val="tx1"/>
+                </a:solidFill>
+                <a:latin typeface="Arial" panose="020B0604020202020204" pitchFamily="34" charset="0"/>
+                <a:ea typeface="宋体" panose="02010600030101010101" pitchFamily="2" charset="-122"/>
+              </a:defRPr>
+            </a:lvl5pPr>
+            <a:lvl6pPr marL="2514600" indent="-228600" eaLnBrk="0" fontAlgn="base" hangingPunct="0">
+              <a:spcBef>
+                <a:spcPct val="20000"/>
+              </a:spcBef>
+              <a:spcAft>
+                <a:spcPct val="0"/>
+              </a:spcAft>
+              <a:buChar char="»"/>
+              <a:defRPr sz="1700">
+                <a:solidFill>
+                  <a:schemeClr val="tx1"/>
+                </a:solidFill>
+                <a:latin typeface="Arial" panose="020B0604020202020204" pitchFamily="34" charset="0"/>
+                <a:ea typeface="宋体" panose="02010600030101010101" pitchFamily="2" charset="-122"/>
+              </a:defRPr>
+            </a:lvl6pPr>
+            <a:lvl7pPr marL="2971800" indent="-228600" eaLnBrk="0" fontAlgn="base" hangingPunct="0">
+              <a:spcBef>
+                <a:spcPct val="20000"/>
+              </a:spcBef>
+              <a:spcAft>
+                <a:spcPct val="0"/>
+              </a:spcAft>
+              <a:buChar char="»"/>
+              <a:defRPr sz="1700">
+                <a:solidFill>
+                  <a:schemeClr val="tx1"/>
+                </a:solidFill>
+                <a:latin typeface="Arial" panose="020B0604020202020204" pitchFamily="34" charset="0"/>
+                <a:ea typeface="宋体" panose="02010600030101010101" pitchFamily="2" charset="-122"/>
+              </a:defRPr>
+            </a:lvl7pPr>
+            <a:lvl8pPr marL="3429000" indent="-228600" eaLnBrk="0" fontAlgn="base" hangingPunct="0">
+              <a:spcBef>
+                <a:spcPct val="20000"/>
+              </a:spcBef>
+              <a:spcAft>
+                <a:spcPct val="0"/>
+              </a:spcAft>
+              <a:buChar char="»"/>
+              <a:defRPr sz="1700">
+                <a:solidFill>
+                  <a:schemeClr val="tx1"/>
+                </a:solidFill>
+                <a:latin typeface="Arial" panose="020B0604020202020204" pitchFamily="34" charset="0"/>
+                <a:ea typeface="宋体" panose="02010600030101010101" pitchFamily="2" charset="-122"/>
+              </a:defRPr>
+            </a:lvl8pPr>
+            <a:lvl9pPr marL="3886200" indent="-228600" eaLnBrk="0" fontAlgn="base" hangingPunct="0">
+              <a:spcBef>
+                <a:spcPct val="20000"/>
+              </a:spcBef>
+              <a:spcAft>
+                <a:spcPct val="0"/>
+              </a:spcAft>
+              <a:buChar char="»"/>
+              <a:defRPr sz="1700">
+                <a:solidFill>
+                  <a:schemeClr val="tx1"/>
+                </a:solidFill>
+                <a:latin typeface="Arial" panose="020B0604020202020204" pitchFamily="34" charset="0"/>
+                <a:ea typeface="宋体" panose="02010600030101010101" pitchFamily="2" charset="-122"/>
+              </a:defRPr>
+            </a:lvl9pPr>
+          </a:lstStyle>
+          <a:p>
+            <a:pPr>
+              <a:lnSpc>
+                <a:spcPct val="85000"/>
+              </a:lnSpc>
+              <a:spcBef>
+                <a:spcPct val="0"/>
+              </a:spcBef>
+              <a:spcAft>
+                <a:spcPct val="0"/>
+              </a:spcAft>
+              <a:buClrTx/>
+              <a:buSzTx/>
+              <a:buFontTx/>
+              <a:buNone/>
+            </a:pPr>
+            <a:endParaRPr lang="de-DE" altLang="en-US" sz="1000" smtClean="0">
+              <a:ea typeface="MS PGothic" panose="020B0600070205080204" pitchFamily="34" charset="-128"/>
+            </a:endParaRPr>
+          </a:p>
+          <a:p>
+            <a:pPr>
+              <a:lnSpc>
+                <a:spcPct val="85000"/>
+              </a:lnSpc>
+              <a:spcBef>
+                <a:spcPct val="0"/>
+              </a:spcBef>
+              <a:spcAft>
+                <a:spcPct val="0"/>
+              </a:spcAft>
+              <a:buClrTx/>
+              <a:buSzTx/>
+              <a:buFontTx/>
+              <a:buNone/>
+            </a:pPr>
+            <a:r>
+              <a:rPr lang="de-DE" altLang="en-US" sz="1000" smtClean="0">
+                <a:ea typeface="MS PGothic" panose="020B0600070205080204" pitchFamily="34" charset="-128"/>
+              </a:rPr>
+              <a:t>Page </a:t>
+            </a:r>
+            <a:fld id="{86532620-EE16-4692-A7FF-47162C7E0C8F}" type="slidenum">
+              <a:rPr lang="de-DE" altLang="en-US" sz="1000" smtClean="0">
+                <a:ea typeface="MS PGothic" panose="020B0600070205080204" pitchFamily="34" charset="-128"/>
+              </a:rPr>
+              <a:pPr>
+                <a:lnSpc>
+                  <a:spcPct val="85000"/>
+                </a:lnSpc>
+                <a:spcBef>
+                  <a:spcPct val="0"/>
+                </a:spcBef>
+                <a:spcAft>
+                  <a:spcPct val="0"/>
+                </a:spcAft>
+                <a:buClrTx/>
+                <a:buSzTx/>
+                <a:buFontTx/>
+                <a:buNone/>
+              </a:pPr>
+              <a:t>15</a:t>
+            </a:fld>
+            <a:r>
+              <a:rPr lang="ru-RU" altLang="en-US" sz="1000" smtClean="0">
+                <a:ea typeface="MS PGothic" panose="020B0600070205080204" pitchFamily="34" charset="-128"/>
+              </a:rPr>
+              <a:t>/1</a:t>
+            </a:r>
+            <a:r>
+              <a:rPr lang="en-US" altLang="en-US" sz="1000" smtClean="0">
+                <a:ea typeface="MS PGothic" panose="020B0600070205080204" pitchFamily="34" charset="-128"/>
+              </a:rPr>
+              <a:t>3</a:t>
+            </a:r>
+            <a:endParaRPr lang="en-GB" altLang="en-US" sz="1000" smtClean="0">
+              <a:ea typeface="MS PGothic" panose="020B0600070205080204" pitchFamily="34" charset="-128"/>
+            </a:endParaRPr>
+          </a:p>
+        </p:txBody>
+      </p:sp>
+    </p:spTree>
+    <p:extLst>
+      <p:ext uri="{BB962C8B-B14F-4D97-AF65-F5344CB8AC3E}">
+        <p14:creationId xmlns:p14="http://schemas.microsoft.com/office/powerpoint/2010/main" val="1338556646"/>
+      </p:ext>
+    </p:extLst>
+  </p:cSld>
+  <p:clrMapOvr>
+    <a:overrideClrMapping bg1="lt1" tx1="dk1" bg2="lt2" tx2="dk2" accent1="accent1" accent2="accent2" accent3="accent3" accent4="accent4" accent5="accent5" accent6="accent6" hlink="hlink" folHlink="folHlink"/>
+  </p:clrMapOvr>
+  <p:timing>
+    <p:tnLst>
+      <p:par>
+        <p:cTn id="1" dur="indefinite" restart="never" nodeType="tmRoot"/>
+      </p:par>
+    </p:tnLst>
+  </p:timing>
+</p:sld>
+</file>
+
+<file path=ppt/slides/slide16.xml><?xml version="1.0" encoding="utf-8"?>
+<p:sld xmlns:a="http://schemas.openxmlformats.org/drawingml/2006/main" xmlns:r="http://schemas.openxmlformats.org/officeDocument/2006/relationships" xmlns:p="http://schemas.openxmlformats.org/presentationml/2006/main">
+  <p:cSld>
+    <p:bg>
+      <p:bgPr>
+        <a:solidFill>
+          <a:schemeClr val="bg1"/>
+        </a:solidFill>
+        <a:effectLst/>
+      </p:bgPr>
+    </p:bg>
+    <p:spTree>
+      <p:nvGrpSpPr>
+        <p:cNvPr id="1" name=""/>
+        <p:cNvGrpSpPr/>
+        <p:nvPr/>
+      </p:nvGrpSpPr>
+      <p:grpSpPr>
+        <a:xfrm>
+          <a:off x="0" y="0"/>
+          <a:ext cx="0" cy="0"/>
+          <a:chOff x="0" y="0"/>
+          <a:chExt cx="0" cy="0"/>
+        </a:xfrm>
+      </p:grpSpPr>
+      <p:sp>
+        <p:nvSpPr>
+          <p:cNvPr id="11266" name="Rectangle 2"/>
+          <p:cNvSpPr>
+            <a:spLocks noGrp="1" noChangeArrowheads="1"/>
+          </p:cNvSpPr>
+          <p:nvPr>
+            <p:ph type="title"/>
+          </p:nvPr>
+        </p:nvSpPr>
+        <p:spPr>
+          <a:xfrm>
+            <a:off x="0" y="0"/>
+            <a:ext cx="9144000" cy="721210"/>
+          </a:xfrm>
+        </p:spPr>
+        <p:txBody>
+          <a:bodyPr/>
+          <a:lstStyle/>
+          <a:p>
+            <a:pPr algn="ctr"/>
+            <a:r>
+              <a:rPr lang="en-US" altLang="zh-CN" sz="3200" dirty="0"/>
+              <a:t>Finding Bugs</a:t>
+            </a:r>
+            <a:endParaRPr lang="zh-CN" altLang="en-US" sz="2000" dirty="0" smtClean="0"/>
+          </a:p>
+        </p:txBody>
+      </p:sp>
+      <p:sp>
+        <p:nvSpPr>
+          <p:cNvPr id="11267" name="Rectangle 3"/>
+          <p:cNvSpPr>
+            <a:spLocks noGrp="1" noChangeArrowheads="1"/>
+          </p:cNvSpPr>
+          <p:nvPr>
+            <p:ph type="body" sz="half" idx="1"/>
+          </p:nvPr>
+        </p:nvSpPr>
+        <p:spPr>
+          <a:xfrm>
+            <a:off x="609600" y="838200"/>
+            <a:ext cx="8177213" cy="5257800"/>
+          </a:xfrm>
+        </p:spPr>
+        <p:txBody>
+          <a:bodyPr/>
+          <a:lstStyle/>
+          <a:p>
+            <a:pPr algn="just">
+              <a:lnSpc>
+                <a:spcPct val="115000"/>
+              </a:lnSpc>
+            </a:pPr>
+            <a:r>
+              <a:rPr lang="en-US" altLang="zh-CN" sz="1600" dirty="0"/>
+              <a:t>Extract code pieces (</a:t>
+            </a:r>
+            <a:r>
+              <a:rPr lang="en-US" altLang="zh-CN" sz="1000" dirty="0"/>
+              <a:t>node </a:t>
+            </a:r>
+            <a:r>
+              <a:rPr lang="en-US" altLang="zh-CN" sz="1000" dirty="0" err="1"/>
+              <a:t>javascript</a:t>
+            </a:r>
+            <a:r>
+              <a:rPr lang="en-US" altLang="zh-CN" sz="1000" dirty="0"/>
+              <a:t>/extractFromJS.js calls --files &lt;list of files</a:t>
+            </a:r>
+            <a:r>
+              <a:rPr lang="en-US" altLang="zh-CN" sz="1000" dirty="0" smtClean="0"/>
+              <a:t>&gt;</a:t>
+            </a:r>
+            <a:r>
+              <a:rPr lang="en-US" altLang="zh-CN" sz="1600" dirty="0" smtClean="0"/>
+              <a:t>) </a:t>
+            </a:r>
+            <a:r>
+              <a:rPr lang="en-US" altLang="zh-CN" sz="1600" dirty="0" err="1" smtClean="0"/>
+              <a:t>call.json</a:t>
+            </a:r>
+            <a:r>
+              <a:rPr lang="en-US" altLang="zh-CN" sz="1600" dirty="0" smtClean="0"/>
+              <a:t>:</a:t>
+            </a:r>
+          </a:p>
+          <a:p>
+            <a:pPr marL="0" indent="0" algn="just">
+              <a:lnSpc>
+                <a:spcPct val="115000"/>
+              </a:lnSpc>
+              <a:buNone/>
+            </a:pPr>
+            <a:r>
+              <a:rPr lang="en-US" altLang="zh-CN" sz="1000" dirty="0" smtClean="0"/>
+              <a:t>[ {</a:t>
+            </a:r>
+          </a:p>
+          <a:p>
+            <a:pPr marL="0" indent="0" algn="just">
+              <a:lnSpc>
+                <a:spcPct val="115000"/>
+              </a:lnSpc>
+              <a:buNone/>
+            </a:pPr>
+            <a:r>
+              <a:rPr lang="en-US" altLang="zh-CN" sz="1000" dirty="0" smtClean="0"/>
+              <a:t>    </a:t>
+            </a:r>
+            <a:r>
+              <a:rPr lang="en-US" altLang="zh-CN" sz="1000" dirty="0"/>
+              <a:t>"base": "",</a:t>
+            </a:r>
+          </a:p>
+          <a:p>
+            <a:pPr marL="0" indent="0" algn="just">
+              <a:lnSpc>
+                <a:spcPct val="115000"/>
+              </a:lnSpc>
+              <a:buNone/>
+            </a:pPr>
+            <a:r>
+              <a:rPr lang="en-US" altLang="zh-CN" sz="1000" dirty="0"/>
+              <a:t>    "</a:t>
+            </a:r>
+            <a:r>
+              <a:rPr lang="en-US" altLang="zh-CN" sz="1000" dirty="0" err="1"/>
+              <a:t>callee</a:t>
+            </a:r>
+            <a:r>
+              <a:rPr lang="en-US" altLang="zh-CN" sz="1000" dirty="0"/>
+              <a:t>": "</a:t>
+            </a:r>
+            <a:r>
+              <a:rPr lang="en-US" altLang="zh-CN" sz="1000" dirty="0" err="1"/>
+              <a:t>ID:createAPIRequest</a:t>
+            </a:r>
+            <a:r>
+              <a:rPr lang="en-US" altLang="zh-CN" sz="1000" dirty="0"/>
+              <a:t>",</a:t>
+            </a:r>
+          </a:p>
+          <a:p>
+            <a:pPr marL="0" indent="0" algn="just">
+              <a:lnSpc>
+                <a:spcPct val="115000"/>
+              </a:lnSpc>
+              <a:buNone/>
+            </a:pPr>
+            <a:r>
+              <a:rPr lang="en-US" altLang="zh-CN" sz="1000" dirty="0"/>
+              <a:t>    "</a:t>
+            </a:r>
+            <a:r>
+              <a:rPr lang="en-US" altLang="zh-CN" sz="1000" dirty="0" err="1"/>
+              <a:t>calleeLocation</a:t>
+            </a:r>
+            <a:r>
+              <a:rPr lang="en-US" altLang="zh-CN" sz="1000" dirty="0"/>
+              <a:t>": "20020400016",</a:t>
+            </a:r>
+          </a:p>
+          <a:p>
+            <a:pPr marL="0" indent="0" algn="just">
+              <a:lnSpc>
+                <a:spcPct val="115000"/>
+              </a:lnSpc>
+              <a:buNone/>
+            </a:pPr>
+            <a:r>
+              <a:rPr lang="en-US" altLang="zh-CN" sz="1000" dirty="0"/>
+              <a:t>    "arguments": [</a:t>
+            </a:r>
+          </a:p>
+          <a:p>
+            <a:pPr marL="0" indent="0" algn="just">
+              <a:lnSpc>
+                <a:spcPct val="115000"/>
+              </a:lnSpc>
+              <a:buNone/>
+            </a:pPr>
+            <a:r>
+              <a:rPr lang="en-US" altLang="zh-CN" sz="1000" dirty="0"/>
+              <a:t>      "</a:t>
+            </a:r>
+            <a:r>
+              <a:rPr lang="en-US" altLang="zh-CN" sz="1000" dirty="0" err="1"/>
+              <a:t>ID:parameters</a:t>
+            </a:r>
+            <a:r>
+              <a:rPr lang="en-US" altLang="zh-CN" sz="1000" dirty="0"/>
+              <a:t>",</a:t>
+            </a:r>
+          </a:p>
+          <a:p>
+            <a:pPr marL="0" indent="0" algn="just">
+              <a:lnSpc>
+                <a:spcPct val="115000"/>
+              </a:lnSpc>
+              <a:buNone/>
+            </a:pPr>
+            <a:r>
+              <a:rPr lang="en-US" altLang="zh-CN" sz="1000" dirty="0"/>
+              <a:t>      "</a:t>
+            </a:r>
+            <a:r>
+              <a:rPr lang="en-US" altLang="zh-CN" sz="1000" dirty="0" err="1"/>
+              <a:t>ID:callback</a:t>
+            </a:r>
+            <a:r>
+              <a:rPr lang="en-US" altLang="zh-CN" sz="1000" dirty="0"/>
+              <a:t>"</a:t>
+            </a:r>
+          </a:p>
+          <a:p>
+            <a:pPr marL="0" indent="0" algn="just">
+              <a:lnSpc>
+                <a:spcPct val="115000"/>
+              </a:lnSpc>
+              <a:buNone/>
+            </a:pPr>
+            <a:r>
+              <a:rPr lang="en-US" altLang="zh-CN" sz="1000" dirty="0"/>
+              <a:t>    </a:t>
+            </a:r>
+            <a:r>
+              <a:rPr lang="en-US" altLang="zh-CN" sz="1000" dirty="0" smtClean="0"/>
+              <a:t>], "</a:t>
+            </a:r>
+            <a:r>
+              <a:rPr lang="en-US" altLang="zh-CN" sz="1000" dirty="0" err="1"/>
+              <a:t>argumentLocations</a:t>
+            </a:r>
+            <a:r>
+              <a:rPr lang="en-US" altLang="zh-CN" sz="1000" dirty="0"/>
+              <a:t>": [</a:t>
+            </a:r>
+          </a:p>
+          <a:p>
+            <a:pPr marL="0" indent="0" algn="just">
+              <a:lnSpc>
+                <a:spcPct val="115000"/>
+              </a:lnSpc>
+              <a:buNone/>
+            </a:pPr>
+            <a:r>
+              <a:rPr lang="en-US" altLang="zh-CN" sz="1000" dirty="0"/>
+              <a:t>      "20020570010",</a:t>
+            </a:r>
+          </a:p>
+          <a:p>
+            <a:pPr marL="0" indent="0" algn="just">
+              <a:lnSpc>
+                <a:spcPct val="115000"/>
+              </a:lnSpc>
+              <a:buNone/>
+            </a:pPr>
+            <a:r>
+              <a:rPr lang="en-US" altLang="zh-CN" sz="1000" dirty="0"/>
+              <a:t>      "20020690008"</a:t>
+            </a:r>
+          </a:p>
+          <a:p>
+            <a:pPr marL="0" indent="0" algn="just">
+              <a:lnSpc>
+                <a:spcPct val="115000"/>
+              </a:lnSpc>
+              <a:buNone/>
+            </a:pPr>
+            <a:r>
+              <a:rPr lang="en-US" altLang="zh-CN" sz="1000" dirty="0"/>
+              <a:t>    </a:t>
+            </a:r>
+            <a:r>
+              <a:rPr lang="en-US" altLang="zh-CN" sz="1000" dirty="0" smtClean="0"/>
+              <a:t>], </a:t>
+            </a:r>
+            <a:r>
+              <a:rPr lang="en-US" altLang="zh-CN" sz="1000" dirty="0"/>
+              <a:t>"</a:t>
+            </a:r>
+            <a:r>
+              <a:rPr lang="en-US" altLang="zh-CN" sz="1000" dirty="0" err="1"/>
+              <a:t>argumentTypes</a:t>
+            </a:r>
+            <a:r>
+              <a:rPr lang="en-US" altLang="zh-CN" sz="1000" dirty="0"/>
+              <a:t>": [</a:t>
+            </a:r>
+          </a:p>
+          <a:p>
+            <a:pPr marL="0" indent="0" algn="just">
+              <a:lnSpc>
+                <a:spcPct val="115000"/>
+              </a:lnSpc>
+              <a:buNone/>
+            </a:pPr>
+            <a:r>
+              <a:rPr lang="en-US" altLang="zh-CN" sz="1000" dirty="0"/>
+              <a:t>      "unknown",</a:t>
+            </a:r>
+          </a:p>
+          <a:p>
+            <a:pPr marL="0" indent="0" algn="just">
+              <a:lnSpc>
+                <a:spcPct val="115000"/>
+              </a:lnSpc>
+              <a:buNone/>
+            </a:pPr>
+            <a:r>
+              <a:rPr lang="en-US" altLang="zh-CN" sz="1000" dirty="0"/>
+              <a:t>      "unknown"</a:t>
+            </a:r>
+          </a:p>
+          <a:p>
+            <a:pPr marL="0" indent="0" algn="just">
+              <a:lnSpc>
+                <a:spcPct val="115000"/>
+              </a:lnSpc>
+              <a:buNone/>
+            </a:pPr>
+            <a:r>
+              <a:rPr lang="en-US" altLang="zh-CN" sz="1000" dirty="0"/>
+              <a:t>    </a:t>
+            </a:r>
+            <a:r>
+              <a:rPr lang="en-US" altLang="zh-CN" sz="1000" dirty="0" smtClean="0"/>
+              <a:t>], </a:t>
+            </a:r>
+            <a:r>
+              <a:rPr lang="en-US" altLang="zh-CN" sz="1000" dirty="0"/>
+              <a:t>"parameters": [</a:t>
+            </a:r>
+          </a:p>
+          <a:p>
+            <a:pPr marL="0" indent="0" algn="just">
+              <a:lnSpc>
+                <a:spcPct val="115000"/>
+              </a:lnSpc>
+              <a:buNone/>
+            </a:pPr>
+            <a:r>
+              <a:rPr lang="en-US" altLang="zh-CN" sz="1000" dirty="0"/>
+              <a:t>      "",</a:t>
+            </a:r>
+          </a:p>
+          <a:p>
+            <a:pPr marL="0" indent="0" algn="just">
+              <a:lnSpc>
+                <a:spcPct val="115000"/>
+              </a:lnSpc>
+              <a:buNone/>
+            </a:pPr>
+            <a:r>
+              <a:rPr lang="en-US" altLang="zh-CN" sz="1000" dirty="0"/>
+              <a:t>      ""</a:t>
+            </a:r>
+          </a:p>
+          <a:p>
+            <a:pPr marL="0" indent="0" algn="just">
+              <a:lnSpc>
+                <a:spcPct val="115000"/>
+              </a:lnSpc>
+              <a:buNone/>
+            </a:pPr>
+            <a:r>
+              <a:rPr lang="en-US" altLang="zh-CN" sz="1000" dirty="0"/>
+              <a:t>    ],</a:t>
+            </a:r>
+          </a:p>
+          <a:p>
+            <a:pPr marL="0" indent="0" algn="just">
+              <a:lnSpc>
+                <a:spcPct val="115000"/>
+              </a:lnSpc>
+              <a:buNone/>
+            </a:pPr>
+            <a:r>
+              <a:rPr lang="en-US" altLang="zh-CN" sz="1000" dirty="0"/>
+              <a:t>    "</a:t>
+            </a:r>
+            <a:r>
+              <a:rPr lang="en-US" altLang="zh-CN" sz="1000" dirty="0" err="1"/>
+              <a:t>src</a:t>
+            </a:r>
+            <a:r>
+              <a:rPr lang="en-US" altLang="zh-CN" sz="1000" dirty="0"/>
+              <a:t>": "data/</a:t>
+            </a:r>
+            <a:r>
+              <a:rPr lang="en-US" altLang="zh-CN" sz="1000" dirty="0" err="1"/>
+              <a:t>js</a:t>
+            </a:r>
+            <a:r>
+              <a:rPr lang="en-US" altLang="zh-CN" sz="1000" dirty="0"/>
+              <a:t>/programs_50/file1084.js : 66 - 66",</a:t>
+            </a:r>
+          </a:p>
+          <a:p>
+            <a:pPr marL="0" indent="0" algn="just">
+              <a:lnSpc>
+                <a:spcPct val="115000"/>
+              </a:lnSpc>
+              <a:buNone/>
+            </a:pPr>
+            <a:r>
+              <a:rPr lang="en-US" altLang="zh-CN" sz="1000" dirty="0"/>
+              <a:t>    "filename": "data/</a:t>
+            </a:r>
+            <a:r>
+              <a:rPr lang="en-US" altLang="zh-CN" sz="1000" dirty="0" err="1"/>
+              <a:t>js</a:t>
+            </a:r>
+            <a:r>
+              <a:rPr lang="en-US" altLang="zh-CN" sz="1000" dirty="0"/>
+              <a:t>/programs_50/file1084.js"</a:t>
+            </a:r>
+          </a:p>
+          <a:p>
+            <a:pPr marL="0" indent="0" algn="just">
+              <a:lnSpc>
+                <a:spcPct val="115000"/>
+              </a:lnSpc>
+              <a:buNone/>
+            </a:pPr>
+            <a:r>
+              <a:rPr lang="en-US" altLang="zh-CN" sz="1000" dirty="0"/>
+              <a:t>  </a:t>
+            </a:r>
+            <a:r>
+              <a:rPr lang="en-US" altLang="zh-CN" sz="1000" dirty="0" smtClean="0"/>
+              <a:t>}, ….</a:t>
+            </a:r>
+            <a:endParaRPr lang="en-US" altLang="zh-CN" sz="1600" dirty="0" smtClean="0"/>
+          </a:p>
+          <a:p>
+            <a:pPr marL="0" indent="0" algn="just">
+              <a:lnSpc>
+                <a:spcPct val="115000"/>
+              </a:lnSpc>
+              <a:buNone/>
+            </a:pPr>
+            <a:endParaRPr lang="en-US" altLang="zh-CN" sz="1600" dirty="0"/>
+          </a:p>
+          <a:p>
+            <a:pPr marL="0" indent="0" algn="just">
+              <a:lnSpc>
+                <a:spcPct val="115000"/>
+              </a:lnSpc>
+              <a:buNone/>
+            </a:pPr>
+            <a:endParaRPr lang="en-US" altLang="zh-CN" sz="1600" dirty="0" smtClean="0"/>
+          </a:p>
+          <a:p>
+            <a:pPr marL="231775" indent="-231775" algn="just">
+              <a:lnSpc>
+                <a:spcPct val="115000"/>
+              </a:lnSpc>
+              <a:buFont typeface="Wingdings" pitchFamily="2" charset="2"/>
+              <a:buNone/>
+            </a:pPr>
+            <a:endParaRPr lang="zh-CN" altLang="en-US" dirty="0" smtClean="0"/>
+          </a:p>
+        </p:txBody>
+      </p:sp>
+      <p:sp>
+        <p:nvSpPr>
+          <p:cNvPr id="11268" name="Date Placeholder 4"/>
+          <p:cNvSpPr>
+            <a:spLocks noGrp="1"/>
+          </p:cNvSpPr>
+          <p:nvPr>
+            <p:ph type="dt" sz="quarter" idx="10"/>
+          </p:nvPr>
+        </p:nvSpPr>
+        <p:spPr>
+          <a:noFill/>
+          <a:ln/>
+          <a:extLst>
+            <a:ext uri="{909E8E84-426E-40DD-AFC4-6F175D3DCCD1}">
+              <a14:hiddenFill xmlns:a14="http://schemas.microsoft.com/office/drawing/2010/main">
+                <a:solidFill>
+                  <a:srgbClr val="FFFFFF"/>
+                </a:solidFill>
+              </a14:hiddenFill>
+            </a:ext>
+            <a:ext uri="{91240B29-F687-4F45-9708-019B960494DF}">
+              <a14:hiddenLine xmlns:a14="http://schemas.microsoft.com/office/drawing/2010/main" w="9525">
+                <a:solidFill>
+                  <a:srgbClr val="000000"/>
+                </a:solidFill>
+                <a:miter lim="800000"/>
+                <a:headEnd/>
+                <a:tailEnd/>
+              </a14:hiddenLine>
+            </a:ext>
+          </a:extLst>
+        </p:spPr>
+        <p:txBody>
+          <a:bodyPr/>
+          <a:lstStyle>
+            <a:lvl1pPr>
+              <a:lnSpc>
+                <a:spcPct val="120000"/>
+              </a:lnSpc>
+              <a:spcBef>
+                <a:spcPct val="20000"/>
+              </a:spcBef>
+              <a:spcAft>
+                <a:spcPct val="20000"/>
+              </a:spcAft>
+              <a:buClr>
+                <a:srgbClr val="990000"/>
+              </a:buClr>
+              <a:buSzPct val="85000"/>
+              <a:buFont typeface="Wingdings" panose="05000000000000000000" pitchFamily="2" charset="2"/>
+              <a:buChar char="l"/>
+              <a:defRPr sz="1700">
+                <a:solidFill>
+                  <a:schemeClr val="tx1"/>
+                </a:solidFill>
+                <a:latin typeface="FrutigerNext LT Medium" pitchFamily="34" charset="0"/>
+                <a:ea typeface="宋体" panose="02010600030101010101" pitchFamily="2" charset="-122"/>
+              </a:defRPr>
+            </a:lvl1pPr>
+            <a:lvl2pPr marL="742950" indent="-285750">
+              <a:lnSpc>
+                <a:spcPct val="120000"/>
+              </a:lnSpc>
+              <a:spcBef>
+                <a:spcPct val="20000"/>
+              </a:spcBef>
+              <a:spcAft>
+                <a:spcPct val="20000"/>
+              </a:spcAft>
+              <a:buClr>
+                <a:srgbClr val="5F5F5F"/>
+              </a:buClr>
+              <a:buFont typeface="Wingdings 3" panose="05040102010807070707" pitchFamily="18" charset="2"/>
+              <a:buChar char="["/>
+              <a:defRPr sz="1700">
+                <a:solidFill>
+                  <a:schemeClr val="tx1"/>
+                </a:solidFill>
+                <a:latin typeface="FrutigerNext LT Medium" pitchFamily="34" charset="0"/>
+                <a:ea typeface="宋体" panose="02010600030101010101" pitchFamily="2" charset="-122"/>
+              </a:defRPr>
+            </a:lvl2pPr>
+            <a:lvl3pPr marL="1143000" indent="-228600">
+              <a:lnSpc>
+                <a:spcPct val="120000"/>
+              </a:lnSpc>
+              <a:spcBef>
+                <a:spcPct val="20000"/>
+              </a:spcBef>
+              <a:spcAft>
+                <a:spcPct val="20000"/>
+              </a:spcAft>
+              <a:buClr>
+                <a:schemeClr val="tx1"/>
+              </a:buClr>
+              <a:buFont typeface="Arial" panose="020B0604020202020204" pitchFamily="34" charset="0"/>
+              <a:buChar char="−"/>
+              <a:defRPr sz="1700">
+                <a:solidFill>
+                  <a:schemeClr val="tx1"/>
+                </a:solidFill>
+                <a:latin typeface="FrutigerNext LT Medium" pitchFamily="34" charset="0"/>
+                <a:ea typeface="宋体" panose="02010600030101010101" pitchFamily="2" charset="-122"/>
+              </a:defRPr>
+            </a:lvl3pPr>
+            <a:lvl4pPr marL="1600200" indent="-228600">
+              <a:lnSpc>
+                <a:spcPct val="120000"/>
+              </a:lnSpc>
+              <a:spcBef>
+                <a:spcPct val="20000"/>
+              </a:spcBef>
+              <a:spcAft>
+                <a:spcPct val="20000"/>
+              </a:spcAft>
+              <a:buClr>
+                <a:schemeClr val="tx1"/>
+              </a:buClr>
+              <a:buFont typeface="Arial" panose="020B0604020202020204" pitchFamily="34" charset="0"/>
+              <a:buChar char="▪"/>
+              <a:defRPr sz="1700">
+                <a:solidFill>
+                  <a:schemeClr val="tx1"/>
+                </a:solidFill>
+                <a:latin typeface="FrutigerNext LT Medium" pitchFamily="34" charset="0"/>
+                <a:ea typeface="宋体" panose="02010600030101010101" pitchFamily="2" charset="-122"/>
+              </a:defRPr>
+            </a:lvl4pPr>
+            <a:lvl5pPr marL="2057400" indent="-228600">
+              <a:spcBef>
+                <a:spcPct val="20000"/>
+              </a:spcBef>
+              <a:buChar char="»"/>
+              <a:defRPr sz="1700">
+                <a:solidFill>
+                  <a:schemeClr val="tx1"/>
+                </a:solidFill>
+                <a:latin typeface="Arial" panose="020B0604020202020204" pitchFamily="34" charset="0"/>
+                <a:ea typeface="宋体" panose="02010600030101010101" pitchFamily="2" charset="-122"/>
+              </a:defRPr>
+            </a:lvl5pPr>
+            <a:lvl6pPr marL="2514600" indent="-228600" eaLnBrk="0" fontAlgn="base" hangingPunct="0">
+              <a:spcBef>
+                <a:spcPct val="20000"/>
+              </a:spcBef>
+              <a:spcAft>
+                <a:spcPct val="0"/>
+              </a:spcAft>
+              <a:buChar char="»"/>
+              <a:defRPr sz="1700">
+                <a:solidFill>
+                  <a:schemeClr val="tx1"/>
+                </a:solidFill>
+                <a:latin typeface="Arial" panose="020B0604020202020204" pitchFamily="34" charset="0"/>
+                <a:ea typeface="宋体" panose="02010600030101010101" pitchFamily="2" charset="-122"/>
+              </a:defRPr>
+            </a:lvl6pPr>
+            <a:lvl7pPr marL="2971800" indent="-228600" eaLnBrk="0" fontAlgn="base" hangingPunct="0">
+              <a:spcBef>
+                <a:spcPct val="20000"/>
+              </a:spcBef>
+              <a:spcAft>
+                <a:spcPct val="0"/>
+              </a:spcAft>
+              <a:buChar char="»"/>
+              <a:defRPr sz="1700">
+                <a:solidFill>
+                  <a:schemeClr val="tx1"/>
+                </a:solidFill>
+                <a:latin typeface="Arial" panose="020B0604020202020204" pitchFamily="34" charset="0"/>
+                <a:ea typeface="宋体" panose="02010600030101010101" pitchFamily="2" charset="-122"/>
+              </a:defRPr>
+            </a:lvl7pPr>
+            <a:lvl8pPr marL="3429000" indent="-228600" eaLnBrk="0" fontAlgn="base" hangingPunct="0">
+              <a:spcBef>
+                <a:spcPct val="20000"/>
+              </a:spcBef>
+              <a:spcAft>
+                <a:spcPct val="0"/>
+              </a:spcAft>
+              <a:buChar char="»"/>
+              <a:defRPr sz="1700">
+                <a:solidFill>
+                  <a:schemeClr val="tx1"/>
+                </a:solidFill>
+                <a:latin typeface="Arial" panose="020B0604020202020204" pitchFamily="34" charset="0"/>
+                <a:ea typeface="宋体" panose="02010600030101010101" pitchFamily="2" charset="-122"/>
+              </a:defRPr>
+            </a:lvl8pPr>
+            <a:lvl9pPr marL="3886200" indent="-228600" eaLnBrk="0" fontAlgn="base" hangingPunct="0">
+              <a:spcBef>
+                <a:spcPct val="20000"/>
+              </a:spcBef>
+              <a:spcAft>
+                <a:spcPct val="0"/>
+              </a:spcAft>
+              <a:buChar char="»"/>
+              <a:defRPr sz="1700">
+                <a:solidFill>
+                  <a:schemeClr val="tx1"/>
+                </a:solidFill>
+                <a:latin typeface="Arial" panose="020B0604020202020204" pitchFamily="34" charset="0"/>
+                <a:ea typeface="宋体" panose="02010600030101010101" pitchFamily="2" charset="-122"/>
+              </a:defRPr>
+            </a:lvl9pPr>
+          </a:lstStyle>
+          <a:p>
+            <a:pPr>
+              <a:lnSpc>
+                <a:spcPct val="85000"/>
+              </a:lnSpc>
+              <a:spcBef>
+                <a:spcPct val="0"/>
+              </a:spcBef>
+              <a:spcAft>
+                <a:spcPct val="0"/>
+              </a:spcAft>
+              <a:buClrTx/>
+              <a:buSzTx/>
+              <a:buFontTx/>
+              <a:buNone/>
+            </a:pPr>
+            <a:endParaRPr lang="de-DE" altLang="en-US" sz="1000" smtClean="0">
+              <a:ea typeface="MS PGothic" panose="020B0600070205080204" pitchFamily="34" charset="-128"/>
+            </a:endParaRPr>
+          </a:p>
+          <a:p>
+            <a:pPr>
+              <a:lnSpc>
+                <a:spcPct val="85000"/>
+              </a:lnSpc>
+              <a:spcBef>
+                <a:spcPct val="0"/>
+              </a:spcBef>
+              <a:spcAft>
+                <a:spcPct val="0"/>
+              </a:spcAft>
+              <a:buClrTx/>
+              <a:buSzTx/>
+              <a:buFontTx/>
+              <a:buNone/>
+            </a:pPr>
+            <a:r>
+              <a:rPr lang="de-DE" altLang="en-US" sz="1000" smtClean="0">
+                <a:ea typeface="MS PGothic" panose="020B0600070205080204" pitchFamily="34" charset="-128"/>
+              </a:rPr>
+              <a:t>Page </a:t>
+            </a:r>
+            <a:fld id="{86532620-EE16-4692-A7FF-47162C7E0C8F}" type="slidenum">
+              <a:rPr lang="de-DE" altLang="en-US" sz="1000" smtClean="0">
+                <a:ea typeface="MS PGothic" panose="020B0600070205080204" pitchFamily="34" charset="-128"/>
+              </a:rPr>
+              <a:pPr>
+                <a:lnSpc>
+                  <a:spcPct val="85000"/>
+                </a:lnSpc>
+                <a:spcBef>
+                  <a:spcPct val="0"/>
+                </a:spcBef>
+                <a:spcAft>
+                  <a:spcPct val="0"/>
+                </a:spcAft>
+                <a:buClrTx/>
+                <a:buSzTx/>
+                <a:buFontTx/>
+                <a:buNone/>
+              </a:pPr>
+              <a:t>16</a:t>
+            </a:fld>
+            <a:r>
+              <a:rPr lang="ru-RU" altLang="en-US" sz="1000" smtClean="0">
+                <a:ea typeface="MS PGothic" panose="020B0600070205080204" pitchFamily="34" charset="-128"/>
+              </a:rPr>
+              <a:t>/1</a:t>
+            </a:r>
+            <a:r>
+              <a:rPr lang="en-US" altLang="en-US" sz="1000" smtClean="0">
+                <a:ea typeface="MS PGothic" panose="020B0600070205080204" pitchFamily="34" charset="-128"/>
+              </a:rPr>
+              <a:t>3</a:t>
+            </a:r>
+            <a:endParaRPr lang="en-GB" altLang="en-US" sz="1000" smtClean="0">
+              <a:ea typeface="MS PGothic" panose="020B0600070205080204" pitchFamily="34" charset="-128"/>
+            </a:endParaRPr>
+          </a:p>
+        </p:txBody>
+      </p:sp>
+    </p:spTree>
+    <p:extLst>
+      <p:ext uri="{BB962C8B-B14F-4D97-AF65-F5344CB8AC3E}">
+        <p14:creationId xmlns:p14="http://schemas.microsoft.com/office/powerpoint/2010/main" val="906760573"/>
+      </p:ext>
+    </p:extLst>
+  </p:cSld>
+  <p:clrMapOvr>
+    <a:overrideClrMapping bg1="lt1" tx1="dk1" bg2="lt2" tx2="dk2" accent1="accent1" accent2="accent2" accent3="accent3" accent4="accent4" accent5="accent5" accent6="accent6" hlink="hlink" folHlink="folHlink"/>
+  </p:clrMapOvr>
+  <p:timing>
+    <p:tnLst>
+      <p:par>
+        <p:cTn id="1" dur="indefinite" restart="never" nodeType="tmRoot"/>
+      </p:par>
+    </p:tnLst>
+  </p:timing>
+</p:sld>
+</file>
+
+<file path=ppt/slides/slide17.xml><?xml version="1.0" encoding="utf-8"?>
+<p:sld xmlns:a="http://schemas.openxmlformats.org/drawingml/2006/main" xmlns:r="http://schemas.openxmlformats.org/officeDocument/2006/relationships" xmlns:p="http://schemas.openxmlformats.org/presentationml/2006/main">
+  <p:cSld>
+    <p:bg>
+      <p:bgPr>
+        <a:solidFill>
+          <a:schemeClr val="bg1"/>
+        </a:solidFill>
+        <a:effectLst/>
+      </p:bgPr>
+    </p:bg>
+    <p:spTree>
+      <p:nvGrpSpPr>
+        <p:cNvPr id="1" name=""/>
+        <p:cNvGrpSpPr/>
+        <p:nvPr/>
+      </p:nvGrpSpPr>
+      <p:grpSpPr>
+        <a:xfrm>
+          <a:off x="0" y="0"/>
+          <a:ext cx="0" cy="0"/>
+          <a:chOff x="0" y="0"/>
+          <a:chExt cx="0" cy="0"/>
+        </a:xfrm>
+      </p:grpSpPr>
+      <p:sp>
+        <p:nvSpPr>
+          <p:cNvPr id="11266" name="Rectangle 2"/>
+          <p:cNvSpPr>
+            <a:spLocks noGrp="1" noChangeArrowheads="1"/>
+          </p:cNvSpPr>
+          <p:nvPr>
+            <p:ph type="title"/>
+          </p:nvPr>
+        </p:nvSpPr>
+        <p:spPr>
+          <a:xfrm>
+            <a:off x="0" y="0"/>
+            <a:ext cx="9144000" cy="721210"/>
+          </a:xfrm>
+        </p:spPr>
+        <p:txBody>
+          <a:bodyPr/>
+          <a:lstStyle/>
+          <a:p>
+            <a:pPr algn="ctr"/>
+            <a:r>
+              <a:rPr lang="en-US" altLang="zh-CN" sz="3200" dirty="0"/>
+              <a:t>Finding Bugs</a:t>
+            </a:r>
+            <a:endParaRPr lang="zh-CN" altLang="en-US" sz="2000" dirty="0" smtClean="0"/>
+          </a:p>
+        </p:txBody>
+      </p:sp>
+      <p:sp>
+        <p:nvSpPr>
+          <p:cNvPr id="11267" name="Rectangle 3"/>
+          <p:cNvSpPr>
+            <a:spLocks noGrp="1" noChangeArrowheads="1"/>
+          </p:cNvSpPr>
+          <p:nvPr>
+            <p:ph type="body" sz="half" idx="1"/>
+          </p:nvPr>
+        </p:nvSpPr>
+        <p:spPr>
+          <a:xfrm>
+            <a:off x="609599" y="1447800"/>
+            <a:ext cx="8177213" cy="4572000"/>
+          </a:xfrm>
+        </p:spPr>
+        <p:txBody>
+          <a:bodyPr/>
+          <a:lstStyle/>
+          <a:p>
+            <a:pPr algn="just">
+              <a:lnSpc>
+                <a:spcPct val="115000"/>
+              </a:lnSpc>
+            </a:pPr>
+            <a:r>
+              <a:rPr lang="en-US" altLang="zh-CN" sz="3200" dirty="0"/>
+              <a:t>Use a trained classifier to identify bugs (</a:t>
+            </a:r>
+            <a:r>
+              <a:rPr lang="en-US" altLang="zh-CN" sz="1600" dirty="0"/>
+              <a:t>python3 python/BugFind.py </a:t>
+            </a:r>
+            <a:r>
+              <a:rPr lang="en-US" altLang="zh-CN" sz="1600" dirty="0" err="1"/>
+              <a:t>SwappedArgs</a:t>
+            </a:r>
+            <a:r>
+              <a:rPr lang="en-US" altLang="zh-CN" sz="1600" dirty="0"/>
+              <a:t> 0.95 --load model </a:t>
+            </a:r>
+            <a:r>
+              <a:rPr lang="en-US" altLang="zh-CN" sz="1600" dirty="0" err="1"/>
+              <a:t>token_to_vector.json</a:t>
+            </a:r>
+            <a:r>
+              <a:rPr lang="en-US" altLang="zh-CN" sz="1600" dirty="0"/>
+              <a:t> </a:t>
+            </a:r>
+            <a:r>
+              <a:rPr lang="en-US" altLang="zh-CN" sz="1600" dirty="0" err="1"/>
+              <a:t>type_to_vector.json</a:t>
+            </a:r>
+            <a:r>
+              <a:rPr lang="en-US" altLang="zh-CN" sz="1600" dirty="0"/>
+              <a:t> </a:t>
+            </a:r>
+            <a:r>
+              <a:rPr lang="en-US" altLang="zh-CN" sz="1600" dirty="0" err="1"/>
+              <a:t>node_type_to_vector.json</a:t>
+            </a:r>
+            <a:r>
+              <a:rPr lang="en-US" altLang="zh-CN" sz="1600" dirty="0"/>
+              <a:t> --</a:t>
+            </a:r>
+            <a:r>
+              <a:rPr lang="en-US" altLang="zh-CN" sz="1600" dirty="0" err="1"/>
+              <a:t>newData</a:t>
+            </a:r>
+            <a:r>
+              <a:rPr lang="en-US" altLang="zh-CN" sz="1600" dirty="0"/>
+              <a:t> </a:t>
+            </a:r>
+            <a:r>
+              <a:rPr lang="en-US" altLang="zh-CN" sz="1600" dirty="0" err="1"/>
+              <a:t>calls.json</a:t>
+            </a:r>
+            <a:r>
+              <a:rPr lang="en-US" altLang="zh-CN" sz="3200" dirty="0"/>
+              <a:t>):</a:t>
+            </a:r>
+          </a:p>
+          <a:p>
+            <a:pPr marL="0" indent="0" algn="just">
+              <a:lnSpc>
+                <a:spcPct val="115000"/>
+              </a:lnSpc>
+              <a:buNone/>
+            </a:pPr>
+            <a:endParaRPr lang="en-US" altLang="zh-CN" sz="1600" dirty="0" smtClean="0"/>
+          </a:p>
+          <a:p>
+            <a:pPr marL="0" indent="0" algn="just">
+              <a:lnSpc>
+                <a:spcPct val="115000"/>
+              </a:lnSpc>
+              <a:buNone/>
+            </a:pPr>
+            <a:endParaRPr lang="en-US" altLang="zh-CN" sz="1600" dirty="0"/>
+          </a:p>
+          <a:p>
+            <a:pPr marL="0" indent="0" algn="just">
+              <a:lnSpc>
+                <a:spcPct val="115000"/>
+              </a:lnSpc>
+              <a:buNone/>
+            </a:pPr>
+            <a:endParaRPr lang="en-US" altLang="zh-CN" sz="1600" dirty="0" smtClean="0"/>
+          </a:p>
+          <a:p>
+            <a:pPr marL="231775" indent="-231775" algn="just">
+              <a:lnSpc>
+                <a:spcPct val="115000"/>
+              </a:lnSpc>
+              <a:buFont typeface="Wingdings" pitchFamily="2" charset="2"/>
+              <a:buNone/>
+            </a:pPr>
+            <a:endParaRPr lang="zh-CN" altLang="en-US" dirty="0" smtClean="0"/>
+          </a:p>
+        </p:txBody>
+      </p:sp>
+      <p:sp>
+        <p:nvSpPr>
+          <p:cNvPr id="11268" name="Date Placeholder 4"/>
+          <p:cNvSpPr>
+            <a:spLocks noGrp="1"/>
+          </p:cNvSpPr>
+          <p:nvPr>
+            <p:ph type="dt" sz="quarter" idx="10"/>
+          </p:nvPr>
+        </p:nvSpPr>
+        <p:spPr>
+          <a:noFill/>
+          <a:ln/>
+          <a:extLst>
+            <a:ext uri="{909E8E84-426E-40DD-AFC4-6F175D3DCCD1}">
+              <a14:hiddenFill xmlns:a14="http://schemas.microsoft.com/office/drawing/2010/main">
+                <a:solidFill>
+                  <a:srgbClr val="FFFFFF"/>
+                </a:solidFill>
+              </a14:hiddenFill>
+            </a:ext>
+            <a:ext uri="{91240B29-F687-4F45-9708-019B960494DF}">
+              <a14:hiddenLine xmlns:a14="http://schemas.microsoft.com/office/drawing/2010/main" w="9525">
+                <a:solidFill>
+                  <a:srgbClr val="000000"/>
+                </a:solidFill>
+                <a:miter lim="800000"/>
+                <a:headEnd/>
+                <a:tailEnd/>
+              </a14:hiddenLine>
+            </a:ext>
+          </a:extLst>
+        </p:spPr>
+        <p:txBody>
+          <a:bodyPr/>
+          <a:lstStyle>
+            <a:lvl1pPr>
+              <a:lnSpc>
+                <a:spcPct val="120000"/>
+              </a:lnSpc>
+              <a:spcBef>
+                <a:spcPct val="20000"/>
+              </a:spcBef>
+              <a:spcAft>
+                <a:spcPct val="20000"/>
+              </a:spcAft>
+              <a:buClr>
+                <a:srgbClr val="990000"/>
+              </a:buClr>
+              <a:buSzPct val="85000"/>
+              <a:buFont typeface="Wingdings" panose="05000000000000000000" pitchFamily="2" charset="2"/>
+              <a:buChar char="l"/>
+              <a:defRPr sz="1700">
+                <a:solidFill>
+                  <a:schemeClr val="tx1"/>
+                </a:solidFill>
+                <a:latin typeface="FrutigerNext LT Medium" pitchFamily="34" charset="0"/>
+                <a:ea typeface="宋体" panose="02010600030101010101" pitchFamily="2" charset="-122"/>
+              </a:defRPr>
+            </a:lvl1pPr>
+            <a:lvl2pPr marL="742950" indent="-285750">
+              <a:lnSpc>
+                <a:spcPct val="120000"/>
+              </a:lnSpc>
+              <a:spcBef>
+                <a:spcPct val="20000"/>
+              </a:spcBef>
+              <a:spcAft>
+                <a:spcPct val="20000"/>
+              </a:spcAft>
+              <a:buClr>
+                <a:srgbClr val="5F5F5F"/>
+              </a:buClr>
+              <a:buFont typeface="Wingdings 3" panose="05040102010807070707" pitchFamily="18" charset="2"/>
+              <a:buChar char="["/>
+              <a:defRPr sz="1700">
+                <a:solidFill>
+                  <a:schemeClr val="tx1"/>
+                </a:solidFill>
+                <a:latin typeface="FrutigerNext LT Medium" pitchFamily="34" charset="0"/>
+                <a:ea typeface="宋体" panose="02010600030101010101" pitchFamily="2" charset="-122"/>
+              </a:defRPr>
+            </a:lvl2pPr>
+            <a:lvl3pPr marL="1143000" indent="-228600">
+              <a:lnSpc>
+                <a:spcPct val="120000"/>
+              </a:lnSpc>
+              <a:spcBef>
+                <a:spcPct val="20000"/>
+              </a:spcBef>
+              <a:spcAft>
+                <a:spcPct val="20000"/>
+              </a:spcAft>
+              <a:buClr>
+                <a:schemeClr val="tx1"/>
+              </a:buClr>
+              <a:buFont typeface="Arial" panose="020B0604020202020204" pitchFamily="34" charset="0"/>
+              <a:buChar char="−"/>
+              <a:defRPr sz="1700">
+                <a:solidFill>
+                  <a:schemeClr val="tx1"/>
+                </a:solidFill>
+                <a:latin typeface="FrutigerNext LT Medium" pitchFamily="34" charset="0"/>
+                <a:ea typeface="宋体" panose="02010600030101010101" pitchFamily="2" charset="-122"/>
+              </a:defRPr>
+            </a:lvl3pPr>
+            <a:lvl4pPr marL="1600200" indent="-228600">
+              <a:lnSpc>
+                <a:spcPct val="120000"/>
+              </a:lnSpc>
+              <a:spcBef>
+                <a:spcPct val="20000"/>
+              </a:spcBef>
+              <a:spcAft>
+                <a:spcPct val="20000"/>
+              </a:spcAft>
+              <a:buClr>
+                <a:schemeClr val="tx1"/>
+              </a:buClr>
+              <a:buFont typeface="Arial" panose="020B0604020202020204" pitchFamily="34" charset="0"/>
+              <a:buChar char="▪"/>
+              <a:defRPr sz="1700">
+                <a:solidFill>
+                  <a:schemeClr val="tx1"/>
+                </a:solidFill>
+                <a:latin typeface="FrutigerNext LT Medium" pitchFamily="34" charset="0"/>
+                <a:ea typeface="宋体" panose="02010600030101010101" pitchFamily="2" charset="-122"/>
+              </a:defRPr>
+            </a:lvl4pPr>
+            <a:lvl5pPr marL="2057400" indent="-228600">
+              <a:spcBef>
+                <a:spcPct val="20000"/>
+              </a:spcBef>
+              <a:buChar char="»"/>
+              <a:defRPr sz="1700">
+                <a:solidFill>
+                  <a:schemeClr val="tx1"/>
+                </a:solidFill>
+                <a:latin typeface="Arial" panose="020B0604020202020204" pitchFamily="34" charset="0"/>
+                <a:ea typeface="宋体" panose="02010600030101010101" pitchFamily="2" charset="-122"/>
+              </a:defRPr>
+            </a:lvl5pPr>
+            <a:lvl6pPr marL="2514600" indent="-228600" eaLnBrk="0" fontAlgn="base" hangingPunct="0">
+              <a:spcBef>
+                <a:spcPct val="20000"/>
+              </a:spcBef>
+              <a:spcAft>
+                <a:spcPct val="0"/>
+              </a:spcAft>
+              <a:buChar char="»"/>
+              <a:defRPr sz="1700">
+                <a:solidFill>
+                  <a:schemeClr val="tx1"/>
+                </a:solidFill>
+                <a:latin typeface="Arial" panose="020B0604020202020204" pitchFamily="34" charset="0"/>
+                <a:ea typeface="宋体" panose="02010600030101010101" pitchFamily="2" charset="-122"/>
+              </a:defRPr>
+            </a:lvl6pPr>
+            <a:lvl7pPr marL="2971800" indent="-228600" eaLnBrk="0" fontAlgn="base" hangingPunct="0">
+              <a:spcBef>
+                <a:spcPct val="20000"/>
+              </a:spcBef>
+              <a:spcAft>
+                <a:spcPct val="0"/>
+              </a:spcAft>
+              <a:buChar char="»"/>
+              <a:defRPr sz="1700">
+                <a:solidFill>
+                  <a:schemeClr val="tx1"/>
+                </a:solidFill>
+                <a:latin typeface="Arial" panose="020B0604020202020204" pitchFamily="34" charset="0"/>
+                <a:ea typeface="宋体" panose="02010600030101010101" pitchFamily="2" charset="-122"/>
+              </a:defRPr>
+            </a:lvl7pPr>
+            <a:lvl8pPr marL="3429000" indent="-228600" eaLnBrk="0" fontAlgn="base" hangingPunct="0">
+              <a:spcBef>
+                <a:spcPct val="20000"/>
+              </a:spcBef>
+              <a:spcAft>
+                <a:spcPct val="0"/>
+              </a:spcAft>
+              <a:buChar char="»"/>
+              <a:defRPr sz="1700">
+                <a:solidFill>
+                  <a:schemeClr val="tx1"/>
+                </a:solidFill>
+                <a:latin typeface="Arial" panose="020B0604020202020204" pitchFamily="34" charset="0"/>
+                <a:ea typeface="宋体" panose="02010600030101010101" pitchFamily="2" charset="-122"/>
+              </a:defRPr>
+            </a:lvl8pPr>
+            <a:lvl9pPr marL="3886200" indent="-228600" eaLnBrk="0" fontAlgn="base" hangingPunct="0">
+              <a:spcBef>
+                <a:spcPct val="20000"/>
+              </a:spcBef>
+              <a:spcAft>
+                <a:spcPct val="0"/>
+              </a:spcAft>
+              <a:buChar char="»"/>
+              <a:defRPr sz="1700">
+                <a:solidFill>
+                  <a:schemeClr val="tx1"/>
+                </a:solidFill>
+                <a:latin typeface="Arial" panose="020B0604020202020204" pitchFamily="34" charset="0"/>
+                <a:ea typeface="宋体" panose="02010600030101010101" pitchFamily="2" charset="-122"/>
+              </a:defRPr>
+            </a:lvl9pPr>
+          </a:lstStyle>
+          <a:p>
+            <a:pPr>
+              <a:lnSpc>
+                <a:spcPct val="85000"/>
+              </a:lnSpc>
+              <a:spcBef>
+                <a:spcPct val="0"/>
+              </a:spcBef>
+              <a:spcAft>
+                <a:spcPct val="0"/>
+              </a:spcAft>
+              <a:buClrTx/>
+              <a:buSzTx/>
+              <a:buFontTx/>
+              <a:buNone/>
+            </a:pPr>
+            <a:endParaRPr lang="de-DE" altLang="en-US" sz="1000" smtClean="0">
+              <a:ea typeface="MS PGothic" panose="020B0600070205080204" pitchFamily="34" charset="-128"/>
+            </a:endParaRPr>
+          </a:p>
+          <a:p>
+            <a:pPr>
+              <a:lnSpc>
+                <a:spcPct val="85000"/>
+              </a:lnSpc>
+              <a:spcBef>
+                <a:spcPct val="0"/>
+              </a:spcBef>
+              <a:spcAft>
+                <a:spcPct val="0"/>
+              </a:spcAft>
+              <a:buClrTx/>
+              <a:buSzTx/>
+              <a:buFontTx/>
+              <a:buNone/>
+            </a:pPr>
+            <a:r>
+              <a:rPr lang="de-DE" altLang="en-US" sz="1000" smtClean="0">
+                <a:ea typeface="MS PGothic" panose="020B0600070205080204" pitchFamily="34" charset="-128"/>
+              </a:rPr>
+              <a:t>Page </a:t>
+            </a:r>
+            <a:fld id="{86532620-EE16-4692-A7FF-47162C7E0C8F}" type="slidenum">
+              <a:rPr lang="de-DE" altLang="en-US" sz="1000" smtClean="0">
+                <a:ea typeface="MS PGothic" panose="020B0600070205080204" pitchFamily="34" charset="-128"/>
+              </a:rPr>
+              <a:pPr>
+                <a:lnSpc>
+                  <a:spcPct val="85000"/>
+                </a:lnSpc>
+                <a:spcBef>
+                  <a:spcPct val="0"/>
+                </a:spcBef>
+                <a:spcAft>
+                  <a:spcPct val="0"/>
+                </a:spcAft>
+                <a:buClrTx/>
+                <a:buSzTx/>
+                <a:buFontTx/>
+                <a:buNone/>
+              </a:pPr>
+              <a:t>17</a:t>
+            </a:fld>
+            <a:r>
+              <a:rPr lang="ru-RU" altLang="en-US" sz="1000" smtClean="0">
+                <a:ea typeface="MS PGothic" panose="020B0600070205080204" pitchFamily="34" charset="-128"/>
+              </a:rPr>
+              <a:t>/1</a:t>
+            </a:r>
+            <a:r>
+              <a:rPr lang="en-US" altLang="en-US" sz="1000" smtClean="0">
+                <a:ea typeface="MS PGothic" panose="020B0600070205080204" pitchFamily="34" charset="-128"/>
+              </a:rPr>
+              <a:t>3</a:t>
+            </a:r>
+            <a:endParaRPr lang="en-GB" altLang="en-US" sz="1000" smtClean="0">
+              <a:ea typeface="MS PGothic" panose="020B0600070205080204" pitchFamily="34" charset="-128"/>
+            </a:endParaRPr>
+          </a:p>
+        </p:txBody>
+      </p:sp>
+    </p:spTree>
+    <p:extLst>
+      <p:ext uri="{BB962C8B-B14F-4D97-AF65-F5344CB8AC3E}">
+        <p14:creationId xmlns:p14="http://schemas.microsoft.com/office/powerpoint/2010/main" val="198639998"/>
+      </p:ext>
+    </p:extLst>
+  </p:cSld>
+  <p:clrMapOvr>
+    <a:overrideClrMapping bg1="lt1" tx1="dk1" bg2="lt2" tx2="dk2" accent1="accent1" accent2="accent2" accent3="accent3" accent4="accent4" accent5="accent5" accent6="accent6" hlink="hlink" folHlink="folHlink"/>
+  </p:clrMapOvr>
+  <p:timing>
+    <p:tnLst>
+      <p:par>
+        <p:cTn id="1" dur="indefinite" restart="never" nodeType="tmRoot"/>
+      </p:par>
+    </p:tnLst>
+  </p:timing>
+</p:sld>
+</file>
+
+<file path=ppt/slides/slide18.xml><?xml version="1.0" encoding="utf-8"?>
+<p:sld xmlns:a="http://schemas.openxmlformats.org/drawingml/2006/main" xmlns:r="http://schemas.openxmlformats.org/officeDocument/2006/relationships" xmlns:p="http://schemas.openxmlformats.org/presentationml/2006/main">
+  <p:cSld>
+    <p:bg>
+      <p:bgPr>
+        <a:solidFill>
+          <a:schemeClr val="bg1"/>
+        </a:solidFill>
+        <a:effectLst/>
+      </p:bgPr>
+    </p:bg>
+    <p:spTree>
+      <p:nvGrpSpPr>
+        <p:cNvPr id="1" name=""/>
+        <p:cNvGrpSpPr/>
+        <p:nvPr/>
+      </p:nvGrpSpPr>
+      <p:grpSpPr>
+        <a:xfrm>
+          <a:off x="0" y="0"/>
+          <a:ext cx="0" cy="0"/>
+          <a:chOff x="0" y="0"/>
+          <a:chExt cx="0" cy="0"/>
+        </a:xfrm>
+      </p:grpSpPr>
+      <p:sp>
+        <p:nvSpPr>
+          <p:cNvPr id="11266" name="Rectangle 2"/>
+          <p:cNvSpPr>
+            <a:spLocks noGrp="1" noChangeArrowheads="1"/>
+          </p:cNvSpPr>
+          <p:nvPr>
+            <p:ph type="title"/>
+          </p:nvPr>
+        </p:nvSpPr>
+        <p:spPr>
+          <a:xfrm>
             <a:off x="609600" y="401638"/>
             <a:ext cx="8177213" cy="721210"/>
           </a:xfrm>
@@ -13271,7 +15521,7 @@
                 <a:buFontTx/>
                 <a:buNone/>
               </a:pPr>
-              <a:t>15</a:t>
+              <a:t>18</a:t>
             </a:fld>
             <a:r>
               <a:rPr lang="ru-RU" altLang="en-US" sz="1000" smtClean="0">
@@ -13455,7 +15705,7 @@
 </p:sld>
 </file>
 
-<file path=ppt/slides/slide16.xml><?xml version="1.0" encoding="utf-8"?>
+<file path=ppt/slides/slide19.xml><?xml version="1.0" encoding="utf-8"?>
 <p:sld xmlns:a="http://schemas.openxmlformats.org/drawingml/2006/main" xmlns:r="http://schemas.openxmlformats.org/officeDocument/2006/relationships" xmlns:p="http://schemas.openxmlformats.org/presentationml/2006/main">
   <p:cSld>
     <p:bg>
@@ -13780,7 +16030,7 @@
                 <a:buFontTx/>
                 <a:buNone/>
               </a:pPr>
-              <a:t>16</a:t>
+              <a:t>19</a:t>
             </a:fld>
             <a:r>
               <a:rPr lang="ru-RU" altLang="en-US" sz="1000" smtClean="0">
@@ -13844,7 +16094,1436 @@
 </p:sld>
 </file>
 
-<file path=ppt/slides/slide17.xml><?xml version="1.0" encoding="utf-8"?>
+<file path=ppt/slides/slide2.xml><?xml version="1.0" encoding="utf-8"?>
+<p:sld xmlns:a="http://schemas.openxmlformats.org/drawingml/2006/main" xmlns:r="http://schemas.openxmlformats.org/officeDocument/2006/relationships" xmlns:p="http://schemas.openxmlformats.org/presentationml/2006/main">
+  <p:cSld>
+    <p:spTree>
+      <p:nvGrpSpPr>
+        <p:cNvPr id="1" name=""/>
+        <p:cNvGrpSpPr/>
+        <p:nvPr/>
+      </p:nvGrpSpPr>
+      <p:grpSpPr>
+        <a:xfrm>
+          <a:off x="0" y="0"/>
+          <a:ext cx="0" cy="0"/>
+          <a:chOff x="0" y="0"/>
+          <a:chExt cx="0" cy="0"/>
+        </a:xfrm>
+      </p:grpSpPr>
+      <p:sp>
+        <p:nvSpPr>
+          <p:cNvPr id="7170" name="Date Placeholder 1"/>
+          <p:cNvSpPr>
+            <a:spLocks noGrp="1"/>
+          </p:cNvSpPr>
+          <p:nvPr>
+            <p:ph type="dt" sz="quarter" idx="10"/>
+          </p:nvPr>
+        </p:nvSpPr>
+        <p:spPr>
+          <a:xfrm>
+            <a:off x="5791200" y="6400800"/>
+            <a:ext cx="1057275" cy="293688"/>
+          </a:xfrm>
+          <a:noFill/>
+          <a:ln/>
+          <a:extLst>
+            <a:ext uri="{909E8E84-426E-40DD-AFC4-6F175D3DCCD1}">
+              <a14:hiddenFill xmlns:a14="http://schemas.microsoft.com/office/drawing/2010/main">
+                <a:solidFill>
+                  <a:srgbClr val="FFFFFF"/>
+                </a:solidFill>
+              </a14:hiddenFill>
+            </a:ext>
+            <a:ext uri="{91240B29-F687-4F45-9708-019B960494DF}">
+              <a14:hiddenLine xmlns:a14="http://schemas.microsoft.com/office/drawing/2010/main" w="9525">
+                <a:solidFill>
+                  <a:srgbClr val="000000"/>
+                </a:solidFill>
+                <a:miter lim="800000"/>
+                <a:headEnd/>
+                <a:tailEnd/>
+              </a14:hiddenLine>
+            </a:ext>
+          </a:extLst>
+        </p:spPr>
+        <p:txBody>
+          <a:bodyPr/>
+          <a:lstStyle>
+            <a:lvl1pPr defTabSz="784225">
+              <a:lnSpc>
+                <a:spcPct val="120000"/>
+              </a:lnSpc>
+              <a:spcBef>
+                <a:spcPct val="20000"/>
+              </a:spcBef>
+              <a:spcAft>
+                <a:spcPct val="20000"/>
+              </a:spcAft>
+              <a:buClr>
+                <a:srgbClr val="990000"/>
+              </a:buClr>
+              <a:buSzPct val="85000"/>
+              <a:buFont typeface="Wingdings" panose="05000000000000000000" pitchFamily="2" charset="2"/>
+              <a:buChar char="l"/>
+              <a:defRPr sz="1700">
+                <a:solidFill>
+                  <a:schemeClr val="tx1"/>
+                </a:solidFill>
+                <a:latin typeface="FrutigerNext LT Medium" pitchFamily="34" charset="0"/>
+                <a:ea typeface="宋体" panose="02010600030101010101" pitchFamily="2" charset="-122"/>
+              </a:defRPr>
+            </a:lvl1pPr>
+            <a:lvl2pPr marL="742950" indent="-285750" defTabSz="784225">
+              <a:lnSpc>
+                <a:spcPct val="120000"/>
+              </a:lnSpc>
+              <a:spcBef>
+                <a:spcPct val="20000"/>
+              </a:spcBef>
+              <a:spcAft>
+                <a:spcPct val="20000"/>
+              </a:spcAft>
+              <a:buClr>
+                <a:srgbClr val="5F5F5F"/>
+              </a:buClr>
+              <a:buFont typeface="Wingdings 3" panose="05040102010807070707" pitchFamily="18" charset="2"/>
+              <a:buChar char="["/>
+              <a:defRPr sz="1700">
+                <a:solidFill>
+                  <a:schemeClr val="tx1"/>
+                </a:solidFill>
+                <a:latin typeface="FrutigerNext LT Medium" pitchFamily="34" charset="0"/>
+                <a:ea typeface="宋体" panose="02010600030101010101" pitchFamily="2" charset="-122"/>
+              </a:defRPr>
+            </a:lvl2pPr>
+            <a:lvl3pPr marL="1143000" indent="-228600" defTabSz="784225">
+              <a:lnSpc>
+                <a:spcPct val="120000"/>
+              </a:lnSpc>
+              <a:spcBef>
+                <a:spcPct val="20000"/>
+              </a:spcBef>
+              <a:spcAft>
+                <a:spcPct val="20000"/>
+              </a:spcAft>
+              <a:buClr>
+                <a:schemeClr val="tx1"/>
+              </a:buClr>
+              <a:buFont typeface="Arial" panose="020B0604020202020204" pitchFamily="34" charset="0"/>
+              <a:buChar char="−"/>
+              <a:defRPr sz="1700">
+                <a:solidFill>
+                  <a:schemeClr val="tx1"/>
+                </a:solidFill>
+                <a:latin typeface="FrutigerNext LT Medium" pitchFamily="34" charset="0"/>
+                <a:ea typeface="宋体" panose="02010600030101010101" pitchFamily="2" charset="-122"/>
+              </a:defRPr>
+            </a:lvl3pPr>
+            <a:lvl4pPr marL="1600200" indent="-228600" defTabSz="784225">
+              <a:lnSpc>
+                <a:spcPct val="120000"/>
+              </a:lnSpc>
+              <a:spcBef>
+                <a:spcPct val="20000"/>
+              </a:spcBef>
+              <a:spcAft>
+                <a:spcPct val="20000"/>
+              </a:spcAft>
+              <a:buClr>
+                <a:schemeClr val="tx1"/>
+              </a:buClr>
+              <a:buFont typeface="Arial" panose="020B0604020202020204" pitchFamily="34" charset="0"/>
+              <a:buChar char="▪"/>
+              <a:defRPr sz="1700">
+                <a:solidFill>
+                  <a:schemeClr val="tx1"/>
+                </a:solidFill>
+                <a:latin typeface="FrutigerNext LT Medium" pitchFamily="34" charset="0"/>
+                <a:ea typeface="宋体" panose="02010600030101010101" pitchFamily="2" charset="-122"/>
+              </a:defRPr>
+            </a:lvl4pPr>
+            <a:lvl5pPr marL="2057400" indent="-228600" defTabSz="784225">
+              <a:spcBef>
+                <a:spcPct val="20000"/>
+              </a:spcBef>
+              <a:buChar char="»"/>
+              <a:defRPr sz="1700">
+                <a:solidFill>
+                  <a:schemeClr val="tx1"/>
+                </a:solidFill>
+                <a:latin typeface="Arial" panose="020B0604020202020204" pitchFamily="34" charset="0"/>
+                <a:ea typeface="宋体" panose="02010600030101010101" pitchFamily="2" charset="-122"/>
+              </a:defRPr>
+            </a:lvl5pPr>
+            <a:lvl6pPr marL="2514600" indent="-228600" defTabSz="784225" eaLnBrk="0" fontAlgn="base" hangingPunct="0">
+              <a:spcBef>
+                <a:spcPct val="20000"/>
+              </a:spcBef>
+              <a:spcAft>
+                <a:spcPct val="0"/>
+              </a:spcAft>
+              <a:buChar char="»"/>
+              <a:defRPr sz="1700">
+                <a:solidFill>
+                  <a:schemeClr val="tx1"/>
+                </a:solidFill>
+                <a:latin typeface="Arial" panose="020B0604020202020204" pitchFamily="34" charset="0"/>
+                <a:ea typeface="宋体" panose="02010600030101010101" pitchFamily="2" charset="-122"/>
+              </a:defRPr>
+            </a:lvl6pPr>
+            <a:lvl7pPr marL="2971800" indent="-228600" defTabSz="784225" eaLnBrk="0" fontAlgn="base" hangingPunct="0">
+              <a:spcBef>
+                <a:spcPct val="20000"/>
+              </a:spcBef>
+              <a:spcAft>
+                <a:spcPct val="0"/>
+              </a:spcAft>
+              <a:buChar char="»"/>
+              <a:defRPr sz="1700">
+                <a:solidFill>
+                  <a:schemeClr val="tx1"/>
+                </a:solidFill>
+                <a:latin typeface="Arial" panose="020B0604020202020204" pitchFamily="34" charset="0"/>
+                <a:ea typeface="宋体" panose="02010600030101010101" pitchFamily="2" charset="-122"/>
+              </a:defRPr>
+            </a:lvl7pPr>
+            <a:lvl8pPr marL="3429000" indent="-228600" defTabSz="784225" eaLnBrk="0" fontAlgn="base" hangingPunct="0">
+              <a:spcBef>
+                <a:spcPct val="20000"/>
+              </a:spcBef>
+              <a:spcAft>
+                <a:spcPct val="0"/>
+              </a:spcAft>
+              <a:buChar char="»"/>
+              <a:defRPr sz="1700">
+                <a:solidFill>
+                  <a:schemeClr val="tx1"/>
+                </a:solidFill>
+                <a:latin typeface="Arial" panose="020B0604020202020204" pitchFamily="34" charset="0"/>
+                <a:ea typeface="宋体" panose="02010600030101010101" pitchFamily="2" charset="-122"/>
+              </a:defRPr>
+            </a:lvl8pPr>
+            <a:lvl9pPr marL="3886200" indent="-228600" defTabSz="784225" eaLnBrk="0" fontAlgn="base" hangingPunct="0">
+              <a:spcBef>
+                <a:spcPct val="20000"/>
+              </a:spcBef>
+              <a:spcAft>
+                <a:spcPct val="0"/>
+              </a:spcAft>
+              <a:buChar char="»"/>
+              <a:defRPr sz="1700">
+                <a:solidFill>
+                  <a:schemeClr val="tx1"/>
+                </a:solidFill>
+                <a:latin typeface="Arial" panose="020B0604020202020204" pitchFamily="34" charset="0"/>
+                <a:ea typeface="宋体" panose="02010600030101010101" pitchFamily="2" charset="-122"/>
+              </a:defRPr>
+            </a:lvl9pPr>
+          </a:lstStyle>
+          <a:p>
+            <a:pPr>
+              <a:lnSpc>
+                <a:spcPct val="85000"/>
+              </a:lnSpc>
+              <a:spcBef>
+                <a:spcPct val="0"/>
+              </a:spcBef>
+              <a:spcAft>
+                <a:spcPct val="0"/>
+              </a:spcAft>
+              <a:buClrTx/>
+              <a:buSzTx/>
+              <a:buFontTx/>
+              <a:buNone/>
+            </a:pPr>
+            <a:endParaRPr lang="de-DE" altLang="en-US" sz="1000" smtClean="0">
+              <a:ea typeface="MS PGothic" panose="020B0600070205080204" pitchFamily="34" charset="-128"/>
+            </a:endParaRPr>
+          </a:p>
+          <a:p>
+            <a:pPr>
+              <a:lnSpc>
+                <a:spcPct val="85000"/>
+              </a:lnSpc>
+              <a:spcBef>
+                <a:spcPct val="0"/>
+              </a:spcBef>
+              <a:spcAft>
+                <a:spcPct val="0"/>
+              </a:spcAft>
+              <a:buClrTx/>
+              <a:buSzTx/>
+              <a:buFontTx/>
+              <a:buNone/>
+            </a:pPr>
+            <a:r>
+              <a:rPr lang="de-DE" altLang="en-US" sz="1000" smtClean="0">
+                <a:ea typeface="MS PGothic" panose="020B0600070205080204" pitchFamily="34" charset="-128"/>
+              </a:rPr>
+              <a:t>Page </a:t>
+            </a:r>
+            <a:fld id="{B6BFD750-1F0A-43AC-B090-74F4A9F75C1D}" type="slidenum">
+              <a:rPr lang="de-DE" altLang="en-US" sz="1000" smtClean="0">
+                <a:ea typeface="MS PGothic" panose="020B0600070205080204" pitchFamily="34" charset="-128"/>
+              </a:rPr>
+              <a:pPr>
+                <a:lnSpc>
+                  <a:spcPct val="85000"/>
+                </a:lnSpc>
+                <a:spcBef>
+                  <a:spcPct val="0"/>
+                </a:spcBef>
+                <a:spcAft>
+                  <a:spcPct val="0"/>
+                </a:spcAft>
+                <a:buClrTx/>
+                <a:buSzTx/>
+                <a:buFontTx/>
+                <a:buNone/>
+              </a:pPr>
+              <a:t>2</a:t>
+            </a:fld>
+            <a:r>
+              <a:rPr lang="ru-RU" altLang="en-US" sz="1000" smtClean="0">
+                <a:ea typeface="MS PGothic" panose="020B0600070205080204" pitchFamily="34" charset="-128"/>
+              </a:rPr>
+              <a:t>/</a:t>
+            </a:r>
+            <a:r>
+              <a:rPr lang="en-US" altLang="en-US" sz="1000" smtClean="0">
+                <a:ea typeface="MS PGothic" panose="020B0600070205080204" pitchFamily="34" charset="-128"/>
+              </a:rPr>
+              <a:t>13</a:t>
+            </a:r>
+            <a:endParaRPr lang="en-GB" altLang="en-US" sz="1000" smtClean="0">
+              <a:ea typeface="MS PGothic" panose="020B0600070205080204" pitchFamily="34" charset="-128"/>
+            </a:endParaRPr>
+          </a:p>
+        </p:txBody>
+      </p:sp>
+      <p:sp>
+        <p:nvSpPr>
+          <p:cNvPr id="7171" name="AutoShape 16"/>
+          <p:cNvSpPr>
+            <a:spLocks noChangeArrowheads="1"/>
+          </p:cNvSpPr>
+          <p:nvPr/>
+        </p:nvSpPr>
+        <p:spPr bwMode="auto">
+          <a:xfrm>
+            <a:off x="2362200" y="1905000"/>
+            <a:ext cx="6477000" cy="3962400"/>
+          </a:xfrm>
+          <a:prstGeom prst="roundRect">
+            <a:avLst>
+              <a:gd name="adj" fmla="val 5935"/>
+            </a:avLst>
+          </a:prstGeom>
+          <a:gradFill rotWithShape="1">
+            <a:gsLst>
+              <a:gs pos="0">
+                <a:srgbClr val="DDDDDD"/>
+              </a:gs>
+              <a:gs pos="50000">
+                <a:srgbClr val="F5F5F5"/>
+              </a:gs>
+              <a:gs pos="100000">
+                <a:srgbClr val="DDDDDD"/>
+              </a:gs>
+            </a:gsLst>
+            <a:lin ang="18900000" scaled="1"/>
+          </a:gradFill>
+          <a:ln>
+            <a:noFill/>
+          </a:ln>
+          <a:extLst>
+            <a:ext uri="{91240B29-F687-4F45-9708-019B960494DF}">
+              <a14:hiddenLine xmlns:a14="http://schemas.microsoft.com/office/drawing/2010/main" w="9525">
+                <a:solidFill>
+                  <a:srgbClr val="000000"/>
+                </a:solidFill>
+                <a:round/>
+                <a:headEnd/>
+                <a:tailEnd/>
+              </a14:hiddenLine>
+            </a:ext>
+          </a:extLst>
+        </p:spPr>
+        <p:txBody>
+          <a:bodyPr wrap="none" anchor="ctr"/>
+          <a:lstStyle>
+            <a:lvl1pPr>
+              <a:lnSpc>
+                <a:spcPct val="120000"/>
+              </a:lnSpc>
+              <a:spcBef>
+                <a:spcPct val="20000"/>
+              </a:spcBef>
+              <a:spcAft>
+                <a:spcPct val="20000"/>
+              </a:spcAft>
+              <a:buClr>
+                <a:srgbClr val="990000"/>
+              </a:buClr>
+              <a:buSzPct val="85000"/>
+              <a:buFont typeface="Wingdings" panose="05000000000000000000" pitchFamily="2" charset="2"/>
+              <a:buChar char="l"/>
+              <a:defRPr sz="1700">
+                <a:solidFill>
+                  <a:schemeClr val="tx1"/>
+                </a:solidFill>
+                <a:latin typeface="FrutigerNext LT Medium" pitchFamily="34" charset="0"/>
+                <a:ea typeface="宋体" panose="02010600030101010101" pitchFamily="2" charset="-122"/>
+              </a:defRPr>
+            </a:lvl1pPr>
+            <a:lvl2pPr marL="742950" indent="-285750">
+              <a:lnSpc>
+                <a:spcPct val="120000"/>
+              </a:lnSpc>
+              <a:spcBef>
+                <a:spcPct val="20000"/>
+              </a:spcBef>
+              <a:spcAft>
+                <a:spcPct val="20000"/>
+              </a:spcAft>
+              <a:buClr>
+                <a:srgbClr val="5F5F5F"/>
+              </a:buClr>
+              <a:buFont typeface="Wingdings 3" panose="05040102010807070707" pitchFamily="18" charset="2"/>
+              <a:buChar char="["/>
+              <a:defRPr sz="1700">
+                <a:solidFill>
+                  <a:schemeClr val="tx1"/>
+                </a:solidFill>
+                <a:latin typeface="FrutigerNext LT Medium" pitchFamily="34" charset="0"/>
+                <a:ea typeface="宋体" panose="02010600030101010101" pitchFamily="2" charset="-122"/>
+              </a:defRPr>
+            </a:lvl2pPr>
+            <a:lvl3pPr marL="1143000" indent="-228600">
+              <a:lnSpc>
+                <a:spcPct val="120000"/>
+              </a:lnSpc>
+              <a:spcBef>
+                <a:spcPct val="20000"/>
+              </a:spcBef>
+              <a:spcAft>
+                <a:spcPct val="20000"/>
+              </a:spcAft>
+              <a:buClr>
+                <a:schemeClr val="tx1"/>
+              </a:buClr>
+              <a:buFont typeface="Arial" panose="020B0604020202020204" pitchFamily="34" charset="0"/>
+              <a:buChar char="−"/>
+              <a:defRPr sz="1700">
+                <a:solidFill>
+                  <a:schemeClr val="tx1"/>
+                </a:solidFill>
+                <a:latin typeface="FrutigerNext LT Medium" pitchFamily="34" charset="0"/>
+                <a:ea typeface="宋体" panose="02010600030101010101" pitchFamily="2" charset="-122"/>
+              </a:defRPr>
+            </a:lvl3pPr>
+            <a:lvl4pPr marL="1600200" indent="-228600">
+              <a:lnSpc>
+                <a:spcPct val="120000"/>
+              </a:lnSpc>
+              <a:spcBef>
+                <a:spcPct val="20000"/>
+              </a:spcBef>
+              <a:spcAft>
+                <a:spcPct val="20000"/>
+              </a:spcAft>
+              <a:buClr>
+                <a:schemeClr val="tx1"/>
+              </a:buClr>
+              <a:buFont typeface="Arial" panose="020B0604020202020204" pitchFamily="34" charset="0"/>
+              <a:buChar char="▪"/>
+              <a:defRPr sz="1700">
+                <a:solidFill>
+                  <a:schemeClr val="tx1"/>
+                </a:solidFill>
+                <a:latin typeface="FrutigerNext LT Medium" pitchFamily="34" charset="0"/>
+                <a:ea typeface="宋体" panose="02010600030101010101" pitchFamily="2" charset="-122"/>
+              </a:defRPr>
+            </a:lvl4pPr>
+            <a:lvl5pPr marL="2057400" indent="-228600">
+              <a:spcBef>
+                <a:spcPct val="20000"/>
+              </a:spcBef>
+              <a:buChar char="»"/>
+              <a:defRPr sz="1700">
+                <a:solidFill>
+                  <a:schemeClr val="tx1"/>
+                </a:solidFill>
+                <a:latin typeface="Arial" panose="020B0604020202020204" pitchFamily="34" charset="0"/>
+                <a:ea typeface="宋体" panose="02010600030101010101" pitchFamily="2" charset="-122"/>
+              </a:defRPr>
+            </a:lvl5pPr>
+            <a:lvl6pPr marL="2514600" indent="-228600" eaLnBrk="0" fontAlgn="base" hangingPunct="0">
+              <a:spcBef>
+                <a:spcPct val="20000"/>
+              </a:spcBef>
+              <a:spcAft>
+                <a:spcPct val="0"/>
+              </a:spcAft>
+              <a:buChar char="»"/>
+              <a:defRPr sz="1700">
+                <a:solidFill>
+                  <a:schemeClr val="tx1"/>
+                </a:solidFill>
+                <a:latin typeface="Arial" panose="020B0604020202020204" pitchFamily="34" charset="0"/>
+                <a:ea typeface="宋体" panose="02010600030101010101" pitchFamily="2" charset="-122"/>
+              </a:defRPr>
+            </a:lvl6pPr>
+            <a:lvl7pPr marL="2971800" indent="-228600" eaLnBrk="0" fontAlgn="base" hangingPunct="0">
+              <a:spcBef>
+                <a:spcPct val="20000"/>
+              </a:spcBef>
+              <a:spcAft>
+                <a:spcPct val="0"/>
+              </a:spcAft>
+              <a:buChar char="»"/>
+              <a:defRPr sz="1700">
+                <a:solidFill>
+                  <a:schemeClr val="tx1"/>
+                </a:solidFill>
+                <a:latin typeface="Arial" panose="020B0604020202020204" pitchFamily="34" charset="0"/>
+                <a:ea typeface="宋体" panose="02010600030101010101" pitchFamily="2" charset="-122"/>
+              </a:defRPr>
+            </a:lvl7pPr>
+            <a:lvl8pPr marL="3429000" indent="-228600" eaLnBrk="0" fontAlgn="base" hangingPunct="0">
+              <a:spcBef>
+                <a:spcPct val="20000"/>
+              </a:spcBef>
+              <a:spcAft>
+                <a:spcPct val="0"/>
+              </a:spcAft>
+              <a:buChar char="»"/>
+              <a:defRPr sz="1700">
+                <a:solidFill>
+                  <a:schemeClr val="tx1"/>
+                </a:solidFill>
+                <a:latin typeface="Arial" panose="020B0604020202020204" pitchFamily="34" charset="0"/>
+                <a:ea typeface="宋体" panose="02010600030101010101" pitchFamily="2" charset="-122"/>
+              </a:defRPr>
+            </a:lvl8pPr>
+            <a:lvl9pPr marL="3886200" indent="-228600" eaLnBrk="0" fontAlgn="base" hangingPunct="0">
+              <a:spcBef>
+                <a:spcPct val="20000"/>
+              </a:spcBef>
+              <a:spcAft>
+                <a:spcPct val="0"/>
+              </a:spcAft>
+              <a:buChar char="»"/>
+              <a:defRPr sz="1700">
+                <a:solidFill>
+                  <a:schemeClr val="tx1"/>
+                </a:solidFill>
+                <a:latin typeface="Arial" panose="020B0604020202020204" pitchFamily="34" charset="0"/>
+                <a:ea typeface="宋体" panose="02010600030101010101" pitchFamily="2" charset="-122"/>
+              </a:defRPr>
+            </a:lvl9pPr>
+          </a:lstStyle>
+          <a:p>
+            <a:pPr eaLnBrk="1" hangingPunct="1">
+              <a:lnSpc>
+                <a:spcPct val="100000"/>
+              </a:lnSpc>
+              <a:spcBef>
+                <a:spcPct val="0"/>
+              </a:spcBef>
+              <a:spcAft>
+                <a:spcPct val="0"/>
+              </a:spcAft>
+              <a:buClrTx/>
+              <a:buSzTx/>
+              <a:buFontTx/>
+              <a:buNone/>
+            </a:pPr>
+            <a:endParaRPr lang="ru-RU" altLang="en-US" sz="1800">
+              <a:latin typeface="Arial" panose="020B0604020202020204" pitchFamily="34" charset="0"/>
+            </a:endParaRPr>
+          </a:p>
+        </p:txBody>
+      </p:sp>
+      <p:pic>
+        <p:nvPicPr>
+          <p:cNvPr id="7172" name="Picture 5" descr="094"/>
+          <p:cNvPicPr>
+            <a:picLocks noChangeAspect="1" noChangeArrowheads="1"/>
+          </p:cNvPicPr>
+          <p:nvPr/>
+        </p:nvPicPr>
+        <p:blipFill>
+          <a:blip r:embed="rId2" cstate="print">
+            <a:extLst>
+              <a:ext uri="{28A0092B-C50C-407E-A947-70E740481C1C}">
+                <a14:useLocalDpi xmlns:a14="http://schemas.microsoft.com/office/drawing/2010/main" val="0"/>
+              </a:ext>
+            </a:extLst>
+          </a:blip>
+          <a:srcRect/>
+          <a:stretch>
+            <a:fillRect/>
+          </a:stretch>
+        </p:blipFill>
+        <p:spPr bwMode="auto">
+          <a:xfrm>
+            <a:off x="1116013" y="2105025"/>
+            <a:ext cx="1087437" cy="3744913"/>
+          </a:xfrm>
+          <a:prstGeom prst="rect">
+            <a:avLst/>
+          </a:prstGeom>
+          <a:noFill/>
+          <a:ln>
+            <a:noFill/>
+          </a:ln>
+          <a:extLst>
+            <a:ext uri="{909E8E84-426E-40DD-AFC4-6F175D3DCCD1}">
+              <a14:hiddenFill xmlns:a14="http://schemas.microsoft.com/office/drawing/2010/main">
+                <a:solidFill>
+                  <a:srgbClr val="FFFFFF"/>
+                </a:solidFill>
+              </a14:hiddenFill>
+            </a:ext>
+            <a:ext uri="{91240B29-F687-4F45-9708-019B960494DF}">
+              <a14:hiddenLine xmlns:a14="http://schemas.microsoft.com/office/drawing/2010/main" w="9525">
+                <a:solidFill>
+                  <a:srgbClr val="000000"/>
+                </a:solidFill>
+                <a:miter lim="800000"/>
+                <a:headEnd/>
+                <a:tailEnd/>
+              </a14:hiddenLine>
+            </a:ext>
+          </a:extLst>
+        </p:spPr>
+      </p:pic>
+      <p:sp>
+        <p:nvSpPr>
+          <p:cNvPr id="7173" name="Line 7"/>
+          <p:cNvSpPr>
+            <a:spLocks noChangeShapeType="1"/>
+          </p:cNvSpPr>
+          <p:nvPr/>
+        </p:nvSpPr>
+        <p:spPr bwMode="auto">
+          <a:xfrm flipV="1">
+            <a:off x="2211388" y="1844675"/>
+            <a:ext cx="0" cy="4103688"/>
+          </a:xfrm>
+          <a:prstGeom prst="line">
+            <a:avLst/>
+          </a:prstGeom>
+          <a:noFill/>
+          <a:ln w="38100" cmpd="dbl">
+            <a:solidFill>
+              <a:srgbClr val="B2B2B2"/>
+            </a:solidFill>
+            <a:round/>
+            <a:headEnd/>
+            <a:tailEnd/>
+          </a:ln>
+          <a:extLst>
+            <a:ext uri="{909E8E84-426E-40DD-AFC4-6F175D3DCCD1}">
+              <a14:hiddenFill xmlns:a14="http://schemas.microsoft.com/office/drawing/2010/main">
+                <a:noFill/>
+              </a14:hiddenFill>
+            </a:ext>
+          </a:extLst>
+        </p:spPr>
+        <p:txBody>
+          <a:bodyPr/>
+          <a:lstStyle/>
+          <a:p>
+            <a:endParaRPr lang="en-US"/>
+          </a:p>
+        </p:txBody>
+      </p:sp>
+      <p:sp>
+        <p:nvSpPr>
+          <p:cNvPr id="7174" name="Line 8"/>
+          <p:cNvSpPr>
+            <a:spLocks noChangeShapeType="1"/>
+          </p:cNvSpPr>
+          <p:nvPr/>
+        </p:nvSpPr>
+        <p:spPr bwMode="auto">
+          <a:xfrm>
+            <a:off x="2211388" y="1844675"/>
+            <a:ext cx="6681787" cy="0"/>
+          </a:xfrm>
+          <a:prstGeom prst="line">
+            <a:avLst/>
+          </a:prstGeom>
+          <a:noFill/>
+          <a:ln w="38100" cmpd="dbl">
+            <a:solidFill>
+              <a:srgbClr val="B2B2B2"/>
+            </a:solidFill>
+            <a:round/>
+            <a:headEnd/>
+            <a:tailEnd/>
+          </a:ln>
+          <a:extLst>
+            <a:ext uri="{909E8E84-426E-40DD-AFC4-6F175D3DCCD1}">
+              <a14:hiddenFill xmlns:a14="http://schemas.microsoft.com/office/drawing/2010/main">
+                <a:noFill/>
+              </a14:hiddenFill>
+            </a:ext>
+          </a:extLst>
+        </p:spPr>
+        <p:txBody>
+          <a:bodyPr/>
+          <a:lstStyle/>
+          <a:p>
+            <a:endParaRPr lang="en-US"/>
+          </a:p>
+        </p:txBody>
+      </p:sp>
+      <p:grpSp>
+        <p:nvGrpSpPr>
+          <p:cNvPr id="7175" name="Group 9"/>
+          <p:cNvGrpSpPr>
+            <a:grpSpLocks/>
+          </p:cNvGrpSpPr>
+          <p:nvPr/>
+        </p:nvGrpSpPr>
+        <p:grpSpPr bwMode="auto">
+          <a:xfrm>
+            <a:off x="2057400" y="1676400"/>
+            <a:ext cx="288925" cy="288925"/>
+            <a:chOff x="1519" y="1843"/>
+            <a:chExt cx="182" cy="182"/>
+          </a:xfrm>
+        </p:grpSpPr>
+        <p:sp>
+          <p:nvSpPr>
+            <p:cNvPr id="7178" name="Oval 10"/>
+            <p:cNvSpPr>
+              <a:spLocks noChangeArrowheads="1"/>
+            </p:cNvSpPr>
+            <p:nvPr/>
+          </p:nvSpPr>
+          <p:spPr bwMode="auto">
+            <a:xfrm>
+              <a:off x="1519" y="1843"/>
+              <a:ext cx="182" cy="182"/>
+            </a:xfrm>
+            <a:prstGeom prst="ellipse">
+              <a:avLst/>
+            </a:prstGeom>
+            <a:solidFill>
+              <a:srgbClr val="DDDDDD"/>
+            </a:solidFill>
+            <a:ln w="9525">
+              <a:solidFill>
+                <a:srgbClr val="B2B2B2"/>
+              </a:solidFill>
+              <a:round/>
+              <a:headEnd/>
+              <a:tailEnd/>
+            </a:ln>
+          </p:spPr>
+          <p:txBody>
+            <a:bodyPr wrap="none" anchor="ctr"/>
+            <a:lstStyle>
+              <a:lvl1pPr>
+                <a:lnSpc>
+                  <a:spcPct val="120000"/>
+                </a:lnSpc>
+                <a:spcBef>
+                  <a:spcPct val="20000"/>
+                </a:spcBef>
+                <a:spcAft>
+                  <a:spcPct val="20000"/>
+                </a:spcAft>
+                <a:buClr>
+                  <a:srgbClr val="990000"/>
+                </a:buClr>
+                <a:buSzPct val="85000"/>
+                <a:buFont typeface="Wingdings" panose="05000000000000000000" pitchFamily="2" charset="2"/>
+                <a:buChar char="l"/>
+                <a:defRPr sz="1700">
+                  <a:solidFill>
+                    <a:schemeClr val="tx1"/>
+                  </a:solidFill>
+                  <a:latin typeface="FrutigerNext LT Medium" pitchFamily="34" charset="0"/>
+                  <a:ea typeface="宋体" panose="02010600030101010101" pitchFamily="2" charset="-122"/>
+                </a:defRPr>
+              </a:lvl1pPr>
+              <a:lvl2pPr marL="742950" indent="-285750">
+                <a:lnSpc>
+                  <a:spcPct val="120000"/>
+                </a:lnSpc>
+                <a:spcBef>
+                  <a:spcPct val="20000"/>
+                </a:spcBef>
+                <a:spcAft>
+                  <a:spcPct val="20000"/>
+                </a:spcAft>
+                <a:buClr>
+                  <a:srgbClr val="5F5F5F"/>
+                </a:buClr>
+                <a:buFont typeface="Wingdings 3" panose="05040102010807070707" pitchFamily="18" charset="2"/>
+                <a:buChar char="["/>
+                <a:defRPr sz="1700">
+                  <a:solidFill>
+                    <a:schemeClr val="tx1"/>
+                  </a:solidFill>
+                  <a:latin typeface="FrutigerNext LT Medium" pitchFamily="34" charset="0"/>
+                  <a:ea typeface="宋体" panose="02010600030101010101" pitchFamily="2" charset="-122"/>
+                </a:defRPr>
+              </a:lvl2pPr>
+              <a:lvl3pPr marL="1143000" indent="-228600">
+                <a:lnSpc>
+                  <a:spcPct val="120000"/>
+                </a:lnSpc>
+                <a:spcBef>
+                  <a:spcPct val="20000"/>
+                </a:spcBef>
+                <a:spcAft>
+                  <a:spcPct val="20000"/>
+                </a:spcAft>
+                <a:buClr>
+                  <a:schemeClr val="tx1"/>
+                </a:buClr>
+                <a:buFont typeface="Arial" panose="020B0604020202020204" pitchFamily="34" charset="0"/>
+                <a:buChar char="−"/>
+                <a:defRPr sz="1700">
+                  <a:solidFill>
+                    <a:schemeClr val="tx1"/>
+                  </a:solidFill>
+                  <a:latin typeface="FrutigerNext LT Medium" pitchFamily="34" charset="0"/>
+                  <a:ea typeface="宋体" panose="02010600030101010101" pitchFamily="2" charset="-122"/>
+                </a:defRPr>
+              </a:lvl3pPr>
+              <a:lvl4pPr marL="1600200" indent="-228600">
+                <a:lnSpc>
+                  <a:spcPct val="120000"/>
+                </a:lnSpc>
+                <a:spcBef>
+                  <a:spcPct val="20000"/>
+                </a:spcBef>
+                <a:spcAft>
+                  <a:spcPct val="20000"/>
+                </a:spcAft>
+                <a:buClr>
+                  <a:schemeClr val="tx1"/>
+                </a:buClr>
+                <a:buFont typeface="Arial" panose="020B0604020202020204" pitchFamily="34" charset="0"/>
+                <a:buChar char="▪"/>
+                <a:defRPr sz="1700">
+                  <a:solidFill>
+                    <a:schemeClr val="tx1"/>
+                  </a:solidFill>
+                  <a:latin typeface="FrutigerNext LT Medium" pitchFamily="34" charset="0"/>
+                  <a:ea typeface="宋体" panose="02010600030101010101" pitchFamily="2" charset="-122"/>
+                </a:defRPr>
+              </a:lvl4pPr>
+              <a:lvl5pPr marL="2057400" indent="-228600">
+                <a:spcBef>
+                  <a:spcPct val="20000"/>
+                </a:spcBef>
+                <a:buChar char="»"/>
+                <a:defRPr sz="1700">
+                  <a:solidFill>
+                    <a:schemeClr val="tx1"/>
+                  </a:solidFill>
+                  <a:latin typeface="Arial" panose="020B0604020202020204" pitchFamily="34" charset="0"/>
+                  <a:ea typeface="宋体" panose="02010600030101010101" pitchFamily="2" charset="-122"/>
+                </a:defRPr>
+              </a:lvl5pPr>
+              <a:lvl6pPr marL="2514600" indent="-228600" eaLnBrk="0" fontAlgn="base" hangingPunct="0">
+                <a:spcBef>
+                  <a:spcPct val="20000"/>
+                </a:spcBef>
+                <a:spcAft>
+                  <a:spcPct val="0"/>
+                </a:spcAft>
+                <a:buChar char="»"/>
+                <a:defRPr sz="1700">
+                  <a:solidFill>
+                    <a:schemeClr val="tx1"/>
+                  </a:solidFill>
+                  <a:latin typeface="Arial" panose="020B0604020202020204" pitchFamily="34" charset="0"/>
+                  <a:ea typeface="宋体" panose="02010600030101010101" pitchFamily="2" charset="-122"/>
+                </a:defRPr>
+              </a:lvl6pPr>
+              <a:lvl7pPr marL="2971800" indent="-228600" eaLnBrk="0" fontAlgn="base" hangingPunct="0">
+                <a:spcBef>
+                  <a:spcPct val="20000"/>
+                </a:spcBef>
+                <a:spcAft>
+                  <a:spcPct val="0"/>
+                </a:spcAft>
+                <a:buChar char="»"/>
+                <a:defRPr sz="1700">
+                  <a:solidFill>
+                    <a:schemeClr val="tx1"/>
+                  </a:solidFill>
+                  <a:latin typeface="Arial" panose="020B0604020202020204" pitchFamily="34" charset="0"/>
+                  <a:ea typeface="宋体" panose="02010600030101010101" pitchFamily="2" charset="-122"/>
+                </a:defRPr>
+              </a:lvl7pPr>
+              <a:lvl8pPr marL="3429000" indent="-228600" eaLnBrk="0" fontAlgn="base" hangingPunct="0">
+                <a:spcBef>
+                  <a:spcPct val="20000"/>
+                </a:spcBef>
+                <a:spcAft>
+                  <a:spcPct val="0"/>
+                </a:spcAft>
+                <a:buChar char="»"/>
+                <a:defRPr sz="1700">
+                  <a:solidFill>
+                    <a:schemeClr val="tx1"/>
+                  </a:solidFill>
+                  <a:latin typeface="Arial" panose="020B0604020202020204" pitchFamily="34" charset="0"/>
+                  <a:ea typeface="宋体" panose="02010600030101010101" pitchFamily="2" charset="-122"/>
+                </a:defRPr>
+              </a:lvl8pPr>
+              <a:lvl9pPr marL="3886200" indent="-228600" eaLnBrk="0" fontAlgn="base" hangingPunct="0">
+                <a:spcBef>
+                  <a:spcPct val="20000"/>
+                </a:spcBef>
+                <a:spcAft>
+                  <a:spcPct val="0"/>
+                </a:spcAft>
+                <a:buChar char="»"/>
+                <a:defRPr sz="1700">
+                  <a:solidFill>
+                    <a:schemeClr val="tx1"/>
+                  </a:solidFill>
+                  <a:latin typeface="Arial" panose="020B0604020202020204" pitchFamily="34" charset="0"/>
+                  <a:ea typeface="宋体" panose="02010600030101010101" pitchFamily="2" charset="-122"/>
+                </a:defRPr>
+              </a:lvl9pPr>
+            </a:lstStyle>
+            <a:p>
+              <a:pPr eaLnBrk="1" hangingPunct="1">
+                <a:lnSpc>
+                  <a:spcPct val="100000"/>
+                </a:lnSpc>
+                <a:spcBef>
+                  <a:spcPct val="0"/>
+                </a:spcBef>
+                <a:spcAft>
+                  <a:spcPct val="0"/>
+                </a:spcAft>
+                <a:buClrTx/>
+                <a:buSzTx/>
+                <a:buFontTx/>
+                <a:buNone/>
+              </a:pPr>
+              <a:endParaRPr lang="ru-RU" altLang="en-US" sz="1800">
+                <a:latin typeface="Arial" panose="020B0604020202020204" pitchFamily="34" charset="0"/>
+              </a:endParaRPr>
+            </a:p>
+          </p:txBody>
+        </p:sp>
+        <p:sp>
+          <p:nvSpPr>
+            <p:cNvPr id="7179" name="Oval 11"/>
+            <p:cNvSpPr>
+              <a:spLocks noChangeArrowheads="1"/>
+            </p:cNvSpPr>
+            <p:nvPr/>
+          </p:nvSpPr>
+          <p:spPr bwMode="auto">
+            <a:xfrm>
+              <a:off x="1557" y="1882"/>
+              <a:ext cx="105" cy="105"/>
+            </a:xfrm>
+            <a:prstGeom prst="ellipse">
+              <a:avLst/>
+            </a:prstGeom>
+            <a:gradFill rotWithShape="1">
+              <a:gsLst>
+                <a:gs pos="0">
+                  <a:srgbClr val="ECD1CC"/>
+                </a:gs>
+                <a:gs pos="100000">
+                  <a:srgbClr val="A21700"/>
+                </a:gs>
+              </a:gsLst>
+              <a:path path="shape">
+                <a:fillToRect l="50000" t="50000" r="50000" b="50000"/>
+              </a:path>
+            </a:gradFill>
+            <a:ln>
+              <a:noFill/>
+            </a:ln>
+            <a:extLst>
+              <a:ext uri="{91240B29-F687-4F45-9708-019B960494DF}">
+                <a14:hiddenLine xmlns:a14="http://schemas.microsoft.com/office/drawing/2010/main" w="9525">
+                  <a:solidFill>
+                    <a:srgbClr val="000000"/>
+                  </a:solidFill>
+                  <a:round/>
+                  <a:headEnd/>
+                  <a:tailEnd/>
+                </a14:hiddenLine>
+              </a:ext>
+            </a:extLst>
+          </p:spPr>
+          <p:txBody>
+            <a:bodyPr wrap="none" anchor="ctr"/>
+            <a:lstStyle>
+              <a:lvl1pPr>
+                <a:lnSpc>
+                  <a:spcPct val="120000"/>
+                </a:lnSpc>
+                <a:spcBef>
+                  <a:spcPct val="20000"/>
+                </a:spcBef>
+                <a:spcAft>
+                  <a:spcPct val="20000"/>
+                </a:spcAft>
+                <a:buClr>
+                  <a:srgbClr val="990000"/>
+                </a:buClr>
+                <a:buSzPct val="85000"/>
+                <a:buFont typeface="Wingdings" panose="05000000000000000000" pitchFamily="2" charset="2"/>
+                <a:buChar char="l"/>
+                <a:defRPr sz="1700">
+                  <a:solidFill>
+                    <a:schemeClr val="tx1"/>
+                  </a:solidFill>
+                  <a:latin typeface="FrutigerNext LT Medium" pitchFamily="34" charset="0"/>
+                  <a:ea typeface="宋体" panose="02010600030101010101" pitchFamily="2" charset="-122"/>
+                </a:defRPr>
+              </a:lvl1pPr>
+              <a:lvl2pPr marL="742950" indent="-285750">
+                <a:lnSpc>
+                  <a:spcPct val="120000"/>
+                </a:lnSpc>
+                <a:spcBef>
+                  <a:spcPct val="20000"/>
+                </a:spcBef>
+                <a:spcAft>
+                  <a:spcPct val="20000"/>
+                </a:spcAft>
+                <a:buClr>
+                  <a:srgbClr val="5F5F5F"/>
+                </a:buClr>
+                <a:buFont typeface="Wingdings 3" panose="05040102010807070707" pitchFamily="18" charset="2"/>
+                <a:buChar char="["/>
+                <a:defRPr sz="1700">
+                  <a:solidFill>
+                    <a:schemeClr val="tx1"/>
+                  </a:solidFill>
+                  <a:latin typeface="FrutigerNext LT Medium" pitchFamily="34" charset="0"/>
+                  <a:ea typeface="宋体" panose="02010600030101010101" pitchFamily="2" charset="-122"/>
+                </a:defRPr>
+              </a:lvl2pPr>
+              <a:lvl3pPr marL="1143000" indent="-228600">
+                <a:lnSpc>
+                  <a:spcPct val="120000"/>
+                </a:lnSpc>
+                <a:spcBef>
+                  <a:spcPct val="20000"/>
+                </a:spcBef>
+                <a:spcAft>
+                  <a:spcPct val="20000"/>
+                </a:spcAft>
+                <a:buClr>
+                  <a:schemeClr val="tx1"/>
+                </a:buClr>
+                <a:buFont typeface="Arial" panose="020B0604020202020204" pitchFamily="34" charset="0"/>
+                <a:buChar char="−"/>
+                <a:defRPr sz="1700">
+                  <a:solidFill>
+                    <a:schemeClr val="tx1"/>
+                  </a:solidFill>
+                  <a:latin typeface="FrutigerNext LT Medium" pitchFamily="34" charset="0"/>
+                  <a:ea typeface="宋体" panose="02010600030101010101" pitchFamily="2" charset="-122"/>
+                </a:defRPr>
+              </a:lvl3pPr>
+              <a:lvl4pPr marL="1600200" indent="-228600">
+                <a:lnSpc>
+                  <a:spcPct val="120000"/>
+                </a:lnSpc>
+                <a:spcBef>
+                  <a:spcPct val="20000"/>
+                </a:spcBef>
+                <a:spcAft>
+                  <a:spcPct val="20000"/>
+                </a:spcAft>
+                <a:buClr>
+                  <a:schemeClr val="tx1"/>
+                </a:buClr>
+                <a:buFont typeface="Arial" panose="020B0604020202020204" pitchFamily="34" charset="0"/>
+                <a:buChar char="▪"/>
+                <a:defRPr sz="1700">
+                  <a:solidFill>
+                    <a:schemeClr val="tx1"/>
+                  </a:solidFill>
+                  <a:latin typeface="FrutigerNext LT Medium" pitchFamily="34" charset="0"/>
+                  <a:ea typeface="宋体" panose="02010600030101010101" pitchFamily="2" charset="-122"/>
+                </a:defRPr>
+              </a:lvl4pPr>
+              <a:lvl5pPr marL="2057400" indent="-228600">
+                <a:spcBef>
+                  <a:spcPct val="20000"/>
+                </a:spcBef>
+                <a:buChar char="»"/>
+                <a:defRPr sz="1700">
+                  <a:solidFill>
+                    <a:schemeClr val="tx1"/>
+                  </a:solidFill>
+                  <a:latin typeface="Arial" panose="020B0604020202020204" pitchFamily="34" charset="0"/>
+                  <a:ea typeface="宋体" panose="02010600030101010101" pitchFamily="2" charset="-122"/>
+                </a:defRPr>
+              </a:lvl5pPr>
+              <a:lvl6pPr marL="2514600" indent="-228600" eaLnBrk="0" fontAlgn="base" hangingPunct="0">
+                <a:spcBef>
+                  <a:spcPct val="20000"/>
+                </a:spcBef>
+                <a:spcAft>
+                  <a:spcPct val="0"/>
+                </a:spcAft>
+                <a:buChar char="»"/>
+                <a:defRPr sz="1700">
+                  <a:solidFill>
+                    <a:schemeClr val="tx1"/>
+                  </a:solidFill>
+                  <a:latin typeface="Arial" panose="020B0604020202020204" pitchFamily="34" charset="0"/>
+                  <a:ea typeface="宋体" panose="02010600030101010101" pitchFamily="2" charset="-122"/>
+                </a:defRPr>
+              </a:lvl6pPr>
+              <a:lvl7pPr marL="2971800" indent="-228600" eaLnBrk="0" fontAlgn="base" hangingPunct="0">
+                <a:spcBef>
+                  <a:spcPct val="20000"/>
+                </a:spcBef>
+                <a:spcAft>
+                  <a:spcPct val="0"/>
+                </a:spcAft>
+                <a:buChar char="»"/>
+                <a:defRPr sz="1700">
+                  <a:solidFill>
+                    <a:schemeClr val="tx1"/>
+                  </a:solidFill>
+                  <a:latin typeface="Arial" panose="020B0604020202020204" pitchFamily="34" charset="0"/>
+                  <a:ea typeface="宋体" panose="02010600030101010101" pitchFamily="2" charset="-122"/>
+                </a:defRPr>
+              </a:lvl7pPr>
+              <a:lvl8pPr marL="3429000" indent="-228600" eaLnBrk="0" fontAlgn="base" hangingPunct="0">
+                <a:spcBef>
+                  <a:spcPct val="20000"/>
+                </a:spcBef>
+                <a:spcAft>
+                  <a:spcPct val="0"/>
+                </a:spcAft>
+                <a:buChar char="»"/>
+                <a:defRPr sz="1700">
+                  <a:solidFill>
+                    <a:schemeClr val="tx1"/>
+                  </a:solidFill>
+                  <a:latin typeface="Arial" panose="020B0604020202020204" pitchFamily="34" charset="0"/>
+                  <a:ea typeface="宋体" panose="02010600030101010101" pitchFamily="2" charset="-122"/>
+                </a:defRPr>
+              </a:lvl8pPr>
+              <a:lvl9pPr marL="3886200" indent="-228600" eaLnBrk="0" fontAlgn="base" hangingPunct="0">
+                <a:spcBef>
+                  <a:spcPct val="20000"/>
+                </a:spcBef>
+                <a:spcAft>
+                  <a:spcPct val="0"/>
+                </a:spcAft>
+                <a:buChar char="»"/>
+                <a:defRPr sz="1700">
+                  <a:solidFill>
+                    <a:schemeClr val="tx1"/>
+                  </a:solidFill>
+                  <a:latin typeface="Arial" panose="020B0604020202020204" pitchFamily="34" charset="0"/>
+                  <a:ea typeface="宋体" panose="02010600030101010101" pitchFamily="2" charset="-122"/>
+                </a:defRPr>
+              </a:lvl9pPr>
+            </a:lstStyle>
+            <a:p>
+              <a:pPr eaLnBrk="1" hangingPunct="1">
+                <a:lnSpc>
+                  <a:spcPct val="100000"/>
+                </a:lnSpc>
+                <a:spcBef>
+                  <a:spcPct val="0"/>
+                </a:spcBef>
+                <a:spcAft>
+                  <a:spcPct val="0"/>
+                </a:spcAft>
+                <a:buClrTx/>
+                <a:buSzTx/>
+                <a:buFontTx/>
+                <a:buNone/>
+              </a:pPr>
+              <a:endParaRPr lang="ru-RU" altLang="en-US" sz="1800">
+                <a:latin typeface="Arial" panose="020B0604020202020204" pitchFamily="34" charset="0"/>
+              </a:endParaRPr>
+            </a:p>
+          </p:txBody>
+        </p:sp>
+      </p:grpSp>
+      <p:sp>
+        <p:nvSpPr>
+          <p:cNvPr id="39951" name="Rectangle 15"/>
+          <p:cNvSpPr>
+            <a:spLocks noChangeArrowheads="1"/>
+          </p:cNvSpPr>
+          <p:nvPr/>
+        </p:nvSpPr>
+        <p:spPr bwMode="auto">
+          <a:xfrm>
+            <a:off x="2438400" y="2286000"/>
+            <a:ext cx="6248400" cy="2209820"/>
+          </a:xfrm>
+          <a:prstGeom prst="rect">
+            <a:avLst/>
+          </a:prstGeom>
+          <a:noFill/>
+          <a:ln w="9525">
+            <a:noFill/>
+            <a:miter lim="800000"/>
+            <a:headEnd/>
+            <a:tailEnd/>
+          </a:ln>
+          <a:effectLst/>
+        </p:spPr>
+        <p:txBody>
+          <a:bodyPr lIns="91424" tIns="45712" rIns="91424" bIns="45712">
+            <a:spAutoFit/>
+          </a:bodyPr>
+          <a:lstStyle/>
+          <a:p>
+            <a:pPr marL="342900" indent="-342900" eaLnBrk="1" hangingPunct="1">
+              <a:spcBef>
+                <a:spcPct val="40000"/>
+              </a:spcBef>
+              <a:spcAft>
+                <a:spcPct val="50000"/>
+              </a:spcAft>
+              <a:buFontTx/>
+              <a:buAutoNum type="arabicPeriod"/>
+              <a:defRPr/>
+            </a:pPr>
+            <a:r>
+              <a:rPr kumimoji="1" lang="en-US" altLang="zh-CN" sz="1600" b="1" dirty="0">
+                <a:solidFill>
+                  <a:srgbClr val="005C8A"/>
+                </a:solidFill>
+                <a:effectLst>
+                  <a:outerShdw blurRad="38100" dist="38100" dir="2700000" algn="tl">
+                    <a:srgbClr val="C0C0C0"/>
+                  </a:outerShdw>
+                </a:effectLst>
+                <a:cs typeface="Arial" pitchFamily="34" charset="0"/>
+              </a:rPr>
+              <a:t>Self-introduction</a:t>
+            </a:r>
+          </a:p>
+          <a:p>
+            <a:pPr marL="342900" indent="-342900" eaLnBrk="1" hangingPunct="1">
+              <a:spcBef>
+                <a:spcPct val="40000"/>
+              </a:spcBef>
+              <a:spcAft>
+                <a:spcPct val="50000"/>
+              </a:spcAft>
+              <a:buFontTx/>
+              <a:buAutoNum type="arabicPeriod"/>
+              <a:defRPr/>
+            </a:pPr>
+            <a:r>
+              <a:rPr kumimoji="1" lang="en-US" altLang="zh-CN" sz="1600" b="1" dirty="0">
+                <a:solidFill>
+                  <a:srgbClr val="005C8A"/>
+                </a:solidFill>
+                <a:effectLst>
+                  <a:outerShdw blurRad="38100" dist="38100" dir="2700000" algn="tl">
+                    <a:srgbClr val="C0C0C0"/>
+                  </a:outerShdw>
+                </a:effectLst>
+                <a:cs typeface="Arial" pitchFamily="34" charset="0"/>
+              </a:rPr>
+              <a:t>Project idea</a:t>
+            </a:r>
+          </a:p>
+          <a:p>
+            <a:pPr marL="342900" indent="-342900" eaLnBrk="1" hangingPunct="1">
+              <a:spcBef>
+                <a:spcPct val="40000"/>
+              </a:spcBef>
+              <a:spcAft>
+                <a:spcPct val="50000"/>
+              </a:spcAft>
+              <a:buFontTx/>
+              <a:buAutoNum type="arabicPeriod"/>
+              <a:defRPr/>
+            </a:pPr>
+            <a:r>
+              <a:rPr kumimoji="1" lang="en-US" altLang="zh-CN" sz="1600" b="1" dirty="0" smtClean="0">
+                <a:solidFill>
+                  <a:srgbClr val="005C8A"/>
+                </a:solidFill>
+                <a:effectLst>
+                  <a:outerShdw blurRad="38100" dist="38100" dir="2700000" algn="tl">
+                    <a:srgbClr val="C0C0C0"/>
+                  </a:outerShdw>
+                </a:effectLst>
+                <a:cs typeface="Arial" pitchFamily="34" charset="0"/>
+              </a:rPr>
+              <a:t>Static analyzers</a:t>
+            </a:r>
+            <a:endParaRPr kumimoji="1" lang="en-US" altLang="zh-CN" sz="1600" b="1" dirty="0">
+              <a:solidFill>
+                <a:srgbClr val="005C8A"/>
+              </a:solidFill>
+              <a:effectLst>
+                <a:outerShdw blurRad="38100" dist="38100" dir="2700000" algn="tl">
+                  <a:srgbClr val="C0C0C0"/>
+                </a:outerShdw>
+              </a:effectLst>
+              <a:cs typeface="Arial" pitchFamily="34" charset="0"/>
+            </a:endParaRPr>
+          </a:p>
+          <a:p>
+            <a:pPr marL="342900" indent="-342900" eaLnBrk="1" hangingPunct="1">
+              <a:spcBef>
+                <a:spcPct val="40000"/>
+              </a:spcBef>
+              <a:spcAft>
+                <a:spcPct val="50000"/>
+              </a:spcAft>
+              <a:buFontTx/>
+              <a:buAutoNum type="arabicPeriod"/>
+              <a:defRPr/>
+            </a:pPr>
+            <a:r>
+              <a:rPr kumimoji="1" lang="en-US" altLang="zh-CN" sz="1600" b="1" dirty="0" smtClean="0">
+                <a:solidFill>
+                  <a:srgbClr val="005C8A"/>
+                </a:solidFill>
+                <a:effectLst>
+                  <a:outerShdw blurRad="38100" dist="38100" dir="2700000" algn="tl">
+                    <a:srgbClr val="C0C0C0"/>
+                  </a:outerShdw>
+                </a:effectLst>
+                <a:cs typeface="Arial" pitchFamily="34" charset="0"/>
+              </a:rPr>
+              <a:t>Machine learning approach</a:t>
+            </a:r>
+            <a:endParaRPr kumimoji="1" lang="en-US" altLang="zh-CN" sz="1600" b="1" dirty="0">
+              <a:solidFill>
+                <a:srgbClr val="005C8A"/>
+              </a:solidFill>
+              <a:effectLst>
+                <a:outerShdw blurRad="38100" dist="38100" dir="2700000" algn="tl">
+                  <a:srgbClr val="C0C0C0"/>
+                </a:outerShdw>
+              </a:effectLst>
+              <a:cs typeface="Arial" pitchFamily="34" charset="0"/>
+            </a:endParaRPr>
+          </a:p>
+          <a:p>
+            <a:pPr marL="342900" indent="-342900" eaLnBrk="1" hangingPunct="1">
+              <a:spcBef>
+                <a:spcPct val="40000"/>
+              </a:spcBef>
+              <a:spcAft>
+                <a:spcPct val="50000"/>
+              </a:spcAft>
+              <a:buFontTx/>
+              <a:buAutoNum type="arabicPeriod"/>
+              <a:defRPr/>
+            </a:pPr>
+            <a:r>
+              <a:rPr kumimoji="1" lang="en-US" altLang="zh-CN" sz="1600" b="1" dirty="0">
+                <a:solidFill>
+                  <a:srgbClr val="005C8A"/>
+                </a:solidFill>
+                <a:effectLst>
+                  <a:outerShdw blurRad="38100" dist="38100" dir="2700000" algn="tl">
+                    <a:srgbClr val="C0C0C0"/>
+                  </a:outerShdw>
+                </a:effectLst>
+                <a:cs typeface="Arial" pitchFamily="34" charset="0"/>
+              </a:rPr>
+              <a:t>Project achievements</a:t>
+            </a:r>
+          </a:p>
+        </p:txBody>
+      </p:sp>
+      <p:sp>
+        <p:nvSpPr>
+          <p:cNvPr id="7177" name="WordArt 18"/>
+          <p:cNvSpPr>
+            <a:spLocks noChangeArrowheads="1" noChangeShapeType="1" noTextEdit="1"/>
+          </p:cNvSpPr>
+          <p:nvPr/>
+        </p:nvSpPr>
+        <p:spPr bwMode="auto">
+          <a:xfrm>
+            <a:off x="3581400" y="1066800"/>
+            <a:ext cx="1600200" cy="304800"/>
+          </a:xfrm>
+          <a:prstGeom prst="rect">
+            <a:avLst/>
+          </a:prstGeom>
+          <a:extLst>
+            <a:ext uri="{91240B29-F687-4F45-9708-019B960494DF}">
+              <a14:hiddenLine xmlns:a14="http://schemas.microsoft.com/office/drawing/2010/main" w="9525">
+                <a:solidFill>
+                  <a:srgbClr val="000000"/>
+                </a:solidFill>
+                <a:round/>
+                <a:headEnd/>
+                <a:tailEnd/>
+              </a14:hiddenLine>
+            </a:ext>
+          </a:extLst>
+        </p:spPr>
+        <p:txBody>
+          <a:bodyPr wrap="none" fromWordArt="1">
+            <a:prstTxWarp prst="textPlain">
+              <a:avLst>
+                <a:gd name="adj" fmla="val 50000"/>
+              </a:avLst>
+            </a:prstTxWarp>
+          </a:bodyPr>
+          <a:lstStyle/>
+          <a:p>
+            <a:pPr algn="ctr"/>
+            <a:r>
+              <a:rPr lang="en-US" sz="3200" kern="10">
+                <a:solidFill>
+                  <a:srgbClr val="990000"/>
+                </a:solidFill>
+                <a:latin typeface="+mj-lt"/>
+                <a:ea typeface="+mj-lt"/>
+                <a:cs typeface="+mj-lt"/>
+              </a:rPr>
+              <a:t>Content:</a:t>
+            </a:r>
+          </a:p>
+        </p:txBody>
+      </p:sp>
+    </p:spTree>
+  </p:cSld>
+  <p:clrMapOvr>
+    <a:masterClrMapping/>
+  </p:clrMapOvr>
+  <p:timing>
+    <p:tnLst>
+      <p:par>
+        <p:cTn id="1" dur="indefinite" restart="never" nodeType="tmRoot"/>
+      </p:par>
+    </p:tnLst>
+  </p:timing>
+</p:sld>
+</file>
+
+<file path=ppt/slides/slide20.xml><?xml version="1.0" encoding="utf-8"?>
 <p:sld xmlns:a="http://schemas.openxmlformats.org/drawingml/2006/main" xmlns:r="http://schemas.openxmlformats.org/officeDocument/2006/relationships" xmlns:p="http://schemas.openxmlformats.org/presentationml/2006/main">
   <p:cSld>
     <p:bg>
@@ -13933,11 +17612,7 @@
             </a:r>
             <a:r>
               <a:rPr lang="en-US" altLang="zh-CN" sz="1600" dirty="0" smtClean="0"/>
-              <a:t> </a:t>
-            </a:r>
-            <a:r>
-              <a:rPr lang="en-US" altLang="zh-CN" sz="1600" dirty="0" smtClean="0"/>
-              <a:t>of names in code snippet:</a:t>
+              <a:t> of names in code snippet:</a:t>
             </a:r>
           </a:p>
           <a:p>
@@ -13950,7 +17625,6 @@
               <a:rPr lang="en-US" altLang="zh-CN" sz="1600" dirty="0" smtClean="0"/>
               <a:t>Swapped arguments</a:t>
             </a:r>
-            <a:endParaRPr lang="en-US" altLang="zh-CN" sz="1600" dirty="0" smtClean="0"/>
           </a:p>
           <a:p>
             <a:pPr marL="0" indent="0" algn="just">
@@ -14259,7 +17933,7 @@
                 <a:buFontTx/>
                 <a:buNone/>
               </a:pPr>
-              <a:t>17</a:t>
+              <a:t>20</a:t>
             </a:fld>
             <a:r>
               <a:rPr lang="ru-RU" altLang="en-US" sz="1000" smtClean="0">
@@ -15055,7 +18729,7 @@
 </p:sld>
 </file>
 
-<file path=ppt/slides/slide18.xml><?xml version="1.0" encoding="utf-8"?>
+<file path=ppt/slides/slide21.xml><?xml version="1.0" encoding="utf-8"?>
 <p:sld xmlns:a="http://schemas.openxmlformats.org/drawingml/2006/main" xmlns:r="http://schemas.openxmlformats.org/officeDocument/2006/relationships" xmlns:p="http://schemas.openxmlformats.org/presentationml/2006/main">
   <p:cSld>
     <p:bg>
@@ -15144,11 +18818,7 @@
             </a:r>
             <a:r>
               <a:rPr lang="en-US" altLang="zh-CN" sz="1600" dirty="0" smtClean="0"/>
-              <a:t> </a:t>
-            </a:r>
-            <a:r>
-              <a:rPr lang="en-US" altLang="zh-CN" sz="1600" dirty="0" smtClean="0"/>
-              <a:t>of names in code snippet:</a:t>
+              <a:t> of names in code snippet:</a:t>
             </a:r>
           </a:p>
           <a:p>
@@ -15161,7 +18831,6 @@
               <a:rPr lang="en-US" altLang="zh-CN" sz="1600" dirty="0" smtClean="0"/>
               <a:t>Wrong binary operator/operation</a:t>
             </a:r>
-            <a:endParaRPr lang="en-US" altLang="zh-CN" sz="1600" dirty="0" smtClean="0"/>
           </a:p>
           <a:p>
             <a:pPr marL="0" indent="0" algn="just">
@@ -15470,7 +19139,7 @@
                 <a:buFontTx/>
                 <a:buNone/>
               </a:pPr>
-              <a:t>18</a:t>
+              <a:t>21</a:t>
             </a:fld>
             <a:r>
               <a:rPr lang="ru-RU" altLang="en-US" sz="1000" smtClean="0">
@@ -16188,7 +19857,7 @@
 </p:sld>
 </file>
 
-<file path=ppt/slides/slide19.xml><?xml version="1.0" encoding="utf-8"?>
+<file path=ppt/slides/slide22.xml><?xml version="1.0" encoding="utf-8"?>
 <p:sld xmlns:a="http://schemas.openxmlformats.org/drawingml/2006/main" xmlns:r="http://schemas.openxmlformats.org/officeDocument/2006/relationships" xmlns:p="http://schemas.openxmlformats.org/presentationml/2006/main">
   <p:cSld>
     <p:bg>
@@ -16649,7 +20318,7 @@
                 <a:buFontTx/>
                 <a:buNone/>
               </a:pPr>
-              <a:t>19</a:t>
+              <a:t>22</a:t>
             </a:fld>
             <a:r>
               <a:rPr lang="ru-RU" altLang="en-US" sz="1000" smtClean="0">
@@ -17173,7 +20842,6 @@
               <a:rPr lang="en-US" sz="1200" dirty="0" smtClean="0"/>
               <a:t>Size: 200, dropout 0.2</a:t>
             </a:r>
-            <a:endParaRPr lang="en-US" sz="1200" dirty="0" smtClean="0"/>
           </a:p>
           <a:p>
             <a:r>
@@ -17207,2473 +20875,6 @@
   </p:cSld>
   <p:clrMapOvr>
     <a:overrideClrMapping bg1="lt1" tx1="dk1" bg2="lt2" tx2="dk2" accent1="accent1" accent2="accent2" accent3="accent3" accent4="accent4" accent5="accent5" accent6="accent6" hlink="hlink" folHlink="folHlink"/>
-  </p:clrMapOvr>
-  <p:timing>
-    <p:tnLst>
-      <p:par>
-        <p:cTn id="1" dur="indefinite" restart="never" nodeType="tmRoot"/>
-      </p:par>
-    </p:tnLst>
-  </p:timing>
-</p:sld>
-</file>
-
-<file path=ppt/slides/slide2.xml><?xml version="1.0" encoding="utf-8"?>
-<p:sld xmlns:a="http://schemas.openxmlformats.org/drawingml/2006/main" xmlns:r="http://schemas.openxmlformats.org/officeDocument/2006/relationships" xmlns:p="http://schemas.openxmlformats.org/presentationml/2006/main">
-  <p:cSld>
-    <p:spTree>
-      <p:nvGrpSpPr>
-        <p:cNvPr id="1" name=""/>
-        <p:cNvGrpSpPr/>
-        <p:nvPr/>
-      </p:nvGrpSpPr>
-      <p:grpSpPr>
-        <a:xfrm>
-          <a:off x="0" y="0"/>
-          <a:ext cx="0" cy="0"/>
-          <a:chOff x="0" y="0"/>
-          <a:chExt cx="0" cy="0"/>
-        </a:xfrm>
-      </p:grpSpPr>
-      <p:sp>
-        <p:nvSpPr>
-          <p:cNvPr id="7170" name="Date Placeholder 1"/>
-          <p:cNvSpPr>
-            <a:spLocks noGrp="1"/>
-          </p:cNvSpPr>
-          <p:nvPr>
-            <p:ph type="dt" sz="quarter" idx="10"/>
-          </p:nvPr>
-        </p:nvSpPr>
-        <p:spPr>
-          <a:xfrm>
-            <a:off x="5791200" y="6400800"/>
-            <a:ext cx="1057275" cy="293688"/>
-          </a:xfrm>
-          <a:noFill/>
-          <a:ln/>
-          <a:extLst>
-            <a:ext uri="{909E8E84-426E-40DD-AFC4-6F175D3DCCD1}">
-              <a14:hiddenFill xmlns:a14="http://schemas.microsoft.com/office/drawing/2010/main">
-                <a:solidFill>
-                  <a:srgbClr val="FFFFFF"/>
-                </a:solidFill>
-              </a14:hiddenFill>
-            </a:ext>
-            <a:ext uri="{91240B29-F687-4F45-9708-019B960494DF}">
-              <a14:hiddenLine xmlns:a14="http://schemas.microsoft.com/office/drawing/2010/main" w="9525">
-                <a:solidFill>
-                  <a:srgbClr val="000000"/>
-                </a:solidFill>
-                <a:miter lim="800000"/>
-                <a:headEnd/>
-                <a:tailEnd/>
-              </a14:hiddenLine>
-            </a:ext>
-          </a:extLst>
-        </p:spPr>
-        <p:txBody>
-          <a:bodyPr/>
-          <a:lstStyle>
-            <a:lvl1pPr defTabSz="784225">
-              <a:lnSpc>
-                <a:spcPct val="120000"/>
-              </a:lnSpc>
-              <a:spcBef>
-                <a:spcPct val="20000"/>
-              </a:spcBef>
-              <a:spcAft>
-                <a:spcPct val="20000"/>
-              </a:spcAft>
-              <a:buClr>
-                <a:srgbClr val="990000"/>
-              </a:buClr>
-              <a:buSzPct val="85000"/>
-              <a:buFont typeface="Wingdings" panose="05000000000000000000" pitchFamily="2" charset="2"/>
-              <a:buChar char="l"/>
-              <a:defRPr sz="1700">
-                <a:solidFill>
-                  <a:schemeClr val="tx1"/>
-                </a:solidFill>
-                <a:latin typeface="FrutigerNext LT Medium" pitchFamily="34" charset="0"/>
-                <a:ea typeface="宋体" panose="02010600030101010101" pitchFamily="2" charset="-122"/>
-              </a:defRPr>
-            </a:lvl1pPr>
-            <a:lvl2pPr marL="742950" indent="-285750" defTabSz="784225">
-              <a:lnSpc>
-                <a:spcPct val="120000"/>
-              </a:lnSpc>
-              <a:spcBef>
-                <a:spcPct val="20000"/>
-              </a:spcBef>
-              <a:spcAft>
-                <a:spcPct val="20000"/>
-              </a:spcAft>
-              <a:buClr>
-                <a:srgbClr val="5F5F5F"/>
-              </a:buClr>
-              <a:buFont typeface="Wingdings 3" panose="05040102010807070707" pitchFamily="18" charset="2"/>
-              <a:buChar char="["/>
-              <a:defRPr sz="1700">
-                <a:solidFill>
-                  <a:schemeClr val="tx1"/>
-                </a:solidFill>
-                <a:latin typeface="FrutigerNext LT Medium" pitchFamily="34" charset="0"/>
-                <a:ea typeface="宋体" panose="02010600030101010101" pitchFamily="2" charset="-122"/>
-              </a:defRPr>
-            </a:lvl2pPr>
-            <a:lvl3pPr marL="1143000" indent="-228600" defTabSz="784225">
-              <a:lnSpc>
-                <a:spcPct val="120000"/>
-              </a:lnSpc>
-              <a:spcBef>
-                <a:spcPct val="20000"/>
-              </a:spcBef>
-              <a:spcAft>
-                <a:spcPct val="20000"/>
-              </a:spcAft>
-              <a:buClr>
-                <a:schemeClr val="tx1"/>
-              </a:buClr>
-              <a:buFont typeface="Arial" panose="020B0604020202020204" pitchFamily="34" charset="0"/>
-              <a:buChar char="−"/>
-              <a:defRPr sz="1700">
-                <a:solidFill>
-                  <a:schemeClr val="tx1"/>
-                </a:solidFill>
-                <a:latin typeface="FrutigerNext LT Medium" pitchFamily="34" charset="0"/>
-                <a:ea typeface="宋体" panose="02010600030101010101" pitchFamily="2" charset="-122"/>
-              </a:defRPr>
-            </a:lvl3pPr>
-            <a:lvl4pPr marL="1600200" indent="-228600" defTabSz="784225">
-              <a:lnSpc>
-                <a:spcPct val="120000"/>
-              </a:lnSpc>
-              <a:spcBef>
-                <a:spcPct val="20000"/>
-              </a:spcBef>
-              <a:spcAft>
-                <a:spcPct val="20000"/>
-              </a:spcAft>
-              <a:buClr>
-                <a:schemeClr val="tx1"/>
-              </a:buClr>
-              <a:buFont typeface="Arial" panose="020B0604020202020204" pitchFamily="34" charset="0"/>
-              <a:buChar char="▪"/>
-              <a:defRPr sz="1700">
-                <a:solidFill>
-                  <a:schemeClr val="tx1"/>
-                </a:solidFill>
-                <a:latin typeface="FrutigerNext LT Medium" pitchFamily="34" charset="0"/>
-                <a:ea typeface="宋体" panose="02010600030101010101" pitchFamily="2" charset="-122"/>
-              </a:defRPr>
-            </a:lvl4pPr>
-            <a:lvl5pPr marL="2057400" indent="-228600" defTabSz="784225">
-              <a:spcBef>
-                <a:spcPct val="20000"/>
-              </a:spcBef>
-              <a:buChar char="»"/>
-              <a:defRPr sz="1700">
-                <a:solidFill>
-                  <a:schemeClr val="tx1"/>
-                </a:solidFill>
-                <a:latin typeface="Arial" panose="020B0604020202020204" pitchFamily="34" charset="0"/>
-                <a:ea typeface="宋体" panose="02010600030101010101" pitchFamily="2" charset="-122"/>
-              </a:defRPr>
-            </a:lvl5pPr>
-            <a:lvl6pPr marL="2514600" indent="-228600" defTabSz="784225" eaLnBrk="0" fontAlgn="base" hangingPunct="0">
-              <a:spcBef>
-                <a:spcPct val="20000"/>
-              </a:spcBef>
-              <a:spcAft>
-                <a:spcPct val="0"/>
-              </a:spcAft>
-              <a:buChar char="»"/>
-              <a:defRPr sz="1700">
-                <a:solidFill>
-                  <a:schemeClr val="tx1"/>
-                </a:solidFill>
-                <a:latin typeface="Arial" panose="020B0604020202020204" pitchFamily="34" charset="0"/>
-                <a:ea typeface="宋体" panose="02010600030101010101" pitchFamily="2" charset="-122"/>
-              </a:defRPr>
-            </a:lvl6pPr>
-            <a:lvl7pPr marL="2971800" indent="-228600" defTabSz="784225" eaLnBrk="0" fontAlgn="base" hangingPunct="0">
-              <a:spcBef>
-                <a:spcPct val="20000"/>
-              </a:spcBef>
-              <a:spcAft>
-                <a:spcPct val="0"/>
-              </a:spcAft>
-              <a:buChar char="»"/>
-              <a:defRPr sz="1700">
-                <a:solidFill>
-                  <a:schemeClr val="tx1"/>
-                </a:solidFill>
-                <a:latin typeface="Arial" panose="020B0604020202020204" pitchFamily="34" charset="0"/>
-                <a:ea typeface="宋体" panose="02010600030101010101" pitchFamily="2" charset="-122"/>
-              </a:defRPr>
-            </a:lvl7pPr>
-            <a:lvl8pPr marL="3429000" indent="-228600" defTabSz="784225" eaLnBrk="0" fontAlgn="base" hangingPunct="0">
-              <a:spcBef>
-                <a:spcPct val="20000"/>
-              </a:spcBef>
-              <a:spcAft>
-                <a:spcPct val="0"/>
-              </a:spcAft>
-              <a:buChar char="»"/>
-              <a:defRPr sz="1700">
-                <a:solidFill>
-                  <a:schemeClr val="tx1"/>
-                </a:solidFill>
-                <a:latin typeface="Arial" panose="020B0604020202020204" pitchFamily="34" charset="0"/>
-                <a:ea typeface="宋体" panose="02010600030101010101" pitchFamily="2" charset="-122"/>
-              </a:defRPr>
-            </a:lvl8pPr>
-            <a:lvl9pPr marL="3886200" indent="-228600" defTabSz="784225" eaLnBrk="0" fontAlgn="base" hangingPunct="0">
-              <a:spcBef>
-                <a:spcPct val="20000"/>
-              </a:spcBef>
-              <a:spcAft>
-                <a:spcPct val="0"/>
-              </a:spcAft>
-              <a:buChar char="»"/>
-              <a:defRPr sz="1700">
-                <a:solidFill>
-                  <a:schemeClr val="tx1"/>
-                </a:solidFill>
-                <a:latin typeface="Arial" panose="020B0604020202020204" pitchFamily="34" charset="0"/>
-                <a:ea typeface="宋体" panose="02010600030101010101" pitchFamily="2" charset="-122"/>
-              </a:defRPr>
-            </a:lvl9pPr>
-          </a:lstStyle>
-          <a:p>
-            <a:pPr>
-              <a:lnSpc>
-                <a:spcPct val="85000"/>
-              </a:lnSpc>
-              <a:spcBef>
-                <a:spcPct val="0"/>
-              </a:spcBef>
-              <a:spcAft>
-                <a:spcPct val="0"/>
-              </a:spcAft>
-              <a:buClrTx/>
-              <a:buSzTx/>
-              <a:buFontTx/>
-              <a:buNone/>
-            </a:pPr>
-            <a:endParaRPr lang="de-DE" altLang="en-US" sz="1000" smtClean="0">
-              <a:ea typeface="MS PGothic" panose="020B0600070205080204" pitchFamily="34" charset="-128"/>
-            </a:endParaRPr>
-          </a:p>
-          <a:p>
-            <a:pPr>
-              <a:lnSpc>
-                <a:spcPct val="85000"/>
-              </a:lnSpc>
-              <a:spcBef>
-                <a:spcPct val="0"/>
-              </a:spcBef>
-              <a:spcAft>
-                <a:spcPct val="0"/>
-              </a:spcAft>
-              <a:buClrTx/>
-              <a:buSzTx/>
-              <a:buFontTx/>
-              <a:buNone/>
-            </a:pPr>
-            <a:r>
-              <a:rPr lang="de-DE" altLang="en-US" sz="1000" smtClean="0">
-                <a:ea typeface="MS PGothic" panose="020B0600070205080204" pitchFamily="34" charset="-128"/>
-              </a:rPr>
-              <a:t>Page </a:t>
-            </a:r>
-            <a:fld id="{B6BFD750-1F0A-43AC-B090-74F4A9F75C1D}" type="slidenum">
-              <a:rPr lang="de-DE" altLang="en-US" sz="1000" smtClean="0">
-                <a:ea typeface="MS PGothic" panose="020B0600070205080204" pitchFamily="34" charset="-128"/>
-              </a:rPr>
-              <a:pPr>
-                <a:lnSpc>
-                  <a:spcPct val="85000"/>
-                </a:lnSpc>
-                <a:spcBef>
-                  <a:spcPct val="0"/>
-                </a:spcBef>
-                <a:spcAft>
-                  <a:spcPct val="0"/>
-                </a:spcAft>
-                <a:buClrTx/>
-                <a:buSzTx/>
-                <a:buFontTx/>
-                <a:buNone/>
-              </a:pPr>
-              <a:t>2</a:t>
-            </a:fld>
-            <a:r>
-              <a:rPr lang="ru-RU" altLang="en-US" sz="1000" smtClean="0">
-                <a:ea typeface="MS PGothic" panose="020B0600070205080204" pitchFamily="34" charset="-128"/>
-              </a:rPr>
-              <a:t>/</a:t>
-            </a:r>
-            <a:r>
-              <a:rPr lang="en-US" altLang="en-US" sz="1000" smtClean="0">
-                <a:ea typeface="MS PGothic" panose="020B0600070205080204" pitchFamily="34" charset="-128"/>
-              </a:rPr>
-              <a:t>13</a:t>
-            </a:r>
-            <a:endParaRPr lang="en-GB" altLang="en-US" sz="1000" smtClean="0">
-              <a:ea typeface="MS PGothic" panose="020B0600070205080204" pitchFamily="34" charset="-128"/>
-            </a:endParaRPr>
-          </a:p>
-        </p:txBody>
-      </p:sp>
-      <p:sp>
-        <p:nvSpPr>
-          <p:cNvPr id="7171" name="AutoShape 16"/>
-          <p:cNvSpPr>
-            <a:spLocks noChangeArrowheads="1"/>
-          </p:cNvSpPr>
-          <p:nvPr/>
-        </p:nvSpPr>
-        <p:spPr bwMode="auto">
-          <a:xfrm>
-            <a:off x="2362200" y="1905000"/>
-            <a:ext cx="6477000" cy="3962400"/>
-          </a:xfrm>
-          <a:prstGeom prst="roundRect">
-            <a:avLst>
-              <a:gd name="adj" fmla="val 5935"/>
-            </a:avLst>
-          </a:prstGeom>
-          <a:gradFill rotWithShape="1">
-            <a:gsLst>
-              <a:gs pos="0">
-                <a:srgbClr val="DDDDDD"/>
-              </a:gs>
-              <a:gs pos="50000">
-                <a:srgbClr val="F5F5F5"/>
-              </a:gs>
-              <a:gs pos="100000">
-                <a:srgbClr val="DDDDDD"/>
-              </a:gs>
-            </a:gsLst>
-            <a:lin ang="18900000" scaled="1"/>
-          </a:gradFill>
-          <a:ln>
-            <a:noFill/>
-          </a:ln>
-          <a:extLst>
-            <a:ext uri="{91240B29-F687-4F45-9708-019B960494DF}">
-              <a14:hiddenLine xmlns:a14="http://schemas.microsoft.com/office/drawing/2010/main" w="9525">
-                <a:solidFill>
-                  <a:srgbClr val="000000"/>
-                </a:solidFill>
-                <a:round/>
-                <a:headEnd/>
-                <a:tailEnd/>
-              </a14:hiddenLine>
-            </a:ext>
-          </a:extLst>
-        </p:spPr>
-        <p:txBody>
-          <a:bodyPr wrap="none" anchor="ctr"/>
-          <a:lstStyle>
-            <a:lvl1pPr>
-              <a:lnSpc>
-                <a:spcPct val="120000"/>
-              </a:lnSpc>
-              <a:spcBef>
-                <a:spcPct val="20000"/>
-              </a:spcBef>
-              <a:spcAft>
-                <a:spcPct val="20000"/>
-              </a:spcAft>
-              <a:buClr>
-                <a:srgbClr val="990000"/>
-              </a:buClr>
-              <a:buSzPct val="85000"/>
-              <a:buFont typeface="Wingdings" panose="05000000000000000000" pitchFamily="2" charset="2"/>
-              <a:buChar char="l"/>
-              <a:defRPr sz="1700">
-                <a:solidFill>
-                  <a:schemeClr val="tx1"/>
-                </a:solidFill>
-                <a:latin typeface="FrutigerNext LT Medium" pitchFamily="34" charset="0"/>
-                <a:ea typeface="宋体" panose="02010600030101010101" pitchFamily="2" charset="-122"/>
-              </a:defRPr>
-            </a:lvl1pPr>
-            <a:lvl2pPr marL="742950" indent="-285750">
-              <a:lnSpc>
-                <a:spcPct val="120000"/>
-              </a:lnSpc>
-              <a:spcBef>
-                <a:spcPct val="20000"/>
-              </a:spcBef>
-              <a:spcAft>
-                <a:spcPct val="20000"/>
-              </a:spcAft>
-              <a:buClr>
-                <a:srgbClr val="5F5F5F"/>
-              </a:buClr>
-              <a:buFont typeface="Wingdings 3" panose="05040102010807070707" pitchFamily="18" charset="2"/>
-              <a:buChar char="["/>
-              <a:defRPr sz="1700">
-                <a:solidFill>
-                  <a:schemeClr val="tx1"/>
-                </a:solidFill>
-                <a:latin typeface="FrutigerNext LT Medium" pitchFamily="34" charset="0"/>
-                <a:ea typeface="宋体" panose="02010600030101010101" pitchFamily="2" charset="-122"/>
-              </a:defRPr>
-            </a:lvl2pPr>
-            <a:lvl3pPr marL="1143000" indent="-228600">
-              <a:lnSpc>
-                <a:spcPct val="120000"/>
-              </a:lnSpc>
-              <a:spcBef>
-                <a:spcPct val="20000"/>
-              </a:spcBef>
-              <a:spcAft>
-                <a:spcPct val="20000"/>
-              </a:spcAft>
-              <a:buClr>
-                <a:schemeClr val="tx1"/>
-              </a:buClr>
-              <a:buFont typeface="Arial" panose="020B0604020202020204" pitchFamily="34" charset="0"/>
-              <a:buChar char="−"/>
-              <a:defRPr sz="1700">
-                <a:solidFill>
-                  <a:schemeClr val="tx1"/>
-                </a:solidFill>
-                <a:latin typeface="FrutigerNext LT Medium" pitchFamily="34" charset="0"/>
-                <a:ea typeface="宋体" panose="02010600030101010101" pitchFamily="2" charset="-122"/>
-              </a:defRPr>
-            </a:lvl3pPr>
-            <a:lvl4pPr marL="1600200" indent="-228600">
-              <a:lnSpc>
-                <a:spcPct val="120000"/>
-              </a:lnSpc>
-              <a:spcBef>
-                <a:spcPct val="20000"/>
-              </a:spcBef>
-              <a:spcAft>
-                <a:spcPct val="20000"/>
-              </a:spcAft>
-              <a:buClr>
-                <a:schemeClr val="tx1"/>
-              </a:buClr>
-              <a:buFont typeface="Arial" panose="020B0604020202020204" pitchFamily="34" charset="0"/>
-              <a:buChar char="▪"/>
-              <a:defRPr sz="1700">
-                <a:solidFill>
-                  <a:schemeClr val="tx1"/>
-                </a:solidFill>
-                <a:latin typeface="FrutigerNext LT Medium" pitchFamily="34" charset="0"/>
-                <a:ea typeface="宋体" panose="02010600030101010101" pitchFamily="2" charset="-122"/>
-              </a:defRPr>
-            </a:lvl4pPr>
-            <a:lvl5pPr marL="2057400" indent="-228600">
-              <a:spcBef>
-                <a:spcPct val="20000"/>
-              </a:spcBef>
-              <a:buChar char="»"/>
-              <a:defRPr sz="1700">
-                <a:solidFill>
-                  <a:schemeClr val="tx1"/>
-                </a:solidFill>
-                <a:latin typeface="Arial" panose="020B0604020202020204" pitchFamily="34" charset="0"/>
-                <a:ea typeface="宋体" panose="02010600030101010101" pitchFamily="2" charset="-122"/>
-              </a:defRPr>
-            </a:lvl5pPr>
-            <a:lvl6pPr marL="2514600" indent="-228600" eaLnBrk="0" fontAlgn="base" hangingPunct="0">
-              <a:spcBef>
-                <a:spcPct val="20000"/>
-              </a:spcBef>
-              <a:spcAft>
-                <a:spcPct val="0"/>
-              </a:spcAft>
-              <a:buChar char="»"/>
-              <a:defRPr sz="1700">
-                <a:solidFill>
-                  <a:schemeClr val="tx1"/>
-                </a:solidFill>
-                <a:latin typeface="Arial" panose="020B0604020202020204" pitchFamily="34" charset="0"/>
-                <a:ea typeface="宋体" panose="02010600030101010101" pitchFamily="2" charset="-122"/>
-              </a:defRPr>
-            </a:lvl6pPr>
-            <a:lvl7pPr marL="2971800" indent="-228600" eaLnBrk="0" fontAlgn="base" hangingPunct="0">
-              <a:spcBef>
-                <a:spcPct val="20000"/>
-              </a:spcBef>
-              <a:spcAft>
-                <a:spcPct val="0"/>
-              </a:spcAft>
-              <a:buChar char="»"/>
-              <a:defRPr sz="1700">
-                <a:solidFill>
-                  <a:schemeClr val="tx1"/>
-                </a:solidFill>
-                <a:latin typeface="Arial" panose="020B0604020202020204" pitchFamily="34" charset="0"/>
-                <a:ea typeface="宋体" panose="02010600030101010101" pitchFamily="2" charset="-122"/>
-              </a:defRPr>
-            </a:lvl7pPr>
-            <a:lvl8pPr marL="3429000" indent="-228600" eaLnBrk="0" fontAlgn="base" hangingPunct="0">
-              <a:spcBef>
-                <a:spcPct val="20000"/>
-              </a:spcBef>
-              <a:spcAft>
-                <a:spcPct val="0"/>
-              </a:spcAft>
-              <a:buChar char="»"/>
-              <a:defRPr sz="1700">
-                <a:solidFill>
-                  <a:schemeClr val="tx1"/>
-                </a:solidFill>
-                <a:latin typeface="Arial" panose="020B0604020202020204" pitchFamily="34" charset="0"/>
-                <a:ea typeface="宋体" panose="02010600030101010101" pitchFamily="2" charset="-122"/>
-              </a:defRPr>
-            </a:lvl8pPr>
-            <a:lvl9pPr marL="3886200" indent="-228600" eaLnBrk="0" fontAlgn="base" hangingPunct="0">
-              <a:spcBef>
-                <a:spcPct val="20000"/>
-              </a:spcBef>
-              <a:spcAft>
-                <a:spcPct val="0"/>
-              </a:spcAft>
-              <a:buChar char="»"/>
-              <a:defRPr sz="1700">
-                <a:solidFill>
-                  <a:schemeClr val="tx1"/>
-                </a:solidFill>
-                <a:latin typeface="Arial" panose="020B0604020202020204" pitchFamily="34" charset="0"/>
-                <a:ea typeface="宋体" panose="02010600030101010101" pitchFamily="2" charset="-122"/>
-              </a:defRPr>
-            </a:lvl9pPr>
-          </a:lstStyle>
-          <a:p>
-            <a:pPr eaLnBrk="1" hangingPunct="1">
-              <a:lnSpc>
-                <a:spcPct val="100000"/>
-              </a:lnSpc>
-              <a:spcBef>
-                <a:spcPct val="0"/>
-              </a:spcBef>
-              <a:spcAft>
-                <a:spcPct val="0"/>
-              </a:spcAft>
-              <a:buClrTx/>
-              <a:buSzTx/>
-              <a:buFontTx/>
-              <a:buNone/>
-            </a:pPr>
-            <a:endParaRPr lang="ru-RU" altLang="en-US" sz="1800">
-              <a:latin typeface="Arial" panose="020B0604020202020204" pitchFamily="34" charset="0"/>
-            </a:endParaRPr>
-          </a:p>
-        </p:txBody>
-      </p:sp>
-      <p:pic>
-        <p:nvPicPr>
-          <p:cNvPr id="7172" name="Picture 5" descr="094"/>
-          <p:cNvPicPr>
-            <a:picLocks noChangeAspect="1" noChangeArrowheads="1"/>
-          </p:cNvPicPr>
-          <p:nvPr/>
-        </p:nvPicPr>
-        <p:blipFill>
-          <a:blip r:embed="rId2" cstate="print">
-            <a:extLst>
-              <a:ext uri="{28A0092B-C50C-407E-A947-70E740481C1C}">
-                <a14:useLocalDpi xmlns:a14="http://schemas.microsoft.com/office/drawing/2010/main" val="0"/>
-              </a:ext>
-            </a:extLst>
-          </a:blip>
-          <a:srcRect/>
-          <a:stretch>
-            <a:fillRect/>
-          </a:stretch>
-        </p:blipFill>
-        <p:spPr bwMode="auto">
-          <a:xfrm>
-            <a:off x="1116013" y="2105025"/>
-            <a:ext cx="1087437" cy="3744913"/>
-          </a:xfrm>
-          <a:prstGeom prst="rect">
-            <a:avLst/>
-          </a:prstGeom>
-          <a:noFill/>
-          <a:ln>
-            <a:noFill/>
-          </a:ln>
-          <a:extLst>
-            <a:ext uri="{909E8E84-426E-40DD-AFC4-6F175D3DCCD1}">
-              <a14:hiddenFill xmlns:a14="http://schemas.microsoft.com/office/drawing/2010/main">
-                <a:solidFill>
-                  <a:srgbClr val="FFFFFF"/>
-                </a:solidFill>
-              </a14:hiddenFill>
-            </a:ext>
-            <a:ext uri="{91240B29-F687-4F45-9708-019B960494DF}">
-              <a14:hiddenLine xmlns:a14="http://schemas.microsoft.com/office/drawing/2010/main" w="9525">
-                <a:solidFill>
-                  <a:srgbClr val="000000"/>
-                </a:solidFill>
-                <a:miter lim="800000"/>
-                <a:headEnd/>
-                <a:tailEnd/>
-              </a14:hiddenLine>
-            </a:ext>
-          </a:extLst>
-        </p:spPr>
-      </p:pic>
-      <p:sp>
-        <p:nvSpPr>
-          <p:cNvPr id="7173" name="Line 7"/>
-          <p:cNvSpPr>
-            <a:spLocks noChangeShapeType="1"/>
-          </p:cNvSpPr>
-          <p:nvPr/>
-        </p:nvSpPr>
-        <p:spPr bwMode="auto">
-          <a:xfrm flipV="1">
-            <a:off x="2211388" y="1844675"/>
-            <a:ext cx="0" cy="4103688"/>
-          </a:xfrm>
-          <a:prstGeom prst="line">
-            <a:avLst/>
-          </a:prstGeom>
-          <a:noFill/>
-          <a:ln w="38100" cmpd="dbl">
-            <a:solidFill>
-              <a:srgbClr val="B2B2B2"/>
-            </a:solidFill>
-            <a:round/>
-            <a:headEnd/>
-            <a:tailEnd/>
-          </a:ln>
-          <a:extLst>
-            <a:ext uri="{909E8E84-426E-40DD-AFC4-6F175D3DCCD1}">
-              <a14:hiddenFill xmlns:a14="http://schemas.microsoft.com/office/drawing/2010/main">
-                <a:noFill/>
-              </a14:hiddenFill>
-            </a:ext>
-          </a:extLst>
-        </p:spPr>
-        <p:txBody>
-          <a:bodyPr/>
-          <a:lstStyle/>
-          <a:p>
-            <a:endParaRPr lang="en-US"/>
-          </a:p>
-        </p:txBody>
-      </p:sp>
-      <p:sp>
-        <p:nvSpPr>
-          <p:cNvPr id="7174" name="Line 8"/>
-          <p:cNvSpPr>
-            <a:spLocks noChangeShapeType="1"/>
-          </p:cNvSpPr>
-          <p:nvPr/>
-        </p:nvSpPr>
-        <p:spPr bwMode="auto">
-          <a:xfrm>
-            <a:off x="2211388" y="1844675"/>
-            <a:ext cx="6681787" cy="0"/>
-          </a:xfrm>
-          <a:prstGeom prst="line">
-            <a:avLst/>
-          </a:prstGeom>
-          <a:noFill/>
-          <a:ln w="38100" cmpd="dbl">
-            <a:solidFill>
-              <a:srgbClr val="B2B2B2"/>
-            </a:solidFill>
-            <a:round/>
-            <a:headEnd/>
-            <a:tailEnd/>
-          </a:ln>
-          <a:extLst>
-            <a:ext uri="{909E8E84-426E-40DD-AFC4-6F175D3DCCD1}">
-              <a14:hiddenFill xmlns:a14="http://schemas.microsoft.com/office/drawing/2010/main">
-                <a:noFill/>
-              </a14:hiddenFill>
-            </a:ext>
-          </a:extLst>
-        </p:spPr>
-        <p:txBody>
-          <a:bodyPr/>
-          <a:lstStyle/>
-          <a:p>
-            <a:endParaRPr lang="en-US"/>
-          </a:p>
-        </p:txBody>
-      </p:sp>
-      <p:grpSp>
-        <p:nvGrpSpPr>
-          <p:cNvPr id="7175" name="Group 9"/>
-          <p:cNvGrpSpPr>
-            <a:grpSpLocks/>
-          </p:cNvGrpSpPr>
-          <p:nvPr/>
-        </p:nvGrpSpPr>
-        <p:grpSpPr bwMode="auto">
-          <a:xfrm>
-            <a:off x="2057400" y="1676400"/>
-            <a:ext cx="288925" cy="288925"/>
-            <a:chOff x="1519" y="1843"/>
-            <a:chExt cx="182" cy="182"/>
-          </a:xfrm>
-        </p:grpSpPr>
-        <p:sp>
-          <p:nvSpPr>
-            <p:cNvPr id="7178" name="Oval 10"/>
-            <p:cNvSpPr>
-              <a:spLocks noChangeArrowheads="1"/>
-            </p:cNvSpPr>
-            <p:nvPr/>
-          </p:nvSpPr>
-          <p:spPr bwMode="auto">
-            <a:xfrm>
-              <a:off x="1519" y="1843"/>
-              <a:ext cx="182" cy="182"/>
-            </a:xfrm>
-            <a:prstGeom prst="ellipse">
-              <a:avLst/>
-            </a:prstGeom>
-            <a:solidFill>
-              <a:srgbClr val="DDDDDD"/>
-            </a:solidFill>
-            <a:ln w="9525">
-              <a:solidFill>
-                <a:srgbClr val="B2B2B2"/>
-              </a:solidFill>
-              <a:round/>
-              <a:headEnd/>
-              <a:tailEnd/>
-            </a:ln>
-          </p:spPr>
-          <p:txBody>
-            <a:bodyPr wrap="none" anchor="ctr"/>
-            <a:lstStyle>
-              <a:lvl1pPr>
-                <a:lnSpc>
-                  <a:spcPct val="120000"/>
-                </a:lnSpc>
-                <a:spcBef>
-                  <a:spcPct val="20000"/>
-                </a:spcBef>
-                <a:spcAft>
-                  <a:spcPct val="20000"/>
-                </a:spcAft>
-                <a:buClr>
-                  <a:srgbClr val="990000"/>
-                </a:buClr>
-                <a:buSzPct val="85000"/>
-                <a:buFont typeface="Wingdings" panose="05000000000000000000" pitchFamily="2" charset="2"/>
-                <a:buChar char="l"/>
-                <a:defRPr sz="1700">
-                  <a:solidFill>
-                    <a:schemeClr val="tx1"/>
-                  </a:solidFill>
-                  <a:latin typeface="FrutigerNext LT Medium" pitchFamily="34" charset="0"/>
-                  <a:ea typeface="宋体" panose="02010600030101010101" pitchFamily="2" charset="-122"/>
-                </a:defRPr>
-              </a:lvl1pPr>
-              <a:lvl2pPr marL="742950" indent="-285750">
-                <a:lnSpc>
-                  <a:spcPct val="120000"/>
-                </a:lnSpc>
-                <a:spcBef>
-                  <a:spcPct val="20000"/>
-                </a:spcBef>
-                <a:spcAft>
-                  <a:spcPct val="20000"/>
-                </a:spcAft>
-                <a:buClr>
-                  <a:srgbClr val="5F5F5F"/>
-                </a:buClr>
-                <a:buFont typeface="Wingdings 3" panose="05040102010807070707" pitchFamily="18" charset="2"/>
-                <a:buChar char="["/>
-                <a:defRPr sz="1700">
-                  <a:solidFill>
-                    <a:schemeClr val="tx1"/>
-                  </a:solidFill>
-                  <a:latin typeface="FrutigerNext LT Medium" pitchFamily="34" charset="0"/>
-                  <a:ea typeface="宋体" panose="02010600030101010101" pitchFamily="2" charset="-122"/>
-                </a:defRPr>
-              </a:lvl2pPr>
-              <a:lvl3pPr marL="1143000" indent="-228600">
-                <a:lnSpc>
-                  <a:spcPct val="120000"/>
-                </a:lnSpc>
-                <a:spcBef>
-                  <a:spcPct val="20000"/>
-                </a:spcBef>
-                <a:spcAft>
-                  <a:spcPct val="20000"/>
-                </a:spcAft>
-                <a:buClr>
-                  <a:schemeClr val="tx1"/>
-                </a:buClr>
-                <a:buFont typeface="Arial" panose="020B0604020202020204" pitchFamily="34" charset="0"/>
-                <a:buChar char="−"/>
-                <a:defRPr sz="1700">
-                  <a:solidFill>
-                    <a:schemeClr val="tx1"/>
-                  </a:solidFill>
-                  <a:latin typeface="FrutigerNext LT Medium" pitchFamily="34" charset="0"/>
-                  <a:ea typeface="宋体" panose="02010600030101010101" pitchFamily="2" charset="-122"/>
-                </a:defRPr>
-              </a:lvl3pPr>
-              <a:lvl4pPr marL="1600200" indent="-228600">
-                <a:lnSpc>
-                  <a:spcPct val="120000"/>
-                </a:lnSpc>
-                <a:spcBef>
-                  <a:spcPct val="20000"/>
-                </a:spcBef>
-                <a:spcAft>
-                  <a:spcPct val="20000"/>
-                </a:spcAft>
-                <a:buClr>
-                  <a:schemeClr val="tx1"/>
-                </a:buClr>
-                <a:buFont typeface="Arial" panose="020B0604020202020204" pitchFamily="34" charset="0"/>
-                <a:buChar char="▪"/>
-                <a:defRPr sz="1700">
-                  <a:solidFill>
-                    <a:schemeClr val="tx1"/>
-                  </a:solidFill>
-                  <a:latin typeface="FrutigerNext LT Medium" pitchFamily="34" charset="0"/>
-                  <a:ea typeface="宋体" panose="02010600030101010101" pitchFamily="2" charset="-122"/>
-                </a:defRPr>
-              </a:lvl4pPr>
-              <a:lvl5pPr marL="2057400" indent="-228600">
-                <a:spcBef>
-                  <a:spcPct val="20000"/>
-                </a:spcBef>
-                <a:buChar char="»"/>
-                <a:defRPr sz="1700">
-                  <a:solidFill>
-                    <a:schemeClr val="tx1"/>
-                  </a:solidFill>
-                  <a:latin typeface="Arial" panose="020B0604020202020204" pitchFamily="34" charset="0"/>
-                  <a:ea typeface="宋体" panose="02010600030101010101" pitchFamily="2" charset="-122"/>
-                </a:defRPr>
-              </a:lvl5pPr>
-              <a:lvl6pPr marL="2514600" indent="-228600" eaLnBrk="0" fontAlgn="base" hangingPunct="0">
-                <a:spcBef>
-                  <a:spcPct val="20000"/>
-                </a:spcBef>
-                <a:spcAft>
-                  <a:spcPct val="0"/>
-                </a:spcAft>
-                <a:buChar char="»"/>
-                <a:defRPr sz="1700">
-                  <a:solidFill>
-                    <a:schemeClr val="tx1"/>
-                  </a:solidFill>
-                  <a:latin typeface="Arial" panose="020B0604020202020204" pitchFamily="34" charset="0"/>
-                  <a:ea typeface="宋体" panose="02010600030101010101" pitchFamily="2" charset="-122"/>
-                </a:defRPr>
-              </a:lvl6pPr>
-              <a:lvl7pPr marL="2971800" indent="-228600" eaLnBrk="0" fontAlgn="base" hangingPunct="0">
-                <a:spcBef>
-                  <a:spcPct val="20000"/>
-                </a:spcBef>
-                <a:spcAft>
-                  <a:spcPct val="0"/>
-                </a:spcAft>
-                <a:buChar char="»"/>
-                <a:defRPr sz="1700">
-                  <a:solidFill>
-                    <a:schemeClr val="tx1"/>
-                  </a:solidFill>
-                  <a:latin typeface="Arial" panose="020B0604020202020204" pitchFamily="34" charset="0"/>
-                  <a:ea typeface="宋体" panose="02010600030101010101" pitchFamily="2" charset="-122"/>
-                </a:defRPr>
-              </a:lvl7pPr>
-              <a:lvl8pPr marL="3429000" indent="-228600" eaLnBrk="0" fontAlgn="base" hangingPunct="0">
-                <a:spcBef>
-                  <a:spcPct val="20000"/>
-                </a:spcBef>
-                <a:spcAft>
-                  <a:spcPct val="0"/>
-                </a:spcAft>
-                <a:buChar char="»"/>
-                <a:defRPr sz="1700">
-                  <a:solidFill>
-                    <a:schemeClr val="tx1"/>
-                  </a:solidFill>
-                  <a:latin typeface="Arial" panose="020B0604020202020204" pitchFamily="34" charset="0"/>
-                  <a:ea typeface="宋体" panose="02010600030101010101" pitchFamily="2" charset="-122"/>
-                </a:defRPr>
-              </a:lvl8pPr>
-              <a:lvl9pPr marL="3886200" indent="-228600" eaLnBrk="0" fontAlgn="base" hangingPunct="0">
-                <a:spcBef>
-                  <a:spcPct val="20000"/>
-                </a:spcBef>
-                <a:spcAft>
-                  <a:spcPct val="0"/>
-                </a:spcAft>
-                <a:buChar char="»"/>
-                <a:defRPr sz="1700">
-                  <a:solidFill>
-                    <a:schemeClr val="tx1"/>
-                  </a:solidFill>
-                  <a:latin typeface="Arial" panose="020B0604020202020204" pitchFamily="34" charset="0"/>
-                  <a:ea typeface="宋体" panose="02010600030101010101" pitchFamily="2" charset="-122"/>
-                </a:defRPr>
-              </a:lvl9pPr>
-            </a:lstStyle>
-            <a:p>
-              <a:pPr eaLnBrk="1" hangingPunct="1">
-                <a:lnSpc>
-                  <a:spcPct val="100000"/>
-                </a:lnSpc>
-                <a:spcBef>
-                  <a:spcPct val="0"/>
-                </a:spcBef>
-                <a:spcAft>
-                  <a:spcPct val="0"/>
-                </a:spcAft>
-                <a:buClrTx/>
-                <a:buSzTx/>
-                <a:buFontTx/>
-                <a:buNone/>
-              </a:pPr>
-              <a:endParaRPr lang="ru-RU" altLang="en-US" sz="1800">
-                <a:latin typeface="Arial" panose="020B0604020202020204" pitchFamily="34" charset="0"/>
-              </a:endParaRPr>
-            </a:p>
-          </p:txBody>
-        </p:sp>
-        <p:sp>
-          <p:nvSpPr>
-            <p:cNvPr id="7179" name="Oval 11"/>
-            <p:cNvSpPr>
-              <a:spLocks noChangeArrowheads="1"/>
-            </p:cNvSpPr>
-            <p:nvPr/>
-          </p:nvSpPr>
-          <p:spPr bwMode="auto">
-            <a:xfrm>
-              <a:off x="1557" y="1882"/>
-              <a:ext cx="105" cy="105"/>
-            </a:xfrm>
-            <a:prstGeom prst="ellipse">
-              <a:avLst/>
-            </a:prstGeom>
-            <a:gradFill rotWithShape="1">
-              <a:gsLst>
-                <a:gs pos="0">
-                  <a:srgbClr val="ECD1CC"/>
-                </a:gs>
-                <a:gs pos="100000">
-                  <a:srgbClr val="A21700"/>
-                </a:gs>
-              </a:gsLst>
-              <a:path path="shape">
-                <a:fillToRect l="50000" t="50000" r="50000" b="50000"/>
-              </a:path>
-            </a:gradFill>
-            <a:ln>
-              <a:noFill/>
-            </a:ln>
-            <a:extLst>
-              <a:ext uri="{91240B29-F687-4F45-9708-019B960494DF}">
-                <a14:hiddenLine xmlns:a14="http://schemas.microsoft.com/office/drawing/2010/main" w="9525">
-                  <a:solidFill>
-                    <a:srgbClr val="000000"/>
-                  </a:solidFill>
-                  <a:round/>
-                  <a:headEnd/>
-                  <a:tailEnd/>
-                </a14:hiddenLine>
-              </a:ext>
-            </a:extLst>
-          </p:spPr>
-          <p:txBody>
-            <a:bodyPr wrap="none" anchor="ctr"/>
-            <a:lstStyle>
-              <a:lvl1pPr>
-                <a:lnSpc>
-                  <a:spcPct val="120000"/>
-                </a:lnSpc>
-                <a:spcBef>
-                  <a:spcPct val="20000"/>
-                </a:spcBef>
-                <a:spcAft>
-                  <a:spcPct val="20000"/>
-                </a:spcAft>
-                <a:buClr>
-                  <a:srgbClr val="990000"/>
-                </a:buClr>
-                <a:buSzPct val="85000"/>
-                <a:buFont typeface="Wingdings" panose="05000000000000000000" pitchFamily="2" charset="2"/>
-                <a:buChar char="l"/>
-                <a:defRPr sz="1700">
-                  <a:solidFill>
-                    <a:schemeClr val="tx1"/>
-                  </a:solidFill>
-                  <a:latin typeface="FrutigerNext LT Medium" pitchFamily="34" charset="0"/>
-                  <a:ea typeface="宋体" panose="02010600030101010101" pitchFamily="2" charset="-122"/>
-                </a:defRPr>
-              </a:lvl1pPr>
-              <a:lvl2pPr marL="742950" indent="-285750">
-                <a:lnSpc>
-                  <a:spcPct val="120000"/>
-                </a:lnSpc>
-                <a:spcBef>
-                  <a:spcPct val="20000"/>
-                </a:spcBef>
-                <a:spcAft>
-                  <a:spcPct val="20000"/>
-                </a:spcAft>
-                <a:buClr>
-                  <a:srgbClr val="5F5F5F"/>
-                </a:buClr>
-                <a:buFont typeface="Wingdings 3" panose="05040102010807070707" pitchFamily="18" charset="2"/>
-                <a:buChar char="["/>
-                <a:defRPr sz="1700">
-                  <a:solidFill>
-                    <a:schemeClr val="tx1"/>
-                  </a:solidFill>
-                  <a:latin typeface="FrutigerNext LT Medium" pitchFamily="34" charset="0"/>
-                  <a:ea typeface="宋体" panose="02010600030101010101" pitchFamily="2" charset="-122"/>
-                </a:defRPr>
-              </a:lvl2pPr>
-              <a:lvl3pPr marL="1143000" indent="-228600">
-                <a:lnSpc>
-                  <a:spcPct val="120000"/>
-                </a:lnSpc>
-                <a:spcBef>
-                  <a:spcPct val="20000"/>
-                </a:spcBef>
-                <a:spcAft>
-                  <a:spcPct val="20000"/>
-                </a:spcAft>
-                <a:buClr>
-                  <a:schemeClr val="tx1"/>
-                </a:buClr>
-                <a:buFont typeface="Arial" panose="020B0604020202020204" pitchFamily="34" charset="0"/>
-                <a:buChar char="−"/>
-                <a:defRPr sz="1700">
-                  <a:solidFill>
-                    <a:schemeClr val="tx1"/>
-                  </a:solidFill>
-                  <a:latin typeface="FrutigerNext LT Medium" pitchFamily="34" charset="0"/>
-                  <a:ea typeface="宋体" panose="02010600030101010101" pitchFamily="2" charset="-122"/>
-                </a:defRPr>
-              </a:lvl3pPr>
-              <a:lvl4pPr marL="1600200" indent="-228600">
-                <a:lnSpc>
-                  <a:spcPct val="120000"/>
-                </a:lnSpc>
-                <a:spcBef>
-                  <a:spcPct val="20000"/>
-                </a:spcBef>
-                <a:spcAft>
-                  <a:spcPct val="20000"/>
-                </a:spcAft>
-                <a:buClr>
-                  <a:schemeClr val="tx1"/>
-                </a:buClr>
-                <a:buFont typeface="Arial" panose="020B0604020202020204" pitchFamily="34" charset="0"/>
-                <a:buChar char="▪"/>
-                <a:defRPr sz="1700">
-                  <a:solidFill>
-                    <a:schemeClr val="tx1"/>
-                  </a:solidFill>
-                  <a:latin typeface="FrutigerNext LT Medium" pitchFamily="34" charset="0"/>
-                  <a:ea typeface="宋体" panose="02010600030101010101" pitchFamily="2" charset="-122"/>
-                </a:defRPr>
-              </a:lvl4pPr>
-              <a:lvl5pPr marL="2057400" indent="-228600">
-                <a:spcBef>
-                  <a:spcPct val="20000"/>
-                </a:spcBef>
-                <a:buChar char="»"/>
-                <a:defRPr sz="1700">
-                  <a:solidFill>
-                    <a:schemeClr val="tx1"/>
-                  </a:solidFill>
-                  <a:latin typeface="Arial" panose="020B0604020202020204" pitchFamily="34" charset="0"/>
-                  <a:ea typeface="宋体" panose="02010600030101010101" pitchFamily="2" charset="-122"/>
-                </a:defRPr>
-              </a:lvl5pPr>
-              <a:lvl6pPr marL="2514600" indent="-228600" eaLnBrk="0" fontAlgn="base" hangingPunct="0">
-                <a:spcBef>
-                  <a:spcPct val="20000"/>
-                </a:spcBef>
-                <a:spcAft>
-                  <a:spcPct val="0"/>
-                </a:spcAft>
-                <a:buChar char="»"/>
-                <a:defRPr sz="1700">
-                  <a:solidFill>
-                    <a:schemeClr val="tx1"/>
-                  </a:solidFill>
-                  <a:latin typeface="Arial" panose="020B0604020202020204" pitchFamily="34" charset="0"/>
-                  <a:ea typeface="宋体" panose="02010600030101010101" pitchFamily="2" charset="-122"/>
-                </a:defRPr>
-              </a:lvl6pPr>
-              <a:lvl7pPr marL="2971800" indent="-228600" eaLnBrk="0" fontAlgn="base" hangingPunct="0">
-                <a:spcBef>
-                  <a:spcPct val="20000"/>
-                </a:spcBef>
-                <a:spcAft>
-                  <a:spcPct val="0"/>
-                </a:spcAft>
-                <a:buChar char="»"/>
-                <a:defRPr sz="1700">
-                  <a:solidFill>
-                    <a:schemeClr val="tx1"/>
-                  </a:solidFill>
-                  <a:latin typeface="Arial" panose="020B0604020202020204" pitchFamily="34" charset="0"/>
-                  <a:ea typeface="宋体" panose="02010600030101010101" pitchFamily="2" charset="-122"/>
-                </a:defRPr>
-              </a:lvl7pPr>
-              <a:lvl8pPr marL="3429000" indent="-228600" eaLnBrk="0" fontAlgn="base" hangingPunct="0">
-                <a:spcBef>
-                  <a:spcPct val="20000"/>
-                </a:spcBef>
-                <a:spcAft>
-                  <a:spcPct val="0"/>
-                </a:spcAft>
-                <a:buChar char="»"/>
-                <a:defRPr sz="1700">
-                  <a:solidFill>
-                    <a:schemeClr val="tx1"/>
-                  </a:solidFill>
-                  <a:latin typeface="Arial" panose="020B0604020202020204" pitchFamily="34" charset="0"/>
-                  <a:ea typeface="宋体" panose="02010600030101010101" pitchFamily="2" charset="-122"/>
-                </a:defRPr>
-              </a:lvl8pPr>
-              <a:lvl9pPr marL="3886200" indent="-228600" eaLnBrk="0" fontAlgn="base" hangingPunct="0">
-                <a:spcBef>
-                  <a:spcPct val="20000"/>
-                </a:spcBef>
-                <a:spcAft>
-                  <a:spcPct val="0"/>
-                </a:spcAft>
-                <a:buChar char="»"/>
-                <a:defRPr sz="1700">
-                  <a:solidFill>
-                    <a:schemeClr val="tx1"/>
-                  </a:solidFill>
-                  <a:latin typeface="Arial" panose="020B0604020202020204" pitchFamily="34" charset="0"/>
-                  <a:ea typeface="宋体" panose="02010600030101010101" pitchFamily="2" charset="-122"/>
-                </a:defRPr>
-              </a:lvl9pPr>
-            </a:lstStyle>
-            <a:p>
-              <a:pPr eaLnBrk="1" hangingPunct="1">
-                <a:lnSpc>
-                  <a:spcPct val="100000"/>
-                </a:lnSpc>
-                <a:spcBef>
-                  <a:spcPct val="0"/>
-                </a:spcBef>
-                <a:spcAft>
-                  <a:spcPct val="0"/>
-                </a:spcAft>
-                <a:buClrTx/>
-                <a:buSzTx/>
-                <a:buFontTx/>
-                <a:buNone/>
-              </a:pPr>
-              <a:endParaRPr lang="ru-RU" altLang="en-US" sz="1800">
-                <a:latin typeface="Arial" panose="020B0604020202020204" pitchFamily="34" charset="0"/>
-              </a:endParaRPr>
-            </a:p>
-          </p:txBody>
-        </p:sp>
-      </p:grpSp>
-      <p:sp>
-        <p:nvSpPr>
-          <p:cNvPr id="39951" name="Rectangle 15"/>
-          <p:cNvSpPr>
-            <a:spLocks noChangeArrowheads="1"/>
-          </p:cNvSpPr>
-          <p:nvPr/>
-        </p:nvSpPr>
-        <p:spPr bwMode="auto">
-          <a:xfrm>
-            <a:off x="2438400" y="2286000"/>
-            <a:ext cx="6248400" cy="2209820"/>
-          </a:xfrm>
-          <a:prstGeom prst="rect">
-            <a:avLst/>
-          </a:prstGeom>
-          <a:noFill/>
-          <a:ln w="9525">
-            <a:noFill/>
-            <a:miter lim="800000"/>
-            <a:headEnd/>
-            <a:tailEnd/>
-          </a:ln>
-          <a:effectLst/>
-        </p:spPr>
-        <p:txBody>
-          <a:bodyPr lIns="91424" tIns="45712" rIns="91424" bIns="45712">
-            <a:spAutoFit/>
-          </a:bodyPr>
-          <a:lstStyle/>
-          <a:p>
-            <a:pPr marL="342900" indent="-342900" eaLnBrk="1" hangingPunct="1">
-              <a:spcBef>
-                <a:spcPct val="40000"/>
-              </a:spcBef>
-              <a:spcAft>
-                <a:spcPct val="50000"/>
-              </a:spcAft>
-              <a:buFontTx/>
-              <a:buAutoNum type="arabicPeriod"/>
-              <a:defRPr/>
-            </a:pPr>
-            <a:r>
-              <a:rPr kumimoji="1" lang="en-US" altLang="zh-CN" sz="1600" b="1" dirty="0">
-                <a:solidFill>
-                  <a:srgbClr val="005C8A"/>
-                </a:solidFill>
-                <a:effectLst>
-                  <a:outerShdw blurRad="38100" dist="38100" dir="2700000" algn="tl">
-                    <a:srgbClr val="C0C0C0"/>
-                  </a:outerShdw>
-                </a:effectLst>
-                <a:cs typeface="Arial" pitchFamily="34" charset="0"/>
-              </a:rPr>
-              <a:t>Self-introduction</a:t>
-            </a:r>
-          </a:p>
-          <a:p>
-            <a:pPr marL="342900" indent="-342900" eaLnBrk="1" hangingPunct="1">
-              <a:spcBef>
-                <a:spcPct val="40000"/>
-              </a:spcBef>
-              <a:spcAft>
-                <a:spcPct val="50000"/>
-              </a:spcAft>
-              <a:buFontTx/>
-              <a:buAutoNum type="arabicPeriod"/>
-              <a:defRPr/>
-            </a:pPr>
-            <a:r>
-              <a:rPr kumimoji="1" lang="en-US" altLang="zh-CN" sz="1600" b="1" dirty="0">
-                <a:solidFill>
-                  <a:srgbClr val="005C8A"/>
-                </a:solidFill>
-                <a:effectLst>
-                  <a:outerShdw blurRad="38100" dist="38100" dir="2700000" algn="tl">
-                    <a:srgbClr val="C0C0C0"/>
-                  </a:outerShdw>
-                </a:effectLst>
-                <a:cs typeface="Arial" pitchFamily="34" charset="0"/>
-              </a:rPr>
-              <a:t>Project idea</a:t>
-            </a:r>
-          </a:p>
-          <a:p>
-            <a:pPr marL="342900" indent="-342900" eaLnBrk="1" hangingPunct="1">
-              <a:spcBef>
-                <a:spcPct val="40000"/>
-              </a:spcBef>
-              <a:spcAft>
-                <a:spcPct val="50000"/>
-              </a:spcAft>
-              <a:buFontTx/>
-              <a:buAutoNum type="arabicPeriod"/>
-              <a:defRPr/>
-            </a:pPr>
-            <a:r>
-              <a:rPr kumimoji="1" lang="en-US" altLang="zh-CN" sz="1600" b="1" dirty="0" smtClean="0">
-                <a:solidFill>
-                  <a:srgbClr val="005C8A"/>
-                </a:solidFill>
-                <a:effectLst>
-                  <a:outerShdw blurRad="38100" dist="38100" dir="2700000" algn="tl">
-                    <a:srgbClr val="C0C0C0"/>
-                  </a:outerShdw>
-                </a:effectLst>
-                <a:cs typeface="Arial" pitchFamily="34" charset="0"/>
-              </a:rPr>
-              <a:t>Static analyzers</a:t>
-            </a:r>
-            <a:endParaRPr kumimoji="1" lang="en-US" altLang="zh-CN" sz="1600" b="1" dirty="0">
-              <a:solidFill>
-                <a:srgbClr val="005C8A"/>
-              </a:solidFill>
-              <a:effectLst>
-                <a:outerShdw blurRad="38100" dist="38100" dir="2700000" algn="tl">
-                  <a:srgbClr val="C0C0C0"/>
-                </a:outerShdw>
-              </a:effectLst>
-              <a:cs typeface="Arial" pitchFamily="34" charset="0"/>
-            </a:endParaRPr>
-          </a:p>
-          <a:p>
-            <a:pPr marL="342900" indent="-342900" eaLnBrk="1" hangingPunct="1">
-              <a:spcBef>
-                <a:spcPct val="40000"/>
-              </a:spcBef>
-              <a:spcAft>
-                <a:spcPct val="50000"/>
-              </a:spcAft>
-              <a:buFontTx/>
-              <a:buAutoNum type="arabicPeriod"/>
-              <a:defRPr/>
-            </a:pPr>
-            <a:r>
-              <a:rPr kumimoji="1" lang="en-US" altLang="zh-CN" sz="1600" b="1" dirty="0" smtClean="0">
-                <a:solidFill>
-                  <a:srgbClr val="005C8A"/>
-                </a:solidFill>
-                <a:effectLst>
-                  <a:outerShdw blurRad="38100" dist="38100" dir="2700000" algn="tl">
-                    <a:srgbClr val="C0C0C0"/>
-                  </a:outerShdw>
-                </a:effectLst>
-                <a:cs typeface="Arial" pitchFamily="34" charset="0"/>
-              </a:rPr>
-              <a:t>Machine learning approach</a:t>
-            </a:r>
-            <a:endParaRPr kumimoji="1" lang="en-US" altLang="zh-CN" sz="1600" b="1" dirty="0">
-              <a:solidFill>
-                <a:srgbClr val="005C8A"/>
-              </a:solidFill>
-              <a:effectLst>
-                <a:outerShdw blurRad="38100" dist="38100" dir="2700000" algn="tl">
-                  <a:srgbClr val="C0C0C0"/>
-                </a:outerShdw>
-              </a:effectLst>
-              <a:cs typeface="Arial" pitchFamily="34" charset="0"/>
-            </a:endParaRPr>
-          </a:p>
-          <a:p>
-            <a:pPr marL="342900" indent="-342900" eaLnBrk="1" hangingPunct="1">
-              <a:spcBef>
-                <a:spcPct val="40000"/>
-              </a:spcBef>
-              <a:spcAft>
-                <a:spcPct val="50000"/>
-              </a:spcAft>
-              <a:buFontTx/>
-              <a:buAutoNum type="arabicPeriod"/>
-              <a:defRPr/>
-            </a:pPr>
-            <a:r>
-              <a:rPr kumimoji="1" lang="en-US" altLang="zh-CN" sz="1600" b="1" dirty="0">
-                <a:solidFill>
-                  <a:srgbClr val="005C8A"/>
-                </a:solidFill>
-                <a:effectLst>
-                  <a:outerShdw blurRad="38100" dist="38100" dir="2700000" algn="tl">
-                    <a:srgbClr val="C0C0C0"/>
-                  </a:outerShdw>
-                </a:effectLst>
-                <a:cs typeface="Arial" pitchFamily="34" charset="0"/>
-              </a:rPr>
-              <a:t>Project achievements</a:t>
-            </a:r>
-          </a:p>
-        </p:txBody>
-      </p:sp>
-      <p:sp>
-        <p:nvSpPr>
-          <p:cNvPr id="7177" name="WordArt 18"/>
-          <p:cNvSpPr>
-            <a:spLocks noChangeArrowheads="1" noChangeShapeType="1" noTextEdit="1"/>
-          </p:cNvSpPr>
-          <p:nvPr/>
-        </p:nvSpPr>
-        <p:spPr bwMode="auto">
-          <a:xfrm>
-            <a:off x="3581400" y="1066800"/>
-            <a:ext cx="1600200" cy="304800"/>
-          </a:xfrm>
-          <a:prstGeom prst="rect">
-            <a:avLst/>
-          </a:prstGeom>
-          <a:extLst>
-            <a:ext uri="{91240B29-F687-4F45-9708-019B960494DF}">
-              <a14:hiddenLine xmlns:a14="http://schemas.microsoft.com/office/drawing/2010/main" w="9525">
-                <a:solidFill>
-                  <a:srgbClr val="000000"/>
-                </a:solidFill>
-                <a:round/>
-                <a:headEnd/>
-                <a:tailEnd/>
-              </a14:hiddenLine>
-            </a:ext>
-          </a:extLst>
-        </p:spPr>
-        <p:txBody>
-          <a:bodyPr wrap="none" fromWordArt="1">
-            <a:prstTxWarp prst="textPlain">
-              <a:avLst>
-                <a:gd name="adj" fmla="val 50000"/>
-              </a:avLst>
-            </a:prstTxWarp>
-          </a:bodyPr>
-          <a:lstStyle/>
-          <a:p>
-            <a:pPr algn="ctr"/>
-            <a:r>
-              <a:rPr lang="en-US" sz="3200" kern="10">
-                <a:solidFill>
-                  <a:srgbClr val="990000"/>
-                </a:solidFill>
-                <a:latin typeface="+mj-lt"/>
-                <a:ea typeface="+mj-lt"/>
-                <a:cs typeface="+mj-lt"/>
-              </a:rPr>
-              <a:t>Content:</a:t>
-            </a:r>
-          </a:p>
-        </p:txBody>
-      </p:sp>
-    </p:spTree>
-  </p:cSld>
-  <p:clrMapOvr>
-    <a:masterClrMapping/>
-  </p:clrMapOvr>
-  <p:timing>
-    <p:tnLst>
-      <p:par>
-        <p:cTn id="1" dur="indefinite" restart="never" nodeType="tmRoot"/>
-      </p:par>
-    </p:tnLst>
-  </p:timing>
-</p:sld>
-</file>
-
-<file path=ppt/slides/slide20.xml><?xml version="1.0" encoding="utf-8"?>
-<p:sld xmlns:a="http://schemas.openxmlformats.org/drawingml/2006/main" xmlns:r="http://schemas.openxmlformats.org/officeDocument/2006/relationships" xmlns:p="http://schemas.openxmlformats.org/presentationml/2006/main">
-  <p:cSld>
-    <p:bg>
-      <p:bgPr>
-        <a:solidFill>
-          <a:schemeClr val="bg1"/>
-        </a:solidFill>
-        <a:effectLst/>
-      </p:bgPr>
-    </p:bg>
-    <p:spTree>
-      <p:nvGrpSpPr>
-        <p:cNvPr id="1" name=""/>
-        <p:cNvGrpSpPr/>
-        <p:nvPr/>
-      </p:nvGrpSpPr>
-      <p:grpSpPr>
-        <a:xfrm>
-          <a:off x="0" y="0"/>
-          <a:ext cx="0" cy="0"/>
-          <a:chOff x="0" y="0"/>
-          <a:chExt cx="0" cy="0"/>
-        </a:xfrm>
-      </p:grpSpPr>
-      <p:sp>
-        <p:nvSpPr>
-          <p:cNvPr id="11266" name="Rectangle 2"/>
-          <p:cNvSpPr>
-            <a:spLocks noGrp="1" noChangeArrowheads="1"/>
-          </p:cNvSpPr>
-          <p:nvPr>
-            <p:ph type="title"/>
-          </p:nvPr>
-        </p:nvSpPr>
-        <p:spPr>
-          <a:xfrm>
-            <a:off x="609600" y="401638"/>
-            <a:ext cx="8177213" cy="721210"/>
-          </a:xfrm>
-        </p:spPr>
-        <p:txBody>
-          <a:bodyPr/>
-          <a:lstStyle/>
-          <a:p>
-            <a:r>
-              <a:rPr lang="en-US" altLang="zh-CN" sz="3200" dirty="0" smtClean="0"/>
-              <a:t>Importance of </a:t>
-            </a:r>
-            <a:r>
-              <a:rPr lang="en-US" altLang="zh-CN" sz="3200" dirty="0" err="1" smtClean="0"/>
-              <a:t>embeddings</a:t>
-            </a:r>
-            <a:endParaRPr lang="zh-CN" altLang="en-US" sz="2000" dirty="0" smtClean="0"/>
-          </a:p>
-        </p:txBody>
-      </p:sp>
-      <p:sp>
-        <p:nvSpPr>
-          <p:cNvPr id="11267" name="Rectangle 3"/>
-          <p:cNvSpPr>
-            <a:spLocks noGrp="1" noChangeArrowheads="1"/>
-          </p:cNvSpPr>
-          <p:nvPr>
-            <p:ph type="body" sz="half" idx="1"/>
-          </p:nvPr>
-        </p:nvSpPr>
-        <p:spPr>
-          <a:xfrm>
-            <a:off x="609599" y="1447800"/>
-            <a:ext cx="8177213" cy="4572000"/>
-          </a:xfrm>
-        </p:spPr>
-        <p:txBody>
-          <a:bodyPr/>
-          <a:lstStyle/>
-          <a:p>
-            <a:pPr marL="0" indent="0" algn="just">
-              <a:lnSpc>
-                <a:spcPct val="115000"/>
-              </a:lnSpc>
-              <a:buNone/>
-            </a:pPr>
-            <a:r>
-              <a:rPr lang="en-US" altLang="zh-CN" sz="1600" dirty="0" smtClean="0"/>
-              <a:t>How many True positives do we miss with random </a:t>
-            </a:r>
-            <a:r>
-              <a:rPr lang="en-US" altLang="zh-CN" sz="1600" dirty="0" err="1" smtClean="0"/>
-              <a:t>embeddings</a:t>
-            </a:r>
-            <a:r>
-              <a:rPr lang="en-US" altLang="zh-CN" sz="1600" dirty="0" smtClean="0"/>
-              <a:t>?</a:t>
-            </a:r>
-            <a:endParaRPr lang="en-US" altLang="zh-CN" sz="1600" dirty="0" smtClean="0"/>
-          </a:p>
-          <a:p>
-            <a:pPr algn="just">
-              <a:lnSpc>
-                <a:spcPct val="115000"/>
-              </a:lnSpc>
-            </a:pPr>
-            <a:r>
-              <a:rPr lang="en-US" altLang="zh-CN" sz="1600" dirty="0" smtClean="0"/>
-              <a:t>Example: </a:t>
-            </a:r>
-          </a:p>
-          <a:p>
-            <a:pPr marL="0" indent="0" algn="just">
-              <a:lnSpc>
-                <a:spcPct val="115000"/>
-              </a:lnSpc>
-              <a:buNone/>
-            </a:pPr>
-            <a:endParaRPr lang="en-US" altLang="zh-CN" sz="1600" dirty="0" smtClean="0"/>
-          </a:p>
-          <a:p>
-            <a:pPr marL="0" indent="0" algn="just">
-              <a:lnSpc>
-                <a:spcPct val="115000"/>
-              </a:lnSpc>
-              <a:buNone/>
-            </a:pPr>
-            <a:r>
-              <a:rPr lang="en-US" altLang="zh-CN" sz="1600" dirty="0" smtClean="0"/>
-              <a:t>                      transform  = is(</a:t>
-            </a:r>
-            <a:r>
-              <a:rPr lang="en-US" altLang="zh-CN" sz="1600" dirty="0" err="1" smtClean="0"/>
-              <a:t>obj</a:t>
-            </a:r>
-            <a:r>
-              <a:rPr lang="en-US" altLang="zh-CN" sz="1600" dirty="0" smtClean="0"/>
-              <a:t>, value) | is(</a:t>
-            </a:r>
-            <a:r>
-              <a:rPr lang="en-US" altLang="zh-CN" sz="1600" dirty="0" err="1" smtClean="0"/>
-              <a:t>func</a:t>
-            </a:r>
-            <a:r>
-              <a:rPr lang="en-US" altLang="zh-CN" sz="1600" dirty="0" smtClean="0"/>
-              <a:t>, value)</a:t>
-            </a:r>
-          </a:p>
-          <a:p>
-            <a:pPr marL="0" indent="0" algn="just">
-              <a:lnSpc>
-                <a:spcPct val="115000"/>
-              </a:lnSpc>
-              <a:buNone/>
-            </a:pPr>
-            <a:endParaRPr lang="en-US" altLang="zh-CN" sz="1600" dirty="0"/>
-          </a:p>
-          <a:p>
-            <a:pPr marL="0" indent="0" algn="just">
-              <a:lnSpc>
-                <a:spcPct val="115000"/>
-              </a:lnSpc>
-              <a:buNone/>
-            </a:pPr>
-            <a:r>
-              <a:rPr lang="en-US" altLang="zh-CN" sz="1600" dirty="0" smtClean="0"/>
-              <a:t>Bitwise OR for logical OR of </a:t>
-            </a:r>
-            <a:r>
-              <a:rPr lang="en-US" altLang="zh-CN" sz="1600" dirty="0" err="1" smtClean="0"/>
-              <a:t>booleans</a:t>
-            </a:r>
-            <a:r>
-              <a:rPr lang="en-US" altLang="zh-CN" sz="1600" dirty="0" smtClean="0"/>
-              <a:t>: inefficient and error-prone</a:t>
-            </a:r>
-            <a:endParaRPr lang="en-US" altLang="zh-CN" sz="1600" dirty="0" smtClean="0"/>
-          </a:p>
-          <a:p>
-            <a:pPr marL="0" indent="0" algn="just">
-              <a:lnSpc>
-                <a:spcPct val="115000"/>
-              </a:lnSpc>
-              <a:buNone/>
-            </a:pPr>
-            <a:endParaRPr lang="en-US" altLang="zh-CN" sz="1600" dirty="0"/>
-          </a:p>
-          <a:p>
-            <a:pPr marL="0" indent="0" algn="just">
-              <a:lnSpc>
-                <a:spcPct val="115000"/>
-              </a:lnSpc>
-              <a:buNone/>
-            </a:pPr>
-            <a:endParaRPr lang="en-US" altLang="zh-CN" sz="1600" dirty="0" smtClean="0"/>
-          </a:p>
-          <a:p>
-            <a:pPr marL="231775" indent="-231775" algn="just">
-              <a:lnSpc>
-                <a:spcPct val="115000"/>
-              </a:lnSpc>
-              <a:buFont typeface="Wingdings" pitchFamily="2" charset="2"/>
-              <a:buNone/>
-            </a:pPr>
-            <a:endParaRPr lang="zh-CN" altLang="en-US" dirty="0" smtClean="0"/>
-          </a:p>
-        </p:txBody>
-      </p:sp>
-      <p:sp>
-        <p:nvSpPr>
-          <p:cNvPr id="11268" name="Date Placeholder 4"/>
-          <p:cNvSpPr>
-            <a:spLocks noGrp="1"/>
-          </p:cNvSpPr>
-          <p:nvPr>
-            <p:ph type="dt" sz="quarter" idx="10"/>
-          </p:nvPr>
-        </p:nvSpPr>
-        <p:spPr>
-          <a:noFill/>
-          <a:ln/>
-          <a:extLst>
-            <a:ext uri="{909E8E84-426E-40DD-AFC4-6F175D3DCCD1}">
-              <a14:hiddenFill xmlns:a14="http://schemas.microsoft.com/office/drawing/2010/main">
-                <a:solidFill>
-                  <a:srgbClr val="FFFFFF"/>
-                </a:solidFill>
-              </a14:hiddenFill>
-            </a:ext>
-            <a:ext uri="{91240B29-F687-4F45-9708-019B960494DF}">
-              <a14:hiddenLine xmlns:a14="http://schemas.microsoft.com/office/drawing/2010/main" w="9525">
-                <a:solidFill>
-                  <a:srgbClr val="000000"/>
-                </a:solidFill>
-                <a:miter lim="800000"/>
-                <a:headEnd/>
-                <a:tailEnd/>
-              </a14:hiddenLine>
-            </a:ext>
-          </a:extLst>
-        </p:spPr>
-        <p:txBody>
-          <a:bodyPr/>
-          <a:lstStyle>
-            <a:lvl1pPr>
-              <a:lnSpc>
-                <a:spcPct val="120000"/>
-              </a:lnSpc>
-              <a:spcBef>
-                <a:spcPct val="20000"/>
-              </a:spcBef>
-              <a:spcAft>
-                <a:spcPct val="20000"/>
-              </a:spcAft>
-              <a:buClr>
-                <a:srgbClr val="990000"/>
-              </a:buClr>
-              <a:buSzPct val="85000"/>
-              <a:buFont typeface="Wingdings" panose="05000000000000000000" pitchFamily="2" charset="2"/>
-              <a:buChar char="l"/>
-              <a:defRPr sz="1700">
-                <a:solidFill>
-                  <a:schemeClr val="tx1"/>
-                </a:solidFill>
-                <a:latin typeface="FrutigerNext LT Medium" pitchFamily="34" charset="0"/>
-                <a:ea typeface="宋体" panose="02010600030101010101" pitchFamily="2" charset="-122"/>
-              </a:defRPr>
-            </a:lvl1pPr>
-            <a:lvl2pPr marL="742950" indent="-285750">
-              <a:lnSpc>
-                <a:spcPct val="120000"/>
-              </a:lnSpc>
-              <a:spcBef>
-                <a:spcPct val="20000"/>
-              </a:spcBef>
-              <a:spcAft>
-                <a:spcPct val="20000"/>
-              </a:spcAft>
-              <a:buClr>
-                <a:srgbClr val="5F5F5F"/>
-              </a:buClr>
-              <a:buFont typeface="Wingdings 3" panose="05040102010807070707" pitchFamily="18" charset="2"/>
-              <a:buChar char="["/>
-              <a:defRPr sz="1700">
-                <a:solidFill>
-                  <a:schemeClr val="tx1"/>
-                </a:solidFill>
-                <a:latin typeface="FrutigerNext LT Medium" pitchFamily="34" charset="0"/>
-                <a:ea typeface="宋体" panose="02010600030101010101" pitchFamily="2" charset="-122"/>
-              </a:defRPr>
-            </a:lvl2pPr>
-            <a:lvl3pPr marL="1143000" indent="-228600">
-              <a:lnSpc>
-                <a:spcPct val="120000"/>
-              </a:lnSpc>
-              <a:spcBef>
-                <a:spcPct val="20000"/>
-              </a:spcBef>
-              <a:spcAft>
-                <a:spcPct val="20000"/>
-              </a:spcAft>
-              <a:buClr>
-                <a:schemeClr val="tx1"/>
-              </a:buClr>
-              <a:buFont typeface="Arial" panose="020B0604020202020204" pitchFamily="34" charset="0"/>
-              <a:buChar char="−"/>
-              <a:defRPr sz="1700">
-                <a:solidFill>
-                  <a:schemeClr val="tx1"/>
-                </a:solidFill>
-                <a:latin typeface="FrutigerNext LT Medium" pitchFamily="34" charset="0"/>
-                <a:ea typeface="宋体" panose="02010600030101010101" pitchFamily="2" charset="-122"/>
-              </a:defRPr>
-            </a:lvl3pPr>
-            <a:lvl4pPr marL="1600200" indent="-228600">
-              <a:lnSpc>
-                <a:spcPct val="120000"/>
-              </a:lnSpc>
-              <a:spcBef>
-                <a:spcPct val="20000"/>
-              </a:spcBef>
-              <a:spcAft>
-                <a:spcPct val="20000"/>
-              </a:spcAft>
-              <a:buClr>
-                <a:schemeClr val="tx1"/>
-              </a:buClr>
-              <a:buFont typeface="Arial" panose="020B0604020202020204" pitchFamily="34" charset="0"/>
-              <a:buChar char="▪"/>
-              <a:defRPr sz="1700">
-                <a:solidFill>
-                  <a:schemeClr val="tx1"/>
-                </a:solidFill>
-                <a:latin typeface="FrutigerNext LT Medium" pitchFamily="34" charset="0"/>
-                <a:ea typeface="宋体" panose="02010600030101010101" pitchFamily="2" charset="-122"/>
-              </a:defRPr>
-            </a:lvl4pPr>
-            <a:lvl5pPr marL="2057400" indent="-228600">
-              <a:spcBef>
-                <a:spcPct val="20000"/>
-              </a:spcBef>
-              <a:buChar char="»"/>
-              <a:defRPr sz="1700">
-                <a:solidFill>
-                  <a:schemeClr val="tx1"/>
-                </a:solidFill>
-                <a:latin typeface="Arial" panose="020B0604020202020204" pitchFamily="34" charset="0"/>
-                <a:ea typeface="宋体" panose="02010600030101010101" pitchFamily="2" charset="-122"/>
-              </a:defRPr>
-            </a:lvl5pPr>
-            <a:lvl6pPr marL="2514600" indent="-228600" eaLnBrk="0" fontAlgn="base" hangingPunct="0">
-              <a:spcBef>
-                <a:spcPct val="20000"/>
-              </a:spcBef>
-              <a:spcAft>
-                <a:spcPct val="0"/>
-              </a:spcAft>
-              <a:buChar char="»"/>
-              <a:defRPr sz="1700">
-                <a:solidFill>
-                  <a:schemeClr val="tx1"/>
-                </a:solidFill>
-                <a:latin typeface="Arial" panose="020B0604020202020204" pitchFamily="34" charset="0"/>
-                <a:ea typeface="宋体" panose="02010600030101010101" pitchFamily="2" charset="-122"/>
-              </a:defRPr>
-            </a:lvl6pPr>
-            <a:lvl7pPr marL="2971800" indent="-228600" eaLnBrk="0" fontAlgn="base" hangingPunct="0">
-              <a:spcBef>
-                <a:spcPct val="20000"/>
-              </a:spcBef>
-              <a:spcAft>
-                <a:spcPct val="0"/>
-              </a:spcAft>
-              <a:buChar char="»"/>
-              <a:defRPr sz="1700">
-                <a:solidFill>
-                  <a:schemeClr val="tx1"/>
-                </a:solidFill>
-                <a:latin typeface="Arial" panose="020B0604020202020204" pitchFamily="34" charset="0"/>
-                <a:ea typeface="宋体" panose="02010600030101010101" pitchFamily="2" charset="-122"/>
-              </a:defRPr>
-            </a:lvl7pPr>
-            <a:lvl8pPr marL="3429000" indent="-228600" eaLnBrk="0" fontAlgn="base" hangingPunct="0">
-              <a:spcBef>
-                <a:spcPct val="20000"/>
-              </a:spcBef>
-              <a:spcAft>
-                <a:spcPct val="0"/>
-              </a:spcAft>
-              <a:buChar char="»"/>
-              <a:defRPr sz="1700">
-                <a:solidFill>
-                  <a:schemeClr val="tx1"/>
-                </a:solidFill>
-                <a:latin typeface="Arial" panose="020B0604020202020204" pitchFamily="34" charset="0"/>
-                <a:ea typeface="宋体" panose="02010600030101010101" pitchFamily="2" charset="-122"/>
-              </a:defRPr>
-            </a:lvl8pPr>
-            <a:lvl9pPr marL="3886200" indent="-228600" eaLnBrk="0" fontAlgn="base" hangingPunct="0">
-              <a:spcBef>
-                <a:spcPct val="20000"/>
-              </a:spcBef>
-              <a:spcAft>
-                <a:spcPct val="0"/>
-              </a:spcAft>
-              <a:buChar char="»"/>
-              <a:defRPr sz="1700">
-                <a:solidFill>
-                  <a:schemeClr val="tx1"/>
-                </a:solidFill>
-                <a:latin typeface="Arial" panose="020B0604020202020204" pitchFamily="34" charset="0"/>
-                <a:ea typeface="宋体" panose="02010600030101010101" pitchFamily="2" charset="-122"/>
-              </a:defRPr>
-            </a:lvl9pPr>
-          </a:lstStyle>
-          <a:p>
-            <a:pPr>
-              <a:lnSpc>
-                <a:spcPct val="85000"/>
-              </a:lnSpc>
-              <a:spcBef>
-                <a:spcPct val="0"/>
-              </a:spcBef>
-              <a:spcAft>
-                <a:spcPct val="0"/>
-              </a:spcAft>
-              <a:buClrTx/>
-              <a:buSzTx/>
-              <a:buFontTx/>
-              <a:buNone/>
-            </a:pPr>
-            <a:endParaRPr lang="de-DE" altLang="en-US" sz="1000" smtClean="0">
-              <a:ea typeface="MS PGothic" panose="020B0600070205080204" pitchFamily="34" charset="-128"/>
-            </a:endParaRPr>
-          </a:p>
-          <a:p>
-            <a:pPr>
-              <a:lnSpc>
-                <a:spcPct val="85000"/>
-              </a:lnSpc>
-              <a:spcBef>
-                <a:spcPct val="0"/>
-              </a:spcBef>
-              <a:spcAft>
-                <a:spcPct val="0"/>
-              </a:spcAft>
-              <a:buClrTx/>
-              <a:buSzTx/>
-              <a:buFontTx/>
-              <a:buNone/>
-            </a:pPr>
-            <a:r>
-              <a:rPr lang="de-DE" altLang="en-US" sz="1000" smtClean="0">
-                <a:ea typeface="MS PGothic" panose="020B0600070205080204" pitchFamily="34" charset="-128"/>
-              </a:rPr>
-              <a:t>Page </a:t>
-            </a:r>
-            <a:fld id="{86532620-EE16-4692-A7FF-47162C7E0C8F}" type="slidenum">
-              <a:rPr lang="de-DE" altLang="en-US" sz="1000" smtClean="0">
-                <a:ea typeface="MS PGothic" panose="020B0600070205080204" pitchFamily="34" charset="-128"/>
-              </a:rPr>
-              <a:pPr>
-                <a:lnSpc>
-                  <a:spcPct val="85000"/>
-                </a:lnSpc>
-                <a:spcBef>
-                  <a:spcPct val="0"/>
-                </a:spcBef>
-                <a:spcAft>
-                  <a:spcPct val="0"/>
-                </a:spcAft>
-                <a:buClrTx/>
-                <a:buSzTx/>
-                <a:buFontTx/>
-                <a:buNone/>
-              </a:pPr>
-              <a:t>20</a:t>
-            </a:fld>
-            <a:r>
-              <a:rPr lang="ru-RU" altLang="en-US" sz="1000" smtClean="0">
-                <a:ea typeface="MS PGothic" panose="020B0600070205080204" pitchFamily="34" charset="-128"/>
-              </a:rPr>
-              <a:t>/1</a:t>
-            </a:r>
-            <a:r>
-              <a:rPr lang="en-US" altLang="en-US" sz="1000" smtClean="0">
-                <a:ea typeface="MS PGothic" panose="020B0600070205080204" pitchFamily="34" charset="-128"/>
-              </a:rPr>
-              <a:t>3</a:t>
-            </a:r>
-            <a:endParaRPr lang="en-GB" altLang="en-US" sz="1000" smtClean="0">
-              <a:ea typeface="MS PGothic" panose="020B0600070205080204" pitchFamily="34" charset="-128"/>
-            </a:endParaRPr>
-          </a:p>
-        </p:txBody>
-      </p:sp>
-    </p:spTree>
-    <p:extLst>
-      <p:ext uri="{BB962C8B-B14F-4D97-AF65-F5344CB8AC3E}">
-        <p14:creationId xmlns:p14="http://schemas.microsoft.com/office/powerpoint/2010/main" val="2292668089"/>
-      </p:ext>
-    </p:extLst>
-  </p:cSld>
-  <p:clrMapOvr>
-    <a:overrideClrMapping bg1="lt1" tx1="dk1" bg2="lt2" tx2="dk2" accent1="accent1" accent2="accent2" accent3="accent3" accent4="accent4" accent5="accent5" accent6="accent6" hlink="hlink" folHlink="folHlink"/>
-  </p:clrMapOvr>
-  <p:timing>
-    <p:tnLst>
-      <p:par>
-        <p:cTn id="1" dur="indefinite" restart="never" nodeType="tmRoot"/>
-      </p:par>
-    </p:tnLst>
-  </p:timing>
-</p:sld>
-</file>
-
-<file path=ppt/slides/slide21.xml><?xml version="1.0" encoding="utf-8"?>
-<p:sld xmlns:a="http://schemas.openxmlformats.org/drawingml/2006/main" xmlns:r="http://schemas.openxmlformats.org/officeDocument/2006/relationships" xmlns:p="http://schemas.openxmlformats.org/presentationml/2006/main">
-  <p:cSld>
-    <p:spTree>
-      <p:nvGrpSpPr>
-        <p:cNvPr id="1" name=""/>
-        <p:cNvGrpSpPr/>
-        <p:nvPr/>
-      </p:nvGrpSpPr>
-      <p:grpSpPr>
-        <a:xfrm>
-          <a:off x="0" y="0"/>
-          <a:ext cx="0" cy="0"/>
-          <a:chOff x="0" y="0"/>
-          <a:chExt cx="0" cy="0"/>
-        </a:xfrm>
-      </p:grpSpPr>
-      <p:sp>
-        <p:nvSpPr>
-          <p:cNvPr id="17410" name="Date Placeholder 3"/>
-          <p:cNvSpPr>
-            <a:spLocks noGrp="1"/>
-          </p:cNvSpPr>
-          <p:nvPr>
-            <p:ph type="dt" sz="quarter" idx="10"/>
-          </p:nvPr>
-        </p:nvSpPr>
-        <p:spPr>
-          <a:noFill/>
-          <a:ln/>
-          <a:extLst>
-            <a:ext uri="{909E8E84-426E-40DD-AFC4-6F175D3DCCD1}">
-              <a14:hiddenFill xmlns:a14="http://schemas.microsoft.com/office/drawing/2010/main">
-                <a:solidFill>
-                  <a:srgbClr val="FFFFFF"/>
-                </a:solidFill>
-              </a14:hiddenFill>
-            </a:ext>
-            <a:ext uri="{91240B29-F687-4F45-9708-019B960494DF}">
-              <a14:hiddenLine xmlns:a14="http://schemas.microsoft.com/office/drawing/2010/main" w="9525">
-                <a:solidFill>
-                  <a:srgbClr val="000000"/>
-                </a:solidFill>
-                <a:miter lim="800000"/>
-                <a:headEnd/>
-                <a:tailEnd/>
-              </a14:hiddenLine>
-            </a:ext>
-          </a:extLst>
-        </p:spPr>
-        <p:txBody>
-          <a:bodyPr/>
-          <a:lstStyle>
-            <a:lvl1pPr defTabSz="784225">
-              <a:lnSpc>
-                <a:spcPct val="120000"/>
-              </a:lnSpc>
-              <a:spcBef>
-                <a:spcPct val="20000"/>
-              </a:spcBef>
-              <a:spcAft>
-                <a:spcPct val="20000"/>
-              </a:spcAft>
-              <a:buClr>
-                <a:srgbClr val="990000"/>
-              </a:buClr>
-              <a:buSzPct val="85000"/>
-              <a:buFont typeface="Wingdings" panose="05000000000000000000" pitchFamily="2" charset="2"/>
-              <a:buChar char="l"/>
-              <a:defRPr sz="1700">
-                <a:solidFill>
-                  <a:schemeClr val="tx1"/>
-                </a:solidFill>
-                <a:latin typeface="FrutigerNext LT Medium" pitchFamily="34" charset="0"/>
-                <a:ea typeface="宋体" panose="02010600030101010101" pitchFamily="2" charset="-122"/>
-              </a:defRPr>
-            </a:lvl1pPr>
-            <a:lvl2pPr marL="742950" indent="-285750" defTabSz="784225">
-              <a:lnSpc>
-                <a:spcPct val="120000"/>
-              </a:lnSpc>
-              <a:spcBef>
-                <a:spcPct val="20000"/>
-              </a:spcBef>
-              <a:spcAft>
-                <a:spcPct val="20000"/>
-              </a:spcAft>
-              <a:buClr>
-                <a:srgbClr val="5F5F5F"/>
-              </a:buClr>
-              <a:buFont typeface="Wingdings 3" panose="05040102010807070707" pitchFamily="18" charset="2"/>
-              <a:buChar char="["/>
-              <a:defRPr sz="1700">
-                <a:solidFill>
-                  <a:schemeClr val="tx1"/>
-                </a:solidFill>
-                <a:latin typeface="FrutigerNext LT Medium" pitchFamily="34" charset="0"/>
-                <a:ea typeface="宋体" panose="02010600030101010101" pitchFamily="2" charset="-122"/>
-              </a:defRPr>
-            </a:lvl2pPr>
-            <a:lvl3pPr marL="1143000" indent="-228600" defTabSz="784225">
-              <a:lnSpc>
-                <a:spcPct val="120000"/>
-              </a:lnSpc>
-              <a:spcBef>
-                <a:spcPct val="20000"/>
-              </a:spcBef>
-              <a:spcAft>
-                <a:spcPct val="20000"/>
-              </a:spcAft>
-              <a:buClr>
-                <a:schemeClr val="tx1"/>
-              </a:buClr>
-              <a:buFont typeface="Arial" panose="020B0604020202020204" pitchFamily="34" charset="0"/>
-              <a:buChar char="−"/>
-              <a:defRPr sz="1700">
-                <a:solidFill>
-                  <a:schemeClr val="tx1"/>
-                </a:solidFill>
-                <a:latin typeface="FrutigerNext LT Medium" pitchFamily="34" charset="0"/>
-                <a:ea typeface="宋体" panose="02010600030101010101" pitchFamily="2" charset="-122"/>
-              </a:defRPr>
-            </a:lvl3pPr>
-            <a:lvl4pPr marL="1600200" indent="-228600" defTabSz="784225">
-              <a:lnSpc>
-                <a:spcPct val="120000"/>
-              </a:lnSpc>
-              <a:spcBef>
-                <a:spcPct val="20000"/>
-              </a:spcBef>
-              <a:spcAft>
-                <a:spcPct val="20000"/>
-              </a:spcAft>
-              <a:buClr>
-                <a:schemeClr val="tx1"/>
-              </a:buClr>
-              <a:buFont typeface="Arial" panose="020B0604020202020204" pitchFamily="34" charset="0"/>
-              <a:buChar char="▪"/>
-              <a:defRPr sz="1700">
-                <a:solidFill>
-                  <a:schemeClr val="tx1"/>
-                </a:solidFill>
-                <a:latin typeface="FrutigerNext LT Medium" pitchFamily="34" charset="0"/>
-                <a:ea typeface="宋体" panose="02010600030101010101" pitchFamily="2" charset="-122"/>
-              </a:defRPr>
-            </a:lvl4pPr>
-            <a:lvl5pPr marL="2057400" indent="-228600" defTabSz="784225">
-              <a:spcBef>
-                <a:spcPct val="20000"/>
-              </a:spcBef>
-              <a:buChar char="»"/>
-              <a:defRPr sz="1700">
-                <a:solidFill>
-                  <a:schemeClr val="tx1"/>
-                </a:solidFill>
-                <a:latin typeface="Arial" panose="020B0604020202020204" pitchFamily="34" charset="0"/>
-                <a:ea typeface="宋体" panose="02010600030101010101" pitchFamily="2" charset="-122"/>
-              </a:defRPr>
-            </a:lvl5pPr>
-            <a:lvl6pPr marL="2514600" indent="-228600" defTabSz="784225" eaLnBrk="0" fontAlgn="base" hangingPunct="0">
-              <a:spcBef>
-                <a:spcPct val="20000"/>
-              </a:spcBef>
-              <a:spcAft>
-                <a:spcPct val="0"/>
-              </a:spcAft>
-              <a:buChar char="»"/>
-              <a:defRPr sz="1700">
-                <a:solidFill>
-                  <a:schemeClr val="tx1"/>
-                </a:solidFill>
-                <a:latin typeface="Arial" panose="020B0604020202020204" pitchFamily="34" charset="0"/>
-                <a:ea typeface="宋体" panose="02010600030101010101" pitchFamily="2" charset="-122"/>
-              </a:defRPr>
-            </a:lvl6pPr>
-            <a:lvl7pPr marL="2971800" indent="-228600" defTabSz="784225" eaLnBrk="0" fontAlgn="base" hangingPunct="0">
-              <a:spcBef>
-                <a:spcPct val="20000"/>
-              </a:spcBef>
-              <a:spcAft>
-                <a:spcPct val="0"/>
-              </a:spcAft>
-              <a:buChar char="»"/>
-              <a:defRPr sz="1700">
-                <a:solidFill>
-                  <a:schemeClr val="tx1"/>
-                </a:solidFill>
-                <a:latin typeface="Arial" panose="020B0604020202020204" pitchFamily="34" charset="0"/>
-                <a:ea typeface="宋体" panose="02010600030101010101" pitchFamily="2" charset="-122"/>
-              </a:defRPr>
-            </a:lvl7pPr>
-            <a:lvl8pPr marL="3429000" indent="-228600" defTabSz="784225" eaLnBrk="0" fontAlgn="base" hangingPunct="0">
-              <a:spcBef>
-                <a:spcPct val="20000"/>
-              </a:spcBef>
-              <a:spcAft>
-                <a:spcPct val="0"/>
-              </a:spcAft>
-              <a:buChar char="»"/>
-              <a:defRPr sz="1700">
-                <a:solidFill>
-                  <a:schemeClr val="tx1"/>
-                </a:solidFill>
-                <a:latin typeface="Arial" panose="020B0604020202020204" pitchFamily="34" charset="0"/>
-                <a:ea typeface="宋体" panose="02010600030101010101" pitchFamily="2" charset="-122"/>
-              </a:defRPr>
-            </a:lvl8pPr>
-            <a:lvl9pPr marL="3886200" indent="-228600" defTabSz="784225" eaLnBrk="0" fontAlgn="base" hangingPunct="0">
-              <a:spcBef>
-                <a:spcPct val="20000"/>
-              </a:spcBef>
-              <a:spcAft>
-                <a:spcPct val="0"/>
-              </a:spcAft>
-              <a:buChar char="»"/>
-              <a:defRPr sz="1700">
-                <a:solidFill>
-                  <a:schemeClr val="tx1"/>
-                </a:solidFill>
-                <a:latin typeface="Arial" panose="020B0604020202020204" pitchFamily="34" charset="0"/>
-                <a:ea typeface="宋体" panose="02010600030101010101" pitchFamily="2" charset="-122"/>
-              </a:defRPr>
-            </a:lvl9pPr>
-          </a:lstStyle>
-          <a:p>
-            <a:pPr>
-              <a:lnSpc>
-                <a:spcPct val="85000"/>
-              </a:lnSpc>
-              <a:spcBef>
-                <a:spcPct val="0"/>
-              </a:spcBef>
-              <a:spcAft>
-                <a:spcPct val="0"/>
-              </a:spcAft>
-              <a:buClrTx/>
-              <a:buSzTx/>
-              <a:buFontTx/>
-              <a:buNone/>
-            </a:pPr>
-            <a:endParaRPr lang="de-DE" altLang="en-US" sz="1000" smtClean="0">
-              <a:ea typeface="MS PGothic" panose="020B0600070205080204" pitchFamily="34" charset="-128"/>
-            </a:endParaRPr>
-          </a:p>
-          <a:p>
-            <a:pPr>
-              <a:lnSpc>
-                <a:spcPct val="85000"/>
-              </a:lnSpc>
-              <a:spcBef>
-                <a:spcPct val="0"/>
-              </a:spcBef>
-              <a:spcAft>
-                <a:spcPct val="0"/>
-              </a:spcAft>
-              <a:buClrTx/>
-              <a:buSzTx/>
-              <a:buFontTx/>
-              <a:buNone/>
-            </a:pPr>
-            <a:r>
-              <a:rPr lang="de-DE" altLang="en-US" sz="1000" smtClean="0">
-                <a:ea typeface="MS PGothic" panose="020B0600070205080204" pitchFamily="34" charset="-128"/>
-              </a:rPr>
-              <a:t>Page </a:t>
-            </a:r>
-            <a:fld id="{8DC6A97E-2057-4D78-A7C7-ACEC89E1A461}" type="slidenum">
-              <a:rPr lang="de-DE" altLang="en-US" sz="1000" smtClean="0">
-                <a:ea typeface="MS PGothic" panose="020B0600070205080204" pitchFamily="34" charset="-128"/>
-              </a:rPr>
-              <a:pPr>
-                <a:lnSpc>
-                  <a:spcPct val="85000"/>
-                </a:lnSpc>
-                <a:spcBef>
-                  <a:spcPct val="0"/>
-                </a:spcBef>
-                <a:spcAft>
-                  <a:spcPct val="0"/>
-                </a:spcAft>
-                <a:buClrTx/>
-                <a:buSzTx/>
-                <a:buFontTx/>
-                <a:buNone/>
-              </a:pPr>
-              <a:t>21</a:t>
-            </a:fld>
-            <a:r>
-              <a:rPr lang="ru-RU" altLang="en-US" sz="1000" smtClean="0">
-                <a:ea typeface="MS PGothic" panose="020B0600070205080204" pitchFamily="34" charset="-128"/>
-              </a:rPr>
-              <a:t>/1</a:t>
-            </a:r>
-            <a:r>
-              <a:rPr lang="en-US" altLang="en-US" sz="1000" smtClean="0">
-                <a:ea typeface="MS PGothic" panose="020B0600070205080204" pitchFamily="34" charset="-128"/>
-              </a:rPr>
-              <a:t>3</a:t>
-            </a:r>
-            <a:endParaRPr lang="en-GB" altLang="en-US" sz="1000" smtClean="0">
-              <a:ea typeface="MS PGothic" panose="020B0600070205080204" pitchFamily="34" charset="-128"/>
-            </a:endParaRPr>
-          </a:p>
-        </p:txBody>
-      </p:sp>
-      <p:sp>
-        <p:nvSpPr>
-          <p:cNvPr id="17411" name="Rectangle 2"/>
-          <p:cNvSpPr>
-            <a:spLocks noGrp="1" noChangeArrowheads="1"/>
-          </p:cNvSpPr>
-          <p:nvPr>
-            <p:ph type="title"/>
-          </p:nvPr>
-        </p:nvSpPr>
-        <p:spPr>
-          <a:xfrm>
-            <a:off x="28575" y="12700"/>
-            <a:ext cx="9115425" cy="720725"/>
-          </a:xfrm>
-        </p:spPr>
-        <p:txBody>
-          <a:bodyPr/>
-          <a:lstStyle/>
-          <a:p>
-            <a:pPr algn="ctr" eaLnBrk="1" hangingPunct="1">
-              <a:defRPr/>
-            </a:pPr>
-            <a:r>
-              <a:rPr lang="en-US" altLang="zh-CN" sz="3200" dirty="0" smtClean="0"/>
-              <a:t>Achievements</a:t>
-            </a:r>
-            <a:endParaRPr lang="en-US" altLang="zh-CN" sz="2000" dirty="0" smtClean="0">
-              <a:solidFill>
-                <a:schemeClr val="tx1">
-                  <a:lumMod val="75000"/>
-                  <a:lumOff val="25000"/>
-                </a:schemeClr>
-              </a:solidFill>
-            </a:endParaRPr>
-          </a:p>
-        </p:txBody>
-      </p:sp>
-      <p:sp>
-        <p:nvSpPr>
-          <p:cNvPr id="17412" name="Rectangle 3"/>
-          <p:cNvSpPr>
-            <a:spLocks noGrp="1" noChangeArrowheads="1"/>
-          </p:cNvSpPr>
-          <p:nvPr>
-            <p:ph type="body" idx="1"/>
-          </p:nvPr>
-        </p:nvSpPr>
-        <p:spPr>
-          <a:xfrm>
-            <a:off x="685800" y="1266825"/>
-            <a:ext cx="8001000" cy="2314575"/>
-          </a:xfrm>
-        </p:spPr>
-        <p:txBody>
-          <a:bodyPr/>
-          <a:lstStyle/>
-          <a:p>
-            <a:pPr marL="522288" lvl="1" indent="0" eaLnBrk="1" hangingPunct="1">
-              <a:buFont typeface="Wingdings" panose="05000000000000000000" pitchFamily="2" charset="2"/>
-              <a:buChar char="Ø"/>
-              <a:tabLst>
-                <a:tab pos="444500" algn="l"/>
-              </a:tabLst>
-            </a:pPr>
-            <a:r>
-              <a:rPr lang="en-US" altLang="en-US" sz="1600" dirty="0" smtClean="0"/>
-              <a:t>   68% True positives, which is high, even compared to manually created patterns classifiers</a:t>
-            </a:r>
-            <a:endParaRPr lang="en-US" altLang="en-US" sz="1600" dirty="0" smtClean="0"/>
-          </a:p>
-          <a:p>
-            <a:pPr marL="522288" lvl="1" indent="0" eaLnBrk="1" hangingPunct="1">
-              <a:buFont typeface="Wingdings" panose="05000000000000000000" pitchFamily="2" charset="2"/>
-              <a:buChar char="Ø"/>
-              <a:tabLst>
-                <a:tab pos="444500" algn="l"/>
-              </a:tabLst>
-            </a:pPr>
-            <a:r>
-              <a:rPr lang="en-US" altLang="en-US" sz="1600" dirty="0" smtClean="0"/>
-              <a:t>Used state of the art multiprocessing to calculate </a:t>
-            </a:r>
-            <a:r>
-              <a:rPr lang="en-US" altLang="en-US" sz="1600" dirty="0" err="1" smtClean="0"/>
-              <a:t>git</a:t>
-            </a:r>
-            <a:r>
-              <a:rPr lang="en-US" altLang="en-US" sz="1600" dirty="0" smtClean="0"/>
-              <a:t> repos statistics</a:t>
-            </a:r>
-          </a:p>
-          <a:p>
-            <a:pPr marL="522288" lvl="1" indent="0" eaLnBrk="1" hangingPunct="1">
-              <a:buFont typeface="Wingdings" panose="05000000000000000000" pitchFamily="2" charset="2"/>
-              <a:buChar char="Ø"/>
-              <a:tabLst>
-                <a:tab pos="444500" algn="l"/>
-              </a:tabLst>
-            </a:pPr>
-            <a:r>
-              <a:rPr lang="en-US" altLang="zh-CN" sz="1600" dirty="0" smtClean="0"/>
-              <a:t>Used </a:t>
-            </a:r>
-            <a:r>
-              <a:rPr lang="en-US" altLang="zh-CN" sz="1600" dirty="0" err="1" smtClean="0"/>
-              <a:t>Git</a:t>
-            </a:r>
-            <a:r>
-              <a:rPr lang="en-US" altLang="zh-CN" sz="1600" dirty="0" smtClean="0"/>
-              <a:t> API: up to 5000 requests per day</a:t>
-            </a:r>
-          </a:p>
-          <a:p>
-            <a:pPr marL="522288" lvl="1" indent="0" eaLnBrk="1" hangingPunct="1">
-              <a:buFont typeface="Wingdings" panose="05000000000000000000" pitchFamily="2" charset="2"/>
-              <a:buChar char="Ø"/>
-              <a:tabLst>
-                <a:tab pos="444500" algn="l"/>
-              </a:tabLst>
-            </a:pPr>
-            <a:r>
-              <a:rPr lang="en-US" altLang="zh-CN" sz="1600" dirty="0" smtClean="0"/>
-              <a:t>Found unique correlation between repo volatility and overall code quality</a:t>
-            </a:r>
-          </a:p>
-          <a:p>
-            <a:pPr marL="522288" lvl="1" indent="0" eaLnBrk="1" hangingPunct="1">
-              <a:buFont typeface="Wingdings" panose="05000000000000000000" pitchFamily="2" charset="2"/>
-              <a:buChar char="Ø"/>
-              <a:tabLst>
-                <a:tab pos="444500" algn="l"/>
-              </a:tabLst>
-            </a:pPr>
-            <a:r>
-              <a:rPr lang="en-US" altLang="zh-CN" sz="1600" dirty="0" smtClean="0"/>
-              <a:t>Researched various </a:t>
-            </a:r>
-            <a:r>
-              <a:rPr lang="en-US" altLang="zh-CN" sz="1600" dirty="0" err="1" smtClean="0"/>
-              <a:t>git</a:t>
-            </a:r>
-            <a:r>
-              <a:rPr lang="en-US" altLang="zh-CN" sz="1600" dirty="0" smtClean="0"/>
-              <a:t> output formats to reuse in feature projects</a:t>
-            </a:r>
-          </a:p>
-          <a:p>
-            <a:pPr marL="522288" lvl="1" indent="0" eaLnBrk="1" hangingPunct="1">
-              <a:buFont typeface="Wingdings" panose="05000000000000000000" pitchFamily="2" charset="2"/>
-              <a:buChar char="Ø"/>
-              <a:tabLst>
-                <a:tab pos="444500" algn="l"/>
-              </a:tabLst>
-            </a:pPr>
-            <a:r>
-              <a:rPr lang="en-US" altLang="zh-CN" sz="1600" dirty="0" smtClean="0"/>
-              <a:t>Distributable python package created, ready to run on Ubuntu/Windows as executable shell command (</a:t>
-            </a:r>
-            <a:r>
-              <a:rPr lang="en-US" altLang="zh-CN" sz="1600" dirty="0" smtClean="0">
-                <a:hlinkClick r:id="rId2"/>
-              </a:rPr>
-              <a:t>https://test.pypi.org/project/volatility-zuoqin/0.0.4/</a:t>
-            </a:r>
-            <a:r>
-              <a:rPr lang="en-US" altLang="en-US" sz="1400" dirty="0" smtClean="0"/>
-              <a:t>)</a:t>
-            </a:r>
-            <a:endParaRPr lang="en-US" altLang="zh-CN" sz="1300" dirty="0" smtClean="0"/>
-          </a:p>
-        </p:txBody>
-      </p:sp>
-    </p:spTree>
-  </p:cSld>
-  <p:clrMapOvr>
-    <a:masterClrMapping/>
-  </p:clrMapOvr>
-  <p:timing>
-    <p:tnLst>
-      <p:par>
-        <p:cTn id="1" dur="indefinite" restart="never" nodeType="tmRoot"/>
-      </p:par>
-    </p:tnLst>
-  </p:timing>
-</p:sld>
-</file>
-
-<file path=ppt/slides/slide22.xml><?xml version="1.0" encoding="utf-8"?>
-<p:sld xmlns:a="http://schemas.openxmlformats.org/drawingml/2006/main" xmlns:r="http://schemas.openxmlformats.org/officeDocument/2006/relationships" xmlns:p="http://schemas.openxmlformats.org/presentationml/2006/main">
-  <p:cSld>
-    <p:spTree>
-      <p:nvGrpSpPr>
-        <p:cNvPr id="1" name=""/>
-        <p:cNvGrpSpPr/>
-        <p:nvPr/>
-      </p:nvGrpSpPr>
-      <p:grpSpPr>
-        <a:xfrm>
-          <a:off x="0" y="0"/>
-          <a:ext cx="0" cy="0"/>
-          <a:chOff x="0" y="0"/>
-          <a:chExt cx="0" cy="0"/>
-        </a:xfrm>
-      </p:grpSpPr>
-    </p:spTree>
-  </p:cSld>
-  <p:clrMapOvr>
-    <a:masterClrMapping/>
   </p:clrMapOvr>
   <p:timing>
     <p:tnLst>
@@ -19732,7 +20933,11 @@
           <a:p>
             <a:r>
               <a:rPr lang="en-US" altLang="zh-CN" sz="3200" dirty="0" smtClean="0"/>
-              <a:t>New slide</a:t>
+              <a:t>Importance of </a:t>
+            </a:r>
+            <a:r>
+              <a:rPr lang="en-US" altLang="zh-CN" sz="3200" dirty="0" err="1" smtClean="0"/>
+              <a:t>embeddings</a:t>
             </a:r>
             <a:endParaRPr lang="zh-CN" altLang="en-US" sz="2000" dirty="0" smtClean="0"/>
           </a:p>
@@ -19766,7 +20971,15 @@
             </a:pPr>
             <a:r>
               <a:rPr lang="en-US" altLang="zh-CN" sz="1600" dirty="0" smtClean="0"/>
-              <a:t>Simplifies the problem:</a:t>
+              <a:t>How many True positives do we miss with random </a:t>
+            </a:r>
+            <a:r>
+              <a:rPr lang="en-US" altLang="zh-CN" sz="1600" dirty="0" err="1" smtClean="0"/>
+              <a:t>embeddings</a:t>
+            </a:r>
+            <a:r>
+              <a:rPr lang="en-US" altLang="zh-CN" sz="1600" dirty="0" smtClean="0"/>
+              <a:t>?</a:t>
             </a:r>
           </a:p>
           <a:p>
@@ -19777,18 +20990,44 @@
             </a:pPr>
             <a:r>
               <a:rPr lang="en-US" altLang="zh-CN" sz="1600" dirty="0" smtClean="0"/>
-              <a:t>Before: Writing a program analysis</a:t>
-            </a:r>
-          </a:p>
-          <a:p>
-            <a:pPr algn="just">
+              <a:t>Example: </a:t>
+            </a:r>
+          </a:p>
+          <a:p>
+            <a:pPr marL="0" indent="0" algn="just">
               <a:lnSpc>
                 <a:spcPct val="115000"/>
               </a:lnSpc>
+              <a:buNone/>
+            </a:pPr>
+            <a:endParaRPr lang="en-US" altLang="zh-CN" sz="1600" dirty="0" smtClean="0"/>
+          </a:p>
+          <a:p>
+            <a:pPr marL="0" indent="0" algn="just">
+              <a:lnSpc>
+                <a:spcPct val="115000"/>
+              </a:lnSpc>
+              <a:buNone/>
             </a:pPr>
             <a:r>
               <a:rPr lang="en-US" altLang="zh-CN" sz="1600" dirty="0" smtClean="0"/>
-              <a:t>Now: Providing examples of buggy and correct code</a:t>
+              <a:t>                      transform  = is(</a:t>
+            </a:r>
+            <a:r>
+              <a:rPr lang="en-US" altLang="zh-CN" sz="1600" dirty="0" err="1" smtClean="0"/>
+              <a:t>obj</a:t>
+            </a:r>
+            <a:r>
+              <a:rPr lang="en-US" altLang="zh-CN" sz="1600" dirty="0" smtClean="0"/>
+              <a:t>, value) | is(</a:t>
+            </a:r>
+            <a:r>
+              <a:rPr lang="en-US" altLang="zh-CN" sz="1600" dirty="0" err="1" smtClean="0"/>
+              <a:t>func</a:t>
+            </a:r>
+            <a:r>
+              <a:rPr lang="en-US" altLang="zh-CN" sz="1600" dirty="0" smtClean="0"/>
+              <a:t>, value)</a:t>
             </a:r>
           </a:p>
           <a:p>
@@ -19798,41 +21037,27 @@
               </a:lnSpc>
               <a:buNone/>
             </a:pPr>
+            <a:endParaRPr lang="en-US" altLang="zh-CN" sz="1600" dirty="0"/>
+          </a:p>
+          <a:p>
+            <a:pPr marL="0" indent="0" algn="just">
+              <a:lnSpc>
+                <a:spcPct val="115000"/>
+              </a:lnSpc>
+              <a:buNone/>
+            </a:pPr>
             <a:r>
               <a:rPr lang="en-US" altLang="zh-CN" sz="1600" dirty="0" smtClean="0"/>
-              <a:t>Catches otherwise missed bugs:</a:t>
-            </a:r>
-          </a:p>
-          <a:p>
-            <a:pPr algn="just">
-              <a:lnSpc>
-                <a:spcPct val="115000"/>
-              </a:lnSpc>
-            </a:pPr>
+              <a:t>Bitwise OR for logical OR of </a:t>
+            </a:r>
+            <a:r>
+              <a:rPr lang="en-US" altLang="zh-CN" sz="1600" dirty="0" err="1" smtClean="0"/>
+              <a:t>booleans</a:t>
+            </a:r>
             <a:r>
               <a:rPr lang="en-US" altLang="zh-CN" sz="1600" dirty="0" smtClean="0"/>
-              <a:t>Learns conventions from corpora of existing code</a:t>
-            </a:r>
-          </a:p>
-          <a:p>
-            <a:pPr algn="just">
-              <a:lnSpc>
-                <a:spcPct val="115000"/>
-              </a:lnSpc>
-            </a:pPr>
-            <a:r>
-              <a:rPr lang="en-US" altLang="zh-CN" sz="1600" dirty="0" smtClean="0"/>
-              <a:t>ML can handle natural language in code, which expresses domain specific knowledge</a:t>
-            </a:r>
-          </a:p>
-          <a:p>
-            <a:pPr marL="0" indent="0" algn="just">
-              <a:lnSpc>
-                <a:spcPct val="115000"/>
-              </a:lnSpc>
-              <a:buNone/>
-            </a:pPr>
-            <a:endParaRPr lang="en-US" altLang="zh-CN" sz="1600" dirty="0" smtClean="0"/>
+              <a:t>: inefficient and error-prone</a:t>
+            </a:r>
           </a:p>
           <a:p>
             <a:pPr marL="0" indent="0" algn="just">
@@ -20133,6 +21358,1017 @@
                 <a:buNone/>
               </a:pPr>
               <a:t>23</a:t>
+            </a:fld>
+            <a:r>
+              <a:rPr lang="ru-RU" altLang="en-US" sz="1000" smtClean="0">
+                <a:ea typeface="MS PGothic" panose="020B0600070205080204" pitchFamily="34" charset="-128"/>
+              </a:rPr>
+              <a:t>/1</a:t>
+            </a:r>
+            <a:r>
+              <a:rPr lang="en-US" altLang="en-US" sz="1000" smtClean="0">
+                <a:ea typeface="MS PGothic" panose="020B0600070205080204" pitchFamily="34" charset="-128"/>
+              </a:rPr>
+              <a:t>3</a:t>
+            </a:r>
+            <a:endParaRPr lang="en-GB" altLang="en-US" sz="1000" smtClean="0">
+              <a:ea typeface="MS PGothic" panose="020B0600070205080204" pitchFamily="34" charset="-128"/>
+            </a:endParaRPr>
+          </a:p>
+        </p:txBody>
+      </p:sp>
+    </p:spTree>
+    <p:extLst>
+      <p:ext uri="{BB962C8B-B14F-4D97-AF65-F5344CB8AC3E}">
+        <p14:creationId xmlns:p14="http://schemas.microsoft.com/office/powerpoint/2010/main" val="2292668089"/>
+      </p:ext>
+    </p:extLst>
+  </p:cSld>
+  <p:clrMapOvr>
+    <a:overrideClrMapping bg1="lt1" tx1="dk1" bg2="lt2" tx2="dk2" accent1="accent1" accent2="accent2" accent3="accent3" accent4="accent4" accent5="accent5" accent6="accent6" hlink="hlink" folHlink="folHlink"/>
+  </p:clrMapOvr>
+  <p:timing>
+    <p:tnLst>
+      <p:par>
+        <p:cTn id="1" dur="indefinite" restart="never" nodeType="tmRoot"/>
+      </p:par>
+    </p:tnLst>
+  </p:timing>
+</p:sld>
+</file>
+
+<file path=ppt/slides/slide24.xml><?xml version="1.0" encoding="utf-8"?>
+<p:sld xmlns:a="http://schemas.openxmlformats.org/drawingml/2006/main" xmlns:r="http://schemas.openxmlformats.org/officeDocument/2006/relationships" xmlns:p="http://schemas.openxmlformats.org/presentationml/2006/main">
+  <p:cSld>
+    <p:spTree>
+      <p:nvGrpSpPr>
+        <p:cNvPr id="1" name=""/>
+        <p:cNvGrpSpPr/>
+        <p:nvPr/>
+      </p:nvGrpSpPr>
+      <p:grpSpPr>
+        <a:xfrm>
+          <a:off x="0" y="0"/>
+          <a:ext cx="0" cy="0"/>
+          <a:chOff x="0" y="0"/>
+          <a:chExt cx="0" cy="0"/>
+        </a:xfrm>
+      </p:grpSpPr>
+      <p:sp>
+        <p:nvSpPr>
+          <p:cNvPr id="17410" name="Date Placeholder 3"/>
+          <p:cNvSpPr>
+            <a:spLocks noGrp="1"/>
+          </p:cNvSpPr>
+          <p:nvPr>
+            <p:ph type="dt" sz="quarter" idx="10"/>
+          </p:nvPr>
+        </p:nvSpPr>
+        <p:spPr>
+          <a:noFill/>
+          <a:ln/>
+          <a:extLst>
+            <a:ext uri="{909E8E84-426E-40DD-AFC4-6F175D3DCCD1}">
+              <a14:hiddenFill xmlns:a14="http://schemas.microsoft.com/office/drawing/2010/main">
+                <a:solidFill>
+                  <a:srgbClr val="FFFFFF"/>
+                </a:solidFill>
+              </a14:hiddenFill>
+            </a:ext>
+            <a:ext uri="{91240B29-F687-4F45-9708-019B960494DF}">
+              <a14:hiddenLine xmlns:a14="http://schemas.microsoft.com/office/drawing/2010/main" w="9525">
+                <a:solidFill>
+                  <a:srgbClr val="000000"/>
+                </a:solidFill>
+                <a:miter lim="800000"/>
+                <a:headEnd/>
+                <a:tailEnd/>
+              </a14:hiddenLine>
+            </a:ext>
+          </a:extLst>
+        </p:spPr>
+        <p:txBody>
+          <a:bodyPr/>
+          <a:lstStyle>
+            <a:lvl1pPr defTabSz="784225">
+              <a:lnSpc>
+                <a:spcPct val="120000"/>
+              </a:lnSpc>
+              <a:spcBef>
+                <a:spcPct val="20000"/>
+              </a:spcBef>
+              <a:spcAft>
+                <a:spcPct val="20000"/>
+              </a:spcAft>
+              <a:buClr>
+                <a:srgbClr val="990000"/>
+              </a:buClr>
+              <a:buSzPct val="85000"/>
+              <a:buFont typeface="Wingdings" panose="05000000000000000000" pitchFamily="2" charset="2"/>
+              <a:buChar char="l"/>
+              <a:defRPr sz="1700">
+                <a:solidFill>
+                  <a:schemeClr val="tx1"/>
+                </a:solidFill>
+                <a:latin typeface="FrutigerNext LT Medium" pitchFamily="34" charset="0"/>
+                <a:ea typeface="宋体" panose="02010600030101010101" pitchFamily="2" charset="-122"/>
+              </a:defRPr>
+            </a:lvl1pPr>
+            <a:lvl2pPr marL="742950" indent="-285750" defTabSz="784225">
+              <a:lnSpc>
+                <a:spcPct val="120000"/>
+              </a:lnSpc>
+              <a:spcBef>
+                <a:spcPct val="20000"/>
+              </a:spcBef>
+              <a:spcAft>
+                <a:spcPct val="20000"/>
+              </a:spcAft>
+              <a:buClr>
+                <a:srgbClr val="5F5F5F"/>
+              </a:buClr>
+              <a:buFont typeface="Wingdings 3" panose="05040102010807070707" pitchFamily="18" charset="2"/>
+              <a:buChar char="["/>
+              <a:defRPr sz="1700">
+                <a:solidFill>
+                  <a:schemeClr val="tx1"/>
+                </a:solidFill>
+                <a:latin typeface="FrutigerNext LT Medium" pitchFamily="34" charset="0"/>
+                <a:ea typeface="宋体" panose="02010600030101010101" pitchFamily="2" charset="-122"/>
+              </a:defRPr>
+            </a:lvl2pPr>
+            <a:lvl3pPr marL="1143000" indent="-228600" defTabSz="784225">
+              <a:lnSpc>
+                <a:spcPct val="120000"/>
+              </a:lnSpc>
+              <a:spcBef>
+                <a:spcPct val="20000"/>
+              </a:spcBef>
+              <a:spcAft>
+                <a:spcPct val="20000"/>
+              </a:spcAft>
+              <a:buClr>
+                <a:schemeClr val="tx1"/>
+              </a:buClr>
+              <a:buFont typeface="Arial" panose="020B0604020202020204" pitchFamily="34" charset="0"/>
+              <a:buChar char="−"/>
+              <a:defRPr sz="1700">
+                <a:solidFill>
+                  <a:schemeClr val="tx1"/>
+                </a:solidFill>
+                <a:latin typeface="FrutigerNext LT Medium" pitchFamily="34" charset="0"/>
+                <a:ea typeface="宋体" panose="02010600030101010101" pitchFamily="2" charset="-122"/>
+              </a:defRPr>
+            </a:lvl3pPr>
+            <a:lvl4pPr marL="1600200" indent="-228600" defTabSz="784225">
+              <a:lnSpc>
+                <a:spcPct val="120000"/>
+              </a:lnSpc>
+              <a:spcBef>
+                <a:spcPct val="20000"/>
+              </a:spcBef>
+              <a:spcAft>
+                <a:spcPct val="20000"/>
+              </a:spcAft>
+              <a:buClr>
+                <a:schemeClr val="tx1"/>
+              </a:buClr>
+              <a:buFont typeface="Arial" panose="020B0604020202020204" pitchFamily="34" charset="0"/>
+              <a:buChar char="▪"/>
+              <a:defRPr sz="1700">
+                <a:solidFill>
+                  <a:schemeClr val="tx1"/>
+                </a:solidFill>
+                <a:latin typeface="FrutigerNext LT Medium" pitchFamily="34" charset="0"/>
+                <a:ea typeface="宋体" panose="02010600030101010101" pitchFamily="2" charset="-122"/>
+              </a:defRPr>
+            </a:lvl4pPr>
+            <a:lvl5pPr marL="2057400" indent="-228600" defTabSz="784225">
+              <a:spcBef>
+                <a:spcPct val="20000"/>
+              </a:spcBef>
+              <a:buChar char="»"/>
+              <a:defRPr sz="1700">
+                <a:solidFill>
+                  <a:schemeClr val="tx1"/>
+                </a:solidFill>
+                <a:latin typeface="Arial" panose="020B0604020202020204" pitchFamily="34" charset="0"/>
+                <a:ea typeface="宋体" panose="02010600030101010101" pitchFamily="2" charset="-122"/>
+              </a:defRPr>
+            </a:lvl5pPr>
+            <a:lvl6pPr marL="2514600" indent="-228600" defTabSz="784225" eaLnBrk="0" fontAlgn="base" hangingPunct="0">
+              <a:spcBef>
+                <a:spcPct val="20000"/>
+              </a:spcBef>
+              <a:spcAft>
+                <a:spcPct val="0"/>
+              </a:spcAft>
+              <a:buChar char="»"/>
+              <a:defRPr sz="1700">
+                <a:solidFill>
+                  <a:schemeClr val="tx1"/>
+                </a:solidFill>
+                <a:latin typeface="Arial" panose="020B0604020202020204" pitchFamily="34" charset="0"/>
+                <a:ea typeface="宋体" panose="02010600030101010101" pitchFamily="2" charset="-122"/>
+              </a:defRPr>
+            </a:lvl6pPr>
+            <a:lvl7pPr marL="2971800" indent="-228600" defTabSz="784225" eaLnBrk="0" fontAlgn="base" hangingPunct="0">
+              <a:spcBef>
+                <a:spcPct val="20000"/>
+              </a:spcBef>
+              <a:spcAft>
+                <a:spcPct val="0"/>
+              </a:spcAft>
+              <a:buChar char="»"/>
+              <a:defRPr sz="1700">
+                <a:solidFill>
+                  <a:schemeClr val="tx1"/>
+                </a:solidFill>
+                <a:latin typeface="Arial" panose="020B0604020202020204" pitchFamily="34" charset="0"/>
+                <a:ea typeface="宋体" panose="02010600030101010101" pitchFamily="2" charset="-122"/>
+              </a:defRPr>
+            </a:lvl7pPr>
+            <a:lvl8pPr marL="3429000" indent="-228600" defTabSz="784225" eaLnBrk="0" fontAlgn="base" hangingPunct="0">
+              <a:spcBef>
+                <a:spcPct val="20000"/>
+              </a:spcBef>
+              <a:spcAft>
+                <a:spcPct val="0"/>
+              </a:spcAft>
+              <a:buChar char="»"/>
+              <a:defRPr sz="1700">
+                <a:solidFill>
+                  <a:schemeClr val="tx1"/>
+                </a:solidFill>
+                <a:latin typeface="Arial" panose="020B0604020202020204" pitchFamily="34" charset="0"/>
+                <a:ea typeface="宋体" panose="02010600030101010101" pitchFamily="2" charset="-122"/>
+              </a:defRPr>
+            </a:lvl8pPr>
+            <a:lvl9pPr marL="3886200" indent="-228600" defTabSz="784225" eaLnBrk="0" fontAlgn="base" hangingPunct="0">
+              <a:spcBef>
+                <a:spcPct val="20000"/>
+              </a:spcBef>
+              <a:spcAft>
+                <a:spcPct val="0"/>
+              </a:spcAft>
+              <a:buChar char="»"/>
+              <a:defRPr sz="1700">
+                <a:solidFill>
+                  <a:schemeClr val="tx1"/>
+                </a:solidFill>
+                <a:latin typeface="Arial" panose="020B0604020202020204" pitchFamily="34" charset="0"/>
+                <a:ea typeface="宋体" panose="02010600030101010101" pitchFamily="2" charset="-122"/>
+              </a:defRPr>
+            </a:lvl9pPr>
+          </a:lstStyle>
+          <a:p>
+            <a:pPr>
+              <a:lnSpc>
+                <a:spcPct val="85000"/>
+              </a:lnSpc>
+              <a:spcBef>
+                <a:spcPct val="0"/>
+              </a:spcBef>
+              <a:spcAft>
+                <a:spcPct val="0"/>
+              </a:spcAft>
+              <a:buClrTx/>
+              <a:buSzTx/>
+              <a:buFontTx/>
+              <a:buNone/>
+            </a:pPr>
+            <a:endParaRPr lang="de-DE" altLang="en-US" sz="1000" smtClean="0">
+              <a:ea typeface="MS PGothic" panose="020B0600070205080204" pitchFamily="34" charset="-128"/>
+            </a:endParaRPr>
+          </a:p>
+          <a:p>
+            <a:pPr>
+              <a:lnSpc>
+                <a:spcPct val="85000"/>
+              </a:lnSpc>
+              <a:spcBef>
+                <a:spcPct val="0"/>
+              </a:spcBef>
+              <a:spcAft>
+                <a:spcPct val="0"/>
+              </a:spcAft>
+              <a:buClrTx/>
+              <a:buSzTx/>
+              <a:buFontTx/>
+              <a:buNone/>
+            </a:pPr>
+            <a:r>
+              <a:rPr lang="de-DE" altLang="en-US" sz="1000" smtClean="0">
+                <a:ea typeface="MS PGothic" panose="020B0600070205080204" pitchFamily="34" charset="-128"/>
+              </a:rPr>
+              <a:t>Page </a:t>
+            </a:r>
+            <a:fld id="{8DC6A97E-2057-4D78-A7C7-ACEC89E1A461}" type="slidenum">
+              <a:rPr lang="de-DE" altLang="en-US" sz="1000" smtClean="0">
+                <a:ea typeface="MS PGothic" panose="020B0600070205080204" pitchFamily="34" charset="-128"/>
+              </a:rPr>
+              <a:pPr>
+                <a:lnSpc>
+                  <a:spcPct val="85000"/>
+                </a:lnSpc>
+                <a:spcBef>
+                  <a:spcPct val="0"/>
+                </a:spcBef>
+                <a:spcAft>
+                  <a:spcPct val="0"/>
+                </a:spcAft>
+                <a:buClrTx/>
+                <a:buSzTx/>
+                <a:buFontTx/>
+                <a:buNone/>
+              </a:pPr>
+              <a:t>24</a:t>
+            </a:fld>
+            <a:r>
+              <a:rPr lang="ru-RU" altLang="en-US" sz="1000" smtClean="0">
+                <a:ea typeface="MS PGothic" panose="020B0600070205080204" pitchFamily="34" charset="-128"/>
+              </a:rPr>
+              <a:t>/1</a:t>
+            </a:r>
+            <a:r>
+              <a:rPr lang="en-US" altLang="en-US" sz="1000" smtClean="0">
+                <a:ea typeface="MS PGothic" panose="020B0600070205080204" pitchFamily="34" charset="-128"/>
+              </a:rPr>
+              <a:t>3</a:t>
+            </a:r>
+            <a:endParaRPr lang="en-GB" altLang="en-US" sz="1000" smtClean="0">
+              <a:ea typeface="MS PGothic" panose="020B0600070205080204" pitchFamily="34" charset="-128"/>
+            </a:endParaRPr>
+          </a:p>
+        </p:txBody>
+      </p:sp>
+      <p:sp>
+        <p:nvSpPr>
+          <p:cNvPr id="17411" name="Rectangle 2"/>
+          <p:cNvSpPr>
+            <a:spLocks noGrp="1" noChangeArrowheads="1"/>
+          </p:cNvSpPr>
+          <p:nvPr>
+            <p:ph type="title"/>
+          </p:nvPr>
+        </p:nvSpPr>
+        <p:spPr>
+          <a:xfrm>
+            <a:off x="28575" y="12700"/>
+            <a:ext cx="9115425" cy="720725"/>
+          </a:xfrm>
+        </p:spPr>
+        <p:txBody>
+          <a:bodyPr/>
+          <a:lstStyle/>
+          <a:p>
+            <a:pPr algn="ctr" eaLnBrk="1" hangingPunct="1">
+              <a:defRPr/>
+            </a:pPr>
+            <a:r>
+              <a:rPr lang="en-US" altLang="zh-CN" sz="3200" dirty="0" smtClean="0"/>
+              <a:t>Achievements</a:t>
+            </a:r>
+            <a:endParaRPr lang="en-US" altLang="zh-CN" sz="2000" dirty="0" smtClean="0">
+              <a:solidFill>
+                <a:schemeClr val="tx1">
+                  <a:lumMod val="75000"/>
+                  <a:lumOff val="25000"/>
+                </a:schemeClr>
+              </a:solidFill>
+            </a:endParaRPr>
+          </a:p>
+        </p:txBody>
+      </p:sp>
+      <p:sp>
+        <p:nvSpPr>
+          <p:cNvPr id="17412" name="Rectangle 3"/>
+          <p:cNvSpPr>
+            <a:spLocks noGrp="1" noChangeArrowheads="1"/>
+          </p:cNvSpPr>
+          <p:nvPr>
+            <p:ph type="body" idx="1"/>
+          </p:nvPr>
+        </p:nvSpPr>
+        <p:spPr>
+          <a:xfrm>
+            <a:off x="685800" y="1266825"/>
+            <a:ext cx="8001000" cy="2314575"/>
+          </a:xfrm>
+        </p:spPr>
+        <p:txBody>
+          <a:bodyPr/>
+          <a:lstStyle/>
+          <a:p>
+            <a:pPr marL="522288" lvl="1" indent="0" eaLnBrk="1" hangingPunct="1">
+              <a:buFont typeface="Wingdings" panose="05000000000000000000" pitchFamily="2" charset="2"/>
+              <a:buChar char="Ø"/>
+              <a:tabLst>
+                <a:tab pos="444500" algn="l"/>
+              </a:tabLst>
+            </a:pPr>
+            <a:r>
+              <a:rPr lang="en-US" altLang="en-US" sz="1600" dirty="0" smtClean="0"/>
+              <a:t>   68% True positives, which is high, even compared to manually created patterns classifiers</a:t>
+            </a:r>
+          </a:p>
+          <a:p>
+            <a:pPr marL="522288" lvl="1" indent="0" eaLnBrk="1" hangingPunct="1">
+              <a:buFont typeface="Wingdings" panose="05000000000000000000" pitchFamily="2" charset="2"/>
+              <a:buChar char="Ø"/>
+              <a:tabLst>
+                <a:tab pos="444500" algn="l"/>
+              </a:tabLst>
+            </a:pPr>
+            <a:r>
+              <a:rPr lang="en-US" altLang="en-US" sz="1600" dirty="0" smtClean="0"/>
+              <a:t>Used state of the art multiprocessing to calculate </a:t>
+            </a:r>
+            <a:r>
+              <a:rPr lang="en-US" altLang="en-US" sz="1600" dirty="0" err="1" smtClean="0"/>
+              <a:t>git</a:t>
+            </a:r>
+            <a:r>
+              <a:rPr lang="en-US" altLang="en-US" sz="1600" dirty="0" smtClean="0"/>
+              <a:t> repos statistics</a:t>
+            </a:r>
+          </a:p>
+          <a:p>
+            <a:pPr marL="522288" lvl="1" indent="0" eaLnBrk="1" hangingPunct="1">
+              <a:buFont typeface="Wingdings" panose="05000000000000000000" pitchFamily="2" charset="2"/>
+              <a:buChar char="Ø"/>
+              <a:tabLst>
+                <a:tab pos="444500" algn="l"/>
+              </a:tabLst>
+            </a:pPr>
+            <a:r>
+              <a:rPr lang="en-US" altLang="zh-CN" sz="1600" dirty="0" smtClean="0"/>
+              <a:t>Used </a:t>
+            </a:r>
+            <a:r>
+              <a:rPr lang="en-US" altLang="zh-CN" sz="1600" dirty="0" err="1" smtClean="0"/>
+              <a:t>Git</a:t>
+            </a:r>
+            <a:r>
+              <a:rPr lang="en-US" altLang="zh-CN" sz="1600" dirty="0" smtClean="0"/>
+              <a:t> API: up to 5000 requests per day</a:t>
+            </a:r>
+          </a:p>
+          <a:p>
+            <a:pPr marL="522288" lvl="1" indent="0" eaLnBrk="1" hangingPunct="1">
+              <a:buFont typeface="Wingdings" panose="05000000000000000000" pitchFamily="2" charset="2"/>
+              <a:buChar char="Ø"/>
+              <a:tabLst>
+                <a:tab pos="444500" algn="l"/>
+              </a:tabLst>
+            </a:pPr>
+            <a:r>
+              <a:rPr lang="en-US" altLang="zh-CN" sz="1600" dirty="0" smtClean="0"/>
+              <a:t>Found unique correlation between repo volatility and overall code quality</a:t>
+            </a:r>
+          </a:p>
+          <a:p>
+            <a:pPr marL="522288" lvl="1" indent="0" eaLnBrk="1" hangingPunct="1">
+              <a:buFont typeface="Wingdings" panose="05000000000000000000" pitchFamily="2" charset="2"/>
+              <a:buChar char="Ø"/>
+              <a:tabLst>
+                <a:tab pos="444500" algn="l"/>
+              </a:tabLst>
+            </a:pPr>
+            <a:r>
+              <a:rPr lang="en-US" altLang="zh-CN" sz="1600" dirty="0" smtClean="0"/>
+              <a:t>Researched various </a:t>
+            </a:r>
+            <a:r>
+              <a:rPr lang="en-US" altLang="zh-CN" sz="1600" dirty="0" err="1" smtClean="0"/>
+              <a:t>git</a:t>
+            </a:r>
+            <a:r>
+              <a:rPr lang="en-US" altLang="zh-CN" sz="1600" dirty="0" smtClean="0"/>
+              <a:t> output formats to reuse in feature projects</a:t>
+            </a:r>
+          </a:p>
+          <a:p>
+            <a:pPr marL="522288" lvl="1" indent="0" eaLnBrk="1" hangingPunct="1">
+              <a:buFont typeface="Wingdings" panose="05000000000000000000" pitchFamily="2" charset="2"/>
+              <a:buChar char="Ø"/>
+              <a:tabLst>
+                <a:tab pos="444500" algn="l"/>
+              </a:tabLst>
+            </a:pPr>
+            <a:r>
+              <a:rPr lang="en-US" altLang="zh-CN" sz="1600" dirty="0" smtClean="0"/>
+              <a:t>Distributable python package created, ready to run on Ubuntu/Windows as executable shell command (</a:t>
+            </a:r>
+            <a:r>
+              <a:rPr lang="en-US" altLang="zh-CN" sz="1600" dirty="0" smtClean="0">
+                <a:hlinkClick r:id="rId2"/>
+              </a:rPr>
+              <a:t>https://test.pypi.org/project/volatility-zuoqin/0.0.4/</a:t>
+            </a:r>
+            <a:r>
+              <a:rPr lang="en-US" altLang="en-US" sz="1400" dirty="0" smtClean="0"/>
+              <a:t>)</a:t>
+            </a:r>
+            <a:endParaRPr lang="en-US" altLang="zh-CN" sz="1300" dirty="0" smtClean="0"/>
+          </a:p>
+        </p:txBody>
+      </p:sp>
+    </p:spTree>
+  </p:cSld>
+  <p:clrMapOvr>
+    <a:masterClrMapping/>
+  </p:clrMapOvr>
+  <p:timing>
+    <p:tnLst>
+      <p:par>
+        <p:cTn id="1" dur="indefinite" restart="never" nodeType="tmRoot"/>
+      </p:par>
+    </p:tnLst>
+  </p:timing>
+</p:sld>
+</file>
+
+<file path=ppt/slides/slide25.xml><?xml version="1.0" encoding="utf-8"?>
+<p:sld xmlns:a="http://schemas.openxmlformats.org/drawingml/2006/main" xmlns:r="http://schemas.openxmlformats.org/officeDocument/2006/relationships" xmlns:p="http://schemas.openxmlformats.org/presentationml/2006/main">
+  <p:cSld>
+    <p:spTree>
+      <p:nvGrpSpPr>
+        <p:cNvPr id="1" name=""/>
+        <p:cNvGrpSpPr/>
+        <p:nvPr/>
+      </p:nvGrpSpPr>
+      <p:grpSpPr>
+        <a:xfrm>
+          <a:off x="0" y="0"/>
+          <a:ext cx="0" cy="0"/>
+          <a:chOff x="0" y="0"/>
+          <a:chExt cx="0" cy="0"/>
+        </a:xfrm>
+      </p:grpSpPr>
+    </p:spTree>
+  </p:cSld>
+  <p:clrMapOvr>
+    <a:masterClrMapping/>
+  </p:clrMapOvr>
+  <p:timing>
+    <p:tnLst>
+      <p:par>
+        <p:cTn id="1" dur="indefinite" restart="never" nodeType="tmRoot"/>
+      </p:par>
+    </p:tnLst>
+  </p:timing>
+</p:sld>
+</file>
+
+<file path=ppt/slides/slide26.xml><?xml version="1.0" encoding="utf-8"?>
+<p:sld xmlns:a="http://schemas.openxmlformats.org/drawingml/2006/main" xmlns:r="http://schemas.openxmlformats.org/officeDocument/2006/relationships" xmlns:p="http://schemas.openxmlformats.org/presentationml/2006/main">
+  <p:cSld>
+    <p:bg>
+      <p:bgPr>
+        <a:solidFill>
+          <a:schemeClr val="bg1"/>
+        </a:solidFill>
+        <a:effectLst/>
+      </p:bgPr>
+    </p:bg>
+    <p:spTree>
+      <p:nvGrpSpPr>
+        <p:cNvPr id="1" name=""/>
+        <p:cNvGrpSpPr/>
+        <p:nvPr/>
+      </p:nvGrpSpPr>
+      <p:grpSpPr>
+        <a:xfrm>
+          <a:off x="0" y="0"/>
+          <a:ext cx="0" cy="0"/>
+          <a:chOff x="0" y="0"/>
+          <a:chExt cx="0" cy="0"/>
+        </a:xfrm>
+      </p:grpSpPr>
+      <p:sp>
+        <p:nvSpPr>
+          <p:cNvPr id="11266" name="Rectangle 2"/>
+          <p:cNvSpPr>
+            <a:spLocks noGrp="1" noChangeArrowheads="1"/>
+          </p:cNvSpPr>
+          <p:nvPr>
+            <p:ph type="title"/>
+          </p:nvPr>
+        </p:nvSpPr>
+        <p:spPr>
+          <a:xfrm>
+            <a:off x="609600" y="401638"/>
+            <a:ext cx="8177213" cy="721210"/>
+          </a:xfrm>
+        </p:spPr>
+        <p:txBody>
+          <a:bodyPr/>
+          <a:lstStyle/>
+          <a:p>
+            <a:r>
+              <a:rPr lang="en-US" altLang="zh-CN" sz="3200" dirty="0" smtClean="0"/>
+              <a:t>New slide</a:t>
+            </a:r>
+            <a:endParaRPr lang="zh-CN" altLang="en-US" sz="2000" dirty="0" smtClean="0"/>
+          </a:p>
+        </p:txBody>
+      </p:sp>
+      <p:sp>
+        <p:nvSpPr>
+          <p:cNvPr id="11267" name="Rectangle 3"/>
+          <p:cNvSpPr>
+            <a:spLocks noGrp="1" noChangeArrowheads="1"/>
+          </p:cNvSpPr>
+          <p:nvPr>
+            <p:ph type="body" sz="half" idx="1"/>
+          </p:nvPr>
+        </p:nvSpPr>
+        <p:spPr>
+          <a:xfrm>
+            <a:off x="609599" y="1447800"/>
+            <a:ext cx="8177213" cy="4572000"/>
+          </a:xfrm>
+        </p:spPr>
+        <p:txBody>
+          <a:bodyPr/>
+          <a:lstStyle/>
+          <a:p>
+            <a:pPr marL="0" indent="0" algn="just">
+              <a:lnSpc>
+                <a:spcPct val="115000"/>
+              </a:lnSpc>
+              <a:buNone/>
+            </a:pPr>
+            <a:r>
+              <a:rPr lang="en-US" altLang="zh-CN" sz="1600" dirty="0" smtClean="0"/>
+              <a:t>Simplifies the problem:</a:t>
+            </a:r>
+          </a:p>
+          <a:p>
+            <a:pPr algn="just">
+              <a:lnSpc>
+                <a:spcPct val="115000"/>
+              </a:lnSpc>
+            </a:pPr>
+            <a:r>
+              <a:rPr lang="en-US" altLang="zh-CN" sz="1600" dirty="0" smtClean="0"/>
+              <a:t>Before: Writing a program analysis</a:t>
+            </a:r>
+          </a:p>
+          <a:p>
+            <a:pPr algn="just">
+              <a:lnSpc>
+                <a:spcPct val="115000"/>
+              </a:lnSpc>
+            </a:pPr>
+            <a:r>
+              <a:rPr lang="en-US" altLang="zh-CN" sz="1600" dirty="0" smtClean="0"/>
+              <a:t>Now: Providing examples of buggy and correct code</a:t>
+            </a:r>
+          </a:p>
+          <a:p>
+            <a:pPr marL="0" indent="0" algn="just">
+              <a:lnSpc>
+                <a:spcPct val="115000"/>
+              </a:lnSpc>
+              <a:buNone/>
+            </a:pPr>
+            <a:r>
+              <a:rPr lang="en-US" altLang="zh-CN" sz="1600" dirty="0" smtClean="0"/>
+              <a:t>Catches otherwise missed bugs:</a:t>
+            </a:r>
+          </a:p>
+          <a:p>
+            <a:pPr algn="just">
+              <a:lnSpc>
+                <a:spcPct val="115000"/>
+              </a:lnSpc>
+            </a:pPr>
+            <a:r>
+              <a:rPr lang="en-US" altLang="zh-CN" sz="1600" dirty="0" smtClean="0"/>
+              <a:t>Learns conventions from corpora of existing code</a:t>
+            </a:r>
+          </a:p>
+          <a:p>
+            <a:pPr algn="just">
+              <a:lnSpc>
+                <a:spcPct val="115000"/>
+              </a:lnSpc>
+            </a:pPr>
+            <a:r>
+              <a:rPr lang="en-US" altLang="zh-CN" sz="1600" dirty="0" smtClean="0"/>
+              <a:t>ML can handle natural language in code, which expresses domain specific knowledge</a:t>
+            </a:r>
+          </a:p>
+          <a:p>
+            <a:pPr marL="0" indent="0" algn="just">
+              <a:lnSpc>
+                <a:spcPct val="115000"/>
+              </a:lnSpc>
+              <a:buNone/>
+            </a:pPr>
+            <a:endParaRPr lang="en-US" altLang="zh-CN" sz="1600" dirty="0" smtClean="0"/>
+          </a:p>
+          <a:p>
+            <a:pPr marL="0" indent="0" algn="just">
+              <a:lnSpc>
+                <a:spcPct val="115000"/>
+              </a:lnSpc>
+              <a:buNone/>
+            </a:pPr>
+            <a:endParaRPr lang="en-US" altLang="zh-CN" sz="1600" dirty="0"/>
+          </a:p>
+          <a:p>
+            <a:pPr marL="0" indent="0" algn="just">
+              <a:lnSpc>
+                <a:spcPct val="115000"/>
+              </a:lnSpc>
+              <a:buNone/>
+            </a:pPr>
+            <a:endParaRPr lang="en-US" altLang="zh-CN" sz="1600" dirty="0" smtClean="0"/>
+          </a:p>
+          <a:p>
+            <a:pPr marL="231775" indent="-231775" algn="just">
+              <a:lnSpc>
+                <a:spcPct val="115000"/>
+              </a:lnSpc>
+              <a:buFont typeface="Wingdings" pitchFamily="2" charset="2"/>
+              <a:buNone/>
+            </a:pPr>
+            <a:endParaRPr lang="zh-CN" altLang="en-US" dirty="0" smtClean="0"/>
+          </a:p>
+        </p:txBody>
+      </p:sp>
+      <p:sp>
+        <p:nvSpPr>
+          <p:cNvPr id="11268" name="Date Placeholder 4"/>
+          <p:cNvSpPr>
+            <a:spLocks noGrp="1"/>
+          </p:cNvSpPr>
+          <p:nvPr>
+            <p:ph type="dt" sz="quarter" idx="10"/>
+          </p:nvPr>
+        </p:nvSpPr>
+        <p:spPr>
+          <a:noFill/>
+          <a:ln/>
+          <a:extLst>
+            <a:ext uri="{909E8E84-426E-40DD-AFC4-6F175D3DCCD1}">
+              <a14:hiddenFill xmlns:a14="http://schemas.microsoft.com/office/drawing/2010/main">
+                <a:solidFill>
+                  <a:srgbClr val="FFFFFF"/>
+                </a:solidFill>
+              </a14:hiddenFill>
+            </a:ext>
+            <a:ext uri="{91240B29-F687-4F45-9708-019B960494DF}">
+              <a14:hiddenLine xmlns:a14="http://schemas.microsoft.com/office/drawing/2010/main" w="9525">
+                <a:solidFill>
+                  <a:srgbClr val="000000"/>
+                </a:solidFill>
+                <a:miter lim="800000"/>
+                <a:headEnd/>
+                <a:tailEnd/>
+              </a14:hiddenLine>
+            </a:ext>
+          </a:extLst>
+        </p:spPr>
+        <p:txBody>
+          <a:bodyPr/>
+          <a:lstStyle>
+            <a:lvl1pPr>
+              <a:lnSpc>
+                <a:spcPct val="120000"/>
+              </a:lnSpc>
+              <a:spcBef>
+                <a:spcPct val="20000"/>
+              </a:spcBef>
+              <a:spcAft>
+                <a:spcPct val="20000"/>
+              </a:spcAft>
+              <a:buClr>
+                <a:srgbClr val="990000"/>
+              </a:buClr>
+              <a:buSzPct val="85000"/>
+              <a:buFont typeface="Wingdings" panose="05000000000000000000" pitchFamily="2" charset="2"/>
+              <a:buChar char="l"/>
+              <a:defRPr sz="1700">
+                <a:solidFill>
+                  <a:schemeClr val="tx1"/>
+                </a:solidFill>
+                <a:latin typeface="FrutigerNext LT Medium" pitchFamily="34" charset="0"/>
+                <a:ea typeface="宋体" panose="02010600030101010101" pitchFamily="2" charset="-122"/>
+              </a:defRPr>
+            </a:lvl1pPr>
+            <a:lvl2pPr marL="742950" indent="-285750">
+              <a:lnSpc>
+                <a:spcPct val="120000"/>
+              </a:lnSpc>
+              <a:spcBef>
+                <a:spcPct val="20000"/>
+              </a:spcBef>
+              <a:spcAft>
+                <a:spcPct val="20000"/>
+              </a:spcAft>
+              <a:buClr>
+                <a:srgbClr val="5F5F5F"/>
+              </a:buClr>
+              <a:buFont typeface="Wingdings 3" panose="05040102010807070707" pitchFamily="18" charset="2"/>
+              <a:buChar char="["/>
+              <a:defRPr sz="1700">
+                <a:solidFill>
+                  <a:schemeClr val="tx1"/>
+                </a:solidFill>
+                <a:latin typeface="FrutigerNext LT Medium" pitchFamily="34" charset="0"/>
+                <a:ea typeface="宋体" panose="02010600030101010101" pitchFamily="2" charset="-122"/>
+              </a:defRPr>
+            </a:lvl2pPr>
+            <a:lvl3pPr marL="1143000" indent="-228600">
+              <a:lnSpc>
+                <a:spcPct val="120000"/>
+              </a:lnSpc>
+              <a:spcBef>
+                <a:spcPct val="20000"/>
+              </a:spcBef>
+              <a:spcAft>
+                <a:spcPct val="20000"/>
+              </a:spcAft>
+              <a:buClr>
+                <a:schemeClr val="tx1"/>
+              </a:buClr>
+              <a:buFont typeface="Arial" panose="020B0604020202020204" pitchFamily="34" charset="0"/>
+              <a:buChar char="−"/>
+              <a:defRPr sz="1700">
+                <a:solidFill>
+                  <a:schemeClr val="tx1"/>
+                </a:solidFill>
+                <a:latin typeface="FrutigerNext LT Medium" pitchFamily="34" charset="0"/>
+                <a:ea typeface="宋体" panose="02010600030101010101" pitchFamily="2" charset="-122"/>
+              </a:defRPr>
+            </a:lvl3pPr>
+            <a:lvl4pPr marL="1600200" indent="-228600">
+              <a:lnSpc>
+                <a:spcPct val="120000"/>
+              </a:lnSpc>
+              <a:spcBef>
+                <a:spcPct val="20000"/>
+              </a:spcBef>
+              <a:spcAft>
+                <a:spcPct val="20000"/>
+              </a:spcAft>
+              <a:buClr>
+                <a:schemeClr val="tx1"/>
+              </a:buClr>
+              <a:buFont typeface="Arial" panose="020B0604020202020204" pitchFamily="34" charset="0"/>
+              <a:buChar char="▪"/>
+              <a:defRPr sz="1700">
+                <a:solidFill>
+                  <a:schemeClr val="tx1"/>
+                </a:solidFill>
+                <a:latin typeface="FrutigerNext LT Medium" pitchFamily="34" charset="0"/>
+                <a:ea typeface="宋体" panose="02010600030101010101" pitchFamily="2" charset="-122"/>
+              </a:defRPr>
+            </a:lvl4pPr>
+            <a:lvl5pPr marL="2057400" indent="-228600">
+              <a:spcBef>
+                <a:spcPct val="20000"/>
+              </a:spcBef>
+              <a:buChar char="»"/>
+              <a:defRPr sz="1700">
+                <a:solidFill>
+                  <a:schemeClr val="tx1"/>
+                </a:solidFill>
+                <a:latin typeface="Arial" panose="020B0604020202020204" pitchFamily="34" charset="0"/>
+                <a:ea typeface="宋体" panose="02010600030101010101" pitchFamily="2" charset="-122"/>
+              </a:defRPr>
+            </a:lvl5pPr>
+            <a:lvl6pPr marL="2514600" indent="-228600" eaLnBrk="0" fontAlgn="base" hangingPunct="0">
+              <a:spcBef>
+                <a:spcPct val="20000"/>
+              </a:spcBef>
+              <a:spcAft>
+                <a:spcPct val="0"/>
+              </a:spcAft>
+              <a:buChar char="»"/>
+              <a:defRPr sz="1700">
+                <a:solidFill>
+                  <a:schemeClr val="tx1"/>
+                </a:solidFill>
+                <a:latin typeface="Arial" panose="020B0604020202020204" pitchFamily="34" charset="0"/>
+                <a:ea typeface="宋体" panose="02010600030101010101" pitchFamily="2" charset="-122"/>
+              </a:defRPr>
+            </a:lvl6pPr>
+            <a:lvl7pPr marL="2971800" indent="-228600" eaLnBrk="0" fontAlgn="base" hangingPunct="0">
+              <a:spcBef>
+                <a:spcPct val="20000"/>
+              </a:spcBef>
+              <a:spcAft>
+                <a:spcPct val="0"/>
+              </a:spcAft>
+              <a:buChar char="»"/>
+              <a:defRPr sz="1700">
+                <a:solidFill>
+                  <a:schemeClr val="tx1"/>
+                </a:solidFill>
+                <a:latin typeface="Arial" panose="020B0604020202020204" pitchFamily="34" charset="0"/>
+                <a:ea typeface="宋体" panose="02010600030101010101" pitchFamily="2" charset="-122"/>
+              </a:defRPr>
+            </a:lvl7pPr>
+            <a:lvl8pPr marL="3429000" indent="-228600" eaLnBrk="0" fontAlgn="base" hangingPunct="0">
+              <a:spcBef>
+                <a:spcPct val="20000"/>
+              </a:spcBef>
+              <a:spcAft>
+                <a:spcPct val="0"/>
+              </a:spcAft>
+              <a:buChar char="»"/>
+              <a:defRPr sz="1700">
+                <a:solidFill>
+                  <a:schemeClr val="tx1"/>
+                </a:solidFill>
+                <a:latin typeface="Arial" panose="020B0604020202020204" pitchFamily="34" charset="0"/>
+                <a:ea typeface="宋体" panose="02010600030101010101" pitchFamily="2" charset="-122"/>
+              </a:defRPr>
+            </a:lvl8pPr>
+            <a:lvl9pPr marL="3886200" indent="-228600" eaLnBrk="0" fontAlgn="base" hangingPunct="0">
+              <a:spcBef>
+                <a:spcPct val="20000"/>
+              </a:spcBef>
+              <a:spcAft>
+                <a:spcPct val="0"/>
+              </a:spcAft>
+              <a:buChar char="»"/>
+              <a:defRPr sz="1700">
+                <a:solidFill>
+                  <a:schemeClr val="tx1"/>
+                </a:solidFill>
+                <a:latin typeface="Arial" panose="020B0604020202020204" pitchFamily="34" charset="0"/>
+                <a:ea typeface="宋体" panose="02010600030101010101" pitchFamily="2" charset="-122"/>
+              </a:defRPr>
+            </a:lvl9pPr>
+          </a:lstStyle>
+          <a:p>
+            <a:pPr>
+              <a:lnSpc>
+                <a:spcPct val="85000"/>
+              </a:lnSpc>
+              <a:spcBef>
+                <a:spcPct val="0"/>
+              </a:spcBef>
+              <a:spcAft>
+                <a:spcPct val="0"/>
+              </a:spcAft>
+              <a:buClrTx/>
+              <a:buSzTx/>
+              <a:buFontTx/>
+              <a:buNone/>
+            </a:pPr>
+            <a:endParaRPr lang="de-DE" altLang="en-US" sz="1000" smtClean="0">
+              <a:ea typeface="MS PGothic" panose="020B0600070205080204" pitchFamily="34" charset="-128"/>
+            </a:endParaRPr>
+          </a:p>
+          <a:p>
+            <a:pPr>
+              <a:lnSpc>
+                <a:spcPct val="85000"/>
+              </a:lnSpc>
+              <a:spcBef>
+                <a:spcPct val="0"/>
+              </a:spcBef>
+              <a:spcAft>
+                <a:spcPct val="0"/>
+              </a:spcAft>
+              <a:buClrTx/>
+              <a:buSzTx/>
+              <a:buFontTx/>
+              <a:buNone/>
+            </a:pPr>
+            <a:r>
+              <a:rPr lang="de-DE" altLang="en-US" sz="1000" smtClean="0">
+                <a:ea typeface="MS PGothic" panose="020B0600070205080204" pitchFamily="34" charset="-128"/>
+              </a:rPr>
+              <a:t>Page </a:t>
+            </a:r>
+            <a:fld id="{86532620-EE16-4692-A7FF-47162C7E0C8F}" type="slidenum">
+              <a:rPr lang="de-DE" altLang="en-US" sz="1000" smtClean="0">
+                <a:ea typeface="MS PGothic" panose="020B0600070205080204" pitchFamily="34" charset="-128"/>
+              </a:rPr>
+              <a:pPr>
+                <a:lnSpc>
+                  <a:spcPct val="85000"/>
+                </a:lnSpc>
+                <a:spcBef>
+                  <a:spcPct val="0"/>
+                </a:spcBef>
+                <a:spcAft>
+                  <a:spcPct val="0"/>
+                </a:spcAft>
+                <a:buClrTx/>
+                <a:buSzTx/>
+                <a:buFontTx/>
+                <a:buNone/>
+              </a:pPr>
+              <a:t>26</a:t>
             </a:fld>
             <a:r>
               <a:rPr lang="ru-RU" altLang="en-US" sz="1000" smtClean="0">
@@ -26795,6 +29031,135 @@
 </a:themeOverride>
 </file>
 
+<file path=ppt/theme/themeOverride17.xml><?xml version="1.0" encoding="utf-8"?>
+<a:themeOverride xmlns:a="http://schemas.openxmlformats.org/drawingml/2006/main">
+  <a:clrScheme name="Slide Template—English（20060512）  1">
+    <a:dk1>
+      <a:srgbClr val="000000"/>
+    </a:dk1>
+    <a:lt1>
+      <a:srgbClr val="FFFFFF"/>
+    </a:lt1>
+    <a:dk2>
+      <a:srgbClr val="000000"/>
+    </a:dk2>
+    <a:lt2>
+      <a:srgbClr val="808080"/>
+    </a:lt2>
+    <a:accent1>
+      <a:srgbClr val="BBE0E3"/>
+    </a:accent1>
+    <a:accent2>
+      <a:srgbClr val="333399"/>
+    </a:accent2>
+    <a:accent3>
+      <a:srgbClr val="FFFFFF"/>
+    </a:accent3>
+    <a:accent4>
+      <a:srgbClr val="000000"/>
+    </a:accent4>
+    <a:accent5>
+      <a:srgbClr val="DAEDEF"/>
+    </a:accent5>
+    <a:accent6>
+      <a:srgbClr val="2D2D8A"/>
+    </a:accent6>
+    <a:hlink>
+      <a:srgbClr val="009999"/>
+    </a:hlink>
+    <a:folHlink>
+      <a:srgbClr val="99CC00"/>
+    </a:folHlink>
+  </a:clrScheme>
+</a:themeOverride>
+</file>
+
+<file path=ppt/theme/themeOverride18.xml><?xml version="1.0" encoding="utf-8"?>
+<a:themeOverride xmlns:a="http://schemas.openxmlformats.org/drawingml/2006/main">
+  <a:clrScheme name="Slide Template—English（20060512）  1">
+    <a:dk1>
+      <a:srgbClr val="000000"/>
+    </a:dk1>
+    <a:lt1>
+      <a:srgbClr val="FFFFFF"/>
+    </a:lt1>
+    <a:dk2>
+      <a:srgbClr val="000000"/>
+    </a:dk2>
+    <a:lt2>
+      <a:srgbClr val="808080"/>
+    </a:lt2>
+    <a:accent1>
+      <a:srgbClr val="BBE0E3"/>
+    </a:accent1>
+    <a:accent2>
+      <a:srgbClr val="333399"/>
+    </a:accent2>
+    <a:accent3>
+      <a:srgbClr val="FFFFFF"/>
+    </a:accent3>
+    <a:accent4>
+      <a:srgbClr val="000000"/>
+    </a:accent4>
+    <a:accent5>
+      <a:srgbClr val="DAEDEF"/>
+    </a:accent5>
+    <a:accent6>
+      <a:srgbClr val="2D2D8A"/>
+    </a:accent6>
+    <a:hlink>
+      <a:srgbClr val="009999"/>
+    </a:hlink>
+    <a:folHlink>
+      <a:srgbClr val="99CC00"/>
+    </a:folHlink>
+  </a:clrScheme>
+</a:themeOverride>
+</file>
+
+<file path=ppt/theme/themeOverride19.xml><?xml version="1.0" encoding="utf-8"?>
+<a:themeOverride xmlns:a="http://schemas.openxmlformats.org/drawingml/2006/main">
+  <a:clrScheme name="Slide Template—English（20060512）  1">
+    <a:dk1>
+      <a:srgbClr val="000000"/>
+    </a:dk1>
+    <a:lt1>
+      <a:srgbClr val="FFFFFF"/>
+    </a:lt1>
+    <a:dk2>
+      <a:srgbClr val="000000"/>
+    </a:dk2>
+    <a:lt2>
+      <a:srgbClr val="808080"/>
+    </a:lt2>
+    <a:accent1>
+      <a:srgbClr val="BBE0E3"/>
+    </a:accent1>
+    <a:accent2>
+      <a:srgbClr val="333399"/>
+    </a:accent2>
+    <a:accent3>
+      <a:srgbClr val="FFFFFF"/>
+    </a:accent3>
+    <a:accent4>
+      <a:srgbClr val="000000"/>
+    </a:accent4>
+    <a:accent5>
+      <a:srgbClr val="DAEDEF"/>
+    </a:accent5>
+    <a:accent6>
+      <a:srgbClr val="2D2D8A"/>
+    </a:accent6>
+    <a:hlink>
+      <a:srgbClr val="009999"/>
+    </a:hlink>
+    <a:folHlink>
+      <a:srgbClr val="99CC00"/>
+    </a:folHlink>
+  </a:clrScheme>
+</a:themeOverride>
+</file>
+
 <file path=ppt/theme/themeOverride2.xml><?xml version="1.0" encoding="utf-8"?>
 <a:themeOverride xmlns:a="http://schemas.openxmlformats.org/drawingml/2006/main">
   <a:clrScheme name="Slide Template—English（20060512）  1">

--- a/materials/Project Presentation.pptx
+++ b/materials/Project Presentation.pptx
@@ -6,7 +6,7 @@
     <p:sldMasterId id="2147483656" r:id="rId2"/>
   </p:sldMasterIdLst>
   <p:notesMasterIdLst>
-    <p:notesMasterId r:id="rId29"/>
+    <p:notesMasterId r:id="rId31"/>
   </p:notesMasterIdLst>
   <p:sldIdLst>
     <p:sldId id="314" r:id="rId3"/>
@@ -33,8 +33,10 @@
     <p:sldId id="352" r:id="rId24"/>
     <p:sldId id="357" r:id="rId25"/>
     <p:sldId id="293" r:id="rId26"/>
-    <p:sldId id="315" r:id="rId27"/>
-    <p:sldId id="354" r:id="rId28"/>
+    <p:sldId id="361" r:id="rId27"/>
+    <p:sldId id="362" r:id="rId28"/>
+    <p:sldId id="315" r:id="rId29"/>
+    <p:sldId id="354" r:id="rId30"/>
   </p:sldIdLst>
   <p:sldSz cx="9144000" cy="6858000" type="screen4x3"/>
   <p:notesSz cx="6858000" cy="9144000"/>
@@ -228,6 +230,7 @@
           </a:p>
         </c:rich>
       </c:tx>
+      <c:layout/>
       <c:overlay val="0"/>
       <c:spPr>
         <a:noFill/>
@@ -302,12 +305,13 @@
           <c:dLbls>
             <c:dLbl>
               <c:idx val="0"/>
+              <c:layout/>
               <c:tx>
                 <c:rich>
                   <a:bodyPr/>
                   <a:lstStyle/>
                   <a:p>
-                    <a:fld id="{7B6AEA6C-616F-4DCD-9AA4-866036D603CA}" type="CELLRANGE">
+                    <a:fld id="{36FD0E26-1F59-4BED-8762-4A1C69BFA300}" type="CELLRANGE">
                       <a:rPr lang="en-US"/>
                       <a:pPr/>
                       <a:t>[CELLRANGE]</a:t>
@@ -324,6 +328,7 @@
               <c:showBubbleSize val="0"/>
               <c:extLst>
                 <c:ext xmlns:c15="http://schemas.microsoft.com/office/drawing/2012/chart" uri="{CE6537A1-D6FC-4f65-9D91-7224C49458BB}">
+                  <c15:layout/>
                   <c15:dlblFieldTable/>
                   <c15:xForSave val="1"/>
                   <c15:showDataLabelsRange val="1"/>
@@ -332,12 +337,13 @@
             </c:dLbl>
             <c:dLbl>
               <c:idx val="1"/>
+              <c:layout/>
               <c:tx>
                 <c:rich>
                   <a:bodyPr/>
                   <a:lstStyle/>
                   <a:p>
-                    <a:fld id="{7FBE09C9-4C94-4577-BF5B-7E79AF22422D}" type="CELLRANGE">
+                    <a:fld id="{DBCEBA1B-AB94-45D5-BCEB-992183145878}" type="CELLRANGE">
                       <a:rPr lang="en-US"/>
                       <a:pPr/>
                       <a:t>[CELLRANGE]</a:t>
@@ -354,6 +360,7 @@
               <c:showBubbleSize val="0"/>
               <c:extLst>
                 <c:ext xmlns:c15="http://schemas.microsoft.com/office/drawing/2012/chart" uri="{CE6537A1-D6FC-4f65-9D91-7224C49458BB}">
+                  <c15:layout/>
                   <c15:dlblFieldTable/>
                   <c15:xForSave val="1"/>
                   <c15:showDataLabelsRange val="1"/>
@@ -362,12 +369,13 @@
             </c:dLbl>
             <c:dLbl>
               <c:idx val="2"/>
+              <c:layout/>
               <c:tx>
                 <c:rich>
                   <a:bodyPr/>
                   <a:lstStyle/>
                   <a:p>
-                    <a:fld id="{7994C23A-E811-472C-A330-B6698AFB322B}" type="CELLRANGE">
+                    <a:fld id="{02D55058-B9DF-42B2-8CCA-134FD69B4E86}" type="CELLRANGE">
                       <a:rPr lang="en-US"/>
                       <a:pPr/>
                       <a:t>[CELLRANGE]</a:t>
@@ -384,6 +392,7 @@
               <c:showBubbleSize val="0"/>
               <c:extLst>
                 <c:ext xmlns:c15="http://schemas.microsoft.com/office/drawing/2012/chart" uri="{CE6537A1-D6FC-4f65-9D91-7224C49458BB}">
+                  <c15:layout/>
                   <c15:dlblFieldTable/>
                   <c15:xForSave val="1"/>
                   <c15:showDataLabelsRange val="1"/>
@@ -392,12 +401,13 @@
             </c:dLbl>
             <c:dLbl>
               <c:idx val="3"/>
+              <c:layout/>
               <c:tx>
                 <c:rich>
                   <a:bodyPr/>
                   <a:lstStyle/>
                   <a:p>
-                    <a:fld id="{E26DA3CC-E80E-447A-9061-CA82F61BDD27}" type="CELLRANGE">
+                    <a:fld id="{D0F78137-12D4-41D9-B41E-B892043D82DC}" type="CELLRANGE">
                       <a:rPr lang="en-US"/>
                       <a:pPr/>
                       <a:t>[CELLRANGE]</a:t>
@@ -414,6 +424,7 @@
               <c:showBubbleSize val="0"/>
               <c:extLst>
                 <c:ext xmlns:c15="http://schemas.microsoft.com/office/drawing/2012/chart" uri="{CE6537A1-D6FC-4f65-9D91-7224C49458BB}">
+                  <c15:layout/>
                   <c15:dlblFieldTable/>
                   <c15:xForSave val="1"/>
                   <c15:showDataLabelsRange val="1"/>
@@ -422,12 +433,13 @@
             </c:dLbl>
             <c:dLbl>
               <c:idx val="4"/>
+              <c:layout/>
               <c:tx>
                 <c:rich>
                   <a:bodyPr/>
                   <a:lstStyle/>
                   <a:p>
-                    <a:fld id="{69A7C1CB-0845-437C-9CCA-99F501B89783}" type="CELLRANGE">
+                    <a:fld id="{7BD4EE39-868B-47DE-9942-055AE1237DB8}" type="CELLRANGE">
                       <a:rPr lang="en-US"/>
                       <a:pPr/>
                       <a:t>[CELLRANGE]</a:t>
@@ -444,6 +456,7 @@
               <c:showBubbleSize val="0"/>
               <c:extLst>
                 <c:ext xmlns:c15="http://schemas.microsoft.com/office/drawing/2012/chart" uri="{CE6537A1-D6FC-4f65-9D91-7224C49458BB}">
+                  <c15:layout/>
                   <c15:dlblFieldTable/>
                   <c15:xForSave val="1"/>
                   <c15:showDataLabelsRange val="1"/>
@@ -452,12 +465,13 @@
             </c:dLbl>
             <c:dLbl>
               <c:idx val="5"/>
+              <c:layout/>
               <c:tx>
                 <c:rich>
                   <a:bodyPr/>
                   <a:lstStyle/>
                   <a:p>
-                    <a:fld id="{BA058F17-4904-489A-B660-3C84632DAEDB}" type="CELLRANGE">
+                    <a:fld id="{98BF7248-8F12-4A76-B733-8DA0A4E72BF4}" type="CELLRANGE">
                       <a:rPr lang="en-US"/>
                       <a:pPr/>
                       <a:t>[CELLRANGE]</a:t>
@@ -474,6 +488,7 @@
               <c:showBubbleSize val="0"/>
               <c:extLst>
                 <c:ext xmlns:c15="http://schemas.microsoft.com/office/drawing/2012/chart" uri="{CE6537A1-D6FC-4f65-9D91-7224C49458BB}">
+                  <c15:layout/>
                   <c15:dlblFieldTable/>
                   <c15:xForSave val="1"/>
                   <c15:showDataLabelsRange val="1"/>
@@ -482,12 +497,13 @@
             </c:dLbl>
             <c:dLbl>
               <c:idx val="6"/>
+              <c:layout/>
               <c:tx>
                 <c:rich>
                   <a:bodyPr/>
                   <a:lstStyle/>
                   <a:p>
-                    <a:fld id="{02A94BE4-109A-4F3A-9319-66EC6D57B2F8}" type="CELLRANGE">
+                    <a:fld id="{C31648BF-18EF-4BBC-913A-11317DF82DAF}" type="CELLRANGE">
                       <a:rPr lang="en-US"/>
                       <a:pPr/>
                       <a:t>[CELLRANGE]</a:t>
@@ -504,6 +520,7 @@
               <c:showBubbleSize val="0"/>
               <c:extLst>
                 <c:ext xmlns:c15="http://schemas.microsoft.com/office/drawing/2012/chart" uri="{CE6537A1-D6FC-4f65-9D91-7224C49458BB}">
+                  <c15:layout/>
                   <c15:dlblFieldTable/>
                   <c15:xForSave val="1"/>
                   <c15:showDataLabelsRange val="1"/>
@@ -512,12 +529,13 @@
             </c:dLbl>
             <c:dLbl>
               <c:idx val="7"/>
+              <c:layout/>
               <c:tx>
                 <c:rich>
                   <a:bodyPr/>
                   <a:lstStyle/>
                   <a:p>
-                    <a:fld id="{68D83AEF-D267-4456-95A6-C63F6B673F0F}" type="CELLRANGE">
+                    <a:fld id="{5F772FCF-425E-4DA4-AADF-2CD130741C45}" type="CELLRANGE">
                       <a:rPr lang="en-US"/>
                       <a:pPr/>
                       <a:t>[CELLRANGE]</a:t>
@@ -534,6 +552,7 @@
               <c:showBubbleSize val="0"/>
               <c:extLst>
                 <c:ext xmlns:c15="http://schemas.microsoft.com/office/drawing/2012/chart" uri="{CE6537A1-D6FC-4f65-9D91-7224C49458BB}">
+                  <c15:layout/>
                   <c15:dlblFieldTable/>
                   <c15:xForSave val="1"/>
                   <c15:showDataLabelsRange val="1"/>
@@ -578,6 +597,7 @@
             <c:showLeaderLines val="0"/>
             <c:extLst>
               <c:ext xmlns:c15="http://schemas.microsoft.com/office/drawing/2012/chart" uri="{CE6537A1-D6FC-4f65-9D91-7224C49458BB}">
+                <c15:layout/>
                 <c15:showDataLabelsRange val="1"/>
                 <c15:showLeaderLines val="1"/>
                 <c15:leaderLines>
@@ -707,11 +727,11 @@
           <c:showPercent val="0"/>
           <c:showBubbleSize val="0"/>
         </c:dLbls>
-        <c:axId val="2086434544"/>
-        <c:axId val="2086436176"/>
+        <c:axId val="319021344"/>
+        <c:axId val="319026784"/>
       </c:scatterChart>
       <c:valAx>
-        <c:axId val="2086434544"/>
+        <c:axId val="319021344"/>
         <c:scaling>
           <c:orientation val="minMax"/>
         </c:scaling>
@@ -768,12 +788,12 @@
             <a:endParaRPr lang="en-US"/>
           </a:p>
         </c:txPr>
-        <c:crossAx val="2086436176"/>
+        <c:crossAx val="319026784"/>
         <c:crosses val="autoZero"/>
         <c:crossBetween val="midCat"/>
       </c:valAx>
       <c:valAx>
-        <c:axId val="2086436176"/>
+        <c:axId val="319026784"/>
         <c:scaling>
           <c:orientation val="minMax"/>
         </c:scaling>
@@ -830,7 +850,7 @@
             <a:endParaRPr lang="en-US"/>
           </a:p>
         </c:txPr>
-        <c:crossAx val="2086434544"/>
+        <c:crossAx val="319021344"/>
         <c:crosses val="autoZero"/>
         <c:crossBetween val="midCat"/>
       </c:valAx>
@@ -12422,7 +12442,6 @@
               <a:rPr lang="en-US" altLang="zh-CN" sz="1600" dirty="0" smtClean="0"/>
               <a:t>):</a:t>
             </a:r>
-            <a:endParaRPr lang="en-US" altLang="zh-CN" sz="1600" dirty="0" smtClean="0"/>
           </a:p>
           <a:p>
             <a:pPr marL="0" indent="0" algn="just">
@@ -21769,108 +21788,13 @@
             </a:pPr>
             <a:r>
               <a:rPr lang="en-US" altLang="en-US" sz="1600" dirty="0" smtClean="0"/>
-              <a:t>   68% True positives, which is high, even compared to manually created patterns classifiers</a:t>
-            </a:r>
-          </a:p>
-          <a:p>
-            <a:pPr marL="522288" lvl="1" indent="0" eaLnBrk="1" hangingPunct="1">
-              <a:buFont typeface="Wingdings" panose="05000000000000000000" pitchFamily="2" charset="2"/>
-              <a:buChar char="Ø"/>
-              <a:tabLst>
-                <a:tab pos="444500" algn="l"/>
-              </a:tabLst>
-            </a:pPr>
+              <a:t>   68% True positives, which is high, even compared to manually created patterns </a:t>
+            </a:r>
             <a:r>
               <a:rPr lang="en-US" altLang="en-US" sz="1600" dirty="0" smtClean="0"/>
-              <a:t>Used state of the art multiprocessing to calculate </a:t>
-            </a:r>
-            <a:r>
-              <a:rPr lang="en-US" altLang="en-US" sz="1600" dirty="0" err="1" smtClean="0"/>
-              <a:t>git</a:t>
-            </a:r>
-            <a:r>
-              <a:rPr lang="en-US" altLang="en-US" sz="1600" dirty="0" smtClean="0"/>
-              <a:t> repos statistics</a:t>
-            </a:r>
-          </a:p>
-          <a:p>
-            <a:pPr marL="522288" lvl="1" indent="0" eaLnBrk="1" hangingPunct="1">
-              <a:buFont typeface="Wingdings" panose="05000000000000000000" pitchFamily="2" charset="2"/>
-              <a:buChar char="Ø"/>
-              <a:tabLst>
-                <a:tab pos="444500" algn="l"/>
-              </a:tabLst>
-            </a:pPr>
-            <a:r>
-              <a:rPr lang="en-US" altLang="zh-CN" sz="1600" dirty="0" smtClean="0"/>
-              <a:t>Used </a:t>
-            </a:r>
-            <a:r>
-              <a:rPr lang="en-US" altLang="zh-CN" sz="1600" dirty="0" err="1" smtClean="0"/>
-              <a:t>Git</a:t>
-            </a:r>
-            <a:r>
-              <a:rPr lang="en-US" altLang="zh-CN" sz="1600" dirty="0" smtClean="0"/>
-              <a:t> API: up to 5000 requests per day</a:t>
-            </a:r>
-          </a:p>
-          <a:p>
-            <a:pPr marL="522288" lvl="1" indent="0" eaLnBrk="1" hangingPunct="1">
-              <a:buFont typeface="Wingdings" panose="05000000000000000000" pitchFamily="2" charset="2"/>
-              <a:buChar char="Ø"/>
-              <a:tabLst>
-                <a:tab pos="444500" algn="l"/>
-              </a:tabLst>
-            </a:pPr>
-            <a:r>
-              <a:rPr lang="en-US" altLang="zh-CN" sz="1600" dirty="0" smtClean="0"/>
-              <a:t>Found unique correlation between repo volatility and overall code quality</a:t>
-            </a:r>
-          </a:p>
-          <a:p>
-            <a:pPr marL="522288" lvl="1" indent="0" eaLnBrk="1" hangingPunct="1">
-              <a:buFont typeface="Wingdings" panose="05000000000000000000" pitchFamily="2" charset="2"/>
-              <a:buChar char="Ø"/>
-              <a:tabLst>
-                <a:tab pos="444500" algn="l"/>
-              </a:tabLst>
-            </a:pPr>
-            <a:r>
-              <a:rPr lang="en-US" altLang="zh-CN" sz="1600" dirty="0" smtClean="0"/>
-              <a:t>Researched various </a:t>
-            </a:r>
-            <a:r>
-              <a:rPr lang="en-US" altLang="zh-CN" sz="1600" dirty="0" err="1" smtClean="0"/>
-              <a:t>git</a:t>
-            </a:r>
-            <a:r>
-              <a:rPr lang="en-US" altLang="zh-CN" sz="1600" dirty="0" smtClean="0"/>
-              <a:t> output formats to reuse in feature projects</a:t>
-            </a:r>
-          </a:p>
-          <a:p>
-            <a:pPr marL="522288" lvl="1" indent="0" eaLnBrk="1" hangingPunct="1">
-              <a:buFont typeface="Wingdings" panose="05000000000000000000" pitchFamily="2" charset="2"/>
-              <a:buChar char="Ø"/>
-              <a:tabLst>
-                <a:tab pos="444500" algn="l"/>
-              </a:tabLst>
-            </a:pPr>
-            <a:r>
-              <a:rPr lang="en-US" altLang="zh-CN" sz="1600" dirty="0" smtClean="0"/>
-              <a:t>Distributable python package created, ready to run on Ubuntu/Windows as executable shell command (</a:t>
-            </a:r>
-            <a:r>
-              <a:rPr lang="en-US" altLang="zh-CN" sz="1600" dirty="0" smtClean="0">
-                <a:hlinkClick r:id="rId2"/>
-              </a:rPr>
-              <a:t>https://test.pypi.org/project/volatility-zuoqin/0.0.4/</a:t>
-            </a:r>
-            <a:r>
-              <a:rPr lang="en-US" altLang="en-US" sz="1400" dirty="0" smtClean="0"/>
-              <a:t>)</a:t>
-            </a:r>
-            <a:endParaRPr lang="en-US" altLang="zh-CN" sz="1300" dirty="0" smtClean="0"/>
+              <a:t>classifiers</a:t>
+            </a:r>
+            <a:endParaRPr lang="en-US" altLang="en-US" sz="1600" dirty="0" smtClean="0"/>
           </a:p>
         </p:txBody>
       </p:sp>
@@ -21906,7 +21830,377 @@
           <a:chExt cx="0" cy="0"/>
         </a:xfrm>
       </p:grpSpPr>
+      <p:sp>
+        <p:nvSpPr>
+          <p:cNvPr id="17410" name="Date Placeholder 3"/>
+          <p:cNvSpPr>
+            <a:spLocks noGrp="1"/>
+          </p:cNvSpPr>
+          <p:nvPr>
+            <p:ph type="dt" sz="quarter" idx="10"/>
+          </p:nvPr>
+        </p:nvSpPr>
+        <p:spPr>
+          <a:noFill/>
+          <a:ln/>
+          <a:extLst>
+            <a:ext uri="{909E8E84-426E-40DD-AFC4-6F175D3DCCD1}">
+              <a14:hiddenFill xmlns:a14="http://schemas.microsoft.com/office/drawing/2010/main">
+                <a:solidFill>
+                  <a:srgbClr val="FFFFFF"/>
+                </a:solidFill>
+              </a14:hiddenFill>
+            </a:ext>
+            <a:ext uri="{91240B29-F687-4F45-9708-019B960494DF}">
+              <a14:hiddenLine xmlns:a14="http://schemas.microsoft.com/office/drawing/2010/main" w="9525">
+                <a:solidFill>
+                  <a:srgbClr val="000000"/>
+                </a:solidFill>
+                <a:miter lim="800000"/>
+                <a:headEnd/>
+                <a:tailEnd/>
+              </a14:hiddenLine>
+            </a:ext>
+          </a:extLst>
+        </p:spPr>
+        <p:txBody>
+          <a:bodyPr/>
+          <a:lstStyle>
+            <a:lvl1pPr defTabSz="784225">
+              <a:lnSpc>
+                <a:spcPct val="120000"/>
+              </a:lnSpc>
+              <a:spcBef>
+                <a:spcPct val="20000"/>
+              </a:spcBef>
+              <a:spcAft>
+                <a:spcPct val="20000"/>
+              </a:spcAft>
+              <a:buClr>
+                <a:srgbClr val="990000"/>
+              </a:buClr>
+              <a:buSzPct val="85000"/>
+              <a:buFont typeface="Wingdings" panose="05000000000000000000" pitchFamily="2" charset="2"/>
+              <a:buChar char="l"/>
+              <a:defRPr sz="1700">
+                <a:solidFill>
+                  <a:schemeClr val="tx1"/>
+                </a:solidFill>
+                <a:latin typeface="FrutigerNext LT Medium" pitchFamily="34" charset="0"/>
+                <a:ea typeface="宋体" panose="02010600030101010101" pitchFamily="2" charset="-122"/>
+              </a:defRPr>
+            </a:lvl1pPr>
+            <a:lvl2pPr marL="742950" indent="-285750" defTabSz="784225">
+              <a:lnSpc>
+                <a:spcPct val="120000"/>
+              </a:lnSpc>
+              <a:spcBef>
+                <a:spcPct val="20000"/>
+              </a:spcBef>
+              <a:spcAft>
+                <a:spcPct val="20000"/>
+              </a:spcAft>
+              <a:buClr>
+                <a:srgbClr val="5F5F5F"/>
+              </a:buClr>
+              <a:buFont typeface="Wingdings 3" panose="05040102010807070707" pitchFamily="18" charset="2"/>
+              <a:buChar char="["/>
+              <a:defRPr sz="1700">
+                <a:solidFill>
+                  <a:schemeClr val="tx1"/>
+                </a:solidFill>
+                <a:latin typeface="FrutigerNext LT Medium" pitchFamily="34" charset="0"/>
+                <a:ea typeface="宋体" panose="02010600030101010101" pitchFamily="2" charset="-122"/>
+              </a:defRPr>
+            </a:lvl2pPr>
+            <a:lvl3pPr marL="1143000" indent="-228600" defTabSz="784225">
+              <a:lnSpc>
+                <a:spcPct val="120000"/>
+              </a:lnSpc>
+              <a:spcBef>
+                <a:spcPct val="20000"/>
+              </a:spcBef>
+              <a:spcAft>
+                <a:spcPct val="20000"/>
+              </a:spcAft>
+              <a:buClr>
+                <a:schemeClr val="tx1"/>
+              </a:buClr>
+              <a:buFont typeface="Arial" panose="020B0604020202020204" pitchFamily="34" charset="0"/>
+              <a:buChar char="−"/>
+              <a:defRPr sz="1700">
+                <a:solidFill>
+                  <a:schemeClr val="tx1"/>
+                </a:solidFill>
+                <a:latin typeface="FrutigerNext LT Medium" pitchFamily="34" charset="0"/>
+                <a:ea typeface="宋体" panose="02010600030101010101" pitchFamily="2" charset="-122"/>
+              </a:defRPr>
+            </a:lvl3pPr>
+            <a:lvl4pPr marL="1600200" indent="-228600" defTabSz="784225">
+              <a:lnSpc>
+                <a:spcPct val="120000"/>
+              </a:lnSpc>
+              <a:spcBef>
+                <a:spcPct val="20000"/>
+              </a:spcBef>
+              <a:spcAft>
+                <a:spcPct val="20000"/>
+              </a:spcAft>
+              <a:buClr>
+                <a:schemeClr val="tx1"/>
+              </a:buClr>
+              <a:buFont typeface="Arial" panose="020B0604020202020204" pitchFamily="34" charset="0"/>
+              <a:buChar char="▪"/>
+              <a:defRPr sz="1700">
+                <a:solidFill>
+                  <a:schemeClr val="tx1"/>
+                </a:solidFill>
+                <a:latin typeface="FrutigerNext LT Medium" pitchFamily="34" charset="0"/>
+                <a:ea typeface="宋体" panose="02010600030101010101" pitchFamily="2" charset="-122"/>
+              </a:defRPr>
+            </a:lvl4pPr>
+            <a:lvl5pPr marL="2057400" indent="-228600" defTabSz="784225">
+              <a:spcBef>
+                <a:spcPct val="20000"/>
+              </a:spcBef>
+              <a:buChar char="»"/>
+              <a:defRPr sz="1700">
+                <a:solidFill>
+                  <a:schemeClr val="tx1"/>
+                </a:solidFill>
+                <a:latin typeface="Arial" panose="020B0604020202020204" pitchFamily="34" charset="0"/>
+                <a:ea typeface="宋体" panose="02010600030101010101" pitchFamily="2" charset="-122"/>
+              </a:defRPr>
+            </a:lvl5pPr>
+            <a:lvl6pPr marL="2514600" indent="-228600" defTabSz="784225" eaLnBrk="0" fontAlgn="base" hangingPunct="0">
+              <a:spcBef>
+                <a:spcPct val="20000"/>
+              </a:spcBef>
+              <a:spcAft>
+                <a:spcPct val="0"/>
+              </a:spcAft>
+              <a:buChar char="»"/>
+              <a:defRPr sz="1700">
+                <a:solidFill>
+                  <a:schemeClr val="tx1"/>
+                </a:solidFill>
+                <a:latin typeface="Arial" panose="020B0604020202020204" pitchFamily="34" charset="0"/>
+                <a:ea typeface="宋体" panose="02010600030101010101" pitchFamily="2" charset="-122"/>
+              </a:defRPr>
+            </a:lvl6pPr>
+            <a:lvl7pPr marL="2971800" indent="-228600" defTabSz="784225" eaLnBrk="0" fontAlgn="base" hangingPunct="0">
+              <a:spcBef>
+                <a:spcPct val="20000"/>
+              </a:spcBef>
+              <a:spcAft>
+                <a:spcPct val="0"/>
+              </a:spcAft>
+              <a:buChar char="»"/>
+              <a:defRPr sz="1700">
+                <a:solidFill>
+                  <a:schemeClr val="tx1"/>
+                </a:solidFill>
+                <a:latin typeface="Arial" panose="020B0604020202020204" pitchFamily="34" charset="0"/>
+                <a:ea typeface="宋体" panose="02010600030101010101" pitchFamily="2" charset="-122"/>
+              </a:defRPr>
+            </a:lvl7pPr>
+            <a:lvl8pPr marL="3429000" indent="-228600" defTabSz="784225" eaLnBrk="0" fontAlgn="base" hangingPunct="0">
+              <a:spcBef>
+                <a:spcPct val="20000"/>
+              </a:spcBef>
+              <a:spcAft>
+                <a:spcPct val="0"/>
+              </a:spcAft>
+              <a:buChar char="»"/>
+              <a:defRPr sz="1700">
+                <a:solidFill>
+                  <a:schemeClr val="tx1"/>
+                </a:solidFill>
+                <a:latin typeface="Arial" panose="020B0604020202020204" pitchFamily="34" charset="0"/>
+                <a:ea typeface="宋体" panose="02010600030101010101" pitchFamily="2" charset="-122"/>
+              </a:defRPr>
+            </a:lvl8pPr>
+            <a:lvl9pPr marL="3886200" indent="-228600" defTabSz="784225" eaLnBrk="0" fontAlgn="base" hangingPunct="0">
+              <a:spcBef>
+                <a:spcPct val="20000"/>
+              </a:spcBef>
+              <a:spcAft>
+                <a:spcPct val="0"/>
+              </a:spcAft>
+              <a:buChar char="»"/>
+              <a:defRPr sz="1700">
+                <a:solidFill>
+                  <a:schemeClr val="tx1"/>
+                </a:solidFill>
+                <a:latin typeface="Arial" panose="020B0604020202020204" pitchFamily="34" charset="0"/>
+                <a:ea typeface="宋体" panose="02010600030101010101" pitchFamily="2" charset="-122"/>
+              </a:defRPr>
+            </a:lvl9pPr>
+          </a:lstStyle>
+          <a:p>
+            <a:pPr>
+              <a:lnSpc>
+                <a:spcPct val="85000"/>
+              </a:lnSpc>
+              <a:spcBef>
+                <a:spcPct val="0"/>
+              </a:spcBef>
+              <a:spcAft>
+                <a:spcPct val="0"/>
+              </a:spcAft>
+              <a:buClrTx/>
+              <a:buSzTx/>
+              <a:buFontTx/>
+              <a:buNone/>
+            </a:pPr>
+            <a:endParaRPr lang="de-DE" altLang="en-US" sz="1000" smtClean="0">
+              <a:ea typeface="MS PGothic" panose="020B0600070205080204" pitchFamily="34" charset="-128"/>
+            </a:endParaRPr>
+          </a:p>
+          <a:p>
+            <a:pPr>
+              <a:lnSpc>
+                <a:spcPct val="85000"/>
+              </a:lnSpc>
+              <a:spcBef>
+                <a:spcPct val="0"/>
+              </a:spcBef>
+              <a:spcAft>
+                <a:spcPct val="0"/>
+              </a:spcAft>
+              <a:buClrTx/>
+              <a:buSzTx/>
+              <a:buFontTx/>
+              <a:buNone/>
+            </a:pPr>
+            <a:r>
+              <a:rPr lang="de-DE" altLang="en-US" sz="1000" smtClean="0">
+                <a:ea typeface="MS PGothic" panose="020B0600070205080204" pitchFamily="34" charset="-128"/>
+              </a:rPr>
+              <a:t>Page </a:t>
+            </a:r>
+            <a:fld id="{8DC6A97E-2057-4D78-A7C7-ACEC89E1A461}" type="slidenum">
+              <a:rPr lang="de-DE" altLang="en-US" sz="1000" smtClean="0">
+                <a:ea typeface="MS PGothic" panose="020B0600070205080204" pitchFamily="34" charset="-128"/>
+              </a:rPr>
+              <a:pPr>
+                <a:lnSpc>
+                  <a:spcPct val="85000"/>
+                </a:lnSpc>
+                <a:spcBef>
+                  <a:spcPct val="0"/>
+                </a:spcBef>
+                <a:spcAft>
+                  <a:spcPct val="0"/>
+                </a:spcAft>
+                <a:buClrTx/>
+                <a:buSzTx/>
+                <a:buFontTx/>
+                <a:buNone/>
+              </a:pPr>
+              <a:t>25</a:t>
+            </a:fld>
+            <a:r>
+              <a:rPr lang="ru-RU" altLang="en-US" sz="1000" smtClean="0">
+                <a:ea typeface="MS PGothic" panose="020B0600070205080204" pitchFamily="34" charset="-128"/>
+              </a:rPr>
+              <a:t>/1</a:t>
+            </a:r>
+            <a:r>
+              <a:rPr lang="en-US" altLang="en-US" sz="1000" smtClean="0">
+                <a:ea typeface="MS PGothic" panose="020B0600070205080204" pitchFamily="34" charset="-128"/>
+              </a:rPr>
+              <a:t>3</a:t>
+            </a:r>
+            <a:endParaRPr lang="en-GB" altLang="en-US" sz="1000" smtClean="0">
+              <a:ea typeface="MS PGothic" panose="020B0600070205080204" pitchFamily="34" charset="-128"/>
+            </a:endParaRPr>
+          </a:p>
+        </p:txBody>
+      </p:sp>
+      <p:sp>
+        <p:nvSpPr>
+          <p:cNvPr id="17411" name="Rectangle 2"/>
+          <p:cNvSpPr>
+            <a:spLocks noGrp="1" noChangeArrowheads="1"/>
+          </p:cNvSpPr>
+          <p:nvPr>
+            <p:ph type="title"/>
+          </p:nvPr>
+        </p:nvSpPr>
+        <p:spPr>
+          <a:xfrm>
+            <a:off x="28575" y="12700"/>
+            <a:ext cx="9115425" cy="720725"/>
+          </a:xfrm>
+        </p:spPr>
+        <p:txBody>
+          <a:bodyPr/>
+          <a:lstStyle/>
+          <a:p>
+            <a:pPr algn="ctr" eaLnBrk="1" hangingPunct="1">
+              <a:defRPr/>
+            </a:pPr>
+            <a:r>
+              <a:rPr lang="en-US" altLang="zh-CN" sz="3200" dirty="0" smtClean="0"/>
+              <a:t>Further extension</a:t>
+            </a:r>
+            <a:endParaRPr lang="en-US" altLang="zh-CN" sz="2000" dirty="0" smtClean="0">
+              <a:solidFill>
+                <a:schemeClr val="tx1">
+                  <a:lumMod val="75000"/>
+                  <a:lumOff val="25000"/>
+                </a:schemeClr>
+              </a:solidFill>
+            </a:endParaRPr>
+          </a:p>
+        </p:txBody>
+      </p:sp>
+      <p:sp>
+        <p:nvSpPr>
+          <p:cNvPr id="17412" name="Rectangle 3"/>
+          <p:cNvSpPr>
+            <a:spLocks noGrp="1" noChangeArrowheads="1"/>
+          </p:cNvSpPr>
+          <p:nvPr>
+            <p:ph type="body" idx="1"/>
+          </p:nvPr>
+        </p:nvSpPr>
+        <p:spPr>
+          <a:xfrm>
+            <a:off x="685800" y="1266825"/>
+            <a:ext cx="8001000" cy="2314575"/>
+          </a:xfrm>
+        </p:spPr>
+        <p:txBody>
+          <a:bodyPr/>
+          <a:lstStyle/>
+          <a:p>
+            <a:pPr marL="522288" lvl="1" indent="0" eaLnBrk="1" hangingPunct="1">
+              <a:buFont typeface="Wingdings" panose="05000000000000000000" pitchFamily="2" charset="2"/>
+              <a:buChar char="Ø"/>
+              <a:tabLst>
+                <a:tab pos="444500" algn="l"/>
+              </a:tabLst>
+            </a:pPr>
+            <a:r>
+              <a:rPr lang="en-US" altLang="en-US" sz="1600" dirty="0" smtClean="0"/>
+              <a:t>   </a:t>
+            </a:r>
+            <a:r>
+              <a:rPr lang="en-US" altLang="en-US" sz="1600" dirty="0" smtClean="0"/>
+              <a:t>Bug localization on million of files</a:t>
+            </a:r>
+            <a:endParaRPr lang="en-US" altLang="en-US" sz="1600" dirty="0" smtClean="0"/>
+          </a:p>
+        </p:txBody>
+      </p:sp>
     </p:spTree>
+    <p:extLst>
+      <p:ext uri="{BB962C8B-B14F-4D97-AF65-F5344CB8AC3E}">
+        <p14:creationId xmlns:p14="http://schemas.microsoft.com/office/powerpoint/2010/main" val="2993831855"/>
+      </p:ext>
+    </p:extLst>
   </p:cSld>
   <p:clrMapOvr>
     <a:masterClrMapping/>
@@ -21958,6 +22252,715 @@
         </p:nvSpPr>
         <p:spPr>
           <a:xfrm>
+            <a:off x="0" y="6212"/>
+            <a:ext cx="9144000" cy="630237"/>
+          </a:xfrm>
+        </p:spPr>
+        <p:txBody>
+          <a:bodyPr/>
+          <a:lstStyle/>
+          <a:p>
+            <a:pPr algn="ctr"/>
+            <a:r>
+              <a:rPr lang="en-US" altLang="zh-CN" sz="3200" dirty="0" smtClean="0"/>
+              <a:t>Motivation</a:t>
+            </a:r>
+            <a:endParaRPr lang="zh-CN" altLang="en-US" sz="2000" dirty="0" smtClean="0"/>
+          </a:p>
+        </p:txBody>
+      </p:sp>
+      <p:sp>
+        <p:nvSpPr>
+          <p:cNvPr id="11267" name="Rectangle 3"/>
+          <p:cNvSpPr>
+            <a:spLocks noGrp="1" noChangeArrowheads="1"/>
+          </p:cNvSpPr>
+          <p:nvPr>
+            <p:ph type="body" sz="half" idx="1"/>
+          </p:nvPr>
+        </p:nvSpPr>
+        <p:spPr>
+          <a:xfrm>
+            <a:off x="609599" y="685800"/>
+            <a:ext cx="8177213" cy="5334000"/>
+          </a:xfrm>
+        </p:spPr>
+        <p:txBody>
+          <a:bodyPr/>
+          <a:lstStyle/>
+          <a:p>
+            <a:pPr marL="0" indent="0" algn="just">
+              <a:lnSpc>
+                <a:spcPct val="115000"/>
+              </a:lnSpc>
+              <a:buNone/>
+            </a:pPr>
+            <a:endParaRPr lang="en-US" altLang="zh-CN" sz="1600" dirty="0"/>
+          </a:p>
+          <a:p>
+            <a:pPr marL="0" indent="0" algn="just">
+              <a:lnSpc>
+                <a:spcPct val="115000"/>
+              </a:lnSpc>
+              <a:buNone/>
+            </a:pPr>
+            <a:endParaRPr lang="en-US" altLang="zh-CN" sz="1600" dirty="0" smtClean="0"/>
+          </a:p>
+          <a:p>
+            <a:pPr marL="231775" indent="-231775" algn="just">
+              <a:lnSpc>
+                <a:spcPct val="115000"/>
+              </a:lnSpc>
+              <a:buFont typeface="Wingdings" pitchFamily="2" charset="2"/>
+              <a:buNone/>
+            </a:pPr>
+            <a:endParaRPr lang="en-US" altLang="zh-CN" dirty="0" smtClean="0"/>
+          </a:p>
+          <a:p>
+            <a:pPr marL="231775" indent="-231775" algn="just">
+              <a:lnSpc>
+                <a:spcPct val="115000"/>
+              </a:lnSpc>
+              <a:buFont typeface="Wingdings" pitchFamily="2" charset="2"/>
+              <a:buNone/>
+            </a:pPr>
+            <a:endParaRPr lang="en-US" altLang="zh-CN" dirty="0"/>
+          </a:p>
+          <a:p>
+            <a:pPr marL="231775" indent="-231775" algn="just">
+              <a:lnSpc>
+                <a:spcPct val="115000"/>
+              </a:lnSpc>
+              <a:buFont typeface="Wingdings" pitchFamily="2" charset="2"/>
+              <a:buNone/>
+            </a:pPr>
+            <a:r>
+              <a:rPr lang="en-US" altLang="zh-CN" sz="2000" dirty="0" smtClean="0"/>
+              <a:t>Relevancy</a:t>
+            </a:r>
+            <a:r>
+              <a:rPr lang="en-US" altLang="zh-CN" dirty="0" smtClean="0"/>
+              <a:t>:</a:t>
+            </a:r>
+          </a:p>
+          <a:p>
+            <a:pPr algn="just">
+              <a:lnSpc>
+                <a:spcPct val="115000"/>
+              </a:lnSpc>
+            </a:pPr>
+            <a:r>
+              <a:rPr lang="en-US" altLang="zh-CN" dirty="0" smtClean="0"/>
+              <a:t>Finding the right team or developer</a:t>
+            </a:r>
+          </a:p>
+          <a:p>
+            <a:pPr algn="just">
+              <a:lnSpc>
+                <a:spcPct val="115000"/>
+              </a:lnSpc>
+            </a:pPr>
+            <a:r>
+              <a:rPr lang="en-US" altLang="zh-CN" dirty="0" smtClean="0"/>
+              <a:t>Giving the developer a starting point</a:t>
+            </a:r>
+          </a:p>
+          <a:p>
+            <a:pPr algn="just">
+              <a:lnSpc>
+                <a:spcPct val="115000"/>
+              </a:lnSpc>
+            </a:pPr>
+            <a:r>
+              <a:rPr lang="en-US" altLang="zh-CN" dirty="0" smtClean="0"/>
+              <a:t>Enabling automated program repair</a:t>
+            </a:r>
+          </a:p>
+          <a:p>
+            <a:pPr algn="just">
+              <a:lnSpc>
+                <a:spcPct val="115000"/>
+              </a:lnSpc>
+            </a:pPr>
+            <a:endParaRPr lang="en-US" altLang="zh-CN" dirty="0"/>
+          </a:p>
+          <a:p>
+            <a:pPr marL="0" indent="0" algn="just">
+              <a:lnSpc>
+                <a:spcPct val="115000"/>
+              </a:lnSpc>
+              <a:buNone/>
+            </a:pPr>
+            <a:r>
+              <a:rPr lang="en-US" altLang="zh-CN" dirty="0" smtClean="0"/>
+              <a:t>Input: raw crash trace</a:t>
+            </a:r>
+          </a:p>
+          <a:p>
+            <a:pPr marL="0" indent="0" algn="just">
+              <a:lnSpc>
+                <a:spcPct val="115000"/>
+              </a:lnSpc>
+              <a:buNone/>
+            </a:pPr>
+            <a:r>
+              <a:rPr lang="en-US" altLang="zh-CN" dirty="0" smtClean="0"/>
+              <a:t>Output</a:t>
+            </a:r>
+            <a:r>
+              <a:rPr lang="en-US" altLang="zh-CN" smtClean="0"/>
+              <a:t>: file(s) </a:t>
+            </a:r>
+            <a:r>
+              <a:rPr lang="en-US" altLang="zh-CN" dirty="0" smtClean="0"/>
+              <a:t>where to fix </a:t>
+            </a:r>
+            <a:r>
+              <a:rPr lang="en-US" altLang="zh-CN" smtClean="0"/>
+              <a:t>the bug</a:t>
+            </a:r>
+            <a:endParaRPr lang="en-US" altLang="zh-CN" dirty="0" smtClean="0"/>
+          </a:p>
+        </p:txBody>
+      </p:sp>
+      <p:sp>
+        <p:nvSpPr>
+          <p:cNvPr id="11268" name="Date Placeholder 4"/>
+          <p:cNvSpPr>
+            <a:spLocks noGrp="1"/>
+          </p:cNvSpPr>
+          <p:nvPr>
+            <p:ph type="dt" sz="quarter" idx="10"/>
+          </p:nvPr>
+        </p:nvSpPr>
+        <p:spPr>
+          <a:noFill/>
+          <a:ln/>
+          <a:extLst>
+            <a:ext uri="{909E8E84-426E-40DD-AFC4-6F175D3DCCD1}">
+              <a14:hiddenFill xmlns:a14="http://schemas.microsoft.com/office/drawing/2010/main">
+                <a:solidFill>
+                  <a:srgbClr val="FFFFFF"/>
+                </a:solidFill>
+              </a14:hiddenFill>
+            </a:ext>
+            <a:ext uri="{91240B29-F687-4F45-9708-019B960494DF}">
+              <a14:hiddenLine xmlns:a14="http://schemas.microsoft.com/office/drawing/2010/main" w="9525">
+                <a:solidFill>
+                  <a:srgbClr val="000000"/>
+                </a:solidFill>
+                <a:miter lim="800000"/>
+                <a:headEnd/>
+                <a:tailEnd/>
+              </a14:hiddenLine>
+            </a:ext>
+          </a:extLst>
+        </p:spPr>
+        <p:txBody>
+          <a:bodyPr/>
+          <a:lstStyle>
+            <a:lvl1pPr>
+              <a:lnSpc>
+                <a:spcPct val="120000"/>
+              </a:lnSpc>
+              <a:spcBef>
+                <a:spcPct val="20000"/>
+              </a:spcBef>
+              <a:spcAft>
+                <a:spcPct val="20000"/>
+              </a:spcAft>
+              <a:buClr>
+                <a:srgbClr val="990000"/>
+              </a:buClr>
+              <a:buSzPct val="85000"/>
+              <a:buFont typeface="Wingdings" panose="05000000000000000000" pitchFamily="2" charset="2"/>
+              <a:buChar char="l"/>
+              <a:defRPr sz="1700">
+                <a:solidFill>
+                  <a:schemeClr val="tx1"/>
+                </a:solidFill>
+                <a:latin typeface="FrutigerNext LT Medium" pitchFamily="34" charset="0"/>
+                <a:ea typeface="宋体" panose="02010600030101010101" pitchFamily="2" charset="-122"/>
+              </a:defRPr>
+            </a:lvl1pPr>
+            <a:lvl2pPr marL="742950" indent="-285750">
+              <a:lnSpc>
+                <a:spcPct val="120000"/>
+              </a:lnSpc>
+              <a:spcBef>
+                <a:spcPct val="20000"/>
+              </a:spcBef>
+              <a:spcAft>
+                <a:spcPct val="20000"/>
+              </a:spcAft>
+              <a:buClr>
+                <a:srgbClr val="5F5F5F"/>
+              </a:buClr>
+              <a:buFont typeface="Wingdings 3" panose="05040102010807070707" pitchFamily="18" charset="2"/>
+              <a:buChar char="["/>
+              <a:defRPr sz="1700">
+                <a:solidFill>
+                  <a:schemeClr val="tx1"/>
+                </a:solidFill>
+                <a:latin typeface="FrutigerNext LT Medium" pitchFamily="34" charset="0"/>
+                <a:ea typeface="宋体" panose="02010600030101010101" pitchFamily="2" charset="-122"/>
+              </a:defRPr>
+            </a:lvl2pPr>
+            <a:lvl3pPr marL="1143000" indent="-228600">
+              <a:lnSpc>
+                <a:spcPct val="120000"/>
+              </a:lnSpc>
+              <a:spcBef>
+                <a:spcPct val="20000"/>
+              </a:spcBef>
+              <a:spcAft>
+                <a:spcPct val="20000"/>
+              </a:spcAft>
+              <a:buClr>
+                <a:schemeClr val="tx1"/>
+              </a:buClr>
+              <a:buFont typeface="Arial" panose="020B0604020202020204" pitchFamily="34" charset="0"/>
+              <a:buChar char="−"/>
+              <a:defRPr sz="1700">
+                <a:solidFill>
+                  <a:schemeClr val="tx1"/>
+                </a:solidFill>
+                <a:latin typeface="FrutigerNext LT Medium" pitchFamily="34" charset="0"/>
+                <a:ea typeface="宋体" panose="02010600030101010101" pitchFamily="2" charset="-122"/>
+              </a:defRPr>
+            </a:lvl3pPr>
+            <a:lvl4pPr marL="1600200" indent="-228600">
+              <a:lnSpc>
+                <a:spcPct val="120000"/>
+              </a:lnSpc>
+              <a:spcBef>
+                <a:spcPct val="20000"/>
+              </a:spcBef>
+              <a:spcAft>
+                <a:spcPct val="20000"/>
+              </a:spcAft>
+              <a:buClr>
+                <a:schemeClr val="tx1"/>
+              </a:buClr>
+              <a:buFont typeface="Arial" panose="020B0604020202020204" pitchFamily="34" charset="0"/>
+              <a:buChar char="▪"/>
+              <a:defRPr sz="1700">
+                <a:solidFill>
+                  <a:schemeClr val="tx1"/>
+                </a:solidFill>
+                <a:latin typeface="FrutigerNext LT Medium" pitchFamily="34" charset="0"/>
+                <a:ea typeface="宋体" panose="02010600030101010101" pitchFamily="2" charset="-122"/>
+              </a:defRPr>
+            </a:lvl4pPr>
+            <a:lvl5pPr marL="2057400" indent="-228600">
+              <a:spcBef>
+                <a:spcPct val="20000"/>
+              </a:spcBef>
+              <a:buChar char="»"/>
+              <a:defRPr sz="1700">
+                <a:solidFill>
+                  <a:schemeClr val="tx1"/>
+                </a:solidFill>
+                <a:latin typeface="Arial" panose="020B0604020202020204" pitchFamily="34" charset="0"/>
+                <a:ea typeface="宋体" panose="02010600030101010101" pitchFamily="2" charset="-122"/>
+              </a:defRPr>
+            </a:lvl5pPr>
+            <a:lvl6pPr marL="2514600" indent="-228600" eaLnBrk="0" fontAlgn="base" hangingPunct="0">
+              <a:spcBef>
+                <a:spcPct val="20000"/>
+              </a:spcBef>
+              <a:spcAft>
+                <a:spcPct val="0"/>
+              </a:spcAft>
+              <a:buChar char="»"/>
+              <a:defRPr sz="1700">
+                <a:solidFill>
+                  <a:schemeClr val="tx1"/>
+                </a:solidFill>
+                <a:latin typeface="Arial" panose="020B0604020202020204" pitchFamily="34" charset="0"/>
+                <a:ea typeface="宋体" panose="02010600030101010101" pitchFamily="2" charset="-122"/>
+              </a:defRPr>
+            </a:lvl6pPr>
+            <a:lvl7pPr marL="2971800" indent="-228600" eaLnBrk="0" fontAlgn="base" hangingPunct="0">
+              <a:spcBef>
+                <a:spcPct val="20000"/>
+              </a:spcBef>
+              <a:spcAft>
+                <a:spcPct val="0"/>
+              </a:spcAft>
+              <a:buChar char="»"/>
+              <a:defRPr sz="1700">
+                <a:solidFill>
+                  <a:schemeClr val="tx1"/>
+                </a:solidFill>
+                <a:latin typeface="Arial" panose="020B0604020202020204" pitchFamily="34" charset="0"/>
+                <a:ea typeface="宋体" panose="02010600030101010101" pitchFamily="2" charset="-122"/>
+              </a:defRPr>
+            </a:lvl7pPr>
+            <a:lvl8pPr marL="3429000" indent="-228600" eaLnBrk="0" fontAlgn="base" hangingPunct="0">
+              <a:spcBef>
+                <a:spcPct val="20000"/>
+              </a:spcBef>
+              <a:spcAft>
+                <a:spcPct val="0"/>
+              </a:spcAft>
+              <a:buChar char="»"/>
+              <a:defRPr sz="1700">
+                <a:solidFill>
+                  <a:schemeClr val="tx1"/>
+                </a:solidFill>
+                <a:latin typeface="Arial" panose="020B0604020202020204" pitchFamily="34" charset="0"/>
+                <a:ea typeface="宋体" panose="02010600030101010101" pitchFamily="2" charset="-122"/>
+              </a:defRPr>
+            </a:lvl8pPr>
+            <a:lvl9pPr marL="3886200" indent="-228600" eaLnBrk="0" fontAlgn="base" hangingPunct="0">
+              <a:spcBef>
+                <a:spcPct val="20000"/>
+              </a:spcBef>
+              <a:spcAft>
+                <a:spcPct val="0"/>
+              </a:spcAft>
+              <a:buChar char="»"/>
+              <a:defRPr sz="1700">
+                <a:solidFill>
+                  <a:schemeClr val="tx1"/>
+                </a:solidFill>
+                <a:latin typeface="Arial" panose="020B0604020202020204" pitchFamily="34" charset="0"/>
+                <a:ea typeface="宋体" panose="02010600030101010101" pitchFamily="2" charset="-122"/>
+              </a:defRPr>
+            </a:lvl9pPr>
+          </a:lstStyle>
+          <a:p>
+            <a:pPr>
+              <a:lnSpc>
+                <a:spcPct val="85000"/>
+              </a:lnSpc>
+              <a:spcBef>
+                <a:spcPct val="0"/>
+              </a:spcBef>
+              <a:spcAft>
+                <a:spcPct val="0"/>
+              </a:spcAft>
+              <a:buClrTx/>
+              <a:buSzTx/>
+              <a:buFontTx/>
+              <a:buNone/>
+            </a:pPr>
+            <a:endParaRPr lang="de-DE" altLang="en-US" sz="1000" smtClean="0">
+              <a:ea typeface="MS PGothic" panose="020B0600070205080204" pitchFamily="34" charset="-128"/>
+            </a:endParaRPr>
+          </a:p>
+          <a:p>
+            <a:pPr>
+              <a:lnSpc>
+                <a:spcPct val="85000"/>
+              </a:lnSpc>
+              <a:spcBef>
+                <a:spcPct val="0"/>
+              </a:spcBef>
+              <a:spcAft>
+                <a:spcPct val="0"/>
+              </a:spcAft>
+              <a:buClrTx/>
+              <a:buSzTx/>
+              <a:buFontTx/>
+              <a:buNone/>
+            </a:pPr>
+            <a:r>
+              <a:rPr lang="de-DE" altLang="en-US" sz="1000" smtClean="0">
+                <a:ea typeface="MS PGothic" panose="020B0600070205080204" pitchFamily="34" charset="-128"/>
+              </a:rPr>
+              <a:t>Page </a:t>
+            </a:r>
+            <a:fld id="{86532620-EE16-4692-A7FF-47162C7E0C8F}" type="slidenum">
+              <a:rPr lang="de-DE" altLang="en-US" sz="1000" smtClean="0">
+                <a:ea typeface="MS PGothic" panose="020B0600070205080204" pitchFamily="34" charset="-128"/>
+              </a:rPr>
+              <a:pPr>
+                <a:lnSpc>
+                  <a:spcPct val="85000"/>
+                </a:lnSpc>
+                <a:spcBef>
+                  <a:spcPct val="0"/>
+                </a:spcBef>
+                <a:spcAft>
+                  <a:spcPct val="0"/>
+                </a:spcAft>
+                <a:buClrTx/>
+                <a:buSzTx/>
+                <a:buFontTx/>
+                <a:buNone/>
+              </a:pPr>
+              <a:t>26</a:t>
+            </a:fld>
+            <a:r>
+              <a:rPr lang="ru-RU" altLang="en-US" sz="1000" smtClean="0">
+                <a:ea typeface="MS PGothic" panose="020B0600070205080204" pitchFamily="34" charset="-128"/>
+              </a:rPr>
+              <a:t>/1</a:t>
+            </a:r>
+            <a:r>
+              <a:rPr lang="en-US" altLang="en-US" sz="1000" smtClean="0">
+                <a:ea typeface="MS PGothic" panose="020B0600070205080204" pitchFamily="34" charset="-128"/>
+              </a:rPr>
+              <a:t>3</a:t>
+            </a:r>
+            <a:endParaRPr lang="en-GB" altLang="en-US" sz="1000" smtClean="0">
+              <a:ea typeface="MS PGothic" panose="020B0600070205080204" pitchFamily="34" charset="-128"/>
+            </a:endParaRPr>
+          </a:p>
+        </p:txBody>
+      </p:sp>
+      <p:sp>
+        <p:nvSpPr>
+          <p:cNvPr id="4" name="Rectangle 3"/>
+          <p:cNvSpPr/>
+          <p:nvPr/>
+        </p:nvSpPr>
+        <p:spPr>
+          <a:xfrm>
+            <a:off x="5674518" y="914400"/>
+            <a:ext cx="1566863" cy="1066800"/>
+          </a:xfrm>
+          <a:prstGeom prst="rect">
+            <a:avLst/>
+          </a:prstGeom>
+        </p:spPr>
+        <p:style>
+          <a:lnRef idx="2">
+            <a:schemeClr val="dk1">
+              <a:shade val="50000"/>
+            </a:schemeClr>
+          </a:lnRef>
+          <a:fillRef idx="1">
+            <a:schemeClr val="dk1"/>
+          </a:fillRef>
+          <a:effectRef idx="0">
+            <a:schemeClr val="dk1"/>
+          </a:effectRef>
+          <a:fontRef idx="minor">
+            <a:schemeClr val="lt1"/>
+          </a:fontRef>
+        </p:style>
+        <p:txBody>
+          <a:bodyPr rtlCol="0" anchor="ctr"/>
+          <a:lstStyle/>
+          <a:p>
+            <a:pPr algn="ctr"/>
+            <a:r>
+              <a:rPr lang="en-US" dirty="0" smtClean="0"/>
+              <a:t>Multi million file code base</a:t>
+            </a:r>
+            <a:endParaRPr lang="en-US" dirty="0"/>
+          </a:p>
+        </p:txBody>
+      </p:sp>
+      <p:sp>
+        <p:nvSpPr>
+          <p:cNvPr id="2" name="TextBox 1"/>
+          <p:cNvSpPr txBox="1"/>
+          <p:nvPr/>
+        </p:nvSpPr>
+        <p:spPr>
+          <a:xfrm>
+            <a:off x="685800" y="914400"/>
+            <a:ext cx="1620957" cy="923330"/>
+          </a:xfrm>
+          <a:prstGeom prst="rect">
+            <a:avLst/>
+          </a:prstGeom>
+          <a:noFill/>
+        </p:spPr>
+        <p:txBody>
+          <a:bodyPr wrap="none" rtlCol="0">
+            <a:spAutoFit/>
+          </a:bodyPr>
+          <a:lstStyle/>
+          <a:p>
+            <a:r>
+              <a:rPr lang="en-US" dirty="0"/>
+              <a:t>t</a:t>
+            </a:r>
+            <a:r>
+              <a:rPr lang="en-US" dirty="0" smtClean="0"/>
+              <a:t>housands of</a:t>
+            </a:r>
+          </a:p>
+          <a:p>
+            <a:r>
+              <a:rPr lang="en-US" dirty="0"/>
+              <a:t>c</a:t>
+            </a:r>
+            <a:r>
+              <a:rPr lang="en-US" dirty="0" smtClean="0"/>
+              <a:t>rashes every</a:t>
+            </a:r>
+          </a:p>
+          <a:p>
+            <a:r>
+              <a:rPr lang="en-US" dirty="0" smtClean="0"/>
+              <a:t>day</a:t>
+            </a:r>
+            <a:endParaRPr lang="en-US" dirty="0"/>
+          </a:p>
+        </p:txBody>
+      </p:sp>
+      <p:cxnSp>
+        <p:nvCxnSpPr>
+          <p:cNvPr id="18" name="Straight Arrow Connector 17"/>
+          <p:cNvCxnSpPr/>
+          <p:nvPr/>
+        </p:nvCxnSpPr>
+        <p:spPr>
+          <a:xfrm>
+            <a:off x="2542837" y="1376065"/>
+            <a:ext cx="2867363" cy="0"/>
+          </a:xfrm>
+          <a:prstGeom prst="straightConnector1">
+            <a:avLst/>
+          </a:prstGeom>
+          <a:ln>
+            <a:tailEnd type="triangle"/>
+          </a:ln>
+        </p:spPr>
+        <p:style>
+          <a:lnRef idx="1">
+            <a:schemeClr val="dk1"/>
+          </a:lnRef>
+          <a:fillRef idx="0">
+            <a:schemeClr val="dk1"/>
+          </a:fillRef>
+          <a:effectRef idx="0">
+            <a:schemeClr val="dk1"/>
+          </a:effectRef>
+          <a:fontRef idx="minor">
+            <a:schemeClr val="tx1"/>
+          </a:fontRef>
+        </p:style>
+      </p:cxnSp>
+      <p:sp>
+        <p:nvSpPr>
+          <p:cNvPr id="22" name="TextBox 21"/>
+          <p:cNvSpPr txBox="1"/>
+          <p:nvPr/>
+        </p:nvSpPr>
+        <p:spPr>
+          <a:xfrm>
+            <a:off x="2743200" y="1376065"/>
+            <a:ext cx="2326278" cy="369332"/>
+          </a:xfrm>
+          <a:prstGeom prst="rect">
+            <a:avLst/>
+          </a:prstGeom>
+          <a:noFill/>
+        </p:spPr>
+        <p:txBody>
+          <a:bodyPr wrap="none" rtlCol="0">
+            <a:spAutoFit/>
+          </a:bodyPr>
+          <a:lstStyle/>
+          <a:p>
+            <a:r>
+              <a:rPr lang="en-US" dirty="0"/>
+              <a:t>w</a:t>
+            </a:r>
+            <a:r>
+              <a:rPr lang="en-US" dirty="0" smtClean="0"/>
+              <a:t>here to fix the bug?</a:t>
+            </a:r>
+            <a:endParaRPr lang="en-US" dirty="0"/>
+          </a:p>
+        </p:txBody>
+      </p:sp>
+    </p:spTree>
+    <p:extLst>
+      <p:ext uri="{BB962C8B-B14F-4D97-AF65-F5344CB8AC3E}">
+        <p14:creationId xmlns:p14="http://schemas.microsoft.com/office/powerpoint/2010/main" val="1204007245"/>
+      </p:ext>
+    </p:extLst>
+  </p:cSld>
+  <p:clrMapOvr>
+    <a:overrideClrMapping bg1="lt1" tx1="dk1" bg2="lt2" tx2="dk2" accent1="accent1" accent2="accent2" accent3="accent3" accent4="accent4" accent5="accent5" accent6="accent6" hlink="hlink" folHlink="folHlink"/>
+  </p:clrMapOvr>
+  <p:timing>
+    <p:tnLst>
+      <p:par>
+        <p:cTn id="1" dur="indefinite" restart="never" nodeType="tmRoot"/>
+      </p:par>
+    </p:tnLst>
+  </p:timing>
+</p:sld>
+</file>
+
+<file path=ppt/slides/slide27.xml><?xml version="1.0" encoding="utf-8"?>
+<p:sld xmlns:a="http://schemas.openxmlformats.org/drawingml/2006/main" xmlns:r="http://schemas.openxmlformats.org/officeDocument/2006/relationships" xmlns:p="http://schemas.openxmlformats.org/presentationml/2006/main">
+  <p:cSld>
+    <p:spTree>
+      <p:nvGrpSpPr>
+        <p:cNvPr id="1" name=""/>
+        <p:cNvGrpSpPr/>
+        <p:nvPr/>
+      </p:nvGrpSpPr>
+      <p:grpSpPr>
+        <a:xfrm>
+          <a:off x="0" y="0"/>
+          <a:ext cx="0" cy="0"/>
+          <a:chOff x="0" y="0"/>
+          <a:chExt cx="0" cy="0"/>
+        </a:xfrm>
+      </p:grpSpPr>
+    </p:spTree>
+  </p:cSld>
+  <p:clrMapOvr>
+    <a:masterClrMapping/>
+  </p:clrMapOvr>
+  <p:timing>
+    <p:tnLst>
+      <p:par>
+        <p:cTn id="1" dur="indefinite" restart="never" nodeType="tmRoot"/>
+      </p:par>
+    </p:tnLst>
+  </p:timing>
+</p:sld>
+</file>
+
+<file path=ppt/slides/slide28.xml><?xml version="1.0" encoding="utf-8"?>
+<p:sld xmlns:a="http://schemas.openxmlformats.org/drawingml/2006/main" xmlns:r="http://schemas.openxmlformats.org/officeDocument/2006/relationships" xmlns:p="http://schemas.openxmlformats.org/presentationml/2006/main">
+  <p:cSld>
+    <p:bg>
+      <p:bgPr>
+        <a:solidFill>
+          <a:schemeClr val="bg1"/>
+        </a:solidFill>
+        <a:effectLst/>
+      </p:bgPr>
+    </p:bg>
+    <p:spTree>
+      <p:nvGrpSpPr>
+        <p:cNvPr id="1" name=""/>
+        <p:cNvGrpSpPr/>
+        <p:nvPr/>
+      </p:nvGrpSpPr>
+      <p:grpSpPr>
+        <a:xfrm>
+          <a:off x="0" y="0"/>
+          <a:ext cx="0" cy="0"/>
+          <a:chOff x="0" y="0"/>
+          <a:chExt cx="0" cy="0"/>
+        </a:xfrm>
+      </p:grpSpPr>
+      <p:sp>
+        <p:nvSpPr>
+          <p:cNvPr id="11266" name="Rectangle 2"/>
+          <p:cNvSpPr>
+            <a:spLocks noGrp="1" noChangeArrowheads="1"/>
+          </p:cNvSpPr>
+          <p:nvPr>
+            <p:ph type="title"/>
+          </p:nvPr>
+        </p:nvSpPr>
+        <p:spPr>
+          <a:xfrm>
             <a:off x="609600" y="401638"/>
             <a:ext cx="8177213" cy="721210"/>
           </a:xfrm>
@@ -22368,7 +23371,7 @@
                 <a:buFontTx/>
                 <a:buNone/>
               </a:pPr>
-              <a:t>26</a:t>
+              <a:t>28</a:t>
             </a:fld>
             <a:r>
               <a:rPr lang="ru-RU" altLang="en-US" sz="1000" smtClean="0">
@@ -29203,6 +30206,49 @@
 </a:themeOverride>
 </file>
 
+<file path=ppt/theme/themeOverride20.xml><?xml version="1.0" encoding="utf-8"?>
+<a:themeOverride xmlns:a="http://schemas.openxmlformats.org/drawingml/2006/main">
+  <a:clrScheme name="Slide Template—English（20060512）  1">
+    <a:dk1>
+      <a:srgbClr val="000000"/>
+    </a:dk1>
+    <a:lt1>
+      <a:srgbClr val="FFFFFF"/>
+    </a:lt1>
+    <a:dk2>
+      <a:srgbClr val="000000"/>
+    </a:dk2>
+    <a:lt2>
+      <a:srgbClr val="808080"/>
+    </a:lt2>
+    <a:accent1>
+      <a:srgbClr val="BBE0E3"/>
+    </a:accent1>
+    <a:accent2>
+      <a:srgbClr val="333399"/>
+    </a:accent2>
+    <a:accent3>
+      <a:srgbClr val="FFFFFF"/>
+    </a:accent3>
+    <a:accent4>
+      <a:srgbClr val="000000"/>
+    </a:accent4>
+    <a:accent5>
+      <a:srgbClr val="DAEDEF"/>
+    </a:accent5>
+    <a:accent6>
+      <a:srgbClr val="2D2D8A"/>
+    </a:accent6>
+    <a:hlink>
+      <a:srgbClr val="009999"/>
+    </a:hlink>
+    <a:folHlink>
+      <a:srgbClr val="99CC00"/>
+    </a:folHlink>
+  </a:clrScheme>
+</a:themeOverride>
+</file>
+
 <file path=ppt/theme/themeOverride3.xml><?xml version="1.0" encoding="utf-8"?>
 <a:themeOverride xmlns:a="http://schemas.openxmlformats.org/drawingml/2006/main">
   <a:clrScheme name="Slide Template—English（20060512）  1">
